--- a/JavaLecture/LectureFile/java 7강.pptx
+++ b/JavaLecture/LectureFile/java 7강.pptx
@@ -5,7 +5,7 @@
     <p:sldMasterId id="2147483648" r:id="rId1"/>
   </p:sldMasterIdLst>
   <p:notesMasterIdLst>
-    <p:notesMasterId r:id="rId29"/>
+    <p:notesMasterId r:id="rId30"/>
   </p:notesMasterIdLst>
   <p:sldIdLst>
     <p:sldId id="257" r:id="rId2"/>
@@ -30,11 +30,12 @@
     <p:sldId id="579" r:id="rId21"/>
     <p:sldId id="581" r:id="rId22"/>
     <p:sldId id="582" r:id="rId23"/>
-    <p:sldId id="574" r:id="rId24"/>
-    <p:sldId id="578" r:id="rId25"/>
+    <p:sldId id="584" r:id="rId24"/>
+    <p:sldId id="574" r:id="rId25"/>
     <p:sldId id="583" r:id="rId26"/>
-    <p:sldId id="580" r:id="rId27"/>
-    <p:sldId id="275" r:id="rId28"/>
+    <p:sldId id="578" r:id="rId27"/>
+    <p:sldId id="580" r:id="rId28"/>
+    <p:sldId id="275" r:id="rId29"/>
   </p:sldIdLst>
   <p:sldSz cx="18288000" cy="10287000"/>
   <p:notesSz cx="10287000" cy="18288000"/>
@@ -234,7 +235,7 @@
           <a:p>
             <a:fld id="{D79F2C30-10E1-4C46-91DC-BBDB9629E720}" type="datetimeFigureOut">
               <a:rPr lang="ko-KR" altLang="en-US" smtClean="0"/>
-              <a:t>2023-02-04</a:t>
+              <a:t>2023-02-04 Saturday</a:t>
             </a:fld>
             <a:endParaRPr lang="ko-KR" altLang="en-US"/>
           </a:p>
@@ -3696,7 +3697,7 @@
           <p:cNvPr id="2" name="TextBox 1">
             <a:extLst>
               <a:ext uri="{FF2B5EF4-FFF2-40B4-BE49-F238E27FC236}">
-                <a16:creationId xmlns="" xmlns:a16="http://schemas.microsoft.com/office/drawing/2014/main" id="{E9A453A8-9968-67AB-7B4A-83EEB4662AA6}"/>
+                <a16:creationId xmlns:a16="http://schemas.microsoft.com/office/drawing/2014/main" id="{E9A453A8-9968-67AB-7B4A-83EEB4662AA6}"/>
               </a:ext>
             </a:extLst>
           </p:cNvPr>
@@ -3744,7 +3745,7 @@
           <p:cNvPr id="4" name="TextBox 3">
             <a:extLst>
               <a:ext uri="{FF2B5EF4-FFF2-40B4-BE49-F238E27FC236}">
-                <a16:creationId xmlns="" xmlns:a16="http://schemas.microsoft.com/office/drawing/2014/main" id="{F4B7A35A-8AAC-4622-64BC-CAD1472D4115}"/>
+                <a16:creationId xmlns:a16="http://schemas.microsoft.com/office/drawing/2014/main" id="{F4B7A35A-8AAC-4622-64BC-CAD1472D4115}"/>
               </a:ext>
             </a:extLst>
           </p:cNvPr>
@@ -3816,7 +3817,7 @@
           <p:cNvPr id="7" name="TextBox 6">
             <a:extLst>
               <a:ext uri="{FF2B5EF4-FFF2-40B4-BE49-F238E27FC236}">
-                <a16:creationId xmlns="" xmlns:a16="http://schemas.microsoft.com/office/drawing/2014/main" id="{3ACE900A-D779-4343-6623-8588B376F0A1}"/>
+                <a16:creationId xmlns:a16="http://schemas.microsoft.com/office/drawing/2014/main" id="{3ACE900A-D779-4343-6623-8588B376F0A1}"/>
               </a:ext>
             </a:extLst>
           </p:cNvPr>
@@ -3904,7 +3905,7 @@
           <p:cNvPr id="5" name="직사각형 4">
             <a:extLst>
               <a:ext uri="{FF2B5EF4-FFF2-40B4-BE49-F238E27FC236}">
-                <a16:creationId xmlns="" xmlns:a16="http://schemas.microsoft.com/office/drawing/2014/main" id="{FFF506F9-840A-0508-4CAF-3AC711D8D5CE}"/>
+                <a16:creationId xmlns:a16="http://schemas.microsoft.com/office/drawing/2014/main" id="{FFF506F9-840A-0508-4CAF-3AC711D8D5CE}"/>
               </a:ext>
             </a:extLst>
           </p:cNvPr>
@@ -3961,13 +3962,6 @@
   <p:clrMapOvr>
     <a:masterClrMapping/>
   </p:clrMapOvr>
-  <p:timing>
-    <p:tnLst>
-      <p:par>
-        <p:cTn id="1" dur="indefinite" restart="never" nodeType="tmRoot"/>
-      </p:par>
-    </p:tnLst>
-  </p:timing>
 </p:sld>
 </file>
 
@@ -3993,7 +3987,7 @@
           <p:cNvPr id="4" name="TextBox 3">
             <a:extLst>
               <a:ext uri="{FF2B5EF4-FFF2-40B4-BE49-F238E27FC236}">
-                <a16:creationId xmlns="" xmlns:a16="http://schemas.microsoft.com/office/drawing/2014/main" id="{5ADC00B6-990A-40DC-3CEA-505258F5E8DA}"/>
+                <a16:creationId xmlns:a16="http://schemas.microsoft.com/office/drawing/2014/main" id="{5ADC00B6-990A-40DC-3CEA-505258F5E8DA}"/>
               </a:ext>
             </a:extLst>
           </p:cNvPr>
@@ -4017,7 +4011,7 @@
           <a:lstStyle/>
           <a:p>
             <a:r>
-              <a:rPr lang="ko-KR" altLang="en-US" sz="4800" smtClean="0">
+              <a:rPr lang="ko-KR" altLang="en-US" sz="4800">
                 <a:solidFill>
                   <a:srgbClr val="4C50BC"/>
                 </a:solidFill>
@@ -4027,7 +4021,7 @@
               <a:t>인스턴스 변수</a:t>
             </a:r>
             <a:r>
-              <a:rPr lang="en-US" altLang="ko-KR" sz="4800" smtClean="0">
+              <a:rPr lang="en-US" altLang="ko-KR" sz="4800">
                 <a:solidFill>
                   <a:srgbClr val="4C50BC"/>
                 </a:solidFill>
@@ -4037,7 +4031,7 @@
               <a:t>(</a:t>
             </a:r>
             <a:r>
-              <a:rPr lang="ko-KR" altLang="en-US" sz="4800" smtClean="0">
+              <a:rPr lang="ko-KR" altLang="en-US" sz="4800">
                 <a:solidFill>
                   <a:srgbClr val="4C50BC"/>
                 </a:solidFill>
@@ -4047,7 +4041,7 @@
               <a:t>멤버변수</a:t>
             </a:r>
             <a:r>
-              <a:rPr lang="en-US" altLang="ko-KR" sz="4800" smtClean="0">
+              <a:rPr lang="en-US" altLang="ko-KR" sz="4800">
                 <a:solidFill>
                   <a:srgbClr val="4C50BC"/>
                 </a:solidFill>
@@ -4095,7 +4089,7 @@
           <p:cNvPr id="6" name="직사각형 5">
             <a:extLst>
               <a:ext uri="{FF2B5EF4-FFF2-40B4-BE49-F238E27FC236}">
-                <a16:creationId xmlns="" xmlns:a16="http://schemas.microsoft.com/office/drawing/2014/main" id="{FFF506F9-840A-0508-4CAF-3AC711D8D5CE}"/>
+                <a16:creationId xmlns:a16="http://schemas.microsoft.com/office/drawing/2014/main" id="{FFF506F9-840A-0508-4CAF-3AC711D8D5CE}"/>
               </a:ext>
             </a:extLst>
           </p:cNvPr>
@@ -4147,7 +4141,7 @@
           <p:cNvPr id="7" name="직사각형 6">
             <a:extLst>
               <a:ext uri="{FF2B5EF4-FFF2-40B4-BE49-F238E27FC236}">
-                <a16:creationId xmlns="" xmlns:a16="http://schemas.microsoft.com/office/drawing/2014/main" id="{FFF506F9-840A-0508-4CAF-3AC711D8D5CE}"/>
+                <a16:creationId xmlns:a16="http://schemas.microsoft.com/office/drawing/2014/main" id="{FFF506F9-840A-0508-4CAF-3AC711D8D5CE}"/>
               </a:ext>
             </a:extLst>
           </p:cNvPr>
@@ -4199,7 +4193,7 @@
           <p:cNvPr id="8" name="직사각형 7">
             <a:extLst>
               <a:ext uri="{FF2B5EF4-FFF2-40B4-BE49-F238E27FC236}">
-                <a16:creationId xmlns="" xmlns:a16="http://schemas.microsoft.com/office/drawing/2014/main" id="{FFF506F9-840A-0508-4CAF-3AC711D8D5CE}"/>
+                <a16:creationId xmlns:a16="http://schemas.microsoft.com/office/drawing/2014/main" id="{FFF506F9-840A-0508-4CAF-3AC711D8D5CE}"/>
               </a:ext>
             </a:extLst>
           </p:cNvPr>
@@ -4251,7 +4245,7 @@
           <p:cNvPr id="9" name="직선 화살표 연결선 8">
             <a:extLst>
               <a:ext uri="{FF2B5EF4-FFF2-40B4-BE49-F238E27FC236}">
-                <a16:creationId xmlns="" xmlns:a16="http://schemas.microsoft.com/office/drawing/2014/main" id="{299DF5EC-9DF4-5255-06AC-0A7CE4FF58C3}"/>
+                <a16:creationId xmlns:a16="http://schemas.microsoft.com/office/drawing/2014/main" id="{299DF5EC-9DF4-5255-06AC-0A7CE4FF58C3}"/>
               </a:ext>
             </a:extLst>
           </p:cNvPr>
@@ -4292,7 +4286,7 @@
           <p:cNvPr id="10" name="TextBox 9">
             <a:extLst>
               <a:ext uri="{FF2B5EF4-FFF2-40B4-BE49-F238E27FC236}">
-                <a16:creationId xmlns="" xmlns:a16="http://schemas.microsoft.com/office/drawing/2014/main" id="{C6D113C6-EA5C-788F-0C77-E7CE6EBB865F}"/>
+                <a16:creationId xmlns:a16="http://schemas.microsoft.com/office/drawing/2014/main" id="{C6D113C6-EA5C-788F-0C77-E7CE6EBB865F}"/>
               </a:ext>
             </a:extLst>
           </p:cNvPr>
@@ -4316,7 +4310,7 @@
           <a:lstStyle/>
           <a:p>
             <a:r>
-              <a:rPr lang="ko-KR" altLang="en-US" sz="4000" smtClean="0">
+              <a:rPr lang="ko-KR" altLang="en-US" sz="4000">
                 <a:solidFill>
                   <a:srgbClr val="FF0000"/>
                 </a:solidFill>
@@ -4345,13 +4339,6 @@
   <p:clrMapOvr>
     <a:masterClrMapping/>
   </p:clrMapOvr>
-  <p:timing>
-    <p:tnLst>
-      <p:par>
-        <p:cTn id="1" dur="indefinite" restart="never" nodeType="tmRoot"/>
-      </p:par>
-    </p:tnLst>
-  </p:timing>
 </p:sld>
 </file>
 
@@ -4401,7 +4388,7 @@
           <p:cNvPr id="5" name="TextBox 4">
             <a:extLst>
               <a:ext uri="{FF2B5EF4-FFF2-40B4-BE49-F238E27FC236}">
-                <a16:creationId xmlns="" xmlns:a16="http://schemas.microsoft.com/office/drawing/2014/main" id="{5ADC00B6-990A-40DC-3CEA-505258F5E8DA}"/>
+                <a16:creationId xmlns:a16="http://schemas.microsoft.com/office/drawing/2014/main" id="{5ADC00B6-990A-40DC-3CEA-505258F5E8DA}"/>
               </a:ext>
             </a:extLst>
           </p:cNvPr>
@@ -4425,7 +4412,7 @@
           <a:lstStyle/>
           <a:p>
             <a:r>
-              <a:rPr lang="ko-KR" altLang="en-US" sz="4800" smtClean="0">
+              <a:rPr lang="ko-KR" altLang="en-US" sz="4800">
                 <a:solidFill>
                   <a:srgbClr val="4C50BC"/>
                 </a:solidFill>
@@ -4435,7 +4422,7 @@
               <a:t>인스턴스 변수 와 지역변수 이름이 같다면</a:t>
             </a:r>
             <a:r>
-              <a:rPr lang="en-US" altLang="ko-KR" sz="4800" smtClean="0">
+              <a:rPr lang="en-US" altLang="ko-KR" sz="4800">
                 <a:solidFill>
                   <a:srgbClr val="4C50BC"/>
                 </a:solidFill>
@@ -4459,7 +4446,7 @@
           <p:cNvPr id="6" name="직사각형 5">
             <a:extLst>
               <a:ext uri="{FF2B5EF4-FFF2-40B4-BE49-F238E27FC236}">
-                <a16:creationId xmlns="" xmlns:a16="http://schemas.microsoft.com/office/drawing/2014/main" id="{FFF506F9-840A-0508-4CAF-3AC711D8D5CE}"/>
+                <a16:creationId xmlns:a16="http://schemas.microsoft.com/office/drawing/2014/main" id="{FFF506F9-840A-0508-4CAF-3AC711D8D5CE}"/>
               </a:ext>
             </a:extLst>
           </p:cNvPr>
@@ -4511,7 +4498,7 @@
           <p:cNvPr id="7" name="직선 화살표 연결선 6">
             <a:extLst>
               <a:ext uri="{FF2B5EF4-FFF2-40B4-BE49-F238E27FC236}">
-                <a16:creationId xmlns="" xmlns:a16="http://schemas.microsoft.com/office/drawing/2014/main" id="{299DF5EC-9DF4-5255-06AC-0A7CE4FF58C3}"/>
+                <a16:creationId xmlns:a16="http://schemas.microsoft.com/office/drawing/2014/main" id="{299DF5EC-9DF4-5255-06AC-0A7CE4FF58C3}"/>
               </a:ext>
             </a:extLst>
           </p:cNvPr>
@@ -4552,7 +4539,7 @@
           <p:cNvPr id="8" name="TextBox 7">
             <a:extLst>
               <a:ext uri="{FF2B5EF4-FFF2-40B4-BE49-F238E27FC236}">
-                <a16:creationId xmlns="" xmlns:a16="http://schemas.microsoft.com/office/drawing/2014/main" id="{C6D113C6-EA5C-788F-0C77-E7CE6EBB865F}"/>
+                <a16:creationId xmlns:a16="http://schemas.microsoft.com/office/drawing/2014/main" id="{C6D113C6-EA5C-788F-0C77-E7CE6EBB865F}"/>
               </a:ext>
             </a:extLst>
           </p:cNvPr>
@@ -4576,7 +4563,7 @@
           <a:lstStyle/>
           <a:p>
             <a:r>
-              <a:rPr lang="ko-KR" altLang="en-US" sz="4000" smtClean="0">
+              <a:rPr lang="ko-KR" altLang="en-US" sz="4000">
                 <a:solidFill>
                   <a:srgbClr val="FF0000"/>
                 </a:solidFill>
@@ -4600,7 +4587,7 @@
           <p:cNvPr id="9" name="직사각형 8">
             <a:extLst>
               <a:ext uri="{FF2B5EF4-FFF2-40B4-BE49-F238E27FC236}">
-                <a16:creationId xmlns="" xmlns:a16="http://schemas.microsoft.com/office/drawing/2014/main" id="{FFF506F9-840A-0508-4CAF-3AC711D8D5CE}"/>
+                <a16:creationId xmlns:a16="http://schemas.microsoft.com/office/drawing/2014/main" id="{FFF506F9-840A-0508-4CAF-3AC711D8D5CE}"/>
               </a:ext>
             </a:extLst>
           </p:cNvPr>
@@ -4652,7 +4639,7 @@
           <p:cNvPr id="10" name="직선 화살표 연결선 9">
             <a:extLst>
               <a:ext uri="{FF2B5EF4-FFF2-40B4-BE49-F238E27FC236}">
-                <a16:creationId xmlns="" xmlns:a16="http://schemas.microsoft.com/office/drawing/2014/main" id="{299DF5EC-9DF4-5255-06AC-0A7CE4FF58C3}"/>
+                <a16:creationId xmlns:a16="http://schemas.microsoft.com/office/drawing/2014/main" id="{299DF5EC-9DF4-5255-06AC-0A7CE4FF58C3}"/>
               </a:ext>
             </a:extLst>
           </p:cNvPr>
@@ -4693,7 +4680,7 @@
           <p:cNvPr id="11" name="TextBox 10">
             <a:extLst>
               <a:ext uri="{FF2B5EF4-FFF2-40B4-BE49-F238E27FC236}">
-                <a16:creationId xmlns="" xmlns:a16="http://schemas.microsoft.com/office/drawing/2014/main" id="{C6D113C6-EA5C-788F-0C77-E7CE6EBB865F}"/>
+                <a16:creationId xmlns:a16="http://schemas.microsoft.com/office/drawing/2014/main" id="{C6D113C6-EA5C-788F-0C77-E7CE6EBB865F}"/>
               </a:ext>
             </a:extLst>
           </p:cNvPr>
@@ -4717,7 +4704,7 @@
           <a:lstStyle/>
           <a:p>
             <a:r>
-              <a:rPr lang="ko-KR" altLang="en-US" sz="4000" smtClean="0">
+              <a:rPr lang="ko-KR" altLang="en-US" sz="4000">
                 <a:solidFill>
                   <a:srgbClr val="FF0000"/>
                 </a:solidFill>
@@ -4770,13 +4757,6 @@
   <p:clrMapOvr>
     <a:masterClrMapping/>
   </p:clrMapOvr>
-  <p:timing>
-    <p:tnLst>
-      <p:par>
-        <p:cTn id="1" dur="indefinite" restart="never" nodeType="tmRoot"/>
-      </p:par>
-    </p:tnLst>
-  </p:timing>
 </p:sld>
 </file>
 
@@ -4802,7 +4782,7 @@
           <p:cNvPr id="4" name="TextBox 3">
             <a:extLst>
               <a:ext uri="{FF2B5EF4-FFF2-40B4-BE49-F238E27FC236}">
-                <a16:creationId xmlns="" xmlns:a16="http://schemas.microsoft.com/office/drawing/2014/main" id="{5ADC00B6-990A-40DC-3CEA-505258F5E8DA}"/>
+                <a16:creationId xmlns:a16="http://schemas.microsoft.com/office/drawing/2014/main" id="{5ADC00B6-990A-40DC-3CEA-505258F5E8DA}"/>
               </a:ext>
             </a:extLst>
           </p:cNvPr>
@@ -4826,7 +4806,7 @@
           <a:lstStyle/>
           <a:p>
             <a:r>
-              <a:rPr lang="ko-KR" altLang="en-US" sz="4800" smtClean="0">
+              <a:rPr lang="ko-KR" altLang="en-US" sz="4800">
                 <a:solidFill>
                   <a:srgbClr val="4C50BC"/>
                 </a:solidFill>
@@ -4836,7 +4816,7 @@
               <a:t>클래스 변수</a:t>
             </a:r>
             <a:r>
-              <a:rPr lang="en-US" altLang="ko-KR" sz="4800" smtClean="0">
+              <a:rPr lang="en-US" altLang="ko-KR" sz="4800">
                 <a:solidFill>
                   <a:srgbClr val="4C50BC"/>
                 </a:solidFill>
@@ -4846,7 +4826,7 @@
               <a:t>(static </a:t>
             </a:r>
             <a:r>
-              <a:rPr lang="ko-KR" altLang="en-US" sz="4800" smtClean="0">
+              <a:rPr lang="ko-KR" altLang="en-US" sz="4800">
                 <a:solidFill>
                   <a:srgbClr val="4C50BC"/>
                 </a:solidFill>
@@ -4856,7 +4836,7 @@
               <a:t>변수</a:t>
             </a:r>
             <a:r>
-              <a:rPr lang="en-US" altLang="ko-KR" sz="4800" smtClean="0">
+              <a:rPr lang="en-US" altLang="ko-KR" sz="4800">
                 <a:solidFill>
                   <a:srgbClr val="4C50BC"/>
                 </a:solidFill>
@@ -4904,7 +4884,7 @@
           <p:cNvPr id="6" name="직사각형 5">
             <a:extLst>
               <a:ext uri="{FF2B5EF4-FFF2-40B4-BE49-F238E27FC236}">
-                <a16:creationId xmlns="" xmlns:a16="http://schemas.microsoft.com/office/drawing/2014/main" id="{FFF506F9-840A-0508-4CAF-3AC711D8D5CE}"/>
+                <a16:creationId xmlns:a16="http://schemas.microsoft.com/office/drawing/2014/main" id="{FFF506F9-840A-0508-4CAF-3AC711D8D5CE}"/>
               </a:ext>
             </a:extLst>
           </p:cNvPr>
@@ -4961,13 +4941,6 @@
   <p:clrMapOvr>
     <a:masterClrMapping/>
   </p:clrMapOvr>
-  <p:timing>
-    <p:tnLst>
-      <p:par>
-        <p:cTn id="1" dur="indefinite" restart="never" nodeType="tmRoot"/>
-      </p:par>
-    </p:tnLst>
-  </p:timing>
 </p:sld>
 </file>
 
@@ -4993,7 +4966,7 @@
           <p:cNvPr id="4" name="TextBox 3">
             <a:extLst>
               <a:ext uri="{FF2B5EF4-FFF2-40B4-BE49-F238E27FC236}">
-                <a16:creationId xmlns="" xmlns:a16="http://schemas.microsoft.com/office/drawing/2014/main" id="{5ADC00B6-990A-40DC-3CEA-505258F5E8DA}"/>
+                <a16:creationId xmlns:a16="http://schemas.microsoft.com/office/drawing/2014/main" id="{5ADC00B6-990A-40DC-3CEA-505258F5E8DA}"/>
               </a:ext>
             </a:extLst>
           </p:cNvPr>
@@ -5017,7 +4990,7 @@
           <a:lstStyle/>
           <a:p>
             <a:r>
-              <a:rPr lang="ko-KR" altLang="en-US" sz="4800" smtClean="0">
+              <a:rPr lang="ko-KR" altLang="en-US" sz="4800">
                 <a:solidFill>
                   <a:srgbClr val="4C50BC"/>
                 </a:solidFill>
@@ -5027,7 +5000,7 @@
               <a:t>인스턴스 변수 </a:t>
             </a:r>
             <a:r>
-              <a:rPr lang="en-US" altLang="ko-KR" sz="4800" smtClean="0">
+              <a:rPr lang="en-US" altLang="ko-KR" sz="4800">
                 <a:solidFill>
                   <a:srgbClr val="4C50BC"/>
                 </a:solidFill>
@@ -5037,7 +5010,7 @@
               <a:t>vs </a:t>
             </a:r>
             <a:r>
-              <a:rPr lang="ko-KR" altLang="en-US" sz="4800" smtClean="0">
+              <a:rPr lang="ko-KR" altLang="en-US" sz="4800">
                 <a:solidFill>
                   <a:srgbClr val="4C50BC"/>
                 </a:solidFill>
@@ -5066,13 +5039,6 @@
   <p:clrMapOvr>
     <a:masterClrMapping/>
   </p:clrMapOvr>
-  <p:timing>
-    <p:tnLst>
-      <p:par>
-        <p:cTn id="1" dur="indefinite" restart="never" nodeType="tmRoot"/>
-      </p:par>
-    </p:tnLst>
-  </p:timing>
 </p:sld>
 </file>
 
@@ -5106,7 +5072,7 @@
           <p:cNvPr id="4" name="Object 1">
             <a:extLst>
               <a:ext uri="{FF2B5EF4-FFF2-40B4-BE49-F238E27FC236}">
-                <a16:creationId xmlns="" xmlns:a16="http://schemas.microsoft.com/office/drawing/2014/main" id="{B0329035-BE76-33A8-0F2E-44624FCC1DED}"/>
+                <a16:creationId xmlns:a16="http://schemas.microsoft.com/office/drawing/2014/main" id="{B0329035-BE76-33A8-0F2E-44624FCC1DED}"/>
               </a:ext>
             </a:extLst>
           </p:cNvPr>
@@ -5136,7 +5102,7 @@
           <p:cNvPr id="7" name="그룹 1001">
             <a:extLst>
               <a:ext uri="{FF2B5EF4-FFF2-40B4-BE49-F238E27FC236}">
-                <a16:creationId xmlns="" xmlns:a16="http://schemas.microsoft.com/office/drawing/2014/main" id="{CD24CE9D-AC18-B6CD-F397-7E8E03D6FE26}"/>
+                <a16:creationId xmlns:a16="http://schemas.microsoft.com/office/drawing/2014/main" id="{CD24CE9D-AC18-B6CD-F397-7E8E03D6FE26}"/>
               </a:ext>
             </a:extLst>
           </p:cNvPr>
@@ -5156,7 +5122,7 @@
             <p:cNvPr id="8" name="Object 5">
               <a:extLst>
                 <a:ext uri="{FF2B5EF4-FFF2-40B4-BE49-F238E27FC236}">
-                  <a16:creationId xmlns="" xmlns:a16="http://schemas.microsoft.com/office/drawing/2014/main" id="{0EEF25E8-3BA8-EBAA-6DC2-66D70C3F9F4D}"/>
+                  <a16:creationId xmlns:a16="http://schemas.microsoft.com/office/drawing/2014/main" id="{0EEF25E8-3BA8-EBAA-6DC2-66D70C3F9F4D}"/>
                 </a:ext>
               </a:extLst>
             </p:cNvPr>
@@ -5187,7 +5153,7 @@
           <p:cNvPr id="9" name="그룹 1002">
             <a:extLst>
               <a:ext uri="{FF2B5EF4-FFF2-40B4-BE49-F238E27FC236}">
-                <a16:creationId xmlns="" xmlns:a16="http://schemas.microsoft.com/office/drawing/2014/main" id="{0F281BC9-DE1F-D1FE-E64C-C4640398F00C}"/>
+                <a16:creationId xmlns:a16="http://schemas.microsoft.com/office/drawing/2014/main" id="{0F281BC9-DE1F-D1FE-E64C-C4640398F00C}"/>
               </a:ext>
             </a:extLst>
           </p:cNvPr>
@@ -5207,7 +5173,7 @@
             <p:cNvPr id="10" name="Object 8">
               <a:extLst>
                 <a:ext uri="{FF2B5EF4-FFF2-40B4-BE49-F238E27FC236}">
-                  <a16:creationId xmlns="" xmlns:a16="http://schemas.microsoft.com/office/drawing/2014/main" id="{F669DCEF-04BB-7046-3F7F-5B513213556E}"/>
+                  <a16:creationId xmlns:a16="http://schemas.microsoft.com/office/drawing/2014/main" id="{F669DCEF-04BB-7046-3F7F-5B513213556E}"/>
                 </a:ext>
               </a:extLst>
             </p:cNvPr>
@@ -5238,7 +5204,7 @@
           <p:cNvPr id="11" name="그룹 1003">
             <a:extLst>
               <a:ext uri="{FF2B5EF4-FFF2-40B4-BE49-F238E27FC236}">
-                <a16:creationId xmlns="" xmlns:a16="http://schemas.microsoft.com/office/drawing/2014/main" id="{1F91EEF9-13EA-BB7F-B056-D35E7DB989AC}"/>
+                <a16:creationId xmlns:a16="http://schemas.microsoft.com/office/drawing/2014/main" id="{1F91EEF9-13EA-BB7F-B056-D35E7DB989AC}"/>
               </a:ext>
             </a:extLst>
           </p:cNvPr>
@@ -5258,7 +5224,7 @@
             <p:cNvPr id="12" name="Object 11">
               <a:extLst>
                 <a:ext uri="{FF2B5EF4-FFF2-40B4-BE49-F238E27FC236}">
-                  <a16:creationId xmlns="" xmlns:a16="http://schemas.microsoft.com/office/drawing/2014/main" id="{2CFFB217-AEFB-2C9E-5F86-6EE19510FFC6}"/>
+                  <a16:creationId xmlns:a16="http://schemas.microsoft.com/office/drawing/2014/main" id="{2CFFB217-AEFB-2C9E-5F86-6EE19510FFC6}"/>
                 </a:ext>
               </a:extLst>
             </p:cNvPr>
@@ -5289,7 +5255,7 @@
           <p:cNvPr id="13" name="그룹 1004">
             <a:extLst>
               <a:ext uri="{FF2B5EF4-FFF2-40B4-BE49-F238E27FC236}">
-                <a16:creationId xmlns="" xmlns:a16="http://schemas.microsoft.com/office/drawing/2014/main" id="{123B9C7E-94E8-E7E1-81BE-D59EA0299187}"/>
+                <a16:creationId xmlns:a16="http://schemas.microsoft.com/office/drawing/2014/main" id="{123B9C7E-94E8-E7E1-81BE-D59EA0299187}"/>
               </a:ext>
             </a:extLst>
           </p:cNvPr>
@@ -5309,7 +5275,7 @@
             <p:cNvPr id="14" name="Object 14">
               <a:extLst>
                 <a:ext uri="{FF2B5EF4-FFF2-40B4-BE49-F238E27FC236}">
-                  <a16:creationId xmlns="" xmlns:a16="http://schemas.microsoft.com/office/drawing/2014/main" id="{B6291552-2D89-A79F-7ACD-EA0EF9A4C389}"/>
+                  <a16:creationId xmlns:a16="http://schemas.microsoft.com/office/drawing/2014/main" id="{B6291552-2D89-A79F-7ACD-EA0EF9A4C389}"/>
                 </a:ext>
               </a:extLst>
             </p:cNvPr>
@@ -5340,7 +5306,7 @@
           <p:cNvPr id="15" name="TextBox 14">
             <a:extLst>
               <a:ext uri="{FF2B5EF4-FFF2-40B4-BE49-F238E27FC236}">
-                <a16:creationId xmlns="" xmlns:a16="http://schemas.microsoft.com/office/drawing/2014/main" id="{7D99763A-FC24-23F5-5BA9-D7B042E0F323}"/>
+                <a16:creationId xmlns:a16="http://schemas.microsoft.com/office/drawing/2014/main" id="{7D99763A-FC24-23F5-5BA9-D7B042E0F323}"/>
               </a:ext>
             </a:extLst>
           </p:cNvPr>
@@ -5364,7 +5330,7 @@
           <a:lstStyle/>
           <a:p>
             <a:r>
-              <a:rPr lang="ko-KR" altLang="en-US" sz="6600" smtClean="0">
+              <a:rPr lang="ko-KR" altLang="en-US" sz="6600">
                 <a:solidFill>
                   <a:schemeClr val="bg1"/>
                 </a:solidFill>
@@ -5393,13 +5359,6 @@
   <p:clrMapOvr>
     <a:masterClrMapping/>
   </p:clrMapOvr>
-  <p:timing>
-    <p:tnLst>
-      <p:par>
-        <p:cTn id="1" dur="indefinite" restart="never" nodeType="tmRoot"/>
-      </p:par>
-    </p:tnLst>
-  </p:timing>
 </p:sld>
 </file>
 
@@ -5425,7 +5384,7 @@
           <p:cNvPr id="4" name="TextBox 3">
             <a:extLst>
               <a:ext uri="{FF2B5EF4-FFF2-40B4-BE49-F238E27FC236}">
-                <a16:creationId xmlns="" xmlns:a16="http://schemas.microsoft.com/office/drawing/2014/main" id="{5ADC00B6-990A-40DC-3CEA-505258F5E8DA}"/>
+                <a16:creationId xmlns:a16="http://schemas.microsoft.com/office/drawing/2014/main" id="{5ADC00B6-990A-40DC-3CEA-505258F5E8DA}"/>
               </a:ext>
             </a:extLst>
           </p:cNvPr>
@@ -5449,7 +5408,7 @@
           <a:lstStyle/>
           <a:p>
             <a:r>
-              <a:rPr lang="en-US" altLang="ko-KR" sz="4800" smtClean="0">
+              <a:rPr lang="en-US" altLang="ko-KR" sz="4800">
                 <a:solidFill>
                   <a:srgbClr val="4C50BC"/>
                 </a:solidFill>
@@ -5459,7 +5418,7 @@
               <a:t>JVM</a:t>
             </a:r>
             <a:r>
-              <a:rPr lang="ko-KR" altLang="en-US" sz="4800" smtClean="0">
+              <a:rPr lang="ko-KR" altLang="en-US" sz="4800">
                 <a:solidFill>
                   <a:srgbClr val="4C50BC"/>
                 </a:solidFill>
@@ -5487,7 +5446,7 @@
           <p:nvPr>
             <p:extLst>
               <p:ext uri="{D42A27DB-BD31-4B8C-83A1-F6EECF244321}">
-                <p14:modId xmlns:p14="http://schemas.microsoft.com/office/powerpoint/2010/main" val="29581175"/>
+                <p14:modId xmlns:p14="http://schemas.microsoft.com/office/powerpoint/2010/main" val="3071884220"/>
               </p:ext>
             </p:extLst>
           </p:nvPr>
@@ -5503,8 +5462,20 @@
                 <a:tableStyleId>{5C22544A-7EE6-4342-B048-85BDC9FD1C3A}</a:tableStyleId>
               </a:tblPr>
               <a:tblGrid>
-                <a:gridCol w="2898913"/>
-                <a:gridCol w="5102088"/>
+                <a:gridCol w="1981200">
+                  <a:extLst>
+                    <a:ext uri="{9D8B030D-6E8A-4147-A177-3AD203B41FA5}">
+                      <a16:colId xmlns:a16="http://schemas.microsoft.com/office/drawing/2014/main" val="20000"/>
+                    </a:ext>
+                  </a:extLst>
+                </a:gridCol>
+                <a:gridCol w="6019801">
+                  <a:extLst>
+                    <a:ext uri="{9D8B030D-6E8A-4147-A177-3AD203B41FA5}">
+                      <a16:colId xmlns:a16="http://schemas.microsoft.com/office/drawing/2014/main" val="20001"/>
+                    </a:ext>
+                  </a:extLst>
+                </a:gridCol>
               </a:tblGrid>
               <a:tr h="933068">
                 <a:tc>
@@ -5514,7 +5485,7 @@
                     <a:p>
                       <a:pPr latinLnBrk="1"/>
                       <a:r>
-                        <a:rPr lang="ko-KR" altLang="en-US" sz="3200" smtClean="0">
+                        <a:rPr lang="ko-KR" altLang="en-US" sz="3200">
                           <a:solidFill>
                             <a:srgbClr val="4C50BC"/>
                           </a:solidFill>
@@ -5575,7 +5546,7 @@
                     <a:p>
                       <a:pPr latinLnBrk="1"/>
                       <a:r>
-                        <a:rPr lang="ko-KR" altLang="en-US" sz="3200" smtClean="0">
+                        <a:rPr lang="ko-KR" altLang="en-US" sz="3200">
                           <a:solidFill>
                             <a:srgbClr val="4C50BC"/>
                           </a:solidFill>
@@ -5583,7 +5554,7 @@
                         <a:t>클래스 정보</a:t>
                       </a:r>
                       <a:r>
-                        <a:rPr lang="en-US" altLang="ko-KR" sz="3200" smtClean="0">
+                        <a:rPr lang="en-US" altLang="ko-KR" sz="3200">
                           <a:solidFill>
                             <a:srgbClr val="4C50BC"/>
                           </a:solidFill>
@@ -5637,6 +5608,11 @@
                     <a:noFill/>
                   </a:tcPr>
                 </a:tc>
+                <a:extLst>
+                  <a:ext uri="{0D108BD9-81ED-4DB2-BD59-A6C34878D82A}">
+                    <a16:rowId xmlns:a16="http://schemas.microsoft.com/office/drawing/2014/main" val="10000"/>
+                  </a:ext>
+                </a:extLst>
               </a:tr>
               <a:tr h="1286066">
                 <a:tc>
@@ -5646,7 +5622,7 @@
                     <a:p>
                       <a:pPr latinLnBrk="1"/>
                       <a:r>
-                        <a:rPr lang="ko-KR" altLang="en-US" sz="3200" smtClean="0">
+                        <a:rPr lang="ko-KR" altLang="en-US" sz="3200">
                           <a:solidFill>
                             <a:srgbClr val="4C50BC"/>
                           </a:solidFill>
@@ -5723,7 +5699,7 @@
                         <a:defRPr/>
                       </a:pPr>
                       <a:r>
-                        <a:rPr lang="ko-KR" altLang="en-US" sz="3200" smtClean="0">
+                        <a:rPr lang="ko-KR" altLang="en-US" sz="3200">
                           <a:solidFill>
                             <a:srgbClr val="4C50BC"/>
                           </a:solidFill>
@@ -5731,7 +5707,7 @@
                         <a:t>지역변수</a:t>
                       </a:r>
                       <a:r>
-                        <a:rPr lang="en-US" altLang="ko-KR" sz="3200" smtClean="0">
+                        <a:rPr lang="en-US" altLang="ko-KR" sz="3200">
                           <a:solidFill>
                             <a:srgbClr val="4C50BC"/>
                           </a:solidFill>
@@ -5739,7 +5715,7 @@
                         <a:t>, </a:t>
                       </a:r>
                       <a:r>
-                        <a:rPr lang="ko-KR" altLang="en-US" sz="3200" smtClean="0">
+                        <a:rPr lang="ko-KR" altLang="en-US" sz="3200">
                           <a:solidFill>
                             <a:srgbClr val="4C50BC"/>
                           </a:solidFill>
@@ -5793,6 +5769,11 @@
                     <a:noFill/>
                   </a:tcPr>
                 </a:tc>
+                <a:extLst>
+                  <a:ext uri="{0D108BD9-81ED-4DB2-BD59-A6C34878D82A}">
+                    <a16:rowId xmlns:a16="http://schemas.microsoft.com/office/drawing/2014/main" val="10001"/>
+                  </a:ext>
+                </a:extLst>
               </a:tr>
               <a:tr h="1286066">
                 <a:tc>
@@ -5802,7 +5783,7 @@
                     <a:p>
                       <a:pPr latinLnBrk="1"/>
                       <a:r>
-                        <a:rPr lang="ko-KR" altLang="en-US" sz="3200" smtClean="0">
+                        <a:rPr lang="ko-KR" altLang="en-US" sz="3200">
                           <a:solidFill>
                             <a:srgbClr val="4C50BC"/>
                           </a:solidFill>
@@ -5863,7 +5844,7 @@
                     <a:p>
                       <a:pPr latinLnBrk="1"/>
                       <a:r>
-                        <a:rPr lang="ko-KR" altLang="en-US" sz="3200" smtClean="0">
+                        <a:rPr lang="ko-KR" altLang="en-US" sz="3200" dirty="0">
                           <a:solidFill>
                             <a:srgbClr val="4C50BC"/>
                           </a:solidFill>
@@ -5871,7 +5852,7 @@
                         <a:t>객체</a:t>
                       </a:r>
                       <a:r>
-                        <a:rPr lang="en-US" altLang="ko-KR" sz="3200" smtClean="0">
+                        <a:rPr lang="en-US" altLang="ko-KR" sz="3200" dirty="0">
                           <a:solidFill>
                             <a:srgbClr val="4C50BC"/>
                           </a:solidFill>
@@ -5879,18 +5860,13 @@
                         <a:t>, </a:t>
                       </a:r>
                       <a:r>
-                        <a:rPr lang="ko-KR" altLang="en-US" sz="3200" smtClean="0">
+                        <a:rPr lang="ko-KR" altLang="en-US" sz="3200" dirty="0">
                           <a:solidFill>
                             <a:srgbClr val="4C50BC"/>
                           </a:solidFill>
                         </a:rPr>
                         <a:t>인스턴스 변수</a:t>
                       </a:r>
-                      <a:endParaRPr lang="ko-KR" altLang="en-US" sz="3200" dirty="0">
-                        <a:solidFill>
-                          <a:srgbClr val="4C50BC"/>
-                        </a:solidFill>
-                      </a:endParaRPr>
                     </a:p>
                   </a:txBody>
                   <a:tcPr>
@@ -5933,6 +5909,11 @@
                     <a:noFill/>
                   </a:tcPr>
                 </a:tc>
+                <a:extLst>
+                  <a:ext uri="{0D108BD9-81ED-4DB2-BD59-A6C34878D82A}">
+                    <a16:rowId xmlns:a16="http://schemas.microsoft.com/office/drawing/2014/main" val="10002"/>
+                  </a:ext>
+                </a:extLst>
               </a:tr>
             </a:tbl>
           </a:graphicData>
@@ -5948,13 +5929,6 @@
   <p:clrMapOvr>
     <a:masterClrMapping/>
   </p:clrMapOvr>
-  <p:timing>
-    <p:tnLst>
-      <p:par>
-        <p:cTn id="1" dur="indefinite" restart="never" nodeType="tmRoot"/>
-      </p:par>
-    </p:tnLst>
-  </p:timing>
 </p:sld>
 </file>
 
@@ -6000,8 +5974,20 @@
                 <a:tableStyleId>{5C22544A-7EE6-4342-B048-85BDC9FD1C3A}</a:tableStyleId>
               </a:tblPr>
               <a:tblGrid>
-                <a:gridCol w="2898913"/>
-                <a:gridCol w="5102088"/>
+                <a:gridCol w="2898913">
+                  <a:extLst>
+                    <a:ext uri="{9D8B030D-6E8A-4147-A177-3AD203B41FA5}">
+                      <a16:colId xmlns:a16="http://schemas.microsoft.com/office/drawing/2014/main" val="20000"/>
+                    </a:ext>
+                  </a:extLst>
+                </a:gridCol>
+                <a:gridCol w="5102088">
+                  <a:extLst>
+                    <a:ext uri="{9D8B030D-6E8A-4147-A177-3AD203B41FA5}">
+                      <a16:colId xmlns:a16="http://schemas.microsoft.com/office/drawing/2014/main" val="20001"/>
+                    </a:ext>
+                  </a:extLst>
+                </a:gridCol>
               </a:tblGrid>
               <a:tr h="933068">
                 <a:tc>
@@ -6011,7 +5997,7 @@
                     <a:p>
                       <a:pPr latinLnBrk="1"/>
                       <a:r>
-                        <a:rPr lang="ko-KR" altLang="en-US" sz="3200" smtClean="0">
+                        <a:rPr lang="ko-KR" altLang="en-US" sz="3200">
                           <a:solidFill>
                             <a:srgbClr val="4C50BC"/>
                           </a:solidFill>
@@ -6072,7 +6058,7 @@
                     <a:p>
                       <a:pPr latinLnBrk="1"/>
                       <a:r>
-                        <a:rPr lang="en-US" altLang="ko-KR" sz="3200" smtClean="0">
+                        <a:rPr lang="en-US" altLang="ko-KR" sz="3200">
                           <a:solidFill>
                             <a:srgbClr val="4C50BC"/>
                           </a:solidFill>
@@ -6126,6 +6112,11 @@
                     <a:noFill/>
                   </a:tcPr>
                 </a:tc>
+                <a:extLst>
+                  <a:ext uri="{0D108BD9-81ED-4DB2-BD59-A6C34878D82A}">
+                    <a16:rowId xmlns:a16="http://schemas.microsoft.com/office/drawing/2014/main" val="10000"/>
+                  </a:ext>
+                </a:extLst>
               </a:tr>
               <a:tr h="1286066">
                 <a:tc>
@@ -6135,7 +6126,7 @@
                     <a:p>
                       <a:pPr latinLnBrk="1"/>
                       <a:r>
-                        <a:rPr lang="ko-KR" altLang="en-US" sz="3200" smtClean="0">
+                        <a:rPr lang="ko-KR" altLang="en-US" sz="3200">
                           <a:solidFill>
                             <a:srgbClr val="4C50BC"/>
                           </a:solidFill>
@@ -6258,6 +6249,11 @@
                     <a:noFill/>
                   </a:tcPr>
                 </a:tc>
+                <a:extLst>
+                  <a:ext uri="{0D108BD9-81ED-4DB2-BD59-A6C34878D82A}">
+                    <a16:rowId xmlns:a16="http://schemas.microsoft.com/office/drawing/2014/main" val="10001"/>
+                  </a:ext>
+                </a:extLst>
               </a:tr>
               <a:tr h="1286066">
                 <a:tc>
@@ -6267,7 +6263,7 @@
                     <a:p>
                       <a:pPr latinLnBrk="1"/>
                       <a:r>
-                        <a:rPr lang="ko-KR" altLang="en-US" sz="3200" smtClean="0">
+                        <a:rPr lang="ko-KR" altLang="en-US" sz="3200">
                           <a:solidFill>
                             <a:srgbClr val="4C50BC"/>
                           </a:solidFill>
@@ -6328,7 +6324,7 @@
                     <a:p>
                       <a:pPr latinLnBrk="1"/>
                       <a:r>
-                        <a:rPr lang="en-US" altLang="ko-KR" sz="3200" smtClean="0">
+                        <a:rPr lang="en-US" altLang="ko-KR" sz="3200">
                           <a:solidFill>
                             <a:srgbClr val="4C50BC"/>
                           </a:solidFill>
@@ -6382,6 +6378,11 @@
                     <a:noFill/>
                   </a:tcPr>
                 </a:tc>
+                <a:extLst>
+                  <a:ext uri="{0D108BD9-81ED-4DB2-BD59-A6C34878D82A}">
+                    <a16:rowId xmlns:a16="http://schemas.microsoft.com/office/drawing/2014/main" val="10002"/>
+                  </a:ext>
+                </a:extLst>
               </a:tr>
             </a:tbl>
           </a:graphicData>
@@ -6411,60 +6412,12 @@
           </a:prstGeom>
         </p:spPr>
       </p:pic>
-      <p:pic>
-        <p:nvPicPr>
-          <p:cNvPr id="6" name="그림 5"/>
-          <p:cNvPicPr>
-            <a:picLocks noChangeAspect="1"/>
-          </p:cNvPicPr>
-          <p:nvPr/>
-        </p:nvPicPr>
-        <p:blipFill>
-          <a:blip r:embed="rId3"/>
-          <a:stretch>
-            <a:fillRect/>
-          </a:stretch>
-        </p:blipFill>
-        <p:spPr>
-          <a:xfrm>
-            <a:off x="8991600" y="67994"/>
-            <a:ext cx="5257799" cy="5599214"/>
-          </a:xfrm>
-          <a:prstGeom prst="rect">
-            <a:avLst/>
-          </a:prstGeom>
-        </p:spPr>
-      </p:pic>
-      <p:pic>
-        <p:nvPicPr>
-          <p:cNvPr id="7" name="그림 6"/>
-          <p:cNvPicPr>
-            <a:picLocks noChangeAspect="1"/>
-          </p:cNvPicPr>
-          <p:nvPr/>
-        </p:nvPicPr>
-        <p:blipFill>
-          <a:blip r:embed="rId4"/>
-          <a:stretch>
-            <a:fillRect/>
-          </a:stretch>
-        </p:blipFill>
-        <p:spPr>
-          <a:xfrm>
-            <a:off x="9003323" y="5981700"/>
-            <a:ext cx="2121877" cy="3582093"/>
-          </a:xfrm>
-          <a:prstGeom prst="rect">
-            <a:avLst/>
-          </a:prstGeom>
-        </p:spPr>
-      </p:pic>
       <p:cxnSp>
         <p:nvCxnSpPr>
           <p:cNvPr id="8" name="직선 화살표 연결선 7">
             <a:extLst>
               <a:ext uri="{FF2B5EF4-FFF2-40B4-BE49-F238E27FC236}">
-                <a16:creationId xmlns="" xmlns:a16="http://schemas.microsoft.com/office/drawing/2014/main" id="{299DF5EC-9DF4-5255-06AC-0A7CE4FF58C3}"/>
+                <a16:creationId xmlns:a16="http://schemas.microsoft.com/office/drawing/2014/main" id="{299DF5EC-9DF4-5255-06AC-0A7CE4FF58C3}"/>
               </a:ext>
             </a:extLst>
           </p:cNvPr>
@@ -6505,7 +6458,7 @@
           <p:cNvPr id="10" name="직선 화살표 연결선 9">
             <a:extLst>
               <a:ext uri="{FF2B5EF4-FFF2-40B4-BE49-F238E27FC236}">
-                <a16:creationId xmlns="" xmlns:a16="http://schemas.microsoft.com/office/drawing/2014/main" id="{299DF5EC-9DF4-5255-06AC-0A7CE4FF58C3}"/>
+                <a16:creationId xmlns:a16="http://schemas.microsoft.com/office/drawing/2014/main" id="{299DF5EC-9DF4-5255-06AC-0A7CE4FF58C3}"/>
               </a:ext>
             </a:extLst>
           </p:cNvPr>
@@ -6546,7 +6499,7 @@
           <p:cNvPr id="12" name="직선 화살표 연결선 11">
             <a:extLst>
               <a:ext uri="{FF2B5EF4-FFF2-40B4-BE49-F238E27FC236}">
-                <a16:creationId xmlns="" xmlns:a16="http://schemas.microsoft.com/office/drawing/2014/main" id="{299DF5EC-9DF4-5255-06AC-0A7CE4FF58C3}"/>
+                <a16:creationId xmlns:a16="http://schemas.microsoft.com/office/drawing/2014/main" id="{299DF5EC-9DF4-5255-06AC-0A7CE4FF58C3}"/>
               </a:ext>
             </a:extLst>
           </p:cNvPr>
@@ -6582,6 +6535,66 @@
           </a:fontRef>
         </p:style>
       </p:cxnSp>
+      <p:pic>
+        <p:nvPicPr>
+          <p:cNvPr id="3" name="그림 2">
+            <a:extLst>
+              <a:ext uri="{FF2B5EF4-FFF2-40B4-BE49-F238E27FC236}">
+                <a16:creationId xmlns:a16="http://schemas.microsoft.com/office/drawing/2014/main" id="{421B7850-86E6-2E37-A077-8E29CE8A7ABE}"/>
+              </a:ext>
+            </a:extLst>
+          </p:cNvPr>
+          <p:cNvPicPr>
+            <a:picLocks noChangeAspect="1"/>
+          </p:cNvPicPr>
+          <p:nvPr/>
+        </p:nvPicPr>
+        <p:blipFill>
+          <a:blip r:embed="rId3"/>
+          <a:stretch>
+            <a:fillRect/>
+          </a:stretch>
+        </p:blipFill>
+        <p:spPr>
+          <a:xfrm>
+            <a:off x="8730574" y="38100"/>
+            <a:ext cx="4985425" cy="5555189"/>
+          </a:xfrm>
+          <a:prstGeom prst="rect">
+            <a:avLst/>
+          </a:prstGeom>
+        </p:spPr>
+      </p:pic>
+      <p:pic>
+        <p:nvPicPr>
+          <p:cNvPr id="11" name="그림 10">
+            <a:extLst>
+              <a:ext uri="{FF2B5EF4-FFF2-40B4-BE49-F238E27FC236}">
+                <a16:creationId xmlns:a16="http://schemas.microsoft.com/office/drawing/2014/main" id="{4E016463-6B92-6D08-CD48-A6E5194D6001}"/>
+              </a:ext>
+            </a:extLst>
+          </p:cNvPr>
+          <p:cNvPicPr>
+            <a:picLocks noChangeAspect="1"/>
+          </p:cNvPicPr>
+          <p:nvPr/>
+        </p:nvPicPr>
+        <p:blipFill>
+          <a:blip r:embed="rId4"/>
+          <a:stretch>
+            <a:fillRect/>
+          </a:stretch>
+        </p:blipFill>
+        <p:spPr>
+          <a:xfrm>
+            <a:off x="8730574" y="6183086"/>
+            <a:ext cx="6395057" cy="2694214"/>
+          </a:xfrm>
+          <a:prstGeom prst="rect">
+            <a:avLst/>
+          </a:prstGeom>
+        </p:spPr>
+      </p:pic>
     </p:spTree>
     <p:extLst>
       <p:ext uri="{BB962C8B-B14F-4D97-AF65-F5344CB8AC3E}">
@@ -6626,7 +6639,7 @@
                                           </p:stCondLst>
                                         </p:cTn>
                                         <p:tgtEl>
-                                          <p:spTgt spid="7"/>
+                                          <p:spTgt spid="8"/>
                                         </p:tgtEl>
                                         <p:attrNameLst>
                                           <p:attrName>style.visibility</p:attrName>
@@ -6639,26 +6652,35 @@
                                   </p:childTnLst>
                                 </p:cTn>
                               </p:par>
-                            </p:childTnLst>
-                          </p:cTn>
-                        </p:par>
-                      </p:childTnLst>
-                    </p:cTn>
-                  </p:par>
-                  <p:par>
-                    <p:cTn id="7" fill="hold">
-                      <p:stCondLst>
-                        <p:cond delay="indefinite"/>
-                      </p:stCondLst>
-                      <p:childTnLst>
-                        <p:par>
-                          <p:cTn id="8" fill="hold">
-                            <p:stCondLst>
-                              <p:cond delay="0"/>
-                            </p:stCondLst>
-                            <p:childTnLst>
                               <p:par>
-                                <p:cTn id="9" presetID="1" presetClass="entr" presetSubtype="0" fill="hold" nodeType="clickEffect">
+                                <p:cTn id="7" presetID="1" presetClass="entr" presetSubtype="0" fill="hold" nodeType="withEffect">
+                                  <p:stCondLst>
+                                    <p:cond delay="0"/>
+                                  </p:stCondLst>
+                                  <p:childTnLst>
+                                    <p:set>
+                                      <p:cBhvr>
+                                        <p:cTn id="8" dur="1" fill="hold">
+                                          <p:stCondLst>
+                                            <p:cond delay="0"/>
+                                          </p:stCondLst>
+                                        </p:cTn>
+                                        <p:tgtEl>
+                                          <p:spTgt spid="10"/>
+                                        </p:tgtEl>
+                                        <p:attrNameLst>
+                                          <p:attrName>style.visibility</p:attrName>
+                                        </p:attrNameLst>
+                                      </p:cBhvr>
+                                      <p:to>
+                                        <p:strVal val="visible"/>
+                                      </p:to>
+                                    </p:set>
+                                  </p:childTnLst>
+                                </p:cTn>
+                              </p:par>
+                              <p:par>
+                                <p:cTn id="9" presetID="1" presetClass="entr" presetSubtype="0" fill="hold" nodeType="withEffect">
                                   <p:stCondLst>
                                     <p:cond delay="0"/>
                                   </p:stCondLst>
@@ -6671,7 +6693,7 @@
                                           </p:stCondLst>
                                         </p:cTn>
                                         <p:tgtEl>
-                                          <p:spTgt spid="8"/>
+                                          <p:spTgt spid="12"/>
                                         </p:tgtEl>
                                         <p:attrNameLst>
                                           <p:attrName>style.visibility</p:attrName>
@@ -6698,34 +6720,7 @@
                                           </p:stCondLst>
                                         </p:cTn>
                                         <p:tgtEl>
-                                          <p:spTgt spid="10"/>
-                                        </p:tgtEl>
-                                        <p:attrNameLst>
-                                          <p:attrName>style.visibility</p:attrName>
-                                        </p:attrNameLst>
-                                      </p:cBhvr>
-                                      <p:to>
-                                        <p:strVal val="visible"/>
-                                      </p:to>
-                                    </p:set>
-                                  </p:childTnLst>
-                                </p:cTn>
-                              </p:par>
-                              <p:par>
-                                <p:cTn id="13" presetID="1" presetClass="entr" presetSubtype="0" fill="hold" nodeType="withEffect">
-                                  <p:stCondLst>
-                                    <p:cond delay="0"/>
-                                  </p:stCondLst>
-                                  <p:childTnLst>
-                                    <p:set>
-                                      <p:cBhvr>
-                                        <p:cTn id="14" dur="1" fill="hold">
-                                          <p:stCondLst>
-                                            <p:cond delay="0"/>
-                                          </p:stCondLst>
-                                        </p:cTn>
-                                        <p:tgtEl>
-                                          <p:spTgt spid="12"/>
+                                          <p:spTgt spid="11"/>
                                         </p:tgtEl>
                                         <p:attrNameLst>
                                           <p:attrName>style.visibility</p:attrName>
@@ -6791,7 +6786,7 @@
           <p:cNvPr id="4" name="TextBox 3">
             <a:extLst>
               <a:ext uri="{FF2B5EF4-FFF2-40B4-BE49-F238E27FC236}">
-                <a16:creationId xmlns="" xmlns:a16="http://schemas.microsoft.com/office/drawing/2014/main" id="{5ADC00B6-990A-40DC-3CEA-505258F5E8DA}"/>
+                <a16:creationId xmlns:a16="http://schemas.microsoft.com/office/drawing/2014/main" id="{5ADC00B6-990A-40DC-3CEA-505258F5E8DA}"/>
               </a:ext>
             </a:extLst>
           </p:cNvPr>
@@ -6815,7 +6810,7 @@
           <a:lstStyle/>
           <a:p>
             <a:r>
-              <a:rPr lang="ko-KR" altLang="en-US" sz="4800" smtClean="0">
+              <a:rPr lang="ko-KR" altLang="en-US" sz="4800">
                 <a:solidFill>
                   <a:srgbClr val="4C50BC"/>
                 </a:solidFill>
@@ -6843,14 +6838,14 @@
           <p:nvPr>
             <p:extLst>
               <p:ext uri="{D42A27DB-BD31-4B8C-83A1-F6EECF244321}">
-                <p14:modId xmlns:p14="http://schemas.microsoft.com/office/powerpoint/2010/main" val="2445777030"/>
+                <p14:modId xmlns:p14="http://schemas.microsoft.com/office/powerpoint/2010/main" val="3734104737"/>
               </p:ext>
             </p:extLst>
           </p:nvPr>
         </p:nvGraphicFramePr>
         <p:xfrm>
-          <a:off x="2895600" y="2400300"/>
-          <a:ext cx="11658601" cy="4876799"/>
+          <a:off x="7848600" y="2324100"/>
+          <a:ext cx="10287000" cy="4876799"/>
         </p:xfrm>
         <a:graphic>
           <a:graphicData uri="http://schemas.openxmlformats.org/drawingml/2006/table">
@@ -6859,9 +6854,27 @@
                 <a:tableStyleId>{5C22544A-7EE6-4342-B048-85BDC9FD1C3A}</a:tableStyleId>
               </a:tblPr>
               <a:tblGrid>
-                <a:gridCol w="2478601"/>
-                <a:gridCol w="4057673"/>
-                <a:gridCol w="5122327"/>
+                <a:gridCol w="2187001">
+                  <a:extLst>
+                    <a:ext uri="{9D8B030D-6E8A-4147-A177-3AD203B41FA5}">
+                      <a16:colId xmlns:a16="http://schemas.microsoft.com/office/drawing/2014/main" val="20000"/>
+                    </a:ext>
+                  </a:extLst>
+                </a:gridCol>
+                <a:gridCol w="3580299">
+                  <a:extLst>
+                    <a:ext uri="{9D8B030D-6E8A-4147-A177-3AD203B41FA5}">
+                      <a16:colId xmlns:a16="http://schemas.microsoft.com/office/drawing/2014/main" val="20001"/>
+                    </a:ext>
+                  </a:extLst>
+                </a:gridCol>
+                <a:gridCol w="4519700">
+                  <a:extLst>
+                    <a:ext uri="{9D8B030D-6E8A-4147-A177-3AD203B41FA5}">
+                      <a16:colId xmlns:a16="http://schemas.microsoft.com/office/drawing/2014/main" val="20002"/>
+                    </a:ext>
+                  </a:extLst>
+                </a:gridCol>
               </a:tblGrid>
               <a:tr h="784772">
                 <a:tc>
@@ -6871,7 +6884,7 @@
                     <a:p>
                       <a:pPr latinLnBrk="1"/>
                       <a:r>
-                        <a:rPr lang="ko-KR" altLang="en-US" sz="2200" smtClean="0">
+                        <a:rPr lang="ko-KR" altLang="en-US" sz="2200">
                           <a:solidFill>
                             <a:schemeClr val="bg1"/>
                           </a:solidFill>
@@ -6936,7 +6949,7 @@
                     <a:p>
                       <a:pPr latinLnBrk="1"/>
                       <a:r>
-                        <a:rPr lang="ko-KR" altLang="en-US" sz="2200" smtClean="0">
+                        <a:rPr lang="ko-KR" altLang="en-US" sz="2200">
                           <a:solidFill>
                             <a:schemeClr val="bg1"/>
                           </a:solidFill>
@@ -7001,7 +7014,7 @@
                     <a:p>
                       <a:pPr latinLnBrk="1"/>
                       <a:r>
-                        <a:rPr lang="ko-KR" altLang="en-US" sz="2000" smtClean="0">
+                        <a:rPr lang="ko-KR" altLang="en-US" sz="2000">
                           <a:solidFill>
                             <a:schemeClr val="bg1"/>
                           </a:solidFill>
@@ -7059,6 +7072,11 @@
                     </a:solidFill>
                   </a:tcPr>
                 </a:tc>
+                <a:extLst>
+                  <a:ext uri="{0D108BD9-81ED-4DB2-BD59-A6C34878D82A}">
+                    <a16:rowId xmlns:a16="http://schemas.microsoft.com/office/drawing/2014/main" val="10000"/>
+                  </a:ext>
+                </a:extLst>
               </a:tr>
               <a:tr h="1289269">
                 <a:tc>
@@ -7068,14 +7086,11 @@
                     <a:p>
                       <a:pPr latinLnBrk="1"/>
                       <a:r>
-                        <a:rPr lang="ko-KR" altLang="en-US" sz="2200" smtClean="0">
+                        <a:rPr lang="ko-KR" altLang="en-US" sz="2200" dirty="0">
                           <a:ea typeface="G마켓 산스 Medium" panose="02000000000000000000"/>
                         </a:rPr>
                         <a:t>지역변수</a:t>
                       </a:r>
-                      <a:endParaRPr lang="ko-KR" altLang="en-US" sz="2200" dirty="0">
-                        <a:ea typeface="G마켓 산스 Medium" panose="02000000000000000000"/>
-                      </a:endParaRPr>
                     </a:p>
                   </a:txBody>
                   <a:tcPr>
@@ -7141,7 +7156,7 @@
                         <a:defRPr/>
                       </a:pPr>
                       <a:r>
-                        <a:rPr lang="ko-KR" altLang="en-US" sz="2200" smtClean="0">
+                        <a:rPr lang="ko-KR" altLang="en-US" sz="2200">
                           <a:ea typeface="G마켓 산스 Medium" panose="02000000000000000000"/>
                         </a:rPr>
                         <a:t>해당지역</a:t>
@@ -7214,24 +7229,24 @@
                         <a:defRPr/>
                       </a:pPr>
                       <a:r>
-                        <a:rPr lang="ko-KR" altLang="en-US" sz="2000" smtClean="0">
+                        <a:rPr lang="ko-KR" altLang="en-US" sz="2000">
                           <a:ea typeface="G마켓 산스 Medium" panose="02000000000000000000"/>
                         </a:rPr>
                         <a:t>생성 </a:t>
                       </a:r>
                       <a:r>
-                        <a:rPr lang="en-US" altLang="ko-KR" sz="2000" smtClean="0">
+                        <a:rPr lang="en-US" altLang="ko-KR" sz="2000">
                           <a:ea typeface="G마켓 산스 Medium" panose="02000000000000000000"/>
                         </a:rPr>
                         <a:t>: </a:t>
                       </a:r>
                       <a:r>
-                        <a:rPr lang="ko-KR" altLang="en-US" sz="2000" smtClean="0">
+                        <a:rPr lang="ko-KR" altLang="en-US" sz="2000">
                           <a:ea typeface="G마켓 산스 Medium" panose="02000000000000000000"/>
                         </a:rPr>
                         <a:t>해당 영역이 수행될때</a:t>
                       </a:r>
-                      <a:endParaRPr lang="en-US" altLang="ko-KR" sz="2000" smtClean="0">
+                      <a:endParaRPr lang="en-US" altLang="ko-KR" sz="2000">
                         <a:ea typeface="G마켓 산스 Medium" panose="02000000000000000000"/>
                       </a:endParaRPr>
                     </a:p>
@@ -7254,24 +7269,24 @@
                         <a:defRPr/>
                       </a:pPr>
                       <a:r>
-                        <a:rPr lang="ko-KR" altLang="en-US" sz="2000" smtClean="0">
+                        <a:rPr lang="ko-KR" altLang="en-US" sz="2000">
                           <a:ea typeface="G마켓 산스 Medium" panose="02000000000000000000"/>
                         </a:rPr>
                         <a:t>소멸</a:t>
                       </a:r>
                       <a:r>
-                        <a:rPr lang="en-US" altLang="ko-KR" sz="2000" smtClean="0">
+                        <a:rPr lang="en-US" altLang="ko-KR" sz="2000">
                           <a:ea typeface="G마켓 산스 Medium" panose="02000000000000000000"/>
                         </a:rPr>
                         <a:t>:</a:t>
                       </a:r>
                       <a:r>
-                        <a:rPr lang="ko-KR" altLang="en-US" sz="2000" baseline="0" smtClean="0">
+                        <a:rPr lang="ko-KR" altLang="en-US" sz="2000" baseline="0">
                           <a:ea typeface="G마켓 산스 Medium" panose="02000000000000000000"/>
                         </a:rPr>
                         <a:t> 해당 영역 수행이 끝나고 즉시</a:t>
                       </a:r>
-                      <a:endParaRPr lang="en-US" altLang="ko-KR" sz="2000" smtClean="0">
+                      <a:endParaRPr lang="en-US" altLang="ko-KR" sz="2000">
                         <a:ea typeface="G마켓 산스 Medium" panose="02000000000000000000"/>
                       </a:endParaRPr>
                     </a:p>
@@ -7316,6 +7331,11 @@
                     <a:noFill/>
                   </a:tcPr>
                 </a:tc>
+                <a:extLst>
+                  <a:ext uri="{0D108BD9-81ED-4DB2-BD59-A6C34878D82A}">
+                    <a16:rowId xmlns:a16="http://schemas.microsoft.com/office/drawing/2014/main" val="10001"/>
+                  </a:ext>
+                </a:extLst>
               </a:tr>
               <a:tr h="1401379">
                 <a:tc>
@@ -7325,7 +7345,7 @@
                     <a:p>
                       <a:pPr latinLnBrk="1"/>
                       <a:r>
-                        <a:rPr lang="ko-KR" altLang="en-US" sz="2200" smtClean="0">
+                        <a:rPr lang="ko-KR" altLang="en-US" sz="2200">
                           <a:ea typeface="G마켓 산스 Medium" panose="02000000000000000000"/>
                         </a:rPr>
                         <a:t>인스턴스변수</a:t>
@@ -7382,19 +7402,19 @@
                     <a:p>
                       <a:pPr latinLnBrk="1"/>
                       <a:r>
-                        <a:rPr lang="ko-KR" altLang="en-US" sz="2200" smtClean="0">
+                        <a:rPr lang="ko-KR" altLang="en-US" sz="2200">
                           <a:ea typeface="G마켓 산스 Medium" panose="02000000000000000000"/>
                         </a:rPr>
                         <a:t>접근제어에 따라 다름</a:t>
                       </a:r>
-                      <a:endParaRPr lang="en-US" altLang="ko-KR" sz="2200" smtClean="0">
+                      <a:endParaRPr lang="en-US" altLang="ko-KR" sz="2200">
                         <a:ea typeface="G마켓 산스 Medium" panose="02000000000000000000"/>
                       </a:endParaRPr>
                     </a:p>
                     <a:p>
                       <a:pPr latinLnBrk="1"/>
                       <a:r>
-                        <a:rPr lang="ko-KR" altLang="en-US" sz="2200" smtClean="0">
+                        <a:rPr lang="ko-KR" altLang="en-US" sz="2200">
                           <a:ea typeface="G마켓 산스 Medium" panose="02000000000000000000"/>
                         </a:rPr>
                         <a:t>최소 클래스 내부</a:t>
@@ -7451,48 +7471,48 @@
                     <a:p>
                       <a:pPr latinLnBrk="1"/>
                       <a:r>
-                        <a:rPr lang="ko-KR" altLang="en-US" sz="2000" smtClean="0">
+                        <a:rPr lang="ko-KR" altLang="en-US" sz="2000">
                           <a:ea typeface="G마켓 산스 Medium" panose="02000000000000000000"/>
                         </a:rPr>
                         <a:t>생성</a:t>
                       </a:r>
                       <a:r>
-                        <a:rPr lang="en-US" altLang="ko-KR" sz="2000" baseline="0" smtClean="0">
+                        <a:rPr lang="en-US" altLang="ko-KR" sz="2000" baseline="0">
                           <a:ea typeface="G마켓 산스 Medium" panose="02000000000000000000"/>
                         </a:rPr>
                         <a:t> : </a:t>
                       </a:r>
                       <a:r>
-                        <a:rPr lang="ko-KR" altLang="en-US" sz="2000" baseline="0" smtClean="0">
+                        <a:rPr lang="ko-KR" altLang="en-US" sz="2000" baseline="0">
                           <a:ea typeface="G마켓 산스 Medium" panose="02000000000000000000"/>
                         </a:rPr>
                         <a:t>객체 생성시</a:t>
                       </a:r>
-                      <a:endParaRPr lang="en-US" altLang="ko-KR" sz="2000" baseline="0" smtClean="0">
+                      <a:endParaRPr lang="en-US" altLang="ko-KR" sz="2000" baseline="0">
                         <a:ea typeface="G마켓 산스 Medium" panose="02000000000000000000"/>
                       </a:endParaRPr>
                     </a:p>
                     <a:p>
                       <a:pPr latinLnBrk="1"/>
                       <a:r>
-                        <a:rPr lang="ko-KR" altLang="en-US" sz="2000" baseline="0" smtClean="0">
+                        <a:rPr lang="ko-KR" altLang="en-US" sz="2000" baseline="0">
                           <a:ea typeface="G마켓 산스 Medium" panose="02000000000000000000"/>
                         </a:rPr>
                         <a:t>소멸</a:t>
                       </a:r>
                       <a:r>
-                        <a:rPr lang="en-US" altLang="ko-KR" sz="2000" baseline="0" smtClean="0">
+                        <a:rPr lang="en-US" altLang="ko-KR" sz="2000" baseline="0">
                           <a:ea typeface="G마켓 산스 Medium" panose="02000000000000000000"/>
                         </a:rPr>
                         <a:t> : </a:t>
                       </a:r>
                       <a:r>
-                        <a:rPr lang="ko-KR" altLang="en-US" sz="2000" baseline="0" smtClean="0">
+                        <a:rPr lang="ko-KR" altLang="en-US" sz="2000" baseline="0">
                           <a:ea typeface="G마켓 산스 Medium" panose="02000000000000000000"/>
                         </a:rPr>
                         <a:t>객체 소멸시 </a:t>
                       </a:r>
-                      <a:endParaRPr lang="en-US" altLang="ko-KR" sz="2000" baseline="0" smtClean="0">
+                      <a:endParaRPr lang="en-US" altLang="ko-KR" sz="2000" baseline="0">
                         <a:ea typeface="G마켓 산스 Medium" panose="02000000000000000000"/>
                       </a:endParaRPr>
                     </a:p>
@@ -7537,6 +7557,11 @@
                     <a:noFill/>
                   </a:tcPr>
                 </a:tc>
+                <a:extLst>
+                  <a:ext uri="{0D108BD9-81ED-4DB2-BD59-A6C34878D82A}">
+                    <a16:rowId xmlns:a16="http://schemas.microsoft.com/office/drawing/2014/main" val="10002"/>
+                  </a:ext>
+                </a:extLst>
               </a:tr>
               <a:tr h="1401379">
                 <a:tc>
@@ -7546,7 +7571,7 @@
                     <a:p>
                       <a:pPr latinLnBrk="1"/>
                       <a:r>
-                        <a:rPr lang="ko-KR" altLang="en-US" sz="2200" smtClean="0">
+                        <a:rPr lang="ko-KR" altLang="en-US" sz="2200">
                           <a:ea typeface="G마켓 산스 Medium" panose="02000000000000000000"/>
                         </a:rPr>
                         <a:t>클래스변수</a:t>
@@ -7603,19 +7628,19 @@
                     <a:p>
                       <a:pPr latinLnBrk="1"/>
                       <a:r>
-                        <a:rPr lang="ko-KR" altLang="en-US" sz="2200" smtClean="0">
+                        <a:rPr lang="ko-KR" altLang="en-US" sz="2200">
                           <a:ea typeface="G마켓 산스 Medium" panose="02000000000000000000"/>
                         </a:rPr>
                         <a:t>접근제어에 따라 다름</a:t>
                       </a:r>
-                      <a:endParaRPr lang="en-US" altLang="ko-KR" sz="2200" smtClean="0">
+                      <a:endParaRPr lang="en-US" altLang="ko-KR" sz="2200">
                         <a:ea typeface="G마켓 산스 Medium" panose="02000000000000000000"/>
                       </a:endParaRPr>
                     </a:p>
                     <a:p>
                       <a:pPr latinLnBrk="1"/>
                       <a:r>
-                        <a:rPr lang="ko-KR" altLang="en-US" sz="2200" smtClean="0">
+                        <a:rPr lang="ko-KR" altLang="en-US" sz="2200">
                           <a:ea typeface="G마켓 산스 Medium" panose="02000000000000000000"/>
                         </a:rPr>
                         <a:t>최소 클래스 내부</a:t>
@@ -7669,46 +7694,58 @@
                     <a:p>
                       <a:pPr latinLnBrk="1"/>
                       <a:r>
-                        <a:rPr lang="ko-KR" altLang="en-US" sz="2000" smtClean="0">
+                        <a:rPr lang="ko-KR" altLang="en-US" sz="2000" dirty="0">
                           <a:ea typeface="G마켓 산스 Medium" panose="02000000000000000000"/>
                         </a:rPr>
                         <a:t>생성</a:t>
                       </a:r>
                       <a:r>
-                        <a:rPr lang="en-US" altLang="ko-KR" sz="2000" baseline="0" smtClean="0">
+                        <a:rPr lang="en-US" altLang="ko-KR" sz="2000" baseline="0" dirty="0">
                           <a:ea typeface="G마켓 산스 Medium" panose="02000000000000000000"/>
                         </a:rPr>
                         <a:t> : </a:t>
                       </a:r>
                       <a:r>
-                        <a:rPr lang="ko-KR" altLang="en-US" sz="2000" baseline="0" smtClean="0">
+                        <a:rPr lang="ko-KR" altLang="en-US" sz="2000" baseline="0" dirty="0">
                           <a:ea typeface="G마켓 산스 Medium" panose="02000000000000000000"/>
                         </a:rPr>
-                        <a:t>프로그램 실행시</a:t>
+                        <a:t>프로그램 </a:t>
                       </a:r>
-                      <a:endParaRPr lang="en-US" altLang="ko-KR" sz="2000" baseline="0" smtClean="0">
+                      <a:r>
+                        <a:rPr lang="ko-KR" altLang="en-US" sz="2000" baseline="0" dirty="0" err="1">
+                          <a:ea typeface="G마켓 산스 Medium" panose="02000000000000000000"/>
+                        </a:rPr>
+                        <a:t>실행시</a:t>
+                      </a:r>
+                      <a:endParaRPr lang="en-US" altLang="ko-KR" sz="2000" baseline="0" dirty="0">
                         <a:ea typeface="G마켓 산스 Medium" panose="02000000000000000000"/>
                       </a:endParaRPr>
                     </a:p>
                     <a:p>
                       <a:pPr latinLnBrk="1"/>
                       <a:r>
-                        <a:rPr lang="ko-KR" altLang="en-US" sz="2000" baseline="0" smtClean="0">
+                        <a:rPr lang="ko-KR" altLang="en-US" sz="2000" baseline="0" dirty="0">
                           <a:ea typeface="G마켓 산스 Medium" panose="02000000000000000000"/>
                         </a:rPr>
                         <a:t>소멸 </a:t>
                       </a:r>
                       <a:r>
-                        <a:rPr lang="en-US" altLang="ko-KR" sz="2000" baseline="0" smtClean="0">
+                        <a:rPr lang="en-US" altLang="ko-KR" sz="2000" baseline="0" dirty="0">
                           <a:ea typeface="G마켓 산스 Medium" panose="02000000000000000000"/>
                         </a:rPr>
                         <a:t>: </a:t>
                       </a:r>
                       <a:r>
-                        <a:rPr lang="ko-KR" altLang="en-US" sz="2000" baseline="0" smtClean="0">
+                        <a:rPr lang="ko-KR" altLang="en-US" sz="2000" baseline="0" dirty="0">
                           <a:ea typeface="G마켓 산스 Medium" panose="02000000000000000000"/>
                         </a:rPr>
-                        <a:t>프로그램 종료시</a:t>
+                        <a:t>프로그램 </a:t>
+                      </a:r>
+                      <a:r>
+                        <a:rPr lang="ko-KR" altLang="en-US" sz="2000" baseline="0" dirty="0" err="1">
+                          <a:ea typeface="G마켓 산스 Medium" panose="02000000000000000000"/>
+                        </a:rPr>
+                        <a:t>종료시</a:t>
                       </a:r>
                       <a:endParaRPr lang="ko-KR" altLang="en-US" sz="2000" dirty="0">
                         <a:ea typeface="G마켓 산스 Medium" panose="02000000000000000000"/>
@@ -7755,11 +7792,46 @@
                     <a:noFill/>
                   </a:tcPr>
                 </a:tc>
+                <a:extLst>
+                  <a:ext uri="{0D108BD9-81ED-4DB2-BD59-A6C34878D82A}">
+                    <a16:rowId xmlns:a16="http://schemas.microsoft.com/office/drawing/2014/main" val="10003"/>
+                  </a:ext>
+                </a:extLst>
               </a:tr>
             </a:tbl>
           </a:graphicData>
         </a:graphic>
       </p:graphicFrame>
+      <p:pic>
+        <p:nvPicPr>
+          <p:cNvPr id="2" name="그림 1">
+            <a:extLst>
+              <a:ext uri="{FF2B5EF4-FFF2-40B4-BE49-F238E27FC236}">
+                <a16:creationId xmlns:a16="http://schemas.microsoft.com/office/drawing/2014/main" id="{F1EF1BC2-A2D0-61E2-10CD-8EDFACAEC478}"/>
+              </a:ext>
+            </a:extLst>
+          </p:cNvPr>
+          <p:cNvPicPr>
+            <a:picLocks noChangeAspect="1"/>
+          </p:cNvPicPr>
+          <p:nvPr/>
+        </p:nvPicPr>
+        <p:blipFill>
+          <a:blip r:embed="rId2"/>
+          <a:stretch>
+            <a:fillRect/>
+          </a:stretch>
+        </p:blipFill>
+        <p:spPr>
+          <a:xfrm>
+            <a:off x="-1" y="1866900"/>
+            <a:ext cx="7620001" cy="6241916"/>
+          </a:xfrm>
+          <a:prstGeom prst="rect">
+            <a:avLst/>
+          </a:prstGeom>
+        </p:spPr>
+      </p:pic>
     </p:spTree>
     <p:extLst>
       <p:ext uri="{BB962C8B-B14F-4D97-AF65-F5344CB8AC3E}">
@@ -7770,13 +7842,6 @@
   <p:clrMapOvr>
     <a:masterClrMapping/>
   </p:clrMapOvr>
-  <p:timing>
-    <p:tnLst>
-      <p:par>
-        <p:cTn id="1" dur="indefinite" restart="never" nodeType="tmRoot"/>
-      </p:par>
-    </p:tnLst>
-  </p:timing>
 </p:sld>
 </file>
 
@@ -7826,7 +7891,7 @@
           <p:cNvPr id="5" name="직선 화살표 연결선 4">
             <a:extLst>
               <a:ext uri="{FF2B5EF4-FFF2-40B4-BE49-F238E27FC236}">
-                <a16:creationId xmlns="" xmlns:a16="http://schemas.microsoft.com/office/drawing/2014/main" id="{299DF5EC-9DF4-5255-06AC-0A7CE4FF58C3}"/>
+                <a16:creationId xmlns:a16="http://schemas.microsoft.com/office/drawing/2014/main" id="{299DF5EC-9DF4-5255-06AC-0A7CE4FF58C3}"/>
               </a:ext>
             </a:extLst>
           </p:cNvPr>
@@ -7867,7 +7932,7 @@
           <p:cNvPr id="6" name="직사각형 5">
             <a:extLst>
               <a:ext uri="{FF2B5EF4-FFF2-40B4-BE49-F238E27FC236}">
-                <a16:creationId xmlns="" xmlns:a16="http://schemas.microsoft.com/office/drawing/2014/main" id="{FFF506F9-840A-0508-4CAF-3AC711D8D5CE}"/>
+                <a16:creationId xmlns:a16="http://schemas.microsoft.com/office/drawing/2014/main" id="{FFF506F9-840A-0508-4CAF-3AC711D8D5CE}"/>
               </a:ext>
             </a:extLst>
           </p:cNvPr>
@@ -7919,7 +7984,7 @@
           <p:cNvPr id="7" name="TextBox 6">
             <a:extLst>
               <a:ext uri="{FF2B5EF4-FFF2-40B4-BE49-F238E27FC236}">
-                <a16:creationId xmlns="" xmlns:a16="http://schemas.microsoft.com/office/drawing/2014/main" id="{C6D113C6-EA5C-788F-0C77-E7CE6EBB865F}"/>
+                <a16:creationId xmlns:a16="http://schemas.microsoft.com/office/drawing/2014/main" id="{C6D113C6-EA5C-788F-0C77-E7CE6EBB865F}"/>
               </a:ext>
             </a:extLst>
           </p:cNvPr>
@@ -7943,7 +8008,7 @@
           <a:lstStyle/>
           <a:p>
             <a:r>
-              <a:rPr lang="ko-KR" altLang="en-US" sz="4000" smtClean="0">
+              <a:rPr lang="ko-KR" altLang="en-US" sz="4000">
                 <a:solidFill>
                   <a:srgbClr val="FF0000"/>
                 </a:solidFill>
@@ -7953,7 +8018,7 @@
               <a:t>클래스변수는 객체생성 없이 쓸수 있다</a:t>
             </a:r>
             <a:r>
-              <a:rPr lang="en-US" altLang="ko-KR" sz="4000" smtClean="0">
+              <a:rPr lang="en-US" altLang="ko-KR" sz="4000">
                 <a:solidFill>
                   <a:srgbClr val="FF0000"/>
                 </a:solidFill>
@@ -8377,7 +8442,7 @@
           <p:cNvPr id="11" name="TextBox 10">
             <a:extLst>
               <a:ext uri="{FF2B5EF4-FFF2-40B4-BE49-F238E27FC236}">
-                <a16:creationId xmlns="" xmlns:a16="http://schemas.microsoft.com/office/drawing/2014/main" id="{9F88F580-08BE-88C2-D640-13F0026591CB}"/>
+                <a16:creationId xmlns:a16="http://schemas.microsoft.com/office/drawing/2014/main" id="{9F88F580-08BE-88C2-D640-13F0026591CB}"/>
               </a:ext>
             </a:extLst>
           </p:cNvPr>
@@ -8401,7 +8466,7 @@
           <a:lstStyle/>
           <a:p>
             <a:r>
-              <a:rPr lang="en-US" altLang="ko-KR" sz="7200" smtClean="0">
+              <a:rPr lang="en-US" altLang="ko-KR" sz="7200">
                 <a:solidFill>
                   <a:srgbClr val="4C50BC"/>
                 </a:solidFill>
@@ -8411,7 +8476,7 @@
               <a:t>Part07 </a:t>
             </a:r>
             <a:r>
-              <a:rPr lang="ko-KR" altLang="en-US" sz="7200" smtClean="0">
+              <a:rPr lang="ko-KR" altLang="en-US" sz="7200">
                 <a:solidFill>
                   <a:srgbClr val="4C50BC"/>
                 </a:solidFill>
@@ -8435,7 +8500,7 @@
           <p:cNvPr id="13" name="TextBox 12">
             <a:extLst>
               <a:ext uri="{FF2B5EF4-FFF2-40B4-BE49-F238E27FC236}">
-                <a16:creationId xmlns="" xmlns:a16="http://schemas.microsoft.com/office/drawing/2014/main" id="{72769C28-9BB6-DE9C-7B6F-264B77B8DD0E}"/>
+                <a16:creationId xmlns:a16="http://schemas.microsoft.com/office/drawing/2014/main" id="{72769C28-9BB6-DE9C-7B6F-264B77B8DD0E}"/>
               </a:ext>
             </a:extLst>
           </p:cNvPr>
@@ -8459,7 +8524,7 @@
           <a:lstStyle/>
           <a:p>
             <a:r>
-              <a:rPr lang="ko-KR" altLang="en-US" sz="3200" smtClean="0">
+              <a:rPr lang="ko-KR" altLang="en-US" sz="3200">
                 <a:solidFill>
                   <a:srgbClr val="4D4848"/>
                 </a:solidFill>
@@ -8483,7 +8548,7 @@
           <p:cNvPr id="14" name="TextBox 13">
             <a:extLst>
               <a:ext uri="{FF2B5EF4-FFF2-40B4-BE49-F238E27FC236}">
-                <a16:creationId xmlns="" xmlns:a16="http://schemas.microsoft.com/office/drawing/2014/main" id="{270FBB6A-01CE-5637-78DA-58F0C974145C}"/>
+                <a16:creationId xmlns:a16="http://schemas.microsoft.com/office/drawing/2014/main" id="{270FBB6A-01CE-5637-78DA-58F0C974145C}"/>
               </a:ext>
             </a:extLst>
           </p:cNvPr>
@@ -8507,7 +8572,7 @@
           <a:lstStyle/>
           <a:p>
             <a:r>
-              <a:rPr lang="ko-KR" altLang="en-US" sz="3200" smtClean="0">
+              <a:rPr lang="ko-KR" altLang="en-US" sz="3200">
                 <a:solidFill>
                   <a:srgbClr val="4D4848"/>
                 </a:solidFill>
@@ -8517,7 +8582,7 @@
               <a:t>지역변수</a:t>
             </a:r>
             <a:r>
-              <a:rPr lang="en-US" altLang="ko-KR" sz="3200" smtClean="0">
+              <a:rPr lang="en-US" altLang="ko-KR" sz="3200">
                 <a:solidFill>
                   <a:srgbClr val="4D4848"/>
                 </a:solidFill>
@@ -8527,7 +8592,7 @@
               <a:t>, </a:t>
             </a:r>
             <a:r>
-              <a:rPr lang="ko-KR" altLang="en-US" sz="3200" smtClean="0">
+              <a:rPr lang="ko-KR" altLang="en-US" sz="3200">
                 <a:solidFill>
                   <a:srgbClr val="4D4848"/>
                 </a:solidFill>
@@ -8551,7 +8616,7 @@
           <p:cNvPr id="2" name="Object 17">
             <a:extLst>
               <a:ext uri="{FF2B5EF4-FFF2-40B4-BE49-F238E27FC236}">
-                <a16:creationId xmlns="" xmlns:a16="http://schemas.microsoft.com/office/drawing/2014/main" id="{140B283D-FE58-FA6F-6F7C-E0F1DBB62A65}"/>
+                <a16:creationId xmlns:a16="http://schemas.microsoft.com/office/drawing/2014/main" id="{140B283D-FE58-FA6F-6F7C-E0F1DBB62A65}"/>
               </a:ext>
             </a:extLst>
           </p:cNvPr>
@@ -8581,7 +8646,7 @@
           <p:cNvPr id="4" name="TextBox 3">
             <a:extLst>
               <a:ext uri="{FF2B5EF4-FFF2-40B4-BE49-F238E27FC236}">
-                <a16:creationId xmlns="" xmlns:a16="http://schemas.microsoft.com/office/drawing/2014/main" id="{2C8D0998-79BC-6FD2-59D9-8052B4A25F65}"/>
+                <a16:creationId xmlns:a16="http://schemas.microsoft.com/office/drawing/2014/main" id="{2C8D0998-79BC-6FD2-59D9-8052B4A25F65}"/>
               </a:ext>
             </a:extLst>
           </p:cNvPr>
@@ -8605,7 +8670,7 @@
           <a:lstStyle/>
           <a:p>
             <a:r>
-              <a:rPr lang="ko-KR" altLang="en-US" sz="3200" smtClean="0">
+              <a:rPr lang="ko-KR" altLang="en-US" sz="3200">
                 <a:solidFill>
                   <a:srgbClr val="4D4848"/>
                 </a:solidFill>
@@ -8629,7 +8694,7 @@
           <p:cNvPr id="5" name="Object 18">
             <a:extLst>
               <a:ext uri="{FF2B5EF4-FFF2-40B4-BE49-F238E27FC236}">
-                <a16:creationId xmlns="" xmlns:a16="http://schemas.microsoft.com/office/drawing/2014/main" id="{3F58EA3E-1018-64D3-FAB2-4F6B9618FA56}"/>
+                <a16:creationId xmlns:a16="http://schemas.microsoft.com/office/drawing/2014/main" id="{3F58EA3E-1018-64D3-FAB2-4F6B9618FA56}"/>
               </a:ext>
             </a:extLst>
           </p:cNvPr>
@@ -8659,7 +8724,7 @@
           <p:cNvPr id="8" name="TextBox 7">
             <a:extLst>
               <a:ext uri="{FF2B5EF4-FFF2-40B4-BE49-F238E27FC236}">
-                <a16:creationId xmlns="" xmlns:a16="http://schemas.microsoft.com/office/drawing/2014/main" id="{681D3F16-7DCF-41AD-F5F1-0558C78C0E4D}"/>
+                <a16:creationId xmlns:a16="http://schemas.microsoft.com/office/drawing/2014/main" id="{681D3F16-7DCF-41AD-F5F1-0558C78C0E4D}"/>
               </a:ext>
             </a:extLst>
           </p:cNvPr>
@@ -8707,13 +8772,6 @@
   <p:clrMapOvr>
     <a:masterClrMapping/>
   </p:clrMapOvr>
-  <p:timing>
-    <p:tnLst>
-      <p:par>
-        <p:cTn id="1" dur="indefinite" restart="never" nodeType="tmRoot"/>
-      </p:par>
-    </p:tnLst>
-  </p:timing>
 </p:sld>
 </file>
 
@@ -8739,7 +8797,7 @@
           <p:cNvPr id="4" name="TextBox 3">
             <a:extLst>
               <a:ext uri="{FF2B5EF4-FFF2-40B4-BE49-F238E27FC236}">
-                <a16:creationId xmlns="" xmlns:a16="http://schemas.microsoft.com/office/drawing/2014/main" id="{5ADC00B6-990A-40DC-3CEA-505258F5E8DA}"/>
+                <a16:creationId xmlns:a16="http://schemas.microsoft.com/office/drawing/2014/main" id="{5ADC00B6-990A-40DC-3CEA-505258F5E8DA}"/>
               </a:ext>
             </a:extLst>
           </p:cNvPr>
@@ -8763,7 +8821,7 @@
           <a:lstStyle/>
           <a:p>
             <a:r>
-              <a:rPr lang="ko-KR" altLang="en-US" sz="4800" smtClean="0">
+              <a:rPr lang="ko-KR" altLang="en-US" sz="4800">
                 <a:solidFill>
                   <a:srgbClr val="4C50BC"/>
                 </a:solidFill>
@@ -8811,7 +8869,7 @@
           <p:cNvPr id="6" name="직사각형 5">
             <a:extLst>
               <a:ext uri="{FF2B5EF4-FFF2-40B4-BE49-F238E27FC236}">
-                <a16:creationId xmlns="" xmlns:a16="http://schemas.microsoft.com/office/drawing/2014/main" id="{FFF506F9-840A-0508-4CAF-3AC711D8D5CE}"/>
+                <a16:creationId xmlns:a16="http://schemas.microsoft.com/office/drawing/2014/main" id="{FFF506F9-840A-0508-4CAF-3AC711D8D5CE}"/>
               </a:ext>
             </a:extLst>
           </p:cNvPr>
@@ -9159,7 +9217,7 @@
           <p:cNvPr id="4" name="TextBox 3">
             <a:extLst>
               <a:ext uri="{FF2B5EF4-FFF2-40B4-BE49-F238E27FC236}">
-                <a16:creationId xmlns="" xmlns:a16="http://schemas.microsoft.com/office/drawing/2014/main" id="{5ADC00B6-990A-40DC-3CEA-505258F5E8DA}"/>
+                <a16:creationId xmlns:a16="http://schemas.microsoft.com/office/drawing/2014/main" id="{5ADC00B6-990A-40DC-3CEA-505258F5E8DA}"/>
               </a:ext>
             </a:extLst>
           </p:cNvPr>
@@ -9183,7 +9241,7 @@
           <a:lstStyle/>
           <a:p>
             <a:r>
-              <a:rPr lang="ko-KR" altLang="en-US" sz="4800" smtClean="0">
+              <a:rPr lang="ko-KR" altLang="en-US" sz="4800">
                 <a:solidFill>
                   <a:srgbClr val="4C50BC"/>
                 </a:solidFill>
@@ -9193,7 +9251,7 @@
               <a:t>클래스 메서드 </a:t>
             </a:r>
             <a:r>
-              <a:rPr lang="en-US" altLang="ko-KR" sz="4800" smtClean="0">
+              <a:rPr lang="en-US" altLang="ko-KR" sz="4800">
                 <a:solidFill>
                   <a:srgbClr val="4C50BC"/>
                 </a:solidFill>
@@ -9203,7 +9261,7 @@
               <a:t>VS </a:t>
             </a:r>
             <a:r>
-              <a:rPr lang="ko-KR" altLang="en-US" sz="4800" smtClean="0">
+              <a:rPr lang="ko-KR" altLang="en-US" sz="4800">
                 <a:solidFill>
                   <a:srgbClr val="4C50BC"/>
                 </a:solidFill>
@@ -9232,13 +9290,6 @@
   <p:clrMapOvr>
     <a:masterClrMapping/>
   </p:clrMapOvr>
-  <p:timing>
-    <p:tnLst>
-      <p:par>
-        <p:cTn id="1" dur="indefinite" restart="never" nodeType="tmRoot"/>
-      </p:par>
-    </p:tnLst>
-  </p:timing>
 </p:sld>
 </file>
 
@@ -9678,7 +9729,7 @@
           <p:cNvPr id="81" name="TextBox 80">
             <a:extLst>
               <a:ext uri="{FF2B5EF4-FFF2-40B4-BE49-F238E27FC236}">
-                <a16:creationId xmlns="" xmlns:a16="http://schemas.microsoft.com/office/drawing/2014/main" id="{5ADC00B6-990A-40DC-3CEA-505258F5E8DA}"/>
+                <a16:creationId xmlns:a16="http://schemas.microsoft.com/office/drawing/2014/main" id="{5ADC00B6-990A-40DC-3CEA-505258F5E8DA}"/>
               </a:ext>
             </a:extLst>
           </p:cNvPr>
@@ -9702,7 +9753,7 @@
           <a:lstStyle/>
           <a:p>
             <a:r>
-              <a:rPr lang="ko-KR" altLang="en-US" sz="4800" smtClean="0">
+              <a:rPr lang="ko-KR" altLang="en-US" sz="4800" dirty="0">
                 <a:solidFill>
                   <a:srgbClr val="4C50BC"/>
                 </a:solidFill>
@@ -9726,7 +9777,7 @@
           <p:cNvPr id="82" name="TextBox 81">
             <a:extLst>
               <a:ext uri="{FF2B5EF4-FFF2-40B4-BE49-F238E27FC236}">
-                <a16:creationId xmlns="" xmlns:a16="http://schemas.microsoft.com/office/drawing/2014/main" id="{5ADC00B6-990A-40DC-3CEA-505258F5E8DA}"/>
+                <a16:creationId xmlns:a16="http://schemas.microsoft.com/office/drawing/2014/main" id="{5ADC00B6-990A-40DC-3CEA-505258F5E8DA}"/>
               </a:ext>
             </a:extLst>
           </p:cNvPr>
@@ -9750,14 +9801,14 @@
           <a:lstStyle/>
           <a:p>
             <a:r>
-              <a:rPr lang="ko-KR" altLang="en-US" sz="4800" smtClean="0">
+              <a:rPr lang="ko-KR" altLang="en-US" sz="4800" dirty="0">
                 <a:solidFill>
                   <a:srgbClr val="4C50BC"/>
                 </a:solidFill>
                 <a:latin typeface="G마켓 산스 Medium" panose="02000000000000000000" pitchFamily="50" charset="-127"/>
                 <a:ea typeface="G마켓 산스 Medium" panose="02000000000000000000" pitchFamily="50" charset="-127"/>
               </a:rPr>
-              <a:t>인스턴스 매서드</a:t>
+              <a:t>인스턴스 메서드</a:t>
             </a:r>
             <a:endParaRPr lang="en-US" altLang="ko-KR" sz="4800" dirty="0">
               <a:solidFill>
@@ -9774,7 +9825,7 @@
           <p:cNvPr id="83" name="TextBox 82">
             <a:extLst>
               <a:ext uri="{FF2B5EF4-FFF2-40B4-BE49-F238E27FC236}">
-                <a16:creationId xmlns="" xmlns:a16="http://schemas.microsoft.com/office/drawing/2014/main" id="{A2AD056B-97A4-5BCC-4460-250160F3E171}"/>
+                <a16:creationId xmlns:a16="http://schemas.microsoft.com/office/drawing/2014/main" id="{A2AD056B-97A4-5BCC-4460-250160F3E171}"/>
               </a:ext>
             </a:extLst>
           </p:cNvPr>
@@ -9798,7 +9849,7 @@
           <a:lstStyle/>
           <a:p>
             <a:r>
-              <a:rPr lang="ko-KR" altLang="en-US" sz="4000" smtClean="0">
+              <a:rPr lang="ko-KR" altLang="en-US" sz="4000">
                 <a:solidFill>
                   <a:schemeClr val="tx1">
                     <a:lumMod val="50000"/>
@@ -9828,7 +9879,7 @@
           <p:cNvPr id="84" name="TextBox 83">
             <a:extLst>
               <a:ext uri="{FF2B5EF4-FFF2-40B4-BE49-F238E27FC236}">
-                <a16:creationId xmlns="" xmlns:a16="http://schemas.microsoft.com/office/drawing/2014/main" id="{A2AD056B-97A4-5BCC-4460-250160F3E171}"/>
+                <a16:creationId xmlns:a16="http://schemas.microsoft.com/office/drawing/2014/main" id="{A2AD056B-97A4-5BCC-4460-250160F3E171}"/>
               </a:ext>
             </a:extLst>
           </p:cNvPr>
@@ -9852,7 +9903,7 @@
           <a:lstStyle/>
           <a:p>
             <a:r>
-              <a:rPr lang="ko-KR" altLang="en-US" sz="4000" smtClean="0">
+              <a:rPr lang="ko-KR" altLang="en-US" sz="4000">
                 <a:solidFill>
                   <a:schemeClr val="tx1">
                     <a:lumMod val="50000"/>
@@ -9882,7 +9933,7 @@
           <p:cNvPr id="85" name="TextBox 84">
             <a:extLst>
               <a:ext uri="{FF2B5EF4-FFF2-40B4-BE49-F238E27FC236}">
-                <a16:creationId xmlns="" xmlns:a16="http://schemas.microsoft.com/office/drawing/2014/main" id="{A2AD056B-97A4-5BCC-4460-250160F3E171}"/>
+                <a16:creationId xmlns:a16="http://schemas.microsoft.com/office/drawing/2014/main" id="{A2AD056B-97A4-5BCC-4460-250160F3E171}"/>
               </a:ext>
             </a:extLst>
           </p:cNvPr>
@@ -9906,7 +9957,7 @@
           <a:lstStyle/>
           <a:p>
             <a:r>
-              <a:rPr lang="ko-KR" altLang="en-US" sz="4000" smtClean="0">
+              <a:rPr lang="ko-KR" altLang="en-US" sz="4000" dirty="0">
                 <a:solidFill>
                   <a:schemeClr val="tx1">
                     <a:lumMod val="50000"/>
@@ -9916,7 +9967,7 @@
                 <a:latin typeface="G마켓 산스 Medium" panose="02000000000000000000" pitchFamily="50" charset="-127"/>
                 <a:ea typeface="G마켓 산스 Medium" panose="02000000000000000000" pitchFamily="50" charset="-127"/>
               </a:rPr>
-              <a:t>클래스 변수만 사용가능</a:t>
+              <a:t>인스턴스 변수 사용 불가</a:t>
             </a:r>
             <a:endParaRPr lang="en-US" altLang="ko-KR" sz="4000" dirty="0">
               <a:solidFill>
@@ -9936,7 +9987,7 @@
           <p:cNvPr id="86" name="TextBox 85">
             <a:extLst>
               <a:ext uri="{FF2B5EF4-FFF2-40B4-BE49-F238E27FC236}">
-                <a16:creationId xmlns="" xmlns:a16="http://schemas.microsoft.com/office/drawing/2014/main" id="{A2AD056B-97A4-5BCC-4460-250160F3E171}"/>
+                <a16:creationId xmlns:a16="http://schemas.microsoft.com/office/drawing/2014/main" id="{A2AD056B-97A4-5BCC-4460-250160F3E171}"/>
               </a:ext>
             </a:extLst>
           </p:cNvPr>
@@ -9960,7 +10011,7 @@
           <a:lstStyle/>
           <a:p>
             <a:r>
-              <a:rPr lang="ko-KR" altLang="en-US" sz="3200" smtClean="0">
+              <a:rPr lang="ko-KR" altLang="en-US" sz="3200">
                 <a:solidFill>
                   <a:schemeClr val="tx1">
                     <a:lumMod val="50000"/>
@@ -9973,7 +10024,7 @@
               <a:t>클래스</a:t>
             </a:r>
             <a:r>
-              <a:rPr lang="en-US" altLang="ko-KR" sz="3200" smtClean="0">
+              <a:rPr lang="en-US" altLang="ko-KR" sz="3200">
                 <a:solidFill>
                   <a:schemeClr val="tx1">
                     <a:lumMod val="50000"/>
@@ -9986,7 +10037,7 @@
               <a:t>, </a:t>
             </a:r>
             <a:r>
-              <a:rPr lang="ko-KR" altLang="en-US" sz="3200" smtClean="0">
+              <a:rPr lang="ko-KR" altLang="en-US" sz="3200">
                 <a:solidFill>
                   <a:schemeClr val="tx1">
                     <a:lumMod val="50000"/>
@@ -9999,7 +10050,7 @@
               <a:t>인스턴스</a:t>
             </a:r>
             <a:r>
-              <a:rPr lang="en-US" altLang="ko-KR" sz="3200" smtClean="0">
+              <a:rPr lang="en-US" altLang="ko-KR" sz="3200">
                 <a:solidFill>
                   <a:schemeClr val="tx1">
                     <a:lumMod val="50000"/>
@@ -10012,7 +10063,7 @@
               <a:t>, </a:t>
             </a:r>
             <a:r>
-              <a:rPr lang="ko-KR" altLang="en-US" sz="3200" smtClean="0">
+              <a:rPr lang="ko-KR" altLang="en-US" sz="3200">
                 <a:solidFill>
                   <a:schemeClr val="tx1">
                     <a:lumMod val="50000"/>
@@ -10066,7 +10117,7 @@
           <p:cNvPr id="89" name="TextBox 88">
             <a:extLst>
               <a:ext uri="{FF2B5EF4-FFF2-40B4-BE49-F238E27FC236}">
-                <a16:creationId xmlns="" xmlns:a16="http://schemas.microsoft.com/office/drawing/2014/main" id="{A2AD056B-97A4-5BCC-4460-250160F3E171}"/>
+                <a16:creationId xmlns:a16="http://schemas.microsoft.com/office/drawing/2014/main" id="{A2AD056B-97A4-5BCC-4460-250160F3E171}"/>
               </a:ext>
             </a:extLst>
           </p:cNvPr>
@@ -10090,7 +10141,7 @@
           <a:lstStyle/>
           <a:p>
             <a:r>
-              <a:rPr lang="ko-KR" altLang="en-US" sz="4000" smtClean="0">
+              <a:rPr lang="ko-KR" altLang="en-US" sz="4000">
                 <a:solidFill>
                   <a:schemeClr val="tx1">
                     <a:lumMod val="50000"/>
@@ -10120,7 +10171,7 @@
           <p:cNvPr id="90" name="TextBox 89">
             <a:extLst>
               <a:ext uri="{FF2B5EF4-FFF2-40B4-BE49-F238E27FC236}">
-                <a16:creationId xmlns="" xmlns:a16="http://schemas.microsoft.com/office/drawing/2014/main" id="{A2AD056B-97A4-5BCC-4460-250160F3E171}"/>
+                <a16:creationId xmlns:a16="http://schemas.microsoft.com/office/drawing/2014/main" id="{A2AD056B-97A4-5BCC-4460-250160F3E171}"/>
               </a:ext>
             </a:extLst>
           </p:cNvPr>
@@ -10144,7 +10195,7 @@
           <a:lstStyle/>
           <a:p>
             <a:r>
-              <a:rPr lang="ko-KR" altLang="en-US" sz="4000" smtClean="0">
+              <a:rPr lang="ko-KR" altLang="en-US" sz="4000">
                 <a:solidFill>
                   <a:schemeClr val="tx1">
                     <a:lumMod val="50000"/>
@@ -10157,7 +10208,7 @@
               <a:t>클래스</a:t>
             </a:r>
             <a:r>
-              <a:rPr lang="en-US" altLang="ko-KR" sz="4000" smtClean="0">
+              <a:rPr lang="en-US" altLang="ko-KR" sz="4000">
                 <a:solidFill>
                   <a:schemeClr val="tx1">
                     <a:lumMod val="50000"/>
@@ -10170,7 +10221,7 @@
               <a:t>, </a:t>
             </a:r>
             <a:r>
-              <a:rPr lang="ko-KR" altLang="en-US" sz="4000" smtClean="0">
+              <a:rPr lang="ko-KR" altLang="en-US" sz="4000">
                 <a:solidFill>
                   <a:schemeClr val="tx1">
                     <a:lumMod val="50000"/>
@@ -10205,17 +10256,312 @@
   <p:clrMapOvr>
     <a:masterClrMapping/>
   </p:clrMapOvr>
-  <p:timing>
-    <p:tnLst>
-      <p:par>
-        <p:cTn id="1" dur="indefinite" restart="never" nodeType="tmRoot"/>
-      </p:par>
-    </p:tnLst>
-  </p:timing>
 </p:sld>
 </file>
 
 <file path=ppt/slides/slide23.xml><?xml version="1.0" encoding="utf-8"?>
+<p:sld xmlns:a="http://schemas.openxmlformats.org/drawingml/2006/main" xmlns:r="http://schemas.openxmlformats.org/officeDocument/2006/relationships" xmlns:p="http://schemas.openxmlformats.org/presentationml/2006/main">
+  <p:cSld>
+    <p:spTree>
+      <p:nvGrpSpPr>
+        <p:cNvPr id="1" name=""/>
+        <p:cNvGrpSpPr/>
+        <p:nvPr/>
+      </p:nvGrpSpPr>
+      <p:grpSpPr>
+        <a:xfrm>
+          <a:off x="0" y="0"/>
+          <a:ext cx="0" cy="0"/>
+          <a:chOff x="0" y="0"/>
+          <a:chExt cx="0" cy="0"/>
+        </a:xfrm>
+      </p:grpSpPr>
+      <p:pic>
+        <p:nvPicPr>
+          <p:cNvPr id="5" name="그림 4">
+            <a:extLst>
+              <a:ext uri="{FF2B5EF4-FFF2-40B4-BE49-F238E27FC236}">
+                <a16:creationId xmlns:a16="http://schemas.microsoft.com/office/drawing/2014/main" id="{EC0A4325-90ED-7A33-4F8B-61318074387B}"/>
+              </a:ext>
+            </a:extLst>
+          </p:cNvPr>
+          <p:cNvPicPr>
+            <a:picLocks noChangeAspect="1"/>
+          </p:cNvPicPr>
+          <p:nvPr/>
+        </p:nvPicPr>
+        <p:blipFill>
+          <a:blip r:embed="rId2"/>
+          <a:stretch>
+            <a:fillRect/>
+          </a:stretch>
+        </p:blipFill>
+        <p:spPr>
+          <a:xfrm>
+            <a:off x="1142999" y="495300"/>
+            <a:ext cx="6737681" cy="2743200"/>
+          </a:xfrm>
+          <a:prstGeom prst="rect">
+            <a:avLst/>
+          </a:prstGeom>
+        </p:spPr>
+      </p:pic>
+      <p:pic>
+        <p:nvPicPr>
+          <p:cNvPr id="7" name="그림 6">
+            <a:extLst>
+              <a:ext uri="{FF2B5EF4-FFF2-40B4-BE49-F238E27FC236}">
+                <a16:creationId xmlns:a16="http://schemas.microsoft.com/office/drawing/2014/main" id="{49B25AD3-5EFB-B896-2A86-7A159C7F0C4D}"/>
+              </a:ext>
+            </a:extLst>
+          </p:cNvPr>
+          <p:cNvPicPr>
+            <a:picLocks noChangeAspect="1"/>
+          </p:cNvPicPr>
+          <p:nvPr/>
+        </p:nvPicPr>
+        <p:blipFill>
+          <a:blip r:embed="rId3"/>
+          <a:stretch>
+            <a:fillRect/>
+          </a:stretch>
+        </p:blipFill>
+        <p:spPr>
+          <a:xfrm>
+            <a:off x="1142999" y="3543300"/>
+            <a:ext cx="15697201" cy="1985004"/>
+          </a:xfrm>
+          <a:prstGeom prst="rect">
+            <a:avLst/>
+          </a:prstGeom>
+        </p:spPr>
+      </p:pic>
+      <p:sp>
+        <p:nvSpPr>
+          <p:cNvPr id="8" name="TextBox 7">
+            <a:extLst>
+              <a:ext uri="{FF2B5EF4-FFF2-40B4-BE49-F238E27FC236}">
+                <a16:creationId xmlns:a16="http://schemas.microsoft.com/office/drawing/2014/main" id="{5AADAE1F-E5CF-4F19-A5B2-62AF9B9AF604}"/>
+              </a:ext>
+            </a:extLst>
+          </p:cNvPr>
+          <p:cNvSpPr txBox="1"/>
+          <p:nvPr/>
+        </p:nvSpPr>
+        <p:spPr>
+          <a:xfrm>
+            <a:off x="1142998" y="6972300"/>
+            <a:ext cx="16916402" cy="1938992"/>
+          </a:xfrm>
+          <a:prstGeom prst="rect">
+            <a:avLst/>
+          </a:prstGeom>
+          <a:noFill/>
+        </p:spPr>
+        <p:txBody>
+          <a:bodyPr wrap="square" rtlCol="0">
+            <a:spAutoFit/>
+          </a:bodyPr>
+          <a:lstStyle/>
+          <a:p>
+            <a:r>
+              <a:rPr lang="ko-KR" altLang="en-US" sz="4000" dirty="0">
+                <a:solidFill>
+                  <a:srgbClr val="FF0000"/>
+                </a:solidFill>
+                <a:latin typeface="G마켓 산스 Medium" panose="02000000000000000000" pitchFamily="50" charset="-127"/>
+                <a:ea typeface="G마켓 산스 Medium" panose="02000000000000000000" pitchFamily="50" charset="-127"/>
+              </a:rPr>
+              <a:t>클래스 </a:t>
+            </a:r>
+            <a:r>
+              <a:rPr lang="ko-KR" altLang="en-US" sz="4000" dirty="0" err="1">
+                <a:solidFill>
+                  <a:srgbClr val="FF0000"/>
+                </a:solidFill>
+                <a:latin typeface="G마켓 산스 Medium" panose="02000000000000000000" pitchFamily="50" charset="-127"/>
+                <a:ea typeface="G마켓 산스 Medium" panose="02000000000000000000" pitchFamily="50" charset="-127"/>
+              </a:rPr>
+              <a:t>매서드는</a:t>
+            </a:r>
+            <a:r>
+              <a:rPr lang="ko-KR" altLang="en-US" sz="4000" dirty="0">
+                <a:solidFill>
+                  <a:srgbClr val="FF0000"/>
+                </a:solidFill>
+                <a:latin typeface="G마켓 산스 Medium" panose="02000000000000000000" pitchFamily="50" charset="-127"/>
+                <a:ea typeface="G마켓 산스 Medium" panose="02000000000000000000" pitchFamily="50" charset="-127"/>
+              </a:rPr>
+              <a:t> 객체 생성 없이 사용 가능하다</a:t>
+            </a:r>
+            <a:r>
+              <a:rPr lang="en-US" altLang="ko-KR" sz="4000" dirty="0">
+                <a:solidFill>
+                  <a:srgbClr val="FF0000"/>
+                </a:solidFill>
+                <a:latin typeface="G마켓 산스 Medium" panose="02000000000000000000" pitchFamily="50" charset="-127"/>
+                <a:ea typeface="G마켓 산스 Medium" panose="02000000000000000000" pitchFamily="50" charset="-127"/>
+              </a:rPr>
+              <a:t>.</a:t>
+            </a:r>
+            <a:r>
+              <a:rPr lang="ko-KR" altLang="en-US" sz="4000" dirty="0">
+                <a:solidFill>
+                  <a:srgbClr val="FF0000"/>
+                </a:solidFill>
+                <a:latin typeface="G마켓 산스 Medium" panose="02000000000000000000" pitchFamily="50" charset="-127"/>
+                <a:ea typeface="G마켓 산스 Medium" panose="02000000000000000000" pitchFamily="50" charset="-127"/>
+              </a:rPr>
+              <a:t> </a:t>
+            </a:r>
+            <a:endParaRPr lang="en-US" altLang="ko-KR" sz="4000" dirty="0">
+              <a:solidFill>
+                <a:srgbClr val="FF0000"/>
+              </a:solidFill>
+              <a:latin typeface="G마켓 산스 Medium" panose="02000000000000000000" pitchFamily="50" charset="-127"/>
+              <a:ea typeface="G마켓 산스 Medium" panose="02000000000000000000" pitchFamily="50" charset="-127"/>
+            </a:endParaRPr>
+          </a:p>
+          <a:p>
+            <a:r>
+              <a:rPr lang="ko-KR" altLang="en-US" sz="4000" dirty="0">
+                <a:solidFill>
+                  <a:srgbClr val="FF0000"/>
+                </a:solidFill>
+                <a:latin typeface="G마켓 산스 Medium" panose="02000000000000000000" pitchFamily="50" charset="-127"/>
+                <a:ea typeface="G마켓 산스 Medium" panose="02000000000000000000" pitchFamily="50" charset="-127"/>
+              </a:rPr>
+              <a:t>따라서 실행 시 아직 객체가 </a:t>
+            </a:r>
+            <a:r>
+              <a:rPr lang="ko-KR" altLang="en-US" sz="4000" dirty="0" err="1">
+                <a:solidFill>
+                  <a:srgbClr val="FF0000"/>
+                </a:solidFill>
+                <a:latin typeface="G마켓 산스 Medium" panose="02000000000000000000" pitchFamily="50" charset="-127"/>
+                <a:ea typeface="G마켓 산스 Medium" panose="02000000000000000000" pitchFamily="50" charset="-127"/>
+              </a:rPr>
+              <a:t>없을수도</a:t>
+            </a:r>
+            <a:r>
+              <a:rPr lang="ko-KR" altLang="en-US" sz="4000" dirty="0">
+                <a:solidFill>
+                  <a:srgbClr val="FF0000"/>
+                </a:solidFill>
+                <a:latin typeface="G마켓 산스 Medium" panose="02000000000000000000" pitchFamily="50" charset="-127"/>
+                <a:ea typeface="G마켓 산스 Medium" panose="02000000000000000000" pitchFamily="50" charset="-127"/>
+              </a:rPr>
+              <a:t> 있다</a:t>
+            </a:r>
+            <a:r>
+              <a:rPr lang="en-US" altLang="ko-KR" sz="4000" dirty="0">
+                <a:solidFill>
+                  <a:srgbClr val="FF0000"/>
+                </a:solidFill>
+                <a:latin typeface="G마켓 산스 Medium" panose="02000000000000000000" pitchFamily="50" charset="-127"/>
+                <a:ea typeface="G마켓 산스 Medium" panose="02000000000000000000" pitchFamily="50" charset="-127"/>
+              </a:rPr>
+              <a:t>.</a:t>
+            </a:r>
+          </a:p>
+          <a:p>
+            <a:r>
+              <a:rPr lang="ko-KR" altLang="en-US" sz="4000" dirty="0">
+                <a:solidFill>
+                  <a:srgbClr val="FF0000"/>
+                </a:solidFill>
+                <a:latin typeface="G마켓 산스 Medium" panose="02000000000000000000" pitchFamily="50" charset="-127"/>
+                <a:ea typeface="G마켓 산스 Medium" panose="02000000000000000000" pitchFamily="50" charset="-127"/>
+              </a:rPr>
+              <a:t>변수 </a:t>
+            </a:r>
+            <a:r>
+              <a:rPr lang="en-US" altLang="ko-KR" sz="4000" dirty="0">
+                <a:solidFill>
+                  <a:srgbClr val="FF0000"/>
+                </a:solidFill>
+                <a:latin typeface="G마켓 산스 Medium" panose="02000000000000000000" pitchFamily="50" charset="-127"/>
+                <a:ea typeface="G마켓 산스 Medium" panose="02000000000000000000" pitchFamily="50" charset="-127"/>
+              </a:rPr>
+              <a:t>or </a:t>
+            </a:r>
+            <a:r>
+              <a:rPr lang="ko-KR" altLang="en-US" sz="4000" dirty="0">
+                <a:solidFill>
+                  <a:srgbClr val="FF0000"/>
+                </a:solidFill>
+                <a:latin typeface="G마켓 산스 Medium" panose="02000000000000000000" pitchFamily="50" charset="-127"/>
+                <a:ea typeface="G마켓 산스 Medium" panose="02000000000000000000" pitchFamily="50" charset="-127"/>
+              </a:rPr>
+              <a:t>인스턴스 메서드가 아직 생성 </a:t>
+            </a:r>
+            <a:r>
+              <a:rPr lang="ko-KR" altLang="en-US" sz="4000" dirty="0" err="1">
+                <a:solidFill>
+                  <a:srgbClr val="FF0000"/>
+                </a:solidFill>
+                <a:latin typeface="G마켓 산스 Medium" panose="02000000000000000000" pitchFamily="50" charset="-127"/>
+                <a:ea typeface="G마켓 산스 Medium" panose="02000000000000000000" pitchFamily="50" charset="-127"/>
+              </a:rPr>
+              <a:t>안되었을수</a:t>
+            </a:r>
+            <a:r>
+              <a:rPr lang="ko-KR" altLang="en-US" sz="4000" dirty="0">
+                <a:solidFill>
+                  <a:srgbClr val="FF0000"/>
+                </a:solidFill>
+                <a:latin typeface="G마켓 산스 Medium" panose="02000000000000000000" pitchFamily="50" charset="-127"/>
+                <a:ea typeface="G마켓 산스 Medium" panose="02000000000000000000" pitchFamily="50" charset="-127"/>
+              </a:rPr>
+              <a:t> 있기에 </a:t>
+            </a:r>
+            <a:r>
+              <a:rPr lang="ko-KR" altLang="en-US" sz="4000" dirty="0" err="1">
+                <a:solidFill>
+                  <a:srgbClr val="FF0000"/>
+                </a:solidFill>
+                <a:latin typeface="G마켓 산스 Medium" panose="02000000000000000000" pitchFamily="50" charset="-127"/>
+                <a:ea typeface="G마켓 산스 Medium" panose="02000000000000000000" pitchFamily="50" charset="-127"/>
+              </a:rPr>
+              <a:t>사용할수</a:t>
+            </a:r>
+            <a:r>
+              <a:rPr lang="ko-KR" altLang="en-US" sz="4000" dirty="0">
+                <a:solidFill>
+                  <a:srgbClr val="FF0000"/>
+                </a:solidFill>
+                <a:latin typeface="G마켓 산스 Medium" panose="02000000000000000000" pitchFamily="50" charset="-127"/>
+                <a:ea typeface="G마켓 산스 Medium" panose="02000000000000000000" pitchFamily="50" charset="-127"/>
+              </a:rPr>
+              <a:t> 없다</a:t>
+            </a:r>
+            <a:r>
+              <a:rPr lang="en-US" altLang="ko-KR" sz="4000" dirty="0">
+                <a:solidFill>
+                  <a:srgbClr val="FF0000"/>
+                </a:solidFill>
+                <a:latin typeface="G마켓 산스 Medium" panose="02000000000000000000" pitchFamily="50" charset="-127"/>
+                <a:ea typeface="G마켓 산스 Medium" panose="02000000000000000000" pitchFamily="50" charset="-127"/>
+              </a:rPr>
+              <a:t>.</a:t>
+            </a:r>
+          </a:p>
+        </p:txBody>
+      </p:sp>
+    </p:spTree>
+    <p:extLst>
+      <p:ext uri="{BB962C8B-B14F-4D97-AF65-F5344CB8AC3E}">
+        <p14:creationId xmlns:p14="http://schemas.microsoft.com/office/powerpoint/2010/main" val="1134419650"/>
+      </p:ext>
+    </p:extLst>
+  </p:cSld>
+  <p:clrMapOvr>
+    <a:masterClrMapping/>
+  </p:clrMapOvr>
+</p:sld>
+</file>
+
+<file path=ppt/slides/slide24.xml><?xml version="1.0" encoding="utf-8"?>
 <p:sld xmlns:a="http://schemas.openxmlformats.org/drawingml/2006/main" xmlns:r="http://schemas.openxmlformats.org/officeDocument/2006/relationships" xmlns:p="http://schemas.openxmlformats.org/presentationml/2006/main">
   <p:cSld>
     <p:spTree>
@@ -10237,7 +10583,7 @@
           <p:cNvPr id="4" name="TextBox 3">
             <a:extLst>
               <a:ext uri="{FF2B5EF4-FFF2-40B4-BE49-F238E27FC236}">
-                <a16:creationId xmlns="" xmlns:a16="http://schemas.microsoft.com/office/drawing/2014/main" id="{5ADC00B6-990A-40DC-3CEA-505258F5E8DA}"/>
+                <a16:creationId xmlns:a16="http://schemas.microsoft.com/office/drawing/2014/main" id="{5ADC00B6-990A-40DC-3CEA-505258F5E8DA}"/>
               </a:ext>
             </a:extLst>
           </p:cNvPr>
@@ -10261,7 +10607,7 @@
           <a:lstStyle/>
           <a:p>
             <a:r>
-              <a:rPr lang="ko-KR" altLang="en-US" sz="4800" smtClean="0">
+              <a:rPr lang="ko-KR" altLang="en-US" sz="4800">
                 <a:solidFill>
                   <a:srgbClr val="4C50BC"/>
                 </a:solidFill>
@@ -10305,7 +10651,13 @@
                 <a:tableStyleId>{5C22544A-7EE6-4342-B048-85BDC9FD1C3A}</a:tableStyleId>
               </a:tblPr>
               <a:tblGrid>
-                <a:gridCol w="3200400"/>
+                <a:gridCol w="3200400">
+                  <a:extLst>
+                    <a:ext uri="{9D8B030D-6E8A-4147-A177-3AD203B41FA5}">
+                      <a16:colId xmlns:a16="http://schemas.microsoft.com/office/drawing/2014/main" val="20000"/>
+                    </a:ext>
+                  </a:extLst>
+                </a:gridCol>
               </a:tblGrid>
               <a:tr h="729343">
                 <a:tc>
@@ -10364,6 +10716,11 @@
                     <a:noFill/>
                   </a:tcPr>
                 </a:tc>
+                <a:extLst>
+                  <a:ext uri="{0D108BD9-81ED-4DB2-BD59-A6C34878D82A}">
+                    <a16:rowId xmlns:a16="http://schemas.microsoft.com/office/drawing/2014/main" val="10000"/>
+                  </a:ext>
+                </a:extLst>
               </a:tr>
               <a:tr h="729343">
                 <a:tc>
@@ -10415,6 +10772,11 @@
                     <a:noFill/>
                   </a:tcPr>
                 </a:tc>
+                <a:extLst>
+                  <a:ext uri="{0D108BD9-81ED-4DB2-BD59-A6C34878D82A}">
+                    <a16:rowId xmlns:a16="http://schemas.microsoft.com/office/drawing/2014/main" val="10001"/>
+                  </a:ext>
+                </a:extLst>
               </a:tr>
               <a:tr h="729343">
                 <a:tc>
@@ -10466,6 +10828,11 @@
                     <a:noFill/>
                   </a:tcPr>
                 </a:tc>
+                <a:extLst>
+                  <a:ext uri="{0D108BD9-81ED-4DB2-BD59-A6C34878D82A}">
+                    <a16:rowId xmlns:a16="http://schemas.microsoft.com/office/drawing/2014/main" val="10002"/>
+                  </a:ext>
+                </a:extLst>
               </a:tr>
               <a:tr h="729343">
                 <a:tc>
@@ -10517,6 +10884,11 @@
                     <a:noFill/>
                   </a:tcPr>
                 </a:tc>
+                <a:extLst>
+                  <a:ext uri="{0D108BD9-81ED-4DB2-BD59-A6C34878D82A}">
+                    <a16:rowId xmlns:a16="http://schemas.microsoft.com/office/drawing/2014/main" val="10003"/>
+                  </a:ext>
+                </a:extLst>
               </a:tr>
               <a:tr h="729343">
                 <a:tc>
@@ -10568,6 +10940,11 @@
                     <a:noFill/>
                   </a:tcPr>
                 </a:tc>
+                <a:extLst>
+                  <a:ext uri="{0D108BD9-81ED-4DB2-BD59-A6C34878D82A}">
+                    <a16:rowId xmlns:a16="http://schemas.microsoft.com/office/drawing/2014/main" val="10004"/>
+                  </a:ext>
+                </a:extLst>
               </a:tr>
               <a:tr h="729343">
                 <a:tc>
@@ -10619,6 +10996,11 @@
                     <a:noFill/>
                   </a:tcPr>
                 </a:tc>
+                <a:extLst>
+                  <a:ext uri="{0D108BD9-81ED-4DB2-BD59-A6C34878D82A}">
+                    <a16:rowId xmlns:a16="http://schemas.microsoft.com/office/drawing/2014/main" val="10005"/>
+                  </a:ext>
+                </a:extLst>
               </a:tr>
               <a:tr h="729343">
                 <a:tc>
@@ -10670,6 +11052,11 @@
                     <a:noFill/>
                   </a:tcPr>
                 </a:tc>
+                <a:extLst>
+                  <a:ext uri="{0D108BD9-81ED-4DB2-BD59-A6C34878D82A}">
+                    <a16:rowId xmlns:a16="http://schemas.microsoft.com/office/drawing/2014/main" val="10006"/>
+                  </a:ext>
+                </a:extLst>
               </a:tr>
             </a:tbl>
           </a:graphicData>
@@ -10680,7 +11067,7 @@
           <p:cNvPr id="6" name="TextBox 5">
             <a:extLst>
               <a:ext uri="{FF2B5EF4-FFF2-40B4-BE49-F238E27FC236}">
-                <a16:creationId xmlns="" xmlns:a16="http://schemas.microsoft.com/office/drawing/2014/main" id="{5ADC00B6-990A-40DC-3CEA-505258F5E8DA}"/>
+                <a16:creationId xmlns:a16="http://schemas.microsoft.com/office/drawing/2014/main" id="{5ADC00B6-990A-40DC-3CEA-505258F5E8DA}"/>
               </a:ext>
             </a:extLst>
           </p:cNvPr>
@@ -10704,7 +11091,7 @@
           <a:lstStyle/>
           <a:p>
             <a:r>
-              <a:rPr lang="en-US" altLang="ko-KR" sz="4000" smtClean="0">
+              <a:rPr lang="en-US" altLang="ko-KR" sz="4000">
                 <a:solidFill>
                   <a:srgbClr val="4C50BC"/>
                 </a:solidFill>
@@ -10728,7 +11115,7 @@
           <p:cNvPr id="7" name="TextBox 6">
             <a:extLst>
               <a:ext uri="{FF2B5EF4-FFF2-40B4-BE49-F238E27FC236}">
-                <a16:creationId xmlns="" xmlns:a16="http://schemas.microsoft.com/office/drawing/2014/main" id="{5ADC00B6-990A-40DC-3CEA-505258F5E8DA}"/>
+                <a16:creationId xmlns:a16="http://schemas.microsoft.com/office/drawing/2014/main" id="{5ADC00B6-990A-40DC-3CEA-505258F5E8DA}"/>
               </a:ext>
             </a:extLst>
           </p:cNvPr>
@@ -10752,7 +11139,7 @@
           <a:lstStyle/>
           <a:p>
             <a:r>
-              <a:rPr lang="en-US" altLang="ko-KR" sz="4000" smtClean="0">
+              <a:rPr lang="en-US" altLang="ko-KR" sz="4000">
                 <a:solidFill>
                   <a:srgbClr val="4C50BC"/>
                 </a:solidFill>
@@ -10776,7 +11163,7 @@
           <p:cNvPr id="8" name="TextBox 7">
             <a:extLst>
               <a:ext uri="{FF2B5EF4-FFF2-40B4-BE49-F238E27FC236}">
-                <a16:creationId xmlns="" xmlns:a16="http://schemas.microsoft.com/office/drawing/2014/main" id="{5ADC00B6-990A-40DC-3CEA-505258F5E8DA}"/>
+                <a16:creationId xmlns:a16="http://schemas.microsoft.com/office/drawing/2014/main" id="{5ADC00B6-990A-40DC-3CEA-505258F5E8DA}"/>
               </a:ext>
             </a:extLst>
           </p:cNvPr>
@@ -10800,7 +11187,7 @@
           <a:lstStyle/>
           <a:p>
             <a:r>
-              <a:rPr lang="en-US" altLang="ko-KR" sz="4000" smtClean="0">
+              <a:rPr lang="en-US" altLang="ko-KR" sz="4000">
                 <a:solidFill>
                   <a:srgbClr val="4C50BC"/>
                 </a:solidFill>
@@ -10824,7 +11211,7 @@
           <p:cNvPr id="9" name="TextBox 8">
             <a:extLst>
               <a:ext uri="{FF2B5EF4-FFF2-40B4-BE49-F238E27FC236}">
-                <a16:creationId xmlns="" xmlns:a16="http://schemas.microsoft.com/office/drawing/2014/main" id="{5ADC00B6-990A-40DC-3CEA-505258F5E8DA}"/>
+                <a16:creationId xmlns:a16="http://schemas.microsoft.com/office/drawing/2014/main" id="{5ADC00B6-990A-40DC-3CEA-505258F5E8DA}"/>
               </a:ext>
             </a:extLst>
           </p:cNvPr>
@@ -10848,7 +11235,7 @@
           <a:lstStyle/>
           <a:p>
             <a:r>
-              <a:rPr lang="en-US" altLang="ko-KR" sz="4000" smtClean="0">
+              <a:rPr lang="en-US" altLang="ko-KR" sz="4000">
                 <a:solidFill>
                   <a:srgbClr val="4C50BC"/>
                 </a:solidFill>
@@ -11304,7 +11691,7 @@
 </p:sld>
 </file>
 
-<file path=ppt/slides/slide24.xml><?xml version="1.0" encoding="utf-8"?>
+<file path=ppt/slides/slide25.xml><?xml version="1.0" encoding="utf-8"?>
 <p:sld xmlns:a="http://schemas.openxmlformats.org/drawingml/2006/main" xmlns:r="http://schemas.openxmlformats.org/officeDocument/2006/relationships" xmlns:p="http://schemas.openxmlformats.org/presentationml/2006/main">
   <p:cSld>
     <p:spTree>
@@ -11326,7 +11713,7 @@
           <p:cNvPr id="4" name="TextBox 3">
             <a:extLst>
               <a:ext uri="{FF2B5EF4-FFF2-40B4-BE49-F238E27FC236}">
-                <a16:creationId xmlns="" xmlns:a16="http://schemas.microsoft.com/office/drawing/2014/main" id="{5ADC00B6-990A-40DC-3CEA-505258F5E8DA}"/>
+                <a16:creationId xmlns:a16="http://schemas.microsoft.com/office/drawing/2014/main" id="{5FDA0727-3416-90A8-CFD1-503F1A43584D}"/>
               </a:ext>
             </a:extLst>
           </p:cNvPr>
@@ -11335,8 +11722,8 @@
         </p:nvSpPr>
         <p:spPr>
           <a:xfrm>
-            <a:off x="762000" y="419100"/>
-            <a:ext cx="1524000" cy="830997"/>
+            <a:off x="609600" y="38100"/>
+            <a:ext cx="1981200" cy="830997"/>
           </a:xfrm>
           <a:prstGeom prst="rect">
             <a:avLst/>
@@ -11350,7 +11737,7 @@
           <a:lstStyle/>
           <a:p>
             <a:r>
-              <a:rPr lang="ko-KR" altLang="en-US" sz="4800" smtClean="0">
+              <a:rPr lang="ko-KR" altLang="en-US" sz="4800" dirty="0">
                 <a:solidFill>
                   <a:srgbClr val="4C50BC"/>
                 </a:solidFill>
@@ -11366,6 +11753,1899 @@
               <a:latin typeface="G마켓 산스 Medium" panose="02000000000000000000" pitchFamily="50" charset="-127"/>
               <a:ea typeface="G마켓 산스 Medium" panose="02000000000000000000" pitchFamily="50" charset="-127"/>
             </a:endParaRPr>
+          </a:p>
+        </p:txBody>
+      </p:sp>
+      <p:pic>
+        <p:nvPicPr>
+          <p:cNvPr id="6" name="그림 5">
+            <a:extLst>
+              <a:ext uri="{FF2B5EF4-FFF2-40B4-BE49-F238E27FC236}">
+                <a16:creationId xmlns:a16="http://schemas.microsoft.com/office/drawing/2014/main" id="{CA4DBC7C-F3DD-2369-9B17-FFC82C613A75}"/>
+              </a:ext>
+            </a:extLst>
+          </p:cNvPr>
+          <p:cNvPicPr>
+            <a:picLocks noChangeAspect="1"/>
+          </p:cNvPicPr>
+          <p:nvPr/>
+        </p:nvPicPr>
+        <p:blipFill>
+          <a:blip r:embed="rId2"/>
+          <a:stretch>
+            <a:fillRect/>
+          </a:stretch>
+        </p:blipFill>
+        <p:spPr>
+          <a:xfrm>
+            <a:off x="438150" y="956079"/>
+            <a:ext cx="4667250" cy="9170997"/>
+          </a:xfrm>
+          <a:prstGeom prst="rect">
+            <a:avLst/>
+          </a:prstGeom>
+        </p:spPr>
+      </p:pic>
+      <p:sp>
+        <p:nvSpPr>
+          <p:cNvPr id="7" name="직사각형 6">
+            <a:extLst>
+              <a:ext uri="{FF2B5EF4-FFF2-40B4-BE49-F238E27FC236}">
+                <a16:creationId xmlns:a16="http://schemas.microsoft.com/office/drawing/2014/main" id="{074F1171-7AB6-ACDB-7D1C-9460BD827CDD}"/>
+              </a:ext>
+            </a:extLst>
+          </p:cNvPr>
+          <p:cNvSpPr/>
+          <p:nvPr/>
+        </p:nvSpPr>
+        <p:spPr>
+          <a:xfrm>
+            <a:off x="1066800" y="2171700"/>
+            <a:ext cx="1752600" cy="457200"/>
+          </a:xfrm>
+          <a:prstGeom prst="rect">
+            <a:avLst/>
+          </a:prstGeom>
+          <a:noFill/>
+          <a:ln>
+            <a:solidFill>
+              <a:srgbClr val="FF0000"/>
+            </a:solidFill>
+          </a:ln>
+        </p:spPr>
+        <p:style>
+          <a:lnRef idx="2">
+            <a:schemeClr val="accent2">
+              <a:shade val="50000"/>
+            </a:schemeClr>
+          </a:lnRef>
+          <a:fillRef idx="1">
+            <a:schemeClr val="accent2"/>
+          </a:fillRef>
+          <a:effectRef idx="0">
+            <a:schemeClr val="accent2"/>
+          </a:effectRef>
+          <a:fontRef idx="minor">
+            <a:schemeClr val="lt1"/>
+          </a:fontRef>
+        </p:style>
+        <p:txBody>
+          <a:bodyPr rtlCol="0" anchor="ctr"/>
+          <a:lstStyle/>
+          <a:p>
+            <a:pPr algn="ctr"/>
+            <a:endParaRPr lang="ko-KR" altLang="en-US"/>
+          </a:p>
+        </p:txBody>
+      </p:sp>
+      <p:cxnSp>
+        <p:nvCxnSpPr>
+          <p:cNvPr id="8" name="직선 화살표 연결선 7">
+            <a:extLst>
+              <a:ext uri="{FF2B5EF4-FFF2-40B4-BE49-F238E27FC236}">
+                <a16:creationId xmlns:a16="http://schemas.microsoft.com/office/drawing/2014/main" id="{D3A5A730-35DB-821C-D2FB-ECCC9DD140FC}"/>
+              </a:ext>
+            </a:extLst>
+          </p:cNvPr>
+          <p:cNvCxnSpPr>
+            <a:cxnSpLocks/>
+          </p:cNvCxnSpPr>
+          <p:nvPr/>
+        </p:nvCxnSpPr>
+        <p:spPr>
+          <a:xfrm>
+            <a:off x="2819400" y="2358614"/>
+            <a:ext cx="1219200" cy="0"/>
+          </a:xfrm>
+          <a:prstGeom prst="straightConnector1">
+            <a:avLst/>
+          </a:prstGeom>
+          <a:ln w="38100">
+            <a:tailEnd type="triangle"/>
+          </a:ln>
+        </p:spPr>
+        <p:style>
+          <a:lnRef idx="1">
+            <a:schemeClr val="accent2"/>
+          </a:lnRef>
+          <a:fillRef idx="0">
+            <a:schemeClr val="accent2"/>
+          </a:fillRef>
+          <a:effectRef idx="0">
+            <a:schemeClr val="accent2"/>
+          </a:effectRef>
+          <a:fontRef idx="minor">
+            <a:schemeClr val="tx1"/>
+          </a:fontRef>
+        </p:style>
+      </p:cxnSp>
+      <p:sp>
+        <p:nvSpPr>
+          <p:cNvPr id="9" name="TextBox 8">
+            <a:extLst>
+              <a:ext uri="{FF2B5EF4-FFF2-40B4-BE49-F238E27FC236}">
+                <a16:creationId xmlns:a16="http://schemas.microsoft.com/office/drawing/2014/main" id="{4A6CCCA9-6EC0-4D95-14E0-C52B8BCB35CD}"/>
+              </a:ext>
+            </a:extLst>
+          </p:cNvPr>
+          <p:cNvSpPr txBox="1"/>
+          <p:nvPr/>
+        </p:nvSpPr>
+        <p:spPr>
+          <a:xfrm>
+            <a:off x="4193657" y="1943100"/>
+            <a:ext cx="1597544" cy="707886"/>
+          </a:xfrm>
+          <a:prstGeom prst="rect">
+            <a:avLst/>
+          </a:prstGeom>
+          <a:noFill/>
+        </p:spPr>
+        <p:txBody>
+          <a:bodyPr wrap="square" rtlCol="0">
+            <a:spAutoFit/>
+          </a:bodyPr>
+          <a:lstStyle/>
+          <a:p>
+            <a:r>
+              <a:rPr lang="ko-KR" altLang="en-US" sz="4000" dirty="0">
+                <a:solidFill>
+                  <a:srgbClr val="FF0000"/>
+                </a:solidFill>
+                <a:latin typeface="G마켓 산스 Medium" panose="02000000000000000000" pitchFamily="50" charset="-127"/>
+                <a:ea typeface="G마켓 산스 Medium" panose="02000000000000000000" pitchFamily="50" charset="-127"/>
+              </a:rPr>
+              <a:t>가능</a:t>
+            </a:r>
+            <a:r>
+              <a:rPr lang="en-US" altLang="ko-KR" sz="4000" dirty="0">
+                <a:solidFill>
+                  <a:srgbClr val="FF0000"/>
+                </a:solidFill>
+                <a:latin typeface="G마켓 산스 Medium" panose="02000000000000000000" pitchFamily="50" charset="-127"/>
+                <a:ea typeface="G마켓 산스 Medium" panose="02000000000000000000" pitchFamily="50" charset="-127"/>
+              </a:rPr>
+              <a:t>!</a:t>
+            </a:r>
+          </a:p>
+        </p:txBody>
+      </p:sp>
+      <p:sp>
+        <p:nvSpPr>
+          <p:cNvPr id="10" name="직사각형 9">
+            <a:extLst>
+              <a:ext uri="{FF2B5EF4-FFF2-40B4-BE49-F238E27FC236}">
+                <a16:creationId xmlns:a16="http://schemas.microsoft.com/office/drawing/2014/main" id="{062E7A12-CAAD-27E1-EECA-CAF1C640863E}"/>
+              </a:ext>
+            </a:extLst>
+          </p:cNvPr>
+          <p:cNvSpPr/>
+          <p:nvPr/>
+        </p:nvSpPr>
+        <p:spPr>
+          <a:xfrm>
+            <a:off x="1066800" y="2705100"/>
+            <a:ext cx="2667000" cy="457200"/>
+          </a:xfrm>
+          <a:prstGeom prst="rect">
+            <a:avLst/>
+          </a:prstGeom>
+          <a:noFill/>
+          <a:ln>
+            <a:solidFill>
+              <a:srgbClr val="FF0000"/>
+            </a:solidFill>
+          </a:ln>
+        </p:spPr>
+        <p:style>
+          <a:lnRef idx="2">
+            <a:schemeClr val="accent2">
+              <a:shade val="50000"/>
+            </a:schemeClr>
+          </a:lnRef>
+          <a:fillRef idx="1">
+            <a:schemeClr val="accent2"/>
+          </a:fillRef>
+          <a:effectRef idx="0">
+            <a:schemeClr val="accent2"/>
+          </a:effectRef>
+          <a:fontRef idx="minor">
+            <a:schemeClr val="lt1"/>
+          </a:fontRef>
+        </p:style>
+        <p:txBody>
+          <a:bodyPr rtlCol="0" anchor="ctr"/>
+          <a:lstStyle/>
+          <a:p>
+            <a:pPr algn="ctr"/>
+            <a:endParaRPr lang="ko-KR" altLang="en-US"/>
+          </a:p>
+        </p:txBody>
+      </p:sp>
+      <p:cxnSp>
+        <p:nvCxnSpPr>
+          <p:cNvPr id="11" name="직선 화살표 연결선 10">
+            <a:extLst>
+              <a:ext uri="{FF2B5EF4-FFF2-40B4-BE49-F238E27FC236}">
+                <a16:creationId xmlns:a16="http://schemas.microsoft.com/office/drawing/2014/main" id="{73CB0C49-FC4B-3359-955B-AE204EE1E101}"/>
+              </a:ext>
+            </a:extLst>
+          </p:cNvPr>
+          <p:cNvCxnSpPr>
+            <a:cxnSpLocks/>
+          </p:cNvCxnSpPr>
+          <p:nvPr/>
+        </p:nvCxnSpPr>
+        <p:spPr>
+          <a:xfrm>
+            <a:off x="3733800" y="3098528"/>
+            <a:ext cx="1219200" cy="0"/>
+          </a:xfrm>
+          <a:prstGeom prst="straightConnector1">
+            <a:avLst/>
+          </a:prstGeom>
+          <a:ln w="38100">
+            <a:tailEnd type="triangle"/>
+          </a:ln>
+        </p:spPr>
+        <p:style>
+          <a:lnRef idx="1">
+            <a:schemeClr val="accent2"/>
+          </a:lnRef>
+          <a:fillRef idx="0">
+            <a:schemeClr val="accent2"/>
+          </a:fillRef>
+          <a:effectRef idx="0">
+            <a:schemeClr val="accent2"/>
+          </a:effectRef>
+          <a:fontRef idx="minor">
+            <a:schemeClr val="tx1"/>
+          </a:fontRef>
+        </p:style>
+      </p:cxnSp>
+      <p:sp>
+        <p:nvSpPr>
+          <p:cNvPr id="12" name="TextBox 11">
+            <a:extLst>
+              <a:ext uri="{FF2B5EF4-FFF2-40B4-BE49-F238E27FC236}">
+                <a16:creationId xmlns:a16="http://schemas.microsoft.com/office/drawing/2014/main" id="{F5C0A30E-DDBA-9F64-76A3-CF56A3C1944E}"/>
+              </a:ext>
+            </a:extLst>
+          </p:cNvPr>
+          <p:cNvSpPr txBox="1"/>
+          <p:nvPr/>
+        </p:nvSpPr>
+        <p:spPr>
+          <a:xfrm>
+            <a:off x="5108056" y="2683014"/>
+            <a:ext cx="12113143" cy="707886"/>
+          </a:xfrm>
+          <a:prstGeom prst="rect">
+            <a:avLst/>
+          </a:prstGeom>
+          <a:noFill/>
+        </p:spPr>
+        <p:txBody>
+          <a:bodyPr wrap="square" rtlCol="0">
+            <a:spAutoFit/>
+          </a:bodyPr>
+          <a:lstStyle/>
+          <a:p>
+            <a:r>
+              <a:rPr lang="ko-KR" altLang="en-US" sz="4000" dirty="0">
+                <a:solidFill>
+                  <a:srgbClr val="FF0000"/>
+                </a:solidFill>
+                <a:latin typeface="G마켓 산스 Medium" panose="02000000000000000000" pitchFamily="50" charset="-127"/>
+                <a:ea typeface="G마켓 산스 Medium" panose="02000000000000000000" pitchFamily="50" charset="-127"/>
+              </a:rPr>
+              <a:t>인스턴스 변수는 아직 생성 </a:t>
+            </a:r>
+            <a:r>
+              <a:rPr lang="ko-KR" altLang="en-US" sz="4000" dirty="0" err="1">
+                <a:solidFill>
+                  <a:srgbClr val="FF0000"/>
+                </a:solidFill>
+                <a:latin typeface="G마켓 산스 Medium" panose="02000000000000000000" pitchFamily="50" charset="-127"/>
+                <a:ea typeface="G마켓 산스 Medium" panose="02000000000000000000" pitchFamily="50" charset="-127"/>
+              </a:rPr>
+              <a:t>안됐을수도</a:t>
+            </a:r>
+            <a:r>
+              <a:rPr lang="ko-KR" altLang="en-US" sz="4000" dirty="0">
+                <a:solidFill>
+                  <a:srgbClr val="FF0000"/>
+                </a:solidFill>
+                <a:latin typeface="G마켓 산스 Medium" panose="02000000000000000000" pitchFamily="50" charset="-127"/>
+                <a:ea typeface="G마켓 산스 Medium" panose="02000000000000000000" pitchFamily="50" charset="-127"/>
+              </a:rPr>
+              <a:t> 있다 </a:t>
+            </a:r>
+            <a:r>
+              <a:rPr lang="en-US" altLang="ko-KR" sz="4000" dirty="0">
+                <a:solidFill>
+                  <a:srgbClr val="FF0000"/>
+                </a:solidFill>
+                <a:latin typeface="G마켓 산스 Medium" panose="02000000000000000000" pitchFamily="50" charset="-127"/>
+                <a:ea typeface="G마켓 산스 Medium" panose="02000000000000000000" pitchFamily="50" charset="-127"/>
+              </a:rPr>
+              <a:t>ERROR!</a:t>
+            </a:r>
+          </a:p>
+        </p:txBody>
+      </p:sp>
+      <p:cxnSp>
+        <p:nvCxnSpPr>
+          <p:cNvPr id="13" name="직선 화살표 연결선 12">
+            <a:extLst>
+              <a:ext uri="{FF2B5EF4-FFF2-40B4-BE49-F238E27FC236}">
+                <a16:creationId xmlns:a16="http://schemas.microsoft.com/office/drawing/2014/main" id="{65F0EDF6-1E41-CB51-AFB2-08A6F2144824}"/>
+              </a:ext>
+            </a:extLst>
+          </p:cNvPr>
+          <p:cNvCxnSpPr>
+            <a:cxnSpLocks/>
+          </p:cNvCxnSpPr>
+          <p:nvPr/>
+        </p:nvCxnSpPr>
+        <p:spPr>
+          <a:xfrm>
+            <a:off x="4800601" y="3848100"/>
+            <a:ext cx="1219200" cy="0"/>
+          </a:xfrm>
+          <a:prstGeom prst="straightConnector1">
+            <a:avLst/>
+          </a:prstGeom>
+          <a:ln w="38100">
+            <a:tailEnd type="triangle"/>
+          </a:ln>
+        </p:spPr>
+        <p:style>
+          <a:lnRef idx="1">
+            <a:schemeClr val="accent2"/>
+          </a:lnRef>
+          <a:fillRef idx="0">
+            <a:schemeClr val="accent2"/>
+          </a:fillRef>
+          <a:effectRef idx="0">
+            <a:schemeClr val="accent2"/>
+          </a:effectRef>
+          <a:fontRef idx="minor">
+            <a:schemeClr val="tx1"/>
+          </a:fontRef>
+        </p:style>
+      </p:cxnSp>
+      <p:sp>
+        <p:nvSpPr>
+          <p:cNvPr id="14" name="TextBox 13">
+            <a:extLst>
+              <a:ext uri="{FF2B5EF4-FFF2-40B4-BE49-F238E27FC236}">
+                <a16:creationId xmlns:a16="http://schemas.microsoft.com/office/drawing/2014/main" id="{48D7086E-3277-C9DD-BD08-4715F25C06FE}"/>
+              </a:ext>
+            </a:extLst>
+          </p:cNvPr>
+          <p:cNvSpPr txBox="1"/>
+          <p:nvPr/>
+        </p:nvSpPr>
+        <p:spPr>
+          <a:xfrm>
+            <a:off x="6174857" y="3491925"/>
+            <a:ext cx="2054743" cy="584775"/>
+          </a:xfrm>
+          <a:prstGeom prst="rect">
+            <a:avLst/>
+          </a:prstGeom>
+          <a:noFill/>
+        </p:spPr>
+        <p:txBody>
+          <a:bodyPr wrap="square" rtlCol="0">
+            <a:spAutoFit/>
+          </a:bodyPr>
+          <a:lstStyle/>
+          <a:p>
+            <a:r>
+              <a:rPr lang="en-US" altLang="ko-KR" sz="3200" dirty="0">
+                <a:solidFill>
+                  <a:srgbClr val="FF0000"/>
+                </a:solidFill>
+                <a:latin typeface="G마켓 산스 Medium" panose="02000000000000000000" pitchFamily="50" charset="-127"/>
+                <a:ea typeface="G마켓 산스 Medium" panose="02000000000000000000" pitchFamily="50" charset="-127"/>
+              </a:rPr>
+              <a:t>ERROR!</a:t>
+            </a:r>
+          </a:p>
+        </p:txBody>
+      </p:sp>
+      <p:cxnSp>
+        <p:nvCxnSpPr>
+          <p:cNvPr id="15" name="직선 화살표 연결선 14">
+            <a:extLst>
+              <a:ext uri="{FF2B5EF4-FFF2-40B4-BE49-F238E27FC236}">
+                <a16:creationId xmlns:a16="http://schemas.microsoft.com/office/drawing/2014/main" id="{65CC014E-083D-5A4B-3B0B-98DEC629CB0A}"/>
+              </a:ext>
+            </a:extLst>
+          </p:cNvPr>
+          <p:cNvCxnSpPr>
+            <a:cxnSpLocks/>
+          </p:cNvCxnSpPr>
+          <p:nvPr/>
+        </p:nvCxnSpPr>
+        <p:spPr>
+          <a:xfrm>
+            <a:off x="4495800" y="7692614"/>
+            <a:ext cx="1219200" cy="0"/>
+          </a:xfrm>
+          <a:prstGeom prst="straightConnector1">
+            <a:avLst/>
+          </a:prstGeom>
+          <a:ln w="38100">
+            <a:tailEnd type="triangle"/>
+          </a:ln>
+        </p:spPr>
+        <p:style>
+          <a:lnRef idx="1">
+            <a:schemeClr val="accent2"/>
+          </a:lnRef>
+          <a:fillRef idx="0">
+            <a:schemeClr val="accent2"/>
+          </a:fillRef>
+          <a:effectRef idx="0">
+            <a:schemeClr val="accent2"/>
+          </a:effectRef>
+          <a:fontRef idx="minor">
+            <a:schemeClr val="tx1"/>
+          </a:fontRef>
+        </p:style>
+      </p:cxnSp>
+      <p:sp>
+        <p:nvSpPr>
+          <p:cNvPr id="16" name="TextBox 15">
+            <a:extLst>
+              <a:ext uri="{FF2B5EF4-FFF2-40B4-BE49-F238E27FC236}">
+                <a16:creationId xmlns:a16="http://schemas.microsoft.com/office/drawing/2014/main" id="{33A626AE-FC68-649B-6162-121A7F57563E}"/>
+              </a:ext>
+            </a:extLst>
+          </p:cNvPr>
+          <p:cNvSpPr txBox="1"/>
+          <p:nvPr/>
+        </p:nvSpPr>
+        <p:spPr>
+          <a:xfrm>
+            <a:off x="5870056" y="7454325"/>
+            <a:ext cx="2054743" cy="584775"/>
+          </a:xfrm>
+          <a:prstGeom prst="rect">
+            <a:avLst/>
+          </a:prstGeom>
+          <a:noFill/>
+        </p:spPr>
+        <p:txBody>
+          <a:bodyPr wrap="square" rtlCol="0">
+            <a:spAutoFit/>
+          </a:bodyPr>
+          <a:lstStyle/>
+          <a:p>
+            <a:r>
+              <a:rPr lang="en-US" altLang="ko-KR" sz="3200" dirty="0">
+                <a:solidFill>
+                  <a:srgbClr val="FF0000"/>
+                </a:solidFill>
+                <a:latin typeface="G마켓 산스 Medium" panose="02000000000000000000" pitchFamily="50" charset="-127"/>
+                <a:ea typeface="G마켓 산스 Medium" panose="02000000000000000000" pitchFamily="50" charset="-127"/>
+              </a:rPr>
+              <a:t>ERROR!</a:t>
+            </a:r>
+          </a:p>
+        </p:txBody>
+      </p:sp>
+      <p:cxnSp>
+        <p:nvCxnSpPr>
+          <p:cNvPr id="17" name="직선 화살표 연결선 16">
+            <a:extLst>
+              <a:ext uri="{FF2B5EF4-FFF2-40B4-BE49-F238E27FC236}">
+                <a16:creationId xmlns:a16="http://schemas.microsoft.com/office/drawing/2014/main" id="{8AE1C50C-C246-0522-431A-D207CA4DCE7E}"/>
+              </a:ext>
+            </a:extLst>
+          </p:cNvPr>
+          <p:cNvCxnSpPr>
+            <a:cxnSpLocks/>
+          </p:cNvCxnSpPr>
+          <p:nvPr/>
+        </p:nvCxnSpPr>
+        <p:spPr>
+          <a:xfrm>
+            <a:off x="4800601" y="4202043"/>
+            <a:ext cx="1219200" cy="0"/>
+          </a:xfrm>
+          <a:prstGeom prst="straightConnector1">
+            <a:avLst/>
+          </a:prstGeom>
+          <a:ln w="38100">
+            <a:tailEnd type="triangle"/>
+          </a:ln>
+        </p:spPr>
+        <p:style>
+          <a:lnRef idx="1">
+            <a:schemeClr val="accent2"/>
+          </a:lnRef>
+          <a:fillRef idx="0">
+            <a:schemeClr val="accent2"/>
+          </a:fillRef>
+          <a:effectRef idx="0">
+            <a:schemeClr val="accent2"/>
+          </a:effectRef>
+          <a:fontRef idx="minor">
+            <a:schemeClr val="tx1"/>
+          </a:fontRef>
+        </p:style>
+      </p:cxnSp>
+      <p:sp>
+        <p:nvSpPr>
+          <p:cNvPr id="18" name="TextBox 17">
+            <a:extLst>
+              <a:ext uri="{FF2B5EF4-FFF2-40B4-BE49-F238E27FC236}">
+                <a16:creationId xmlns:a16="http://schemas.microsoft.com/office/drawing/2014/main" id="{EB0FB5BC-9C65-5D5F-2FD9-093216A64F5F}"/>
+              </a:ext>
+            </a:extLst>
+          </p:cNvPr>
+          <p:cNvSpPr txBox="1"/>
+          <p:nvPr/>
+        </p:nvSpPr>
+        <p:spPr>
+          <a:xfrm>
+            <a:off x="6174857" y="3897243"/>
+            <a:ext cx="2054743" cy="584775"/>
+          </a:xfrm>
+          <a:prstGeom prst="rect">
+            <a:avLst/>
+          </a:prstGeom>
+          <a:noFill/>
+        </p:spPr>
+        <p:txBody>
+          <a:bodyPr wrap="square" rtlCol="0">
+            <a:spAutoFit/>
+          </a:bodyPr>
+          <a:lstStyle/>
+          <a:p>
+            <a:r>
+              <a:rPr lang="en-US" altLang="ko-KR" sz="3200" dirty="0">
+                <a:solidFill>
+                  <a:srgbClr val="FF0000"/>
+                </a:solidFill>
+                <a:latin typeface="G마켓 산스 Medium" panose="02000000000000000000" pitchFamily="50" charset="-127"/>
+                <a:ea typeface="G마켓 산스 Medium" panose="02000000000000000000" pitchFamily="50" charset="-127"/>
+              </a:rPr>
+              <a:t>OK!</a:t>
+            </a:r>
+          </a:p>
+        </p:txBody>
+      </p:sp>
+      <p:cxnSp>
+        <p:nvCxnSpPr>
+          <p:cNvPr id="19" name="직선 화살표 연결선 18">
+            <a:extLst>
+              <a:ext uri="{FF2B5EF4-FFF2-40B4-BE49-F238E27FC236}">
+                <a16:creationId xmlns:a16="http://schemas.microsoft.com/office/drawing/2014/main" id="{D8A897A3-8F13-6ACA-4F2A-7EB45D9D2396}"/>
+              </a:ext>
+            </a:extLst>
+          </p:cNvPr>
+          <p:cNvCxnSpPr>
+            <a:cxnSpLocks/>
+          </p:cNvCxnSpPr>
+          <p:nvPr/>
+        </p:nvCxnSpPr>
+        <p:spPr>
+          <a:xfrm>
+            <a:off x="4876800" y="5600700"/>
+            <a:ext cx="1219200" cy="0"/>
+          </a:xfrm>
+          <a:prstGeom prst="straightConnector1">
+            <a:avLst/>
+          </a:prstGeom>
+          <a:ln w="38100">
+            <a:tailEnd type="triangle"/>
+          </a:ln>
+        </p:spPr>
+        <p:style>
+          <a:lnRef idx="1">
+            <a:schemeClr val="accent2"/>
+          </a:lnRef>
+          <a:fillRef idx="0">
+            <a:schemeClr val="accent2"/>
+          </a:fillRef>
+          <a:effectRef idx="0">
+            <a:schemeClr val="accent2"/>
+          </a:effectRef>
+          <a:fontRef idx="minor">
+            <a:schemeClr val="tx1"/>
+          </a:fontRef>
+        </p:style>
+      </p:cxnSp>
+      <p:sp>
+        <p:nvSpPr>
+          <p:cNvPr id="20" name="TextBox 19">
+            <a:extLst>
+              <a:ext uri="{FF2B5EF4-FFF2-40B4-BE49-F238E27FC236}">
+                <a16:creationId xmlns:a16="http://schemas.microsoft.com/office/drawing/2014/main" id="{0A21C7C3-4C50-4A69-5565-E89C2149F435}"/>
+              </a:ext>
+            </a:extLst>
+          </p:cNvPr>
+          <p:cNvSpPr txBox="1"/>
+          <p:nvPr/>
+        </p:nvSpPr>
+        <p:spPr>
+          <a:xfrm>
+            <a:off x="6251056" y="5295900"/>
+            <a:ext cx="2054743" cy="584775"/>
+          </a:xfrm>
+          <a:prstGeom prst="rect">
+            <a:avLst/>
+          </a:prstGeom>
+          <a:noFill/>
+        </p:spPr>
+        <p:txBody>
+          <a:bodyPr wrap="square" rtlCol="0">
+            <a:spAutoFit/>
+          </a:bodyPr>
+          <a:lstStyle/>
+          <a:p>
+            <a:r>
+              <a:rPr lang="en-US" altLang="ko-KR" sz="3200" dirty="0">
+                <a:solidFill>
+                  <a:srgbClr val="FF0000"/>
+                </a:solidFill>
+                <a:latin typeface="G마켓 산스 Medium" panose="02000000000000000000" pitchFamily="50" charset="-127"/>
+                <a:ea typeface="G마켓 산스 Medium" panose="02000000000000000000" pitchFamily="50" charset="-127"/>
+              </a:rPr>
+              <a:t>OK!</a:t>
+            </a:r>
+          </a:p>
+        </p:txBody>
+      </p:sp>
+      <p:cxnSp>
+        <p:nvCxnSpPr>
+          <p:cNvPr id="21" name="직선 화살표 연결선 20">
+            <a:extLst>
+              <a:ext uri="{FF2B5EF4-FFF2-40B4-BE49-F238E27FC236}">
+                <a16:creationId xmlns:a16="http://schemas.microsoft.com/office/drawing/2014/main" id="{23F93734-8BD6-64DE-46E6-E57EBDF30A72}"/>
+              </a:ext>
+            </a:extLst>
+          </p:cNvPr>
+          <p:cNvCxnSpPr>
+            <a:cxnSpLocks/>
+          </p:cNvCxnSpPr>
+          <p:nvPr/>
+        </p:nvCxnSpPr>
+        <p:spPr>
+          <a:xfrm>
+            <a:off x="4876800" y="6057900"/>
+            <a:ext cx="1219200" cy="0"/>
+          </a:xfrm>
+          <a:prstGeom prst="straightConnector1">
+            <a:avLst/>
+          </a:prstGeom>
+          <a:ln w="38100">
+            <a:tailEnd type="triangle"/>
+          </a:ln>
+        </p:spPr>
+        <p:style>
+          <a:lnRef idx="1">
+            <a:schemeClr val="accent2"/>
+          </a:lnRef>
+          <a:fillRef idx="0">
+            <a:schemeClr val="accent2"/>
+          </a:fillRef>
+          <a:effectRef idx="0">
+            <a:schemeClr val="accent2"/>
+          </a:effectRef>
+          <a:fontRef idx="minor">
+            <a:schemeClr val="tx1"/>
+          </a:fontRef>
+        </p:style>
+      </p:cxnSp>
+      <p:sp>
+        <p:nvSpPr>
+          <p:cNvPr id="22" name="TextBox 21">
+            <a:extLst>
+              <a:ext uri="{FF2B5EF4-FFF2-40B4-BE49-F238E27FC236}">
+                <a16:creationId xmlns:a16="http://schemas.microsoft.com/office/drawing/2014/main" id="{4F425D1A-0C27-D876-7A56-0FE8EFA87EED}"/>
+              </a:ext>
+            </a:extLst>
+          </p:cNvPr>
+          <p:cNvSpPr txBox="1"/>
+          <p:nvPr/>
+        </p:nvSpPr>
+        <p:spPr>
+          <a:xfrm>
+            <a:off x="6251056" y="5753100"/>
+            <a:ext cx="2054743" cy="584775"/>
+          </a:xfrm>
+          <a:prstGeom prst="rect">
+            <a:avLst/>
+          </a:prstGeom>
+          <a:noFill/>
+        </p:spPr>
+        <p:txBody>
+          <a:bodyPr wrap="square" rtlCol="0">
+            <a:spAutoFit/>
+          </a:bodyPr>
+          <a:lstStyle/>
+          <a:p>
+            <a:r>
+              <a:rPr lang="en-US" altLang="ko-KR" sz="3200" dirty="0">
+                <a:solidFill>
+                  <a:srgbClr val="FF0000"/>
+                </a:solidFill>
+                <a:latin typeface="G마켓 산스 Medium" panose="02000000000000000000" pitchFamily="50" charset="-127"/>
+                <a:ea typeface="G마켓 산스 Medium" panose="02000000000000000000" pitchFamily="50" charset="-127"/>
+              </a:rPr>
+              <a:t>OK!</a:t>
+            </a:r>
+          </a:p>
+        </p:txBody>
+      </p:sp>
+      <p:cxnSp>
+        <p:nvCxnSpPr>
+          <p:cNvPr id="23" name="직선 화살표 연결선 22">
+            <a:extLst>
+              <a:ext uri="{FF2B5EF4-FFF2-40B4-BE49-F238E27FC236}">
+                <a16:creationId xmlns:a16="http://schemas.microsoft.com/office/drawing/2014/main" id="{330A9D0B-3C8F-402A-7BA7-2EC946DB89EE}"/>
+              </a:ext>
+            </a:extLst>
+          </p:cNvPr>
+          <p:cNvCxnSpPr>
+            <a:cxnSpLocks/>
+          </p:cNvCxnSpPr>
+          <p:nvPr/>
+        </p:nvCxnSpPr>
+        <p:spPr>
+          <a:xfrm>
+            <a:off x="4495800" y="7301925"/>
+            <a:ext cx="1219200" cy="0"/>
+          </a:xfrm>
+          <a:prstGeom prst="straightConnector1">
+            <a:avLst/>
+          </a:prstGeom>
+          <a:ln w="38100">
+            <a:tailEnd type="triangle"/>
+          </a:ln>
+        </p:spPr>
+        <p:style>
+          <a:lnRef idx="1">
+            <a:schemeClr val="accent2"/>
+          </a:lnRef>
+          <a:fillRef idx="0">
+            <a:schemeClr val="accent2"/>
+          </a:fillRef>
+          <a:effectRef idx="0">
+            <a:schemeClr val="accent2"/>
+          </a:effectRef>
+          <a:fontRef idx="minor">
+            <a:schemeClr val="tx1"/>
+          </a:fontRef>
+        </p:style>
+      </p:cxnSp>
+      <p:sp>
+        <p:nvSpPr>
+          <p:cNvPr id="24" name="TextBox 23">
+            <a:extLst>
+              <a:ext uri="{FF2B5EF4-FFF2-40B4-BE49-F238E27FC236}">
+                <a16:creationId xmlns:a16="http://schemas.microsoft.com/office/drawing/2014/main" id="{A593069C-50D4-AB1E-0FDB-A518B3D76E09}"/>
+              </a:ext>
+            </a:extLst>
+          </p:cNvPr>
+          <p:cNvSpPr txBox="1"/>
+          <p:nvPr/>
+        </p:nvSpPr>
+        <p:spPr>
+          <a:xfrm>
+            <a:off x="5870056" y="6972300"/>
+            <a:ext cx="2054743" cy="584775"/>
+          </a:xfrm>
+          <a:prstGeom prst="rect">
+            <a:avLst/>
+          </a:prstGeom>
+          <a:noFill/>
+        </p:spPr>
+        <p:txBody>
+          <a:bodyPr wrap="square" rtlCol="0">
+            <a:spAutoFit/>
+          </a:bodyPr>
+          <a:lstStyle/>
+          <a:p>
+            <a:r>
+              <a:rPr lang="en-US" altLang="ko-KR" sz="3200" dirty="0">
+                <a:solidFill>
+                  <a:srgbClr val="FF0000"/>
+                </a:solidFill>
+                <a:latin typeface="G마켓 산스 Medium" panose="02000000000000000000" pitchFamily="50" charset="-127"/>
+                <a:ea typeface="G마켓 산스 Medium" panose="02000000000000000000" pitchFamily="50" charset="-127"/>
+              </a:rPr>
+              <a:t>OK!</a:t>
+            </a:r>
+          </a:p>
+        </p:txBody>
+      </p:sp>
+      <p:cxnSp>
+        <p:nvCxnSpPr>
+          <p:cNvPr id="25" name="직선 화살표 연결선 24">
+            <a:extLst>
+              <a:ext uri="{FF2B5EF4-FFF2-40B4-BE49-F238E27FC236}">
+                <a16:creationId xmlns:a16="http://schemas.microsoft.com/office/drawing/2014/main" id="{BC062B0A-8437-0E4A-A6B3-E438A683CDFD}"/>
+              </a:ext>
+            </a:extLst>
+          </p:cNvPr>
+          <p:cNvCxnSpPr>
+            <a:cxnSpLocks/>
+          </p:cNvCxnSpPr>
+          <p:nvPr/>
+        </p:nvCxnSpPr>
+        <p:spPr>
+          <a:xfrm>
+            <a:off x="4343400" y="8953500"/>
+            <a:ext cx="1219200" cy="0"/>
+          </a:xfrm>
+          <a:prstGeom prst="straightConnector1">
+            <a:avLst/>
+          </a:prstGeom>
+          <a:ln w="38100">
+            <a:tailEnd type="triangle"/>
+          </a:ln>
+        </p:spPr>
+        <p:style>
+          <a:lnRef idx="1">
+            <a:schemeClr val="accent2"/>
+          </a:lnRef>
+          <a:fillRef idx="0">
+            <a:schemeClr val="accent2"/>
+          </a:fillRef>
+          <a:effectRef idx="0">
+            <a:schemeClr val="accent2"/>
+          </a:effectRef>
+          <a:fontRef idx="minor">
+            <a:schemeClr val="tx1"/>
+          </a:fontRef>
+        </p:style>
+      </p:cxnSp>
+      <p:sp>
+        <p:nvSpPr>
+          <p:cNvPr id="26" name="TextBox 25">
+            <a:extLst>
+              <a:ext uri="{FF2B5EF4-FFF2-40B4-BE49-F238E27FC236}">
+                <a16:creationId xmlns:a16="http://schemas.microsoft.com/office/drawing/2014/main" id="{711FC0EE-1C95-206E-C15B-D151481BE23D}"/>
+              </a:ext>
+            </a:extLst>
+          </p:cNvPr>
+          <p:cNvSpPr txBox="1"/>
+          <p:nvPr/>
+        </p:nvSpPr>
+        <p:spPr>
+          <a:xfrm>
+            <a:off x="5717656" y="8749725"/>
+            <a:ext cx="2054743" cy="584775"/>
+          </a:xfrm>
+          <a:prstGeom prst="rect">
+            <a:avLst/>
+          </a:prstGeom>
+          <a:noFill/>
+        </p:spPr>
+        <p:txBody>
+          <a:bodyPr wrap="square" rtlCol="0">
+            <a:spAutoFit/>
+          </a:bodyPr>
+          <a:lstStyle/>
+          <a:p>
+            <a:r>
+              <a:rPr lang="en-US" altLang="ko-KR" sz="3200" dirty="0">
+                <a:solidFill>
+                  <a:srgbClr val="FF0000"/>
+                </a:solidFill>
+                <a:latin typeface="G마켓 산스 Medium" panose="02000000000000000000" pitchFamily="50" charset="-127"/>
+                <a:ea typeface="G마켓 산스 Medium" panose="02000000000000000000" pitchFamily="50" charset="-127"/>
+              </a:rPr>
+              <a:t>OK!</a:t>
+            </a:r>
+          </a:p>
+        </p:txBody>
+      </p:sp>
+      <p:cxnSp>
+        <p:nvCxnSpPr>
+          <p:cNvPr id="27" name="직선 화살표 연결선 26">
+            <a:extLst>
+              <a:ext uri="{FF2B5EF4-FFF2-40B4-BE49-F238E27FC236}">
+                <a16:creationId xmlns:a16="http://schemas.microsoft.com/office/drawing/2014/main" id="{A987C00D-7664-8877-9F04-6695E3776C86}"/>
+              </a:ext>
+            </a:extLst>
+          </p:cNvPr>
+          <p:cNvCxnSpPr>
+            <a:cxnSpLocks/>
+          </p:cNvCxnSpPr>
+          <p:nvPr/>
+        </p:nvCxnSpPr>
+        <p:spPr>
+          <a:xfrm>
+            <a:off x="4343400" y="9410700"/>
+            <a:ext cx="1219200" cy="0"/>
+          </a:xfrm>
+          <a:prstGeom prst="straightConnector1">
+            <a:avLst/>
+          </a:prstGeom>
+          <a:ln w="38100">
+            <a:tailEnd type="triangle"/>
+          </a:ln>
+        </p:spPr>
+        <p:style>
+          <a:lnRef idx="1">
+            <a:schemeClr val="accent2"/>
+          </a:lnRef>
+          <a:fillRef idx="0">
+            <a:schemeClr val="accent2"/>
+          </a:fillRef>
+          <a:effectRef idx="0">
+            <a:schemeClr val="accent2"/>
+          </a:effectRef>
+          <a:fontRef idx="minor">
+            <a:schemeClr val="tx1"/>
+          </a:fontRef>
+        </p:style>
+      </p:cxnSp>
+      <p:sp>
+        <p:nvSpPr>
+          <p:cNvPr id="28" name="TextBox 27">
+            <a:extLst>
+              <a:ext uri="{FF2B5EF4-FFF2-40B4-BE49-F238E27FC236}">
+                <a16:creationId xmlns:a16="http://schemas.microsoft.com/office/drawing/2014/main" id="{41C50DFF-758F-2AB0-8E17-3183A8649935}"/>
+              </a:ext>
+            </a:extLst>
+          </p:cNvPr>
+          <p:cNvSpPr txBox="1"/>
+          <p:nvPr/>
+        </p:nvSpPr>
+        <p:spPr>
+          <a:xfrm>
+            <a:off x="5717656" y="9206925"/>
+            <a:ext cx="2054743" cy="584775"/>
+          </a:xfrm>
+          <a:prstGeom prst="rect">
+            <a:avLst/>
+          </a:prstGeom>
+          <a:noFill/>
+        </p:spPr>
+        <p:txBody>
+          <a:bodyPr wrap="square" rtlCol="0">
+            <a:spAutoFit/>
+          </a:bodyPr>
+          <a:lstStyle/>
+          <a:p>
+            <a:r>
+              <a:rPr lang="en-US" altLang="ko-KR" sz="3200" dirty="0">
+                <a:solidFill>
+                  <a:srgbClr val="FF0000"/>
+                </a:solidFill>
+                <a:latin typeface="G마켓 산스 Medium" panose="02000000000000000000" pitchFamily="50" charset="-127"/>
+                <a:ea typeface="G마켓 산스 Medium" panose="02000000000000000000" pitchFamily="50" charset="-127"/>
+              </a:rPr>
+              <a:t>OK!</a:t>
+            </a:r>
+          </a:p>
+        </p:txBody>
+      </p:sp>
+    </p:spTree>
+    <p:extLst>
+      <p:ext uri="{BB962C8B-B14F-4D97-AF65-F5344CB8AC3E}">
+        <p14:creationId xmlns:p14="http://schemas.microsoft.com/office/powerpoint/2010/main" val="2103276747"/>
+      </p:ext>
+    </p:extLst>
+  </p:cSld>
+  <p:clrMapOvr>
+    <a:masterClrMapping/>
+  </p:clrMapOvr>
+  <p:timing>
+    <p:tnLst>
+      <p:par>
+        <p:cTn id="1" dur="indefinite" restart="never" nodeType="tmRoot">
+          <p:childTnLst>
+            <p:seq concurrent="1" nextAc="seek">
+              <p:cTn id="2" dur="indefinite" nodeType="mainSeq">
+                <p:childTnLst>
+                  <p:par>
+                    <p:cTn id="3" fill="hold">
+                      <p:stCondLst>
+                        <p:cond delay="indefinite"/>
+                      </p:stCondLst>
+                      <p:childTnLst>
+                        <p:par>
+                          <p:cTn id="4" fill="hold">
+                            <p:stCondLst>
+                              <p:cond delay="0"/>
+                            </p:stCondLst>
+                            <p:childTnLst>
+                              <p:par>
+                                <p:cTn id="5" presetID="1" presetClass="entr" presetSubtype="0" fill="hold" grpId="0" nodeType="clickEffect">
+                                  <p:stCondLst>
+                                    <p:cond delay="0"/>
+                                  </p:stCondLst>
+                                  <p:childTnLst>
+                                    <p:set>
+                                      <p:cBhvr>
+                                        <p:cTn id="6" dur="1" fill="hold">
+                                          <p:stCondLst>
+                                            <p:cond delay="0"/>
+                                          </p:stCondLst>
+                                        </p:cTn>
+                                        <p:tgtEl>
+                                          <p:spTgt spid="7"/>
+                                        </p:tgtEl>
+                                        <p:attrNameLst>
+                                          <p:attrName>style.visibility</p:attrName>
+                                        </p:attrNameLst>
+                                      </p:cBhvr>
+                                      <p:to>
+                                        <p:strVal val="visible"/>
+                                      </p:to>
+                                    </p:set>
+                                  </p:childTnLst>
+                                </p:cTn>
+                              </p:par>
+                              <p:par>
+                                <p:cTn id="7" presetID="1" presetClass="entr" presetSubtype="0" fill="hold" nodeType="withEffect">
+                                  <p:stCondLst>
+                                    <p:cond delay="0"/>
+                                  </p:stCondLst>
+                                  <p:childTnLst>
+                                    <p:set>
+                                      <p:cBhvr>
+                                        <p:cTn id="8" dur="1" fill="hold">
+                                          <p:stCondLst>
+                                            <p:cond delay="0"/>
+                                          </p:stCondLst>
+                                        </p:cTn>
+                                        <p:tgtEl>
+                                          <p:spTgt spid="8"/>
+                                        </p:tgtEl>
+                                        <p:attrNameLst>
+                                          <p:attrName>style.visibility</p:attrName>
+                                        </p:attrNameLst>
+                                      </p:cBhvr>
+                                      <p:to>
+                                        <p:strVal val="visible"/>
+                                      </p:to>
+                                    </p:set>
+                                  </p:childTnLst>
+                                </p:cTn>
+                              </p:par>
+                              <p:par>
+                                <p:cTn id="9" presetID="1" presetClass="entr" presetSubtype="0" fill="hold" grpId="0" nodeType="withEffect">
+                                  <p:stCondLst>
+                                    <p:cond delay="0"/>
+                                  </p:stCondLst>
+                                  <p:childTnLst>
+                                    <p:set>
+                                      <p:cBhvr>
+                                        <p:cTn id="10" dur="1" fill="hold">
+                                          <p:stCondLst>
+                                            <p:cond delay="0"/>
+                                          </p:stCondLst>
+                                        </p:cTn>
+                                        <p:tgtEl>
+                                          <p:spTgt spid="9"/>
+                                        </p:tgtEl>
+                                        <p:attrNameLst>
+                                          <p:attrName>style.visibility</p:attrName>
+                                        </p:attrNameLst>
+                                      </p:cBhvr>
+                                      <p:to>
+                                        <p:strVal val="visible"/>
+                                      </p:to>
+                                    </p:set>
+                                  </p:childTnLst>
+                                </p:cTn>
+                              </p:par>
+                            </p:childTnLst>
+                          </p:cTn>
+                        </p:par>
+                      </p:childTnLst>
+                    </p:cTn>
+                  </p:par>
+                  <p:par>
+                    <p:cTn id="11" fill="hold">
+                      <p:stCondLst>
+                        <p:cond delay="indefinite"/>
+                      </p:stCondLst>
+                      <p:childTnLst>
+                        <p:par>
+                          <p:cTn id="12" fill="hold">
+                            <p:stCondLst>
+                              <p:cond delay="0"/>
+                            </p:stCondLst>
+                            <p:childTnLst>
+                              <p:par>
+                                <p:cTn id="13" presetID="1" presetClass="entr" presetSubtype="0" fill="hold" grpId="0" nodeType="clickEffect">
+                                  <p:stCondLst>
+                                    <p:cond delay="0"/>
+                                  </p:stCondLst>
+                                  <p:childTnLst>
+                                    <p:set>
+                                      <p:cBhvr>
+                                        <p:cTn id="14" dur="1" fill="hold">
+                                          <p:stCondLst>
+                                            <p:cond delay="0"/>
+                                          </p:stCondLst>
+                                        </p:cTn>
+                                        <p:tgtEl>
+                                          <p:spTgt spid="10"/>
+                                        </p:tgtEl>
+                                        <p:attrNameLst>
+                                          <p:attrName>style.visibility</p:attrName>
+                                        </p:attrNameLst>
+                                      </p:cBhvr>
+                                      <p:to>
+                                        <p:strVal val="visible"/>
+                                      </p:to>
+                                    </p:set>
+                                  </p:childTnLst>
+                                </p:cTn>
+                              </p:par>
+                              <p:par>
+                                <p:cTn id="15" presetID="1" presetClass="entr" presetSubtype="0" fill="hold" nodeType="withEffect">
+                                  <p:stCondLst>
+                                    <p:cond delay="0"/>
+                                  </p:stCondLst>
+                                  <p:childTnLst>
+                                    <p:set>
+                                      <p:cBhvr>
+                                        <p:cTn id="16" dur="1" fill="hold">
+                                          <p:stCondLst>
+                                            <p:cond delay="0"/>
+                                          </p:stCondLst>
+                                        </p:cTn>
+                                        <p:tgtEl>
+                                          <p:spTgt spid="11"/>
+                                        </p:tgtEl>
+                                        <p:attrNameLst>
+                                          <p:attrName>style.visibility</p:attrName>
+                                        </p:attrNameLst>
+                                      </p:cBhvr>
+                                      <p:to>
+                                        <p:strVal val="visible"/>
+                                      </p:to>
+                                    </p:set>
+                                  </p:childTnLst>
+                                </p:cTn>
+                              </p:par>
+                              <p:par>
+                                <p:cTn id="17" presetID="1" presetClass="entr" presetSubtype="0" fill="hold" grpId="0" nodeType="withEffect">
+                                  <p:stCondLst>
+                                    <p:cond delay="0"/>
+                                  </p:stCondLst>
+                                  <p:childTnLst>
+                                    <p:set>
+                                      <p:cBhvr>
+                                        <p:cTn id="18" dur="1" fill="hold">
+                                          <p:stCondLst>
+                                            <p:cond delay="0"/>
+                                          </p:stCondLst>
+                                        </p:cTn>
+                                        <p:tgtEl>
+                                          <p:spTgt spid="12"/>
+                                        </p:tgtEl>
+                                        <p:attrNameLst>
+                                          <p:attrName>style.visibility</p:attrName>
+                                        </p:attrNameLst>
+                                      </p:cBhvr>
+                                      <p:to>
+                                        <p:strVal val="visible"/>
+                                      </p:to>
+                                    </p:set>
+                                  </p:childTnLst>
+                                </p:cTn>
+                              </p:par>
+                            </p:childTnLst>
+                          </p:cTn>
+                        </p:par>
+                      </p:childTnLst>
+                    </p:cTn>
+                  </p:par>
+                  <p:par>
+                    <p:cTn id="19" fill="hold">
+                      <p:stCondLst>
+                        <p:cond delay="indefinite"/>
+                      </p:stCondLst>
+                      <p:childTnLst>
+                        <p:par>
+                          <p:cTn id="20" fill="hold">
+                            <p:stCondLst>
+                              <p:cond delay="0"/>
+                            </p:stCondLst>
+                            <p:childTnLst>
+                              <p:par>
+                                <p:cTn id="21" presetID="1" presetClass="entr" presetSubtype="0" fill="hold" nodeType="clickEffect">
+                                  <p:stCondLst>
+                                    <p:cond delay="0"/>
+                                  </p:stCondLst>
+                                  <p:childTnLst>
+                                    <p:set>
+                                      <p:cBhvr>
+                                        <p:cTn id="22" dur="1" fill="hold">
+                                          <p:stCondLst>
+                                            <p:cond delay="0"/>
+                                          </p:stCondLst>
+                                        </p:cTn>
+                                        <p:tgtEl>
+                                          <p:spTgt spid="13"/>
+                                        </p:tgtEl>
+                                        <p:attrNameLst>
+                                          <p:attrName>style.visibility</p:attrName>
+                                        </p:attrNameLst>
+                                      </p:cBhvr>
+                                      <p:to>
+                                        <p:strVal val="visible"/>
+                                      </p:to>
+                                    </p:set>
+                                  </p:childTnLst>
+                                </p:cTn>
+                              </p:par>
+                              <p:par>
+                                <p:cTn id="23" presetID="1" presetClass="entr" presetSubtype="0" fill="hold" grpId="0" nodeType="withEffect">
+                                  <p:stCondLst>
+                                    <p:cond delay="0"/>
+                                  </p:stCondLst>
+                                  <p:childTnLst>
+                                    <p:set>
+                                      <p:cBhvr>
+                                        <p:cTn id="24" dur="1" fill="hold">
+                                          <p:stCondLst>
+                                            <p:cond delay="0"/>
+                                          </p:stCondLst>
+                                        </p:cTn>
+                                        <p:tgtEl>
+                                          <p:spTgt spid="14"/>
+                                        </p:tgtEl>
+                                        <p:attrNameLst>
+                                          <p:attrName>style.visibility</p:attrName>
+                                        </p:attrNameLst>
+                                      </p:cBhvr>
+                                      <p:to>
+                                        <p:strVal val="visible"/>
+                                      </p:to>
+                                    </p:set>
+                                  </p:childTnLst>
+                                </p:cTn>
+                              </p:par>
+                            </p:childTnLst>
+                          </p:cTn>
+                        </p:par>
+                      </p:childTnLst>
+                    </p:cTn>
+                  </p:par>
+                  <p:par>
+                    <p:cTn id="25" fill="hold">
+                      <p:stCondLst>
+                        <p:cond delay="indefinite"/>
+                      </p:stCondLst>
+                      <p:childTnLst>
+                        <p:par>
+                          <p:cTn id="26" fill="hold">
+                            <p:stCondLst>
+                              <p:cond delay="0"/>
+                            </p:stCondLst>
+                            <p:childTnLst>
+                              <p:par>
+                                <p:cTn id="27" presetID="1" presetClass="entr" presetSubtype="0" fill="hold" nodeType="clickEffect">
+                                  <p:stCondLst>
+                                    <p:cond delay="0"/>
+                                  </p:stCondLst>
+                                  <p:childTnLst>
+                                    <p:set>
+                                      <p:cBhvr>
+                                        <p:cTn id="28" dur="1" fill="hold">
+                                          <p:stCondLst>
+                                            <p:cond delay="0"/>
+                                          </p:stCondLst>
+                                        </p:cTn>
+                                        <p:tgtEl>
+                                          <p:spTgt spid="17"/>
+                                        </p:tgtEl>
+                                        <p:attrNameLst>
+                                          <p:attrName>style.visibility</p:attrName>
+                                        </p:attrNameLst>
+                                      </p:cBhvr>
+                                      <p:to>
+                                        <p:strVal val="visible"/>
+                                      </p:to>
+                                    </p:set>
+                                  </p:childTnLst>
+                                </p:cTn>
+                              </p:par>
+                              <p:par>
+                                <p:cTn id="29" presetID="1" presetClass="entr" presetSubtype="0" fill="hold" grpId="0" nodeType="withEffect">
+                                  <p:stCondLst>
+                                    <p:cond delay="0"/>
+                                  </p:stCondLst>
+                                  <p:childTnLst>
+                                    <p:set>
+                                      <p:cBhvr>
+                                        <p:cTn id="30" dur="1" fill="hold">
+                                          <p:stCondLst>
+                                            <p:cond delay="0"/>
+                                          </p:stCondLst>
+                                        </p:cTn>
+                                        <p:tgtEl>
+                                          <p:spTgt spid="18"/>
+                                        </p:tgtEl>
+                                        <p:attrNameLst>
+                                          <p:attrName>style.visibility</p:attrName>
+                                        </p:attrNameLst>
+                                      </p:cBhvr>
+                                      <p:to>
+                                        <p:strVal val="visible"/>
+                                      </p:to>
+                                    </p:set>
+                                  </p:childTnLst>
+                                </p:cTn>
+                              </p:par>
+                            </p:childTnLst>
+                          </p:cTn>
+                        </p:par>
+                      </p:childTnLst>
+                    </p:cTn>
+                  </p:par>
+                  <p:par>
+                    <p:cTn id="31" fill="hold">
+                      <p:stCondLst>
+                        <p:cond delay="indefinite"/>
+                      </p:stCondLst>
+                      <p:childTnLst>
+                        <p:par>
+                          <p:cTn id="32" fill="hold">
+                            <p:stCondLst>
+                              <p:cond delay="0"/>
+                            </p:stCondLst>
+                            <p:childTnLst>
+                              <p:par>
+                                <p:cTn id="33" presetID="1" presetClass="entr" presetSubtype="0" fill="hold" nodeType="clickEffect">
+                                  <p:stCondLst>
+                                    <p:cond delay="0"/>
+                                  </p:stCondLst>
+                                  <p:childTnLst>
+                                    <p:set>
+                                      <p:cBhvr>
+                                        <p:cTn id="34" dur="1" fill="hold">
+                                          <p:stCondLst>
+                                            <p:cond delay="0"/>
+                                          </p:stCondLst>
+                                        </p:cTn>
+                                        <p:tgtEl>
+                                          <p:spTgt spid="19"/>
+                                        </p:tgtEl>
+                                        <p:attrNameLst>
+                                          <p:attrName>style.visibility</p:attrName>
+                                        </p:attrNameLst>
+                                      </p:cBhvr>
+                                      <p:to>
+                                        <p:strVal val="visible"/>
+                                      </p:to>
+                                    </p:set>
+                                  </p:childTnLst>
+                                </p:cTn>
+                              </p:par>
+                              <p:par>
+                                <p:cTn id="35" presetID="1" presetClass="entr" presetSubtype="0" fill="hold" grpId="0" nodeType="withEffect">
+                                  <p:stCondLst>
+                                    <p:cond delay="0"/>
+                                  </p:stCondLst>
+                                  <p:childTnLst>
+                                    <p:set>
+                                      <p:cBhvr>
+                                        <p:cTn id="36" dur="1" fill="hold">
+                                          <p:stCondLst>
+                                            <p:cond delay="0"/>
+                                          </p:stCondLst>
+                                        </p:cTn>
+                                        <p:tgtEl>
+                                          <p:spTgt spid="20"/>
+                                        </p:tgtEl>
+                                        <p:attrNameLst>
+                                          <p:attrName>style.visibility</p:attrName>
+                                        </p:attrNameLst>
+                                      </p:cBhvr>
+                                      <p:to>
+                                        <p:strVal val="visible"/>
+                                      </p:to>
+                                    </p:set>
+                                  </p:childTnLst>
+                                </p:cTn>
+                              </p:par>
+                            </p:childTnLst>
+                          </p:cTn>
+                        </p:par>
+                      </p:childTnLst>
+                    </p:cTn>
+                  </p:par>
+                  <p:par>
+                    <p:cTn id="37" fill="hold">
+                      <p:stCondLst>
+                        <p:cond delay="indefinite"/>
+                      </p:stCondLst>
+                      <p:childTnLst>
+                        <p:par>
+                          <p:cTn id="38" fill="hold">
+                            <p:stCondLst>
+                              <p:cond delay="0"/>
+                            </p:stCondLst>
+                            <p:childTnLst>
+                              <p:par>
+                                <p:cTn id="39" presetID="1" presetClass="entr" presetSubtype="0" fill="hold" nodeType="clickEffect">
+                                  <p:stCondLst>
+                                    <p:cond delay="0"/>
+                                  </p:stCondLst>
+                                  <p:childTnLst>
+                                    <p:set>
+                                      <p:cBhvr>
+                                        <p:cTn id="40" dur="1" fill="hold">
+                                          <p:stCondLst>
+                                            <p:cond delay="0"/>
+                                          </p:stCondLst>
+                                        </p:cTn>
+                                        <p:tgtEl>
+                                          <p:spTgt spid="21"/>
+                                        </p:tgtEl>
+                                        <p:attrNameLst>
+                                          <p:attrName>style.visibility</p:attrName>
+                                        </p:attrNameLst>
+                                      </p:cBhvr>
+                                      <p:to>
+                                        <p:strVal val="visible"/>
+                                      </p:to>
+                                    </p:set>
+                                  </p:childTnLst>
+                                </p:cTn>
+                              </p:par>
+                              <p:par>
+                                <p:cTn id="41" presetID="1" presetClass="entr" presetSubtype="0" fill="hold" grpId="0" nodeType="withEffect">
+                                  <p:stCondLst>
+                                    <p:cond delay="0"/>
+                                  </p:stCondLst>
+                                  <p:childTnLst>
+                                    <p:set>
+                                      <p:cBhvr>
+                                        <p:cTn id="42" dur="1" fill="hold">
+                                          <p:stCondLst>
+                                            <p:cond delay="0"/>
+                                          </p:stCondLst>
+                                        </p:cTn>
+                                        <p:tgtEl>
+                                          <p:spTgt spid="22"/>
+                                        </p:tgtEl>
+                                        <p:attrNameLst>
+                                          <p:attrName>style.visibility</p:attrName>
+                                        </p:attrNameLst>
+                                      </p:cBhvr>
+                                      <p:to>
+                                        <p:strVal val="visible"/>
+                                      </p:to>
+                                    </p:set>
+                                  </p:childTnLst>
+                                </p:cTn>
+                              </p:par>
+                            </p:childTnLst>
+                          </p:cTn>
+                        </p:par>
+                      </p:childTnLst>
+                    </p:cTn>
+                  </p:par>
+                  <p:par>
+                    <p:cTn id="43" fill="hold">
+                      <p:stCondLst>
+                        <p:cond delay="indefinite"/>
+                      </p:stCondLst>
+                      <p:childTnLst>
+                        <p:par>
+                          <p:cTn id="44" fill="hold">
+                            <p:stCondLst>
+                              <p:cond delay="0"/>
+                            </p:stCondLst>
+                            <p:childTnLst>
+                              <p:par>
+                                <p:cTn id="45" presetID="1" presetClass="entr" presetSubtype="0" fill="hold" nodeType="clickEffect">
+                                  <p:stCondLst>
+                                    <p:cond delay="0"/>
+                                  </p:stCondLst>
+                                  <p:childTnLst>
+                                    <p:set>
+                                      <p:cBhvr>
+                                        <p:cTn id="46" dur="1" fill="hold">
+                                          <p:stCondLst>
+                                            <p:cond delay="0"/>
+                                          </p:stCondLst>
+                                        </p:cTn>
+                                        <p:tgtEl>
+                                          <p:spTgt spid="23"/>
+                                        </p:tgtEl>
+                                        <p:attrNameLst>
+                                          <p:attrName>style.visibility</p:attrName>
+                                        </p:attrNameLst>
+                                      </p:cBhvr>
+                                      <p:to>
+                                        <p:strVal val="visible"/>
+                                      </p:to>
+                                    </p:set>
+                                  </p:childTnLst>
+                                </p:cTn>
+                              </p:par>
+                              <p:par>
+                                <p:cTn id="47" presetID="1" presetClass="entr" presetSubtype="0" fill="hold" grpId="0" nodeType="withEffect">
+                                  <p:stCondLst>
+                                    <p:cond delay="0"/>
+                                  </p:stCondLst>
+                                  <p:childTnLst>
+                                    <p:set>
+                                      <p:cBhvr>
+                                        <p:cTn id="48" dur="1" fill="hold">
+                                          <p:stCondLst>
+                                            <p:cond delay="0"/>
+                                          </p:stCondLst>
+                                        </p:cTn>
+                                        <p:tgtEl>
+                                          <p:spTgt spid="24"/>
+                                        </p:tgtEl>
+                                        <p:attrNameLst>
+                                          <p:attrName>style.visibility</p:attrName>
+                                        </p:attrNameLst>
+                                      </p:cBhvr>
+                                      <p:to>
+                                        <p:strVal val="visible"/>
+                                      </p:to>
+                                    </p:set>
+                                  </p:childTnLst>
+                                </p:cTn>
+                              </p:par>
+                            </p:childTnLst>
+                          </p:cTn>
+                        </p:par>
+                      </p:childTnLst>
+                    </p:cTn>
+                  </p:par>
+                  <p:par>
+                    <p:cTn id="49" fill="hold">
+                      <p:stCondLst>
+                        <p:cond delay="indefinite"/>
+                      </p:stCondLst>
+                      <p:childTnLst>
+                        <p:par>
+                          <p:cTn id="50" fill="hold">
+                            <p:stCondLst>
+                              <p:cond delay="0"/>
+                            </p:stCondLst>
+                            <p:childTnLst>
+                              <p:par>
+                                <p:cTn id="51" presetID="1" presetClass="entr" presetSubtype="0" fill="hold" nodeType="clickEffect">
+                                  <p:stCondLst>
+                                    <p:cond delay="0"/>
+                                  </p:stCondLst>
+                                  <p:childTnLst>
+                                    <p:set>
+                                      <p:cBhvr>
+                                        <p:cTn id="52" dur="1" fill="hold">
+                                          <p:stCondLst>
+                                            <p:cond delay="0"/>
+                                          </p:stCondLst>
+                                        </p:cTn>
+                                        <p:tgtEl>
+                                          <p:spTgt spid="15"/>
+                                        </p:tgtEl>
+                                        <p:attrNameLst>
+                                          <p:attrName>style.visibility</p:attrName>
+                                        </p:attrNameLst>
+                                      </p:cBhvr>
+                                      <p:to>
+                                        <p:strVal val="visible"/>
+                                      </p:to>
+                                    </p:set>
+                                  </p:childTnLst>
+                                </p:cTn>
+                              </p:par>
+                              <p:par>
+                                <p:cTn id="53" presetID="1" presetClass="entr" presetSubtype="0" fill="hold" grpId="0" nodeType="withEffect">
+                                  <p:stCondLst>
+                                    <p:cond delay="0"/>
+                                  </p:stCondLst>
+                                  <p:childTnLst>
+                                    <p:set>
+                                      <p:cBhvr>
+                                        <p:cTn id="54" dur="1" fill="hold">
+                                          <p:stCondLst>
+                                            <p:cond delay="0"/>
+                                          </p:stCondLst>
+                                        </p:cTn>
+                                        <p:tgtEl>
+                                          <p:spTgt spid="16"/>
+                                        </p:tgtEl>
+                                        <p:attrNameLst>
+                                          <p:attrName>style.visibility</p:attrName>
+                                        </p:attrNameLst>
+                                      </p:cBhvr>
+                                      <p:to>
+                                        <p:strVal val="visible"/>
+                                      </p:to>
+                                    </p:set>
+                                  </p:childTnLst>
+                                </p:cTn>
+                              </p:par>
+                            </p:childTnLst>
+                          </p:cTn>
+                        </p:par>
+                      </p:childTnLst>
+                    </p:cTn>
+                  </p:par>
+                  <p:par>
+                    <p:cTn id="55" fill="hold">
+                      <p:stCondLst>
+                        <p:cond delay="indefinite"/>
+                      </p:stCondLst>
+                      <p:childTnLst>
+                        <p:par>
+                          <p:cTn id="56" fill="hold">
+                            <p:stCondLst>
+                              <p:cond delay="0"/>
+                            </p:stCondLst>
+                            <p:childTnLst>
+                              <p:par>
+                                <p:cTn id="57" presetID="1" presetClass="entr" presetSubtype="0" fill="hold" nodeType="clickEffect">
+                                  <p:stCondLst>
+                                    <p:cond delay="0"/>
+                                  </p:stCondLst>
+                                  <p:childTnLst>
+                                    <p:set>
+                                      <p:cBhvr>
+                                        <p:cTn id="58" dur="1" fill="hold">
+                                          <p:stCondLst>
+                                            <p:cond delay="0"/>
+                                          </p:stCondLst>
+                                        </p:cTn>
+                                        <p:tgtEl>
+                                          <p:spTgt spid="25"/>
+                                        </p:tgtEl>
+                                        <p:attrNameLst>
+                                          <p:attrName>style.visibility</p:attrName>
+                                        </p:attrNameLst>
+                                      </p:cBhvr>
+                                      <p:to>
+                                        <p:strVal val="visible"/>
+                                      </p:to>
+                                    </p:set>
+                                  </p:childTnLst>
+                                </p:cTn>
+                              </p:par>
+                              <p:par>
+                                <p:cTn id="59" presetID="1" presetClass="entr" presetSubtype="0" fill="hold" grpId="0" nodeType="withEffect">
+                                  <p:stCondLst>
+                                    <p:cond delay="0"/>
+                                  </p:stCondLst>
+                                  <p:childTnLst>
+                                    <p:set>
+                                      <p:cBhvr>
+                                        <p:cTn id="60" dur="1" fill="hold">
+                                          <p:stCondLst>
+                                            <p:cond delay="0"/>
+                                          </p:stCondLst>
+                                        </p:cTn>
+                                        <p:tgtEl>
+                                          <p:spTgt spid="26"/>
+                                        </p:tgtEl>
+                                        <p:attrNameLst>
+                                          <p:attrName>style.visibility</p:attrName>
+                                        </p:attrNameLst>
+                                      </p:cBhvr>
+                                      <p:to>
+                                        <p:strVal val="visible"/>
+                                      </p:to>
+                                    </p:set>
+                                  </p:childTnLst>
+                                </p:cTn>
+                              </p:par>
+                            </p:childTnLst>
+                          </p:cTn>
+                        </p:par>
+                      </p:childTnLst>
+                    </p:cTn>
+                  </p:par>
+                  <p:par>
+                    <p:cTn id="61" fill="hold">
+                      <p:stCondLst>
+                        <p:cond delay="indefinite"/>
+                      </p:stCondLst>
+                      <p:childTnLst>
+                        <p:par>
+                          <p:cTn id="62" fill="hold">
+                            <p:stCondLst>
+                              <p:cond delay="0"/>
+                            </p:stCondLst>
+                            <p:childTnLst>
+                              <p:par>
+                                <p:cTn id="63" presetID="1" presetClass="entr" presetSubtype="0" fill="hold" nodeType="clickEffect">
+                                  <p:stCondLst>
+                                    <p:cond delay="0"/>
+                                  </p:stCondLst>
+                                  <p:childTnLst>
+                                    <p:set>
+                                      <p:cBhvr>
+                                        <p:cTn id="64" dur="1" fill="hold">
+                                          <p:stCondLst>
+                                            <p:cond delay="0"/>
+                                          </p:stCondLst>
+                                        </p:cTn>
+                                        <p:tgtEl>
+                                          <p:spTgt spid="27"/>
+                                        </p:tgtEl>
+                                        <p:attrNameLst>
+                                          <p:attrName>style.visibility</p:attrName>
+                                        </p:attrNameLst>
+                                      </p:cBhvr>
+                                      <p:to>
+                                        <p:strVal val="visible"/>
+                                      </p:to>
+                                    </p:set>
+                                  </p:childTnLst>
+                                </p:cTn>
+                              </p:par>
+                              <p:par>
+                                <p:cTn id="65" presetID="1" presetClass="entr" presetSubtype="0" fill="hold" grpId="0" nodeType="withEffect">
+                                  <p:stCondLst>
+                                    <p:cond delay="0"/>
+                                  </p:stCondLst>
+                                  <p:childTnLst>
+                                    <p:set>
+                                      <p:cBhvr>
+                                        <p:cTn id="66" dur="1" fill="hold">
+                                          <p:stCondLst>
+                                            <p:cond delay="0"/>
+                                          </p:stCondLst>
+                                        </p:cTn>
+                                        <p:tgtEl>
+                                          <p:spTgt spid="28"/>
+                                        </p:tgtEl>
+                                        <p:attrNameLst>
+                                          <p:attrName>style.visibility</p:attrName>
+                                        </p:attrNameLst>
+                                      </p:cBhvr>
+                                      <p:to>
+                                        <p:strVal val="visible"/>
+                                      </p:to>
+                                    </p:set>
+                                  </p:childTnLst>
+                                </p:cTn>
+                              </p:par>
+                            </p:childTnLst>
+                          </p:cTn>
+                        </p:par>
+                      </p:childTnLst>
+                    </p:cTn>
+                  </p:par>
+                </p:childTnLst>
+              </p:cTn>
+              <p:prevCondLst>
+                <p:cond evt="onPrev" delay="0">
+                  <p:tgtEl>
+                    <p:sldTgt/>
+                  </p:tgtEl>
+                </p:cond>
+              </p:prevCondLst>
+              <p:nextCondLst>
+                <p:cond evt="onNext" delay="0">
+                  <p:tgtEl>
+                    <p:sldTgt/>
+                  </p:tgtEl>
+                </p:cond>
+              </p:nextCondLst>
+            </p:seq>
+          </p:childTnLst>
+        </p:cTn>
+      </p:par>
+    </p:tnLst>
+    <p:bldLst>
+      <p:bldP spid="7" grpId="0" animBg="1"/>
+      <p:bldP spid="9" grpId="0"/>
+      <p:bldP spid="10" grpId="0" animBg="1"/>
+      <p:bldP spid="12" grpId="0"/>
+      <p:bldP spid="14" grpId="0"/>
+      <p:bldP spid="16" grpId="0"/>
+      <p:bldP spid="18" grpId="0"/>
+      <p:bldP spid="20" grpId="0"/>
+      <p:bldP spid="22" grpId="0"/>
+      <p:bldP spid="24" grpId="0"/>
+      <p:bldP spid="26" grpId="0"/>
+      <p:bldP spid="28" grpId="0"/>
+    </p:bldLst>
+  </p:timing>
+</p:sld>
+</file>
+
+<file path=ppt/slides/slide26.xml><?xml version="1.0" encoding="utf-8"?>
+<p:sld xmlns:a="http://schemas.openxmlformats.org/drawingml/2006/main" xmlns:r="http://schemas.openxmlformats.org/officeDocument/2006/relationships" xmlns:p="http://schemas.openxmlformats.org/presentationml/2006/main">
+  <p:cSld>
+    <p:spTree>
+      <p:nvGrpSpPr>
+        <p:cNvPr id="1" name=""/>
+        <p:cNvGrpSpPr/>
+        <p:nvPr/>
+      </p:nvGrpSpPr>
+      <p:grpSpPr>
+        <a:xfrm>
+          <a:off x="0" y="0"/>
+          <a:ext cx="0" cy="0"/>
+          <a:chOff x="0" y="0"/>
+          <a:chExt cx="0" cy="0"/>
+        </a:xfrm>
+      </p:grpSpPr>
+      <p:sp>
+        <p:nvSpPr>
+          <p:cNvPr id="4" name="TextBox 3">
+            <a:extLst>
+              <a:ext uri="{FF2B5EF4-FFF2-40B4-BE49-F238E27FC236}">
+                <a16:creationId xmlns:a16="http://schemas.microsoft.com/office/drawing/2014/main" id="{5ADC00B6-990A-40DC-3CEA-505258F5E8DA}"/>
+              </a:ext>
+            </a:extLst>
+          </p:cNvPr>
+          <p:cNvSpPr txBox="1"/>
+          <p:nvPr/>
+        </p:nvSpPr>
+        <p:spPr>
+          <a:xfrm>
+            <a:off x="762000" y="419100"/>
+            <a:ext cx="11658600" cy="830997"/>
+          </a:xfrm>
+          <a:prstGeom prst="rect">
+            <a:avLst/>
+          </a:prstGeom>
+          <a:noFill/>
+        </p:spPr>
+        <p:txBody>
+          <a:bodyPr wrap="square" rtlCol="0">
+            <a:spAutoFit/>
+          </a:bodyPr>
+          <a:lstStyle/>
+          <a:p>
+            <a:r>
+              <a:rPr lang="ko-KR" altLang="en-US" sz="4800" dirty="0">
+                <a:solidFill>
+                  <a:srgbClr val="4C50BC"/>
+                </a:solidFill>
+                <a:latin typeface="G마켓 산스 Medium" panose="02000000000000000000" pitchFamily="50" charset="-127"/>
+                <a:ea typeface="G마켓 산스 Medium" panose="02000000000000000000" pitchFamily="50" charset="-127"/>
+              </a:rPr>
+              <a:t>참조형 리턴의 라이프사이클</a:t>
+            </a:r>
+            <a:r>
+              <a:rPr lang="en-US" altLang="ko-KR" sz="4800" dirty="0">
+                <a:solidFill>
+                  <a:srgbClr val="4C50BC"/>
+                </a:solidFill>
+                <a:latin typeface="G마켓 산스 Medium" panose="02000000000000000000" pitchFamily="50" charset="-127"/>
+                <a:ea typeface="G마켓 산스 Medium" panose="02000000000000000000" pitchFamily="50" charset="-127"/>
+              </a:rPr>
+              <a:t>?</a:t>
+            </a:r>
           </a:p>
         </p:txBody>
       </p:sp>
@@ -11385,7 +13665,7 @@
         </p:blipFill>
         <p:spPr>
           <a:xfrm>
-            <a:off x="762000" y="1312814"/>
+            <a:off x="762000" y="1500077"/>
             <a:ext cx="6248400" cy="6539023"/>
           </a:xfrm>
           <a:prstGeom prst="rect">
@@ -11409,7 +13689,7 @@
         </p:blipFill>
         <p:spPr>
           <a:xfrm>
-            <a:off x="8381999" y="1484141"/>
+            <a:off x="8381999" y="1671404"/>
             <a:ext cx="5151961" cy="2287759"/>
           </a:xfrm>
           <a:prstGeom prst="rect">
@@ -11433,7 +13713,7 @@
         </p:blipFill>
         <p:spPr>
           <a:xfrm>
-            <a:off x="8381998" y="4000500"/>
+            <a:off x="8381998" y="4187763"/>
             <a:ext cx="5614737" cy="2667000"/>
           </a:xfrm>
           <a:prstGeom prst="rect">
@@ -11446,7 +13726,7 @@
           <p:cNvPr id="8" name="직선 화살표 연결선 7">
             <a:extLst>
               <a:ext uri="{FF2B5EF4-FFF2-40B4-BE49-F238E27FC236}">
-                <a16:creationId xmlns="" xmlns:a16="http://schemas.microsoft.com/office/drawing/2014/main" id="{299DF5EC-9DF4-5255-06AC-0A7CE4FF58C3}"/>
+                <a16:creationId xmlns:a16="http://schemas.microsoft.com/office/drawing/2014/main" id="{299DF5EC-9DF4-5255-06AC-0A7CE4FF58C3}"/>
               </a:ext>
             </a:extLst>
           </p:cNvPr>
@@ -11457,7 +13737,7 @@
         </p:nvCxnSpPr>
         <p:spPr>
           <a:xfrm flipH="1">
-            <a:off x="6998676" y="5448300"/>
+            <a:off x="6998676" y="5635563"/>
             <a:ext cx="4226789" cy="1447800"/>
           </a:xfrm>
           <a:prstGeom prst="straightConnector1">
@@ -11487,7 +13767,7 @@
           <p:cNvPr id="9" name="직선 화살표 연결선 8">
             <a:extLst>
               <a:ext uri="{FF2B5EF4-FFF2-40B4-BE49-F238E27FC236}">
-                <a16:creationId xmlns="" xmlns:a16="http://schemas.microsoft.com/office/drawing/2014/main" id="{299DF5EC-9DF4-5255-06AC-0A7CE4FF58C3}"/>
+                <a16:creationId xmlns:a16="http://schemas.microsoft.com/office/drawing/2014/main" id="{299DF5EC-9DF4-5255-06AC-0A7CE4FF58C3}"/>
               </a:ext>
             </a:extLst>
           </p:cNvPr>
@@ -11498,7 +13778,7 @@
         </p:nvCxnSpPr>
         <p:spPr>
           <a:xfrm flipH="1" flipV="1">
-            <a:off x="12115800" y="3467100"/>
+            <a:off x="12115800" y="3654363"/>
             <a:ext cx="990600" cy="2438400"/>
           </a:xfrm>
           <a:prstGeom prst="straightConnector1">
@@ -11523,6 +13803,54 @@
           </a:fontRef>
         </p:style>
       </p:cxnSp>
+      <p:sp>
+        <p:nvSpPr>
+          <p:cNvPr id="2" name="TextBox 1">
+            <a:extLst>
+              <a:ext uri="{FF2B5EF4-FFF2-40B4-BE49-F238E27FC236}">
+                <a16:creationId xmlns:a16="http://schemas.microsoft.com/office/drawing/2014/main" id="{DA0AA23B-8E9B-928B-3B9A-C98FAC47BA11}"/>
+              </a:ext>
+            </a:extLst>
+          </p:cNvPr>
+          <p:cNvSpPr txBox="1"/>
+          <p:nvPr/>
+        </p:nvSpPr>
+        <p:spPr>
+          <a:xfrm>
+            <a:off x="685800" y="8496300"/>
+            <a:ext cx="17145000" cy="1323439"/>
+          </a:xfrm>
+          <a:prstGeom prst="rect">
+            <a:avLst/>
+          </a:prstGeom>
+          <a:noFill/>
+        </p:spPr>
+        <p:txBody>
+          <a:bodyPr wrap="square" rtlCol="0">
+            <a:spAutoFit/>
+          </a:bodyPr>
+          <a:lstStyle/>
+          <a:p>
+            <a:r>
+              <a:rPr lang="ko-KR" altLang="en-US" sz="4000" dirty="0">
+                <a:solidFill>
+                  <a:srgbClr val="FF0000"/>
+                </a:solidFill>
+                <a:latin typeface="G마켓 산스 Medium" panose="02000000000000000000" pitchFamily="50" charset="-127"/>
+                <a:ea typeface="G마켓 산스 Medium" panose="02000000000000000000" pitchFamily="50" charset="-127"/>
+              </a:rPr>
+              <a:t>객체가 생성된 위치가 아니라 해당 객체를 가리키는 참조변수의 생성위치가 라이프사이클을 결정한다</a:t>
+            </a:r>
+            <a:endParaRPr lang="en-US" altLang="ko-KR" sz="4000" dirty="0">
+              <a:solidFill>
+                <a:srgbClr val="FF0000"/>
+              </a:solidFill>
+              <a:latin typeface="G마켓 산스 Medium" panose="02000000000000000000" pitchFamily="50" charset="-127"/>
+              <a:ea typeface="G마켓 산스 Medium" panose="02000000000000000000" pitchFamily="50" charset="-127"/>
+            </a:endParaRPr>
+          </a:p>
+        </p:txBody>
+      </p:sp>
     </p:spTree>
     <p:extLst>
       <p:ext uri="{BB962C8B-B14F-4D97-AF65-F5344CB8AC3E}">
@@ -11536,51 +13864,85 @@
   <p:timing>
     <p:tnLst>
       <p:par>
-        <p:cTn id="1" dur="indefinite" restart="never" nodeType="tmRoot"/>
+        <p:cTn id="1" dur="indefinite" restart="never" nodeType="tmRoot">
+          <p:childTnLst>
+            <p:seq concurrent="1" nextAc="seek">
+              <p:cTn id="2" dur="indefinite" nodeType="mainSeq">
+                <p:childTnLst>
+                  <p:par>
+                    <p:cTn id="3" fill="hold">
+                      <p:stCondLst>
+                        <p:cond delay="indefinite"/>
+                      </p:stCondLst>
+                      <p:childTnLst>
+                        <p:par>
+                          <p:cTn id="4" fill="hold">
+                            <p:stCondLst>
+                              <p:cond delay="0"/>
+                            </p:stCondLst>
+                            <p:childTnLst>
+                              <p:par>
+                                <p:cTn id="5" presetID="1" presetClass="entr" presetSubtype="0" fill="hold" grpId="0" nodeType="clickEffect">
+                                  <p:stCondLst>
+                                    <p:cond delay="0"/>
+                                  </p:stCondLst>
+                                  <p:childTnLst>
+                                    <p:set>
+                                      <p:cBhvr>
+                                        <p:cTn id="6" dur="1" fill="hold">
+                                          <p:stCondLst>
+                                            <p:cond delay="0"/>
+                                          </p:stCondLst>
+                                        </p:cTn>
+                                        <p:tgtEl>
+                                          <p:spTgt spid="2"/>
+                                        </p:tgtEl>
+                                        <p:attrNameLst>
+                                          <p:attrName>style.visibility</p:attrName>
+                                        </p:attrNameLst>
+                                      </p:cBhvr>
+                                      <p:to>
+                                        <p:strVal val="visible"/>
+                                      </p:to>
+                                    </p:set>
+                                  </p:childTnLst>
+                                </p:cTn>
+                              </p:par>
+                            </p:childTnLst>
+                          </p:cTn>
+                        </p:par>
+                      </p:childTnLst>
+                    </p:cTn>
+                  </p:par>
+                </p:childTnLst>
+              </p:cTn>
+              <p:prevCondLst>
+                <p:cond evt="onPrev" delay="0">
+                  <p:tgtEl>
+                    <p:sldTgt/>
+                  </p:tgtEl>
+                </p:cond>
+              </p:prevCondLst>
+              <p:nextCondLst>
+                <p:cond evt="onNext" delay="0">
+                  <p:tgtEl>
+                    <p:sldTgt/>
+                  </p:tgtEl>
+                </p:cond>
+              </p:nextCondLst>
+            </p:seq>
+          </p:childTnLst>
+        </p:cTn>
       </p:par>
     </p:tnLst>
+    <p:bldLst>
+      <p:bldP spid="2" grpId="0"/>
+    </p:bldLst>
   </p:timing>
 </p:sld>
 </file>
 
-<file path=ppt/slides/slide25.xml><?xml version="1.0" encoding="utf-8"?>
-<p:sld xmlns:a="http://schemas.openxmlformats.org/drawingml/2006/main" xmlns:r="http://schemas.openxmlformats.org/officeDocument/2006/relationships" xmlns:p="http://schemas.openxmlformats.org/presentationml/2006/main">
-  <p:cSld>
-    <p:spTree>
-      <p:nvGrpSpPr>
-        <p:cNvPr id="1" name=""/>
-        <p:cNvGrpSpPr/>
-        <p:nvPr/>
-      </p:nvGrpSpPr>
-      <p:grpSpPr>
-        <a:xfrm>
-          <a:off x="0" y="0"/>
-          <a:ext cx="0" cy="0"/>
-          <a:chOff x="0" y="0"/>
-          <a:chExt cx="0" cy="0"/>
-        </a:xfrm>
-      </p:grpSpPr>
-    </p:spTree>
-    <p:extLst>
-      <p:ext uri="{BB962C8B-B14F-4D97-AF65-F5344CB8AC3E}">
-        <p14:creationId xmlns:p14="http://schemas.microsoft.com/office/powerpoint/2010/main" val="544719031"/>
-      </p:ext>
-    </p:extLst>
-  </p:cSld>
-  <p:clrMapOvr>
-    <a:masterClrMapping/>
-  </p:clrMapOvr>
-  <p:timing>
-    <p:tnLst>
-      <p:par>
-        <p:cTn id="1" dur="indefinite" restart="never" nodeType="tmRoot"/>
-      </p:par>
-    </p:tnLst>
-  </p:timing>
-</p:sld>
-</file>
-
-<file path=ppt/slides/slide26.xml><?xml version="1.0" encoding="utf-8"?>
+<file path=ppt/slides/slide27.xml><?xml version="1.0" encoding="utf-8"?>
 <p:sld xmlns:a="http://schemas.openxmlformats.org/drawingml/2006/main" xmlns:r="http://schemas.openxmlformats.org/officeDocument/2006/relationships" xmlns:p="http://schemas.openxmlformats.org/presentationml/2006/main">
   <p:cSld>
     <p:spTree>
@@ -11602,7 +13964,7 @@
           <p:cNvPr id="4" name="TextBox 3">
             <a:extLst>
               <a:ext uri="{FF2B5EF4-FFF2-40B4-BE49-F238E27FC236}">
-                <a16:creationId xmlns="" xmlns:a16="http://schemas.microsoft.com/office/drawing/2014/main" id="{5ADC00B6-990A-40DC-3CEA-505258F5E8DA}"/>
+                <a16:creationId xmlns:a16="http://schemas.microsoft.com/office/drawing/2014/main" id="{5ADC00B6-990A-40DC-3CEA-505258F5E8DA}"/>
               </a:ext>
             </a:extLst>
           </p:cNvPr>
@@ -11611,8 +13973,8 @@
         </p:nvSpPr>
         <p:spPr>
           <a:xfrm>
-            <a:off x="762000" y="419100"/>
-            <a:ext cx="2819400" cy="830997"/>
+            <a:off x="762000" y="266700"/>
+            <a:ext cx="3894040" cy="830997"/>
           </a:xfrm>
           <a:prstGeom prst="rect">
             <a:avLst/>
@@ -11626,7 +13988,7 @@
           <a:lstStyle/>
           <a:p>
             <a:r>
-              <a:rPr lang="ko-KR" altLang="en-US" sz="4800" smtClean="0">
+              <a:rPr lang="ko-KR" altLang="en-US" sz="4800" dirty="0">
                 <a:solidFill>
                   <a:srgbClr val="4C50BC"/>
                 </a:solidFill>
@@ -11635,9 +13997,1692 @@
               </a:rPr>
               <a:t>실습문제</a:t>
             </a:r>
-            <a:endParaRPr lang="en-US" altLang="ko-KR" sz="4800" dirty="0">
+            <a:r>
+              <a:rPr lang="en-US" altLang="ko-KR" sz="4800" dirty="0">
+                <a:solidFill>
+                  <a:srgbClr val="4C50BC"/>
+                </a:solidFill>
+                <a:latin typeface="G마켓 산스 Medium" panose="02000000000000000000" pitchFamily="50" charset="-127"/>
+                <a:ea typeface="G마켓 산스 Medium" panose="02000000000000000000" pitchFamily="50" charset="-127"/>
+              </a:rPr>
+              <a:t>1</a:t>
+            </a:r>
+          </a:p>
+        </p:txBody>
+      </p:sp>
+      <p:sp>
+        <p:nvSpPr>
+          <p:cNvPr id="2" name="TextBox 1">
+            <a:extLst>
+              <a:ext uri="{FF2B5EF4-FFF2-40B4-BE49-F238E27FC236}">
+                <a16:creationId xmlns:a16="http://schemas.microsoft.com/office/drawing/2014/main" id="{30AEE48F-7A28-7E3D-4439-ED5287B35FBA}"/>
+              </a:ext>
+            </a:extLst>
+          </p:cNvPr>
+          <p:cNvSpPr txBox="1"/>
+          <p:nvPr/>
+        </p:nvSpPr>
+        <p:spPr>
+          <a:xfrm>
+            <a:off x="217712" y="1104900"/>
+            <a:ext cx="11669488" cy="1815882"/>
+          </a:xfrm>
+          <a:prstGeom prst="rect">
+            <a:avLst/>
+          </a:prstGeom>
+          <a:noFill/>
+        </p:spPr>
+        <p:txBody>
+          <a:bodyPr wrap="square" rtlCol="0">
+            <a:spAutoFit/>
+          </a:bodyPr>
+          <a:lstStyle/>
+          <a:p>
+            <a:r>
+              <a:rPr lang="en-US" altLang="ko-KR" sz="4000" dirty="0">
+                <a:solidFill>
+                  <a:schemeClr val="tx1">
+                    <a:lumMod val="50000"/>
+                    <a:lumOff val="50000"/>
+                  </a:schemeClr>
+                </a:solidFill>
+                <a:latin typeface="G마켓 산스 Medium" panose="02000000000000000000" pitchFamily="50" charset="-127"/>
+                <a:ea typeface="G마켓 산스 Medium" panose="02000000000000000000" pitchFamily="50" charset="-127"/>
+              </a:rPr>
+              <a:t>1. Marine </a:t>
+            </a:r>
+            <a:r>
+              <a:rPr lang="ko-KR" altLang="en-US" sz="4000" dirty="0">
+                <a:solidFill>
+                  <a:schemeClr val="tx1">
+                    <a:lumMod val="50000"/>
+                    <a:lumOff val="50000"/>
+                  </a:schemeClr>
+                </a:solidFill>
+                <a:latin typeface="G마켓 산스 Medium" panose="02000000000000000000" pitchFamily="50" charset="-127"/>
+                <a:ea typeface="G마켓 산스 Medium" panose="02000000000000000000" pitchFamily="50" charset="-127"/>
+              </a:rPr>
+              <a:t>클래스의 </a:t>
+            </a:r>
+            <a:r>
+              <a:rPr lang="en-US" altLang="ko-KR" sz="4000" dirty="0" err="1">
+                <a:solidFill>
+                  <a:schemeClr val="tx1">
+                    <a:lumMod val="50000"/>
+                    <a:lumOff val="50000"/>
+                  </a:schemeClr>
+                </a:solidFill>
+                <a:latin typeface="G마켓 산스 Medium" panose="02000000000000000000" pitchFamily="50" charset="-127"/>
+                <a:ea typeface="G마켓 산스 Medium" panose="02000000000000000000" pitchFamily="50" charset="-127"/>
+              </a:rPr>
+              <a:t>powerUp</a:t>
+            </a:r>
+            <a:r>
+              <a:rPr lang="en-US" altLang="ko-KR" sz="4000" dirty="0">
+                <a:solidFill>
+                  <a:schemeClr val="tx1">
+                    <a:lumMod val="50000"/>
+                    <a:lumOff val="50000"/>
+                  </a:schemeClr>
+                </a:solidFill>
+                <a:latin typeface="G마켓 산스 Medium" panose="02000000000000000000" pitchFamily="50" charset="-127"/>
+                <a:ea typeface="G마켓 산스 Medium" panose="02000000000000000000" pitchFamily="50" charset="-127"/>
+              </a:rPr>
+              <a:t>, </a:t>
+            </a:r>
+            <a:r>
+              <a:rPr lang="en-US" altLang="ko-KR" sz="4000" dirty="0" err="1">
+                <a:solidFill>
+                  <a:schemeClr val="tx1">
+                    <a:lumMod val="50000"/>
+                    <a:lumOff val="50000"/>
+                  </a:schemeClr>
+                </a:solidFill>
+                <a:latin typeface="G마켓 산스 Medium" panose="02000000000000000000" pitchFamily="50" charset="-127"/>
+                <a:ea typeface="G마켓 산스 Medium" panose="02000000000000000000" pitchFamily="50" charset="-127"/>
+              </a:rPr>
+              <a:t>armorUp</a:t>
+            </a:r>
+            <a:r>
+              <a:rPr lang="en-US" altLang="ko-KR" sz="4000" dirty="0">
+                <a:solidFill>
+                  <a:schemeClr val="tx1">
+                    <a:lumMod val="50000"/>
+                    <a:lumOff val="50000"/>
+                  </a:schemeClr>
+                </a:solidFill>
+                <a:latin typeface="G마켓 산스 Medium" panose="02000000000000000000" pitchFamily="50" charset="-127"/>
+                <a:ea typeface="G마켓 산스 Medium" panose="02000000000000000000" pitchFamily="50" charset="-127"/>
+              </a:rPr>
+              <a:t> </a:t>
+            </a:r>
+          </a:p>
+          <a:p>
+            <a:r>
+              <a:rPr lang="ko-KR" altLang="en-US" sz="4000" dirty="0">
+                <a:solidFill>
+                  <a:schemeClr val="tx1">
+                    <a:lumMod val="50000"/>
+                    <a:lumOff val="50000"/>
+                  </a:schemeClr>
+                </a:solidFill>
+                <a:latin typeface="G마켓 산스 Medium" panose="02000000000000000000" pitchFamily="50" charset="-127"/>
+                <a:ea typeface="G마켓 산스 Medium" panose="02000000000000000000" pitchFamily="50" charset="-127"/>
+              </a:rPr>
+              <a:t>메서드를 만들자</a:t>
+            </a:r>
+            <a:r>
+              <a:rPr lang="en-US" altLang="ko-KR" sz="4000" dirty="0">
+                <a:solidFill>
+                  <a:schemeClr val="tx1">
+                    <a:lumMod val="50000"/>
+                    <a:lumOff val="50000"/>
+                  </a:schemeClr>
+                </a:solidFill>
+                <a:latin typeface="G마켓 산스 Medium" panose="02000000000000000000" pitchFamily="50" charset="-127"/>
+                <a:ea typeface="G마켓 산스 Medium" panose="02000000000000000000" pitchFamily="50" charset="-127"/>
+              </a:rPr>
+              <a:t>.</a:t>
+            </a:r>
+            <a:r>
+              <a:rPr lang="en-US" altLang="ko-KR" sz="2800" dirty="0">
+                <a:solidFill>
+                  <a:srgbClr val="FF0000"/>
+                </a:solidFill>
+                <a:latin typeface="G마켓 산스 Medium" panose="02000000000000000000" pitchFamily="50" charset="-127"/>
+                <a:ea typeface="G마켓 산스 Medium" panose="02000000000000000000" pitchFamily="50" charset="-127"/>
+              </a:rPr>
+              <a:t>(</a:t>
+            </a:r>
+            <a:r>
+              <a:rPr lang="ko-KR" altLang="en-US" sz="2800" dirty="0">
+                <a:solidFill>
+                  <a:srgbClr val="FF0000"/>
+                </a:solidFill>
+                <a:latin typeface="G마켓 산스 Medium" panose="02000000000000000000" pitchFamily="50" charset="-127"/>
+                <a:ea typeface="G마켓 산스 Medium" panose="02000000000000000000" pitchFamily="50" charset="-127"/>
+              </a:rPr>
+              <a:t>모든 객체가 같은 공격력과 방어력을 가지며 업그레이드시 모든 객체가 다같이 올라가야 한다</a:t>
+            </a:r>
+            <a:r>
+              <a:rPr lang="en-US" altLang="ko-KR" sz="2800" dirty="0">
+                <a:solidFill>
+                  <a:srgbClr val="FF0000"/>
+                </a:solidFill>
+                <a:latin typeface="G마켓 산스 Medium" panose="02000000000000000000" pitchFamily="50" charset="-127"/>
+                <a:ea typeface="G마켓 산스 Medium" panose="02000000000000000000" pitchFamily="50" charset="-127"/>
+              </a:rPr>
+              <a:t>.)</a:t>
+            </a:r>
+          </a:p>
+        </p:txBody>
+      </p:sp>
+      <p:graphicFrame>
+        <p:nvGraphicFramePr>
+          <p:cNvPr id="5" name="표 4">
+            <a:extLst>
+              <a:ext uri="{FF2B5EF4-FFF2-40B4-BE49-F238E27FC236}">
+                <a16:creationId xmlns:a16="http://schemas.microsoft.com/office/drawing/2014/main" id="{1B49E70D-ED3F-5AD0-12F8-196C680646A4}"/>
+              </a:ext>
+            </a:extLst>
+          </p:cNvPr>
+          <p:cNvGraphicFramePr>
+            <a:graphicFrameLocks noGrp="1"/>
+          </p:cNvGraphicFramePr>
+          <p:nvPr>
+            <p:extLst>
+              <p:ext uri="{D42A27DB-BD31-4B8C-83A1-F6EECF244321}">
+                <p14:modId xmlns:p14="http://schemas.microsoft.com/office/powerpoint/2010/main" val="784265420"/>
+              </p:ext>
+            </p:extLst>
+          </p:nvPr>
+        </p:nvGraphicFramePr>
+        <p:xfrm>
+          <a:off x="11854543" y="319314"/>
+          <a:ext cx="6215744" cy="4328160"/>
+        </p:xfrm>
+        <a:graphic>
+          <a:graphicData uri="http://schemas.openxmlformats.org/drawingml/2006/table">
+            <a:tbl>
+              <a:tblPr firstRow="1" bandRow="1">
+                <a:tableStyleId>{5C22544A-7EE6-4342-B048-85BDC9FD1C3A}</a:tableStyleId>
+              </a:tblPr>
+              <a:tblGrid>
+                <a:gridCol w="1731833">
+                  <a:extLst>
+                    <a:ext uri="{9D8B030D-6E8A-4147-A177-3AD203B41FA5}">
+                      <a16:colId xmlns:a16="http://schemas.microsoft.com/office/drawing/2014/main" val="4032330398"/>
+                    </a:ext>
+                  </a:extLst>
+                </a:gridCol>
+                <a:gridCol w="1752960">
+                  <a:extLst>
+                    <a:ext uri="{9D8B030D-6E8A-4147-A177-3AD203B41FA5}">
+                      <a16:colId xmlns:a16="http://schemas.microsoft.com/office/drawing/2014/main" val="2529553061"/>
+                    </a:ext>
+                  </a:extLst>
+                </a:gridCol>
+                <a:gridCol w="2730951">
+                  <a:extLst>
+                    <a:ext uri="{9D8B030D-6E8A-4147-A177-3AD203B41FA5}">
+                      <a16:colId xmlns:a16="http://schemas.microsoft.com/office/drawing/2014/main" val="2764036319"/>
+                    </a:ext>
+                  </a:extLst>
+                </a:gridCol>
+              </a:tblGrid>
+              <a:tr h="370840">
+                <a:tc>
+                  <a:txBody>
+                    <a:bodyPr/>
+                    <a:lstStyle/>
+                    <a:p>
+                      <a:pPr latinLnBrk="1"/>
+                      <a:r>
+                        <a:rPr lang="ko-KR" altLang="en-US" sz="2200" dirty="0">
+                          <a:solidFill>
+                            <a:schemeClr val="bg1"/>
+                          </a:solidFill>
+                          <a:ea typeface="G마켓 산스 Medium" panose="02000000000000000000"/>
+                        </a:rPr>
+                        <a:t>클래스명</a:t>
+                      </a:r>
+                    </a:p>
+                  </a:txBody>
+                  <a:tcPr>
+                    <a:lnL w="12700" cap="flat" cmpd="sng" algn="ctr">
+                      <a:solidFill>
+                        <a:schemeClr val="tx1"/>
+                      </a:solidFill>
+                      <a:prstDash val="solid"/>
+                      <a:round/>
+                      <a:headEnd type="none" w="med" len="med"/>
+                      <a:tailEnd type="none" w="med" len="med"/>
+                    </a:lnL>
+                    <a:lnR w="12700" cap="flat" cmpd="sng" algn="ctr">
+                      <a:solidFill>
+                        <a:schemeClr val="tx1"/>
+                      </a:solidFill>
+                      <a:prstDash val="solid"/>
+                      <a:round/>
+                      <a:headEnd type="none" w="med" len="med"/>
+                      <a:tailEnd type="none" w="med" len="med"/>
+                    </a:lnR>
+                    <a:lnT w="12700" cap="flat" cmpd="sng" algn="ctr">
+                      <a:solidFill>
+                        <a:schemeClr val="tx1"/>
+                      </a:solidFill>
+                      <a:prstDash val="solid"/>
+                      <a:round/>
+                      <a:headEnd type="none" w="med" len="med"/>
+                      <a:tailEnd type="none" w="med" len="med"/>
+                    </a:lnT>
+                    <a:lnB w="12700" cap="flat" cmpd="sng" algn="ctr">
+                      <a:solidFill>
+                        <a:schemeClr val="tx1"/>
+                      </a:solidFill>
+                      <a:prstDash val="solid"/>
+                      <a:round/>
+                      <a:headEnd type="none" w="med" len="med"/>
+                      <a:tailEnd type="none" w="med" len="med"/>
+                    </a:lnB>
+                    <a:solidFill>
+                      <a:srgbClr val="4C50BC"/>
+                    </a:solidFill>
+                  </a:tcPr>
+                </a:tc>
+                <a:tc>
+                  <a:txBody>
+                    <a:bodyPr/>
+                    <a:lstStyle/>
+                    <a:p>
+                      <a:pPr latinLnBrk="1"/>
+                      <a:r>
+                        <a:rPr lang="en-US" altLang="ko-KR" sz="2200" dirty="0">
+                          <a:solidFill>
+                            <a:schemeClr val="bg1"/>
+                          </a:solidFill>
+                          <a:ea typeface="G마켓 산스 Medium" panose="02000000000000000000"/>
+                        </a:rPr>
+                        <a:t>Marine</a:t>
+                      </a:r>
+                      <a:endParaRPr lang="ko-KR" altLang="en-US" sz="2200" dirty="0">
+                        <a:solidFill>
+                          <a:schemeClr val="bg1"/>
+                        </a:solidFill>
+                        <a:ea typeface="G마켓 산스 Medium" panose="02000000000000000000"/>
+                      </a:endParaRPr>
+                    </a:p>
+                  </a:txBody>
+                  <a:tcPr>
+                    <a:lnL w="12700" cap="flat" cmpd="sng" algn="ctr">
+                      <a:solidFill>
+                        <a:schemeClr val="tx1"/>
+                      </a:solidFill>
+                      <a:prstDash val="solid"/>
+                      <a:round/>
+                      <a:headEnd type="none" w="med" len="med"/>
+                      <a:tailEnd type="none" w="med" len="med"/>
+                    </a:lnL>
+                    <a:lnR w="12700" cap="flat" cmpd="sng" algn="ctr">
+                      <a:solidFill>
+                        <a:schemeClr val="tx1"/>
+                      </a:solidFill>
+                      <a:prstDash val="solid"/>
+                      <a:round/>
+                      <a:headEnd type="none" w="med" len="med"/>
+                      <a:tailEnd type="none" w="med" len="med"/>
+                    </a:lnR>
+                    <a:lnT w="12700" cap="flat" cmpd="sng" algn="ctr">
+                      <a:solidFill>
+                        <a:schemeClr val="tx1"/>
+                      </a:solidFill>
+                      <a:prstDash val="solid"/>
+                      <a:round/>
+                      <a:headEnd type="none" w="med" len="med"/>
+                      <a:tailEnd type="none" w="med" len="med"/>
+                    </a:lnT>
+                    <a:lnB w="12700" cap="flat" cmpd="sng" algn="ctr">
+                      <a:solidFill>
+                        <a:schemeClr val="tx1"/>
+                      </a:solidFill>
+                      <a:prstDash val="solid"/>
+                      <a:round/>
+                      <a:headEnd type="none" w="med" len="med"/>
+                      <a:tailEnd type="none" w="med" len="med"/>
+                    </a:lnB>
+                    <a:solidFill>
+                      <a:srgbClr val="4C50BC"/>
+                    </a:solidFill>
+                  </a:tcPr>
+                </a:tc>
+                <a:tc>
+                  <a:txBody>
+                    <a:bodyPr/>
+                    <a:lstStyle/>
+                    <a:p>
+                      <a:pPr latinLnBrk="1"/>
+                      <a:endParaRPr lang="ko-KR" altLang="en-US" sz="2000" dirty="0">
+                        <a:solidFill>
+                          <a:schemeClr val="bg1"/>
+                        </a:solidFill>
+                        <a:ea typeface="G마켓 산스 Medium" panose="02000000000000000000"/>
+                      </a:endParaRPr>
+                    </a:p>
+                  </a:txBody>
+                  <a:tcPr>
+                    <a:lnL w="12700" cap="flat" cmpd="sng" algn="ctr">
+                      <a:solidFill>
+                        <a:schemeClr val="tx1"/>
+                      </a:solidFill>
+                      <a:prstDash val="solid"/>
+                      <a:round/>
+                      <a:headEnd type="none" w="med" len="med"/>
+                      <a:tailEnd type="none" w="med" len="med"/>
+                    </a:lnL>
+                    <a:lnR w="12700" cap="flat" cmpd="sng" algn="ctr">
+                      <a:solidFill>
+                        <a:schemeClr val="tx1"/>
+                      </a:solidFill>
+                      <a:prstDash val="solid"/>
+                      <a:round/>
+                      <a:headEnd type="none" w="med" len="med"/>
+                      <a:tailEnd type="none" w="med" len="med"/>
+                    </a:lnR>
+                    <a:lnT w="12700" cap="flat" cmpd="sng" algn="ctr">
+                      <a:solidFill>
+                        <a:schemeClr val="tx1"/>
+                      </a:solidFill>
+                      <a:prstDash val="solid"/>
+                      <a:round/>
+                      <a:headEnd type="none" w="med" len="med"/>
+                      <a:tailEnd type="none" w="med" len="med"/>
+                    </a:lnT>
+                    <a:lnB w="12700" cap="flat" cmpd="sng" algn="ctr">
+                      <a:solidFill>
+                        <a:schemeClr val="tx1"/>
+                      </a:solidFill>
+                      <a:prstDash val="solid"/>
+                      <a:round/>
+                      <a:headEnd type="none" w="med" len="med"/>
+                      <a:tailEnd type="none" w="med" len="med"/>
+                    </a:lnB>
+                    <a:solidFill>
+                      <a:srgbClr val="4C50BC"/>
+                    </a:solidFill>
+                  </a:tcPr>
+                </a:tc>
+                <a:extLst>
+                  <a:ext uri="{0D108BD9-81ED-4DB2-BD59-A6C34878D82A}">
+                    <a16:rowId xmlns:a16="http://schemas.microsoft.com/office/drawing/2014/main" val="2120154440"/>
+                  </a:ext>
+                </a:extLst>
+              </a:tr>
+              <a:tr h="370840">
+                <a:tc>
+                  <a:txBody>
+                    <a:bodyPr/>
+                    <a:lstStyle/>
+                    <a:p>
+                      <a:pPr latinLnBrk="1"/>
+                      <a:r>
+                        <a:rPr lang="ko-KR" altLang="en-US" sz="2200" dirty="0">
+                          <a:ea typeface="G마켓 산스 Medium" panose="02000000000000000000"/>
+                        </a:rPr>
+                        <a:t>멤버변수</a:t>
+                      </a:r>
+                    </a:p>
+                  </a:txBody>
+                  <a:tcPr>
+                    <a:lnL w="12700" cap="flat" cmpd="sng" algn="ctr">
+                      <a:solidFill>
+                        <a:schemeClr val="tx1"/>
+                      </a:solidFill>
+                      <a:prstDash val="solid"/>
+                      <a:round/>
+                      <a:headEnd type="none" w="med" len="med"/>
+                      <a:tailEnd type="none" w="med" len="med"/>
+                    </a:lnL>
+                    <a:lnR w="12700" cap="flat" cmpd="sng" algn="ctr">
+                      <a:solidFill>
+                        <a:schemeClr val="tx1"/>
+                      </a:solidFill>
+                      <a:prstDash val="solid"/>
+                      <a:round/>
+                      <a:headEnd type="none" w="med" len="med"/>
+                      <a:tailEnd type="none" w="med" len="med"/>
+                    </a:lnR>
+                    <a:lnT w="12700" cap="flat" cmpd="sng" algn="ctr">
+                      <a:solidFill>
+                        <a:schemeClr val="tx1"/>
+                      </a:solidFill>
+                      <a:prstDash val="solid"/>
+                      <a:round/>
+                      <a:headEnd type="none" w="med" len="med"/>
+                      <a:tailEnd type="none" w="med" len="med"/>
+                    </a:lnT>
+                    <a:lnB w="12700" cap="flat" cmpd="sng" algn="ctr">
+                      <a:solidFill>
+                        <a:schemeClr val="tx1"/>
+                      </a:solidFill>
+                      <a:prstDash val="solid"/>
+                      <a:round/>
+                      <a:headEnd type="none" w="med" len="med"/>
+                      <a:tailEnd type="none" w="med" len="med"/>
+                    </a:lnB>
+                    <a:noFill/>
+                  </a:tcPr>
+                </a:tc>
+                <a:tc>
+                  <a:txBody>
+                    <a:bodyPr/>
+                    <a:lstStyle/>
+                    <a:p>
+                      <a:pPr marL="0" marR="0" lvl="0" indent="0" algn="l" defTabSz="914400" rtl="0" eaLnBrk="1" fontAlgn="auto" latinLnBrk="1" hangingPunct="1">
+                        <a:lnSpc>
+                          <a:spcPct val="100000"/>
+                        </a:lnSpc>
+                        <a:spcBef>
+                          <a:spcPts val="0"/>
+                        </a:spcBef>
+                        <a:spcAft>
+                          <a:spcPts val="0"/>
+                        </a:spcAft>
+                        <a:buClrTx/>
+                        <a:buSzTx/>
+                        <a:buFontTx/>
+                        <a:buNone/>
+                        <a:tabLst/>
+                        <a:defRPr/>
+                      </a:pPr>
+                      <a:r>
+                        <a:rPr lang="en-US" altLang="ko-KR" sz="2200" dirty="0">
+                          <a:ea typeface="G마켓 산스 Medium" panose="02000000000000000000"/>
+                        </a:rPr>
+                        <a:t>int hp</a:t>
+                      </a:r>
+                      <a:endParaRPr lang="ko-KR" altLang="en-US" sz="2200" dirty="0">
+                        <a:ea typeface="G마켓 산스 Medium" panose="02000000000000000000"/>
+                      </a:endParaRPr>
+                    </a:p>
+                  </a:txBody>
+                  <a:tcPr>
+                    <a:lnL w="12700" cap="flat" cmpd="sng" algn="ctr">
+                      <a:solidFill>
+                        <a:schemeClr val="tx1"/>
+                      </a:solidFill>
+                      <a:prstDash val="solid"/>
+                      <a:round/>
+                      <a:headEnd type="none" w="med" len="med"/>
+                      <a:tailEnd type="none" w="med" len="med"/>
+                    </a:lnL>
+                    <a:lnR w="12700" cap="flat" cmpd="sng" algn="ctr">
+                      <a:solidFill>
+                        <a:schemeClr val="tx1"/>
+                      </a:solidFill>
+                      <a:prstDash val="solid"/>
+                      <a:round/>
+                      <a:headEnd type="none" w="med" len="med"/>
+                      <a:tailEnd type="none" w="med" len="med"/>
+                    </a:lnR>
+                    <a:lnT w="12700" cap="flat" cmpd="sng" algn="ctr">
+                      <a:solidFill>
+                        <a:schemeClr val="tx1"/>
+                      </a:solidFill>
+                      <a:prstDash val="solid"/>
+                      <a:round/>
+                      <a:headEnd type="none" w="med" len="med"/>
+                      <a:tailEnd type="none" w="med" len="med"/>
+                    </a:lnT>
+                    <a:lnB w="12700" cap="flat" cmpd="sng" algn="ctr">
+                      <a:solidFill>
+                        <a:schemeClr val="tx1"/>
+                      </a:solidFill>
+                      <a:prstDash val="solid"/>
+                      <a:round/>
+                      <a:headEnd type="none" w="med" len="med"/>
+                      <a:tailEnd type="none" w="med" len="med"/>
+                    </a:lnB>
+                    <a:noFill/>
+                  </a:tcPr>
+                </a:tc>
+                <a:tc>
+                  <a:txBody>
+                    <a:bodyPr/>
+                    <a:lstStyle/>
+                    <a:p>
+                      <a:pPr marL="0" marR="0" lvl="0" indent="0" algn="l" defTabSz="914400" rtl="0" eaLnBrk="1" fontAlgn="auto" latinLnBrk="1" hangingPunct="1">
+                        <a:lnSpc>
+                          <a:spcPct val="100000"/>
+                        </a:lnSpc>
+                        <a:spcBef>
+                          <a:spcPts val="0"/>
+                        </a:spcBef>
+                        <a:spcAft>
+                          <a:spcPts val="0"/>
+                        </a:spcAft>
+                        <a:buClrTx/>
+                        <a:buSzTx/>
+                        <a:buFontTx/>
+                        <a:buNone/>
+                        <a:tabLst/>
+                        <a:defRPr/>
+                      </a:pPr>
+                      <a:r>
+                        <a:rPr lang="en-US" altLang="ko-KR" sz="2000" dirty="0">
+                          <a:ea typeface="G마켓 산스 Medium" panose="02000000000000000000"/>
+                        </a:rPr>
+                        <a:t>40</a:t>
+                      </a:r>
+                      <a:endParaRPr lang="ko-KR" altLang="en-US" sz="2000" dirty="0">
+                        <a:ea typeface="G마켓 산스 Medium" panose="02000000000000000000"/>
+                      </a:endParaRPr>
+                    </a:p>
+                  </a:txBody>
+                  <a:tcPr>
+                    <a:lnL w="12700" cap="flat" cmpd="sng" algn="ctr">
+                      <a:solidFill>
+                        <a:schemeClr val="tx1"/>
+                      </a:solidFill>
+                      <a:prstDash val="solid"/>
+                      <a:round/>
+                      <a:headEnd type="none" w="med" len="med"/>
+                      <a:tailEnd type="none" w="med" len="med"/>
+                    </a:lnL>
+                    <a:lnR w="12700" cap="flat" cmpd="sng" algn="ctr">
+                      <a:solidFill>
+                        <a:schemeClr val="tx1"/>
+                      </a:solidFill>
+                      <a:prstDash val="solid"/>
+                      <a:round/>
+                      <a:headEnd type="none" w="med" len="med"/>
+                      <a:tailEnd type="none" w="med" len="med"/>
+                    </a:lnR>
+                    <a:lnT w="12700" cap="flat" cmpd="sng" algn="ctr">
+                      <a:solidFill>
+                        <a:schemeClr val="tx1"/>
+                      </a:solidFill>
+                      <a:prstDash val="solid"/>
+                      <a:round/>
+                      <a:headEnd type="none" w="med" len="med"/>
+                      <a:tailEnd type="none" w="med" len="med"/>
+                    </a:lnT>
+                    <a:lnB w="12700" cap="flat" cmpd="sng" algn="ctr">
+                      <a:solidFill>
+                        <a:schemeClr val="tx1"/>
+                      </a:solidFill>
+                      <a:prstDash val="solid"/>
+                      <a:round/>
+                      <a:headEnd type="none" w="med" len="med"/>
+                      <a:tailEnd type="none" w="med" len="med"/>
+                    </a:lnB>
+                    <a:noFill/>
+                  </a:tcPr>
+                </a:tc>
+                <a:extLst>
+                  <a:ext uri="{0D108BD9-81ED-4DB2-BD59-A6C34878D82A}">
+                    <a16:rowId xmlns:a16="http://schemas.microsoft.com/office/drawing/2014/main" val="3252444122"/>
+                  </a:ext>
+                </a:extLst>
+              </a:tr>
+              <a:tr h="411480">
+                <a:tc>
+                  <a:txBody>
+                    <a:bodyPr/>
+                    <a:lstStyle/>
+                    <a:p>
+                      <a:pPr latinLnBrk="1"/>
+                      <a:endParaRPr lang="ko-KR" altLang="en-US" sz="2200" dirty="0">
+                        <a:ea typeface="G마켓 산스 Medium" panose="02000000000000000000"/>
+                      </a:endParaRPr>
+                    </a:p>
+                  </a:txBody>
+                  <a:tcPr>
+                    <a:lnL w="12700" cap="flat" cmpd="sng" algn="ctr">
+                      <a:solidFill>
+                        <a:schemeClr val="tx1"/>
+                      </a:solidFill>
+                      <a:prstDash val="solid"/>
+                      <a:round/>
+                      <a:headEnd type="none" w="med" len="med"/>
+                      <a:tailEnd type="none" w="med" len="med"/>
+                    </a:lnL>
+                    <a:lnR w="12700" cap="flat" cmpd="sng" algn="ctr">
+                      <a:solidFill>
+                        <a:schemeClr val="tx1"/>
+                      </a:solidFill>
+                      <a:prstDash val="solid"/>
+                      <a:round/>
+                      <a:headEnd type="none" w="med" len="med"/>
+                      <a:tailEnd type="none" w="med" len="med"/>
+                    </a:lnR>
+                    <a:lnT w="12700" cap="flat" cmpd="sng" algn="ctr">
+                      <a:solidFill>
+                        <a:schemeClr val="tx1"/>
+                      </a:solidFill>
+                      <a:prstDash val="solid"/>
+                      <a:round/>
+                      <a:headEnd type="none" w="med" len="med"/>
+                      <a:tailEnd type="none" w="med" len="med"/>
+                    </a:lnT>
+                    <a:lnB w="12700" cap="flat" cmpd="sng" algn="ctr">
+                      <a:solidFill>
+                        <a:schemeClr val="tx1"/>
+                      </a:solidFill>
+                      <a:prstDash val="solid"/>
+                      <a:round/>
+                      <a:headEnd type="none" w="med" len="med"/>
+                      <a:tailEnd type="none" w="med" len="med"/>
+                    </a:lnB>
+                    <a:noFill/>
+                  </a:tcPr>
+                </a:tc>
+                <a:tc>
+                  <a:txBody>
+                    <a:bodyPr/>
+                    <a:lstStyle/>
+                    <a:p>
+                      <a:pPr latinLnBrk="1"/>
+                      <a:r>
+                        <a:rPr lang="en-US" altLang="ko-KR" sz="2200" dirty="0">
+                          <a:ea typeface="G마켓 산스 Medium" panose="02000000000000000000"/>
+                        </a:rPr>
+                        <a:t>int power</a:t>
+                      </a:r>
+                      <a:endParaRPr lang="ko-KR" altLang="en-US" sz="2200" dirty="0">
+                        <a:ea typeface="G마켓 산스 Medium" panose="02000000000000000000"/>
+                      </a:endParaRPr>
+                    </a:p>
+                  </a:txBody>
+                  <a:tcPr>
+                    <a:lnL w="12700" cap="flat" cmpd="sng" algn="ctr">
+                      <a:solidFill>
+                        <a:schemeClr val="tx1"/>
+                      </a:solidFill>
+                      <a:prstDash val="solid"/>
+                      <a:round/>
+                      <a:headEnd type="none" w="med" len="med"/>
+                      <a:tailEnd type="none" w="med" len="med"/>
+                    </a:lnL>
+                    <a:lnR w="12700" cap="flat" cmpd="sng" algn="ctr">
+                      <a:solidFill>
+                        <a:schemeClr val="tx1"/>
+                      </a:solidFill>
+                      <a:prstDash val="solid"/>
+                      <a:round/>
+                      <a:headEnd type="none" w="med" len="med"/>
+                      <a:tailEnd type="none" w="med" len="med"/>
+                    </a:lnR>
+                    <a:lnT w="12700" cap="flat" cmpd="sng" algn="ctr">
+                      <a:solidFill>
+                        <a:schemeClr val="tx1"/>
+                      </a:solidFill>
+                      <a:prstDash val="solid"/>
+                      <a:round/>
+                      <a:headEnd type="none" w="med" len="med"/>
+                      <a:tailEnd type="none" w="med" len="med"/>
+                    </a:lnT>
+                    <a:lnB w="12700" cap="flat" cmpd="sng" algn="ctr">
+                      <a:solidFill>
+                        <a:schemeClr val="tx1"/>
+                      </a:solidFill>
+                      <a:prstDash val="solid"/>
+                      <a:round/>
+                      <a:headEnd type="none" w="med" len="med"/>
+                      <a:tailEnd type="none" w="med" len="med"/>
+                    </a:lnB>
+                    <a:noFill/>
+                  </a:tcPr>
+                </a:tc>
+                <a:tc>
+                  <a:txBody>
+                    <a:bodyPr/>
+                    <a:lstStyle/>
+                    <a:p>
+                      <a:pPr latinLnBrk="1"/>
+                      <a:r>
+                        <a:rPr lang="en-US" altLang="ko-KR" sz="2000" dirty="0">
+                          <a:ea typeface="G마켓 산스 Medium" panose="02000000000000000000"/>
+                        </a:rPr>
+                        <a:t>0</a:t>
+                      </a:r>
+                      <a:endParaRPr lang="ko-KR" altLang="en-US" sz="2000" dirty="0">
+                        <a:ea typeface="G마켓 산스 Medium" panose="02000000000000000000"/>
+                      </a:endParaRPr>
+                    </a:p>
+                  </a:txBody>
+                  <a:tcPr>
+                    <a:lnL w="12700" cap="flat" cmpd="sng" algn="ctr">
+                      <a:solidFill>
+                        <a:schemeClr val="tx1"/>
+                      </a:solidFill>
+                      <a:prstDash val="solid"/>
+                      <a:round/>
+                      <a:headEnd type="none" w="med" len="med"/>
+                      <a:tailEnd type="none" w="med" len="med"/>
+                    </a:lnL>
+                    <a:lnR w="12700" cap="flat" cmpd="sng" algn="ctr">
+                      <a:solidFill>
+                        <a:schemeClr val="tx1"/>
+                      </a:solidFill>
+                      <a:prstDash val="solid"/>
+                      <a:round/>
+                      <a:headEnd type="none" w="med" len="med"/>
+                      <a:tailEnd type="none" w="med" len="med"/>
+                    </a:lnR>
+                    <a:lnT w="12700" cap="flat" cmpd="sng" algn="ctr">
+                      <a:solidFill>
+                        <a:schemeClr val="tx1"/>
+                      </a:solidFill>
+                      <a:prstDash val="solid"/>
+                      <a:round/>
+                      <a:headEnd type="none" w="med" len="med"/>
+                      <a:tailEnd type="none" w="med" len="med"/>
+                    </a:lnT>
+                    <a:lnB w="12700" cap="flat" cmpd="sng" algn="ctr">
+                      <a:solidFill>
+                        <a:schemeClr val="tx1"/>
+                      </a:solidFill>
+                      <a:prstDash val="solid"/>
+                      <a:round/>
+                      <a:headEnd type="none" w="med" len="med"/>
+                      <a:tailEnd type="none" w="med" len="med"/>
+                    </a:lnB>
+                    <a:noFill/>
+                  </a:tcPr>
+                </a:tc>
+                <a:extLst>
+                  <a:ext uri="{0D108BD9-81ED-4DB2-BD59-A6C34878D82A}">
+                    <a16:rowId xmlns:a16="http://schemas.microsoft.com/office/drawing/2014/main" val="691410232"/>
+                  </a:ext>
+                </a:extLst>
+              </a:tr>
+              <a:tr h="411480">
+                <a:tc>
+                  <a:txBody>
+                    <a:bodyPr/>
+                    <a:lstStyle/>
+                    <a:p>
+                      <a:pPr latinLnBrk="1"/>
+                      <a:endParaRPr lang="ko-KR" altLang="en-US" sz="2200" dirty="0">
+                        <a:ea typeface="G마켓 산스 Medium" panose="02000000000000000000"/>
+                      </a:endParaRPr>
+                    </a:p>
+                  </a:txBody>
+                  <a:tcPr>
+                    <a:lnL w="12700" cap="flat" cmpd="sng" algn="ctr">
+                      <a:solidFill>
+                        <a:schemeClr val="tx1"/>
+                      </a:solidFill>
+                      <a:prstDash val="solid"/>
+                      <a:round/>
+                      <a:headEnd type="none" w="med" len="med"/>
+                      <a:tailEnd type="none" w="med" len="med"/>
+                    </a:lnL>
+                    <a:lnR w="12700" cap="flat" cmpd="sng" algn="ctr">
+                      <a:solidFill>
+                        <a:schemeClr val="tx1"/>
+                      </a:solidFill>
+                      <a:prstDash val="solid"/>
+                      <a:round/>
+                      <a:headEnd type="none" w="med" len="med"/>
+                      <a:tailEnd type="none" w="med" len="med"/>
+                    </a:lnR>
+                    <a:lnT w="12700" cap="flat" cmpd="sng" algn="ctr">
+                      <a:solidFill>
+                        <a:schemeClr val="tx1"/>
+                      </a:solidFill>
+                      <a:prstDash val="solid"/>
+                      <a:round/>
+                      <a:headEnd type="none" w="med" len="med"/>
+                      <a:tailEnd type="none" w="med" len="med"/>
+                    </a:lnT>
+                    <a:lnB w="12700" cap="flat" cmpd="sng" algn="ctr">
+                      <a:solidFill>
+                        <a:schemeClr val="tx1"/>
+                      </a:solidFill>
+                      <a:prstDash val="solid"/>
+                      <a:round/>
+                      <a:headEnd type="none" w="med" len="med"/>
+                      <a:tailEnd type="none" w="med" len="med"/>
+                    </a:lnB>
+                    <a:noFill/>
+                  </a:tcPr>
+                </a:tc>
+                <a:tc>
+                  <a:txBody>
+                    <a:bodyPr/>
+                    <a:lstStyle/>
+                    <a:p>
+                      <a:pPr latinLnBrk="1"/>
+                      <a:r>
+                        <a:rPr lang="en-US" altLang="ko-KR" sz="2200" dirty="0">
+                          <a:ea typeface="G마켓 산스 Medium" panose="02000000000000000000"/>
+                        </a:rPr>
+                        <a:t>int armor</a:t>
+                      </a:r>
+                      <a:endParaRPr lang="ko-KR" altLang="en-US" sz="2200" dirty="0">
+                        <a:ea typeface="G마켓 산스 Medium" panose="02000000000000000000"/>
+                      </a:endParaRPr>
+                    </a:p>
+                  </a:txBody>
+                  <a:tcPr>
+                    <a:lnL w="12700" cap="flat" cmpd="sng" algn="ctr">
+                      <a:solidFill>
+                        <a:schemeClr val="tx1"/>
+                      </a:solidFill>
+                      <a:prstDash val="solid"/>
+                      <a:round/>
+                      <a:headEnd type="none" w="med" len="med"/>
+                      <a:tailEnd type="none" w="med" len="med"/>
+                    </a:lnL>
+                    <a:lnR w="12700" cap="flat" cmpd="sng" algn="ctr">
+                      <a:solidFill>
+                        <a:schemeClr val="tx1"/>
+                      </a:solidFill>
+                      <a:prstDash val="solid"/>
+                      <a:round/>
+                      <a:headEnd type="none" w="med" len="med"/>
+                      <a:tailEnd type="none" w="med" len="med"/>
+                    </a:lnR>
+                    <a:lnT w="12700" cap="flat" cmpd="sng" algn="ctr">
+                      <a:solidFill>
+                        <a:schemeClr val="tx1"/>
+                      </a:solidFill>
+                      <a:prstDash val="solid"/>
+                      <a:round/>
+                      <a:headEnd type="none" w="med" len="med"/>
+                      <a:tailEnd type="none" w="med" len="med"/>
+                    </a:lnT>
+                    <a:lnB w="12700" cap="flat" cmpd="sng" algn="ctr">
+                      <a:solidFill>
+                        <a:schemeClr val="tx1"/>
+                      </a:solidFill>
+                      <a:prstDash val="solid"/>
+                      <a:round/>
+                      <a:headEnd type="none" w="med" len="med"/>
+                      <a:tailEnd type="none" w="med" len="med"/>
+                    </a:lnB>
+                    <a:noFill/>
+                  </a:tcPr>
+                </a:tc>
+                <a:tc>
+                  <a:txBody>
+                    <a:bodyPr/>
+                    <a:lstStyle/>
+                    <a:p>
+                      <a:pPr latinLnBrk="1"/>
+                      <a:r>
+                        <a:rPr lang="en-US" altLang="ko-KR" sz="2000" dirty="0">
+                          <a:ea typeface="G마켓 산스 Medium" panose="02000000000000000000"/>
+                        </a:rPr>
+                        <a:t>0</a:t>
+                      </a:r>
+                      <a:endParaRPr lang="ko-KR" altLang="en-US" sz="2000" dirty="0">
+                        <a:ea typeface="G마켓 산스 Medium" panose="02000000000000000000"/>
+                      </a:endParaRPr>
+                    </a:p>
+                  </a:txBody>
+                  <a:tcPr>
+                    <a:lnL w="12700" cap="flat" cmpd="sng" algn="ctr">
+                      <a:solidFill>
+                        <a:schemeClr val="tx1"/>
+                      </a:solidFill>
+                      <a:prstDash val="solid"/>
+                      <a:round/>
+                      <a:headEnd type="none" w="med" len="med"/>
+                      <a:tailEnd type="none" w="med" len="med"/>
+                    </a:lnL>
+                    <a:lnR w="12700" cap="flat" cmpd="sng" algn="ctr">
+                      <a:solidFill>
+                        <a:schemeClr val="tx1"/>
+                      </a:solidFill>
+                      <a:prstDash val="solid"/>
+                      <a:round/>
+                      <a:headEnd type="none" w="med" len="med"/>
+                      <a:tailEnd type="none" w="med" len="med"/>
+                    </a:lnR>
+                    <a:lnT w="12700" cap="flat" cmpd="sng" algn="ctr">
+                      <a:solidFill>
+                        <a:schemeClr val="tx1"/>
+                      </a:solidFill>
+                      <a:prstDash val="solid"/>
+                      <a:round/>
+                      <a:headEnd type="none" w="med" len="med"/>
+                      <a:tailEnd type="none" w="med" len="med"/>
+                    </a:lnT>
+                    <a:lnB w="12700" cap="flat" cmpd="sng" algn="ctr">
+                      <a:solidFill>
+                        <a:schemeClr val="tx1"/>
+                      </a:solidFill>
+                      <a:prstDash val="solid"/>
+                      <a:round/>
+                      <a:headEnd type="none" w="med" len="med"/>
+                      <a:tailEnd type="none" w="med" len="med"/>
+                    </a:lnB>
+                    <a:noFill/>
+                  </a:tcPr>
+                </a:tc>
+                <a:extLst>
+                  <a:ext uri="{0D108BD9-81ED-4DB2-BD59-A6C34878D82A}">
+                    <a16:rowId xmlns:a16="http://schemas.microsoft.com/office/drawing/2014/main" val="2938725613"/>
+                  </a:ext>
+                </a:extLst>
+              </a:tr>
+              <a:tr h="370840">
+                <a:tc>
+                  <a:txBody>
+                    <a:bodyPr/>
+                    <a:lstStyle/>
+                    <a:p>
+                      <a:pPr marL="0" marR="0" lvl="0" indent="0" algn="l" defTabSz="914400" rtl="0" eaLnBrk="1" fontAlgn="auto" latinLnBrk="1" hangingPunct="1">
+                        <a:lnSpc>
+                          <a:spcPct val="100000"/>
+                        </a:lnSpc>
+                        <a:spcBef>
+                          <a:spcPts val="0"/>
+                        </a:spcBef>
+                        <a:spcAft>
+                          <a:spcPts val="0"/>
+                        </a:spcAft>
+                        <a:buClrTx/>
+                        <a:buSzTx/>
+                        <a:buFontTx/>
+                        <a:buNone/>
+                        <a:tabLst/>
+                        <a:defRPr/>
+                      </a:pPr>
+                      <a:r>
+                        <a:rPr lang="ko-KR" altLang="en-US" sz="2200" dirty="0">
+                          <a:ea typeface="G마켓 산스 Medium" panose="02000000000000000000"/>
+                        </a:rPr>
+                        <a:t>메서드</a:t>
+                      </a:r>
+                    </a:p>
+                  </a:txBody>
+                  <a:tcPr>
+                    <a:lnL w="12700" cap="flat" cmpd="sng" algn="ctr">
+                      <a:solidFill>
+                        <a:schemeClr val="tx1"/>
+                      </a:solidFill>
+                      <a:prstDash val="solid"/>
+                      <a:round/>
+                      <a:headEnd type="none" w="med" len="med"/>
+                      <a:tailEnd type="none" w="med" len="med"/>
+                    </a:lnL>
+                    <a:lnR w="12700" cap="flat" cmpd="sng" algn="ctr">
+                      <a:solidFill>
+                        <a:schemeClr val="tx1"/>
+                      </a:solidFill>
+                      <a:prstDash val="solid"/>
+                      <a:round/>
+                      <a:headEnd type="none" w="med" len="med"/>
+                      <a:tailEnd type="none" w="med" len="med"/>
+                    </a:lnR>
+                    <a:lnT w="12700" cap="flat" cmpd="sng" algn="ctr">
+                      <a:solidFill>
+                        <a:schemeClr val="tx1"/>
+                      </a:solidFill>
+                      <a:prstDash val="solid"/>
+                      <a:round/>
+                      <a:headEnd type="none" w="med" len="med"/>
+                      <a:tailEnd type="none" w="med" len="med"/>
+                    </a:lnT>
+                    <a:lnB w="12700" cap="flat" cmpd="sng" algn="ctr">
+                      <a:solidFill>
+                        <a:schemeClr val="tx1"/>
+                      </a:solidFill>
+                      <a:prstDash val="solid"/>
+                      <a:round/>
+                      <a:headEnd type="none" w="med" len="med"/>
+                      <a:tailEnd type="none" w="med" len="med"/>
+                    </a:lnB>
+                    <a:noFill/>
+                  </a:tcPr>
+                </a:tc>
+                <a:tc>
+                  <a:txBody>
+                    <a:bodyPr/>
+                    <a:lstStyle/>
+                    <a:p>
+                      <a:pPr latinLnBrk="1"/>
+                      <a:r>
+                        <a:rPr lang="en-US" altLang="ko-KR" sz="2200" dirty="0" err="1">
+                          <a:ea typeface="G마켓 산스 Medium" panose="02000000000000000000"/>
+                        </a:rPr>
+                        <a:t>powerUp</a:t>
+                      </a:r>
+                      <a:r>
+                        <a:rPr lang="en-US" altLang="ko-KR" sz="2200" dirty="0">
+                          <a:ea typeface="G마켓 산스 Medium" panose="02000000000000000000"/>
+                        </a:rPr>
+                        <a:t>()</a:t>
+                      </a:r>
+                      <a:endParaRPr lang="ko-KR" altLang="en-US" sz="2200" dirty="0">
+                        <a:ea typeface="G마켓 산스 Medium" panose="02000000000000000000"/>
+                      </a:endParaRPr>
+                    </a:p>
+                  </a:txBody>
+                  <a:tcPr>
+                    <a:lnL w="12700" cap="flat" cmpd="sng" algn="ctr">
+                      <a:solidFill>
+                        <a:schemeClr val="tx1"/>
+                      </a:solidFill>
+                      <a:prstDash val="solid"/>
+                      <a:round/>
+                      <a:headEnd type="none" w="med" len="med"/>
+                      <a:tailEnd type="none" w="med" len="med"/>
+                    </a:lnL>
+                    <a:lnR w="12700" cap="flat" cmpd="sng" algn="ctr">
+                      <a:solidFill>
+                        <a:schemeClr val="tx1"/>
+                      </a:solidFill>
+                      <a:prstDash val="solid"/>
+                      <a:round/>
+                      <a:headEnd type="none" w="med" len="med"/>
+                      <a:tailEnd type="none" w="med" len="med"/>
+                    </a:lnR>
+                    <a:lnT w="12700" cap="flat" cmpd="sng" algn="ctr">
+                      <a:solidFill>
+                        <a:schemeClr val="tx1"/>
+                      </a:solidFill>
+                      <a:prstDash val="solid"/>
+                      <a:round/>
+                      <a:headEnd type="none" w="med" len="med"/>
+                      <a:tailEnd type="none" w="med" len="med"/>
+                    </a:lnT>
+                    <a:lnB w="12700" cap="flat" cmpd="sng" algn="ctr">
+                      <a:solidFill>
+                        <a:schemeClr val="tx1"/>
+                      </a:solidFill>
+                      <a:prstDash val="solid"/>
+                      <a:round/>
+                      <a:headEnd type="none" w="med" len="med"/>
+                      <a:tailEnd type="none" w="med" len="med"/>
+                    </a:lnB>
+                    <a:noFill/>
+                  </a:tcPr>
+                </a:tc>
+                <a:tc>
+                  <a:txBody>
+                    <a:bodyPr/>
+                    <a:lstStyle/>
+                    <a:p>
+                      <a:pPr latinLnBrk="1"/>
+                      <a:r>
+                        <a:rPr lang="ko-KR" altLang="en-US" sz="2000" dirty="0">
+                          <a:ea typeface="G마켓 산스 Medium" panose="02000000000000000000"/>
+                        </a:rPr>
+                        <a:t>매개변수</a:t>
+                      </a:r>
+                      <a:r>
+                        <a:rPr lang="en-US" altLang="ko-KR" sz="2000" dirty="0">
+                          <a:ea typeface="G마켓 산스 Medium" panose="02000000000000000000"/>
+                        </a:rPr>
+                        <a:t>:</a:t>
+                      </a:r>
+                      <a:r>
+                        <a:rPr lang="ko-KR" altLang="en-US" sz="2000" dirty="0">
+                          <a:ea typeface="G마켓 산스 Medium" panose="02000000000000000000"/>
+                        </a:rPr>
+                        <a:t>없음</a:t>
+                      </a:r>
+                      <a:endParaRPr lang="en-US" altLang="ko-KR" sz="2000" dirty="0">
+                        <a:ea typeface="G마켓 산스 Medium" panose="02000000000000000000"/>
+                      </a:endParaRPr>
+                    </a:p>
+                    <a:p>
+                      <a:pPr latinLnBrk="1"/>
+                      <a:r>
+                        <a:rPr lang="ko-KR" altLang="en-US" sz="2000" dirty="0">
+                          <a:ea typeface="G마켓 산스 Medium" panose="02000000000000000000"/>
+                        </a:rPr>
+                        <a:t>내용</a:t>
+                      </a:r>
+                      <a:r>
+                        <a:rPr lang="en-US" altLang="ko-KR" sz="2000" dirty="0">
+                          <a:ea typeface="G마켓 산스 Medium" panose="02000000000000000000"/>
+                        </a:rPr>
+                        <a:t>: </a:t>
+                      </a:r>
+                      <a:r>
+                        <a:rPr lang="ko-KR" altLang="en-US" sz="2000" dirty="0">
+                          <a:ea typeface="G마켓 산스 Medium" panose="02000000000000000000"/>
+                        </a:rPr>
+                        <a:t>모든 유닛의</a:t>
+                      </a:r>
+                      <a:r>
+                        <a:rPr lang="en-US" altLang="ko-KR" sz="2000" dirty="0">
+                          <a:ea typeface="G마켓 산스 Medium" panose="02000000000000000000"/>
+                        </a:rPr>
+                        <a:t>power</a:t>
+                      </a:r>
+                      <a:r>
+                        <a:rPr lang="ko-KR" altLang="en-US" sz="2000" dirty="0">
+                          <a:ea typeface="G마켓 산스 Medium" panose="02000000000000000000"/>
+                        </a:rPr>
+                        <a:t>를 </a:t>
+                      </a:r>
+                      <a:r>
+                        <a:rPr lang="en-US" altLang="ko-KR" sz="2000" dirty="0">
+                          <a:ea typeface="G마켓 산스 Medium" panose="02000000000000000000"/>
+                        </a:rPr>
+                        <a:t>1</a:t>
+                      </a:r>
+                      <a:r>
+                        <a:rPr lang="ko-KR" altLang="en-US" sz="2000" dirty="0">
+                          <a:ea typeface="G마켓 산스 Medium" panose="02000000000000000000"/>
+                        </a:rPr>
+                        <a:t>증가 시킨다</a:t>
+                      </a:r>
+                      <a:r>
+                        <a:rPr lang="en-US" altLang="ko-KR" sz="2000" dirty="0">
+                          <a:ea typeface="G마켓 산스 Medium" panose="02000000000000000000"/>
+                        </a:rPr>
+                        <a:t>.</a:t>
+                      </a:r>
+                    </a:p>
+                    <a:p>
+                      <a:pPr latinLnBrk="1"/>
+                      <a:r>
+                        <a:rPr lang="ko-KR" altLang="en-US" sz="2000" dirty="0">
+                          <a:ea typeface="G마켓 산스 Medium" panose="02000000000000000000"/>
+                        </a:rPr>
+                        <a:t>리턴</a:t>
+                      </a:r>
+                      <a:r>
+                        <a:rPr lang="en-US" altLang="ko-KR" sz="2000" dirty="0">
+                          <a:ea typeface="G마켓 산스 Medium" panose="02000000000000000000"/>
+                        </a:rPr>
+                        <a:t>:</a:t>
+                      </a:r>
+                      <a:r>
+                        <a:rPr lang="ko-KR" altLang="en-US" sz="2000" dirty="0">
+                          <a:ea typeface="G마켓 산스 Medium" panose="02000000000000000000"/>
+                        </a:rPr>
+                        <a:t>없음</a:t>
+                      </a:r>
+                    </a:p>
+                  </a:txBody>
+                  <a:tcPr>
+                    <a:lnL w="12700" cap="flat" cmpd="sng" algn="ctr">
+                      <a:solidFill>
+                        <a:schemeClr val="tx1"/>
+                      </a:solidFill>
+                      <a:prstDash val="solid"/>
+                      <a:round/>
+                      <a:headEnd type="none" w="med" len="med"/>
+                      <a:tailEnd type="none" w="med" len="med"/>
+                    </a:lnL>
+                    <a:lnR w="12700" cap="flat" cmpd="sng" algn="ctr">
+                      <a:solidFill>
+                        <a:schemeClr val="tx1"/>
+                      </a:solidFill>
+                      <a:prstDash val="solid"/>
+                      <a:round/>
+                      <a:headEnd type="none" w="med" len="med"/>
+                      <a:tailEnd type="none" w="med" len="med"/>
+                    </a:lnR>
+                    <a:lnT w="12700" cap="flat" cmpd="sng" algn="ctr">
+                      <a:solidFill>
+                        <a:schemeClr val="tx1"/>
+                      </a:solidFill>
+                      <a:prstDash val="solid"/>
+                      <a:round/>
+                      <a:headEnd type="none" w="med" len="med"/>
+                      <a:tailEnd type="none" w="med" len="med"/>
+                    </a:lnT>
+                    <a:lnB w="12700" cap="flat" cmpd="sng" algn="ctr">
+                      <a:solidFill>
+                        <a:schemeClr val="tx1"/>
+                      </a:solidFill>
+                      <a:prstDash val="solid"/>
+                      <a:round/>
+                      <a:headEnd type="none" w="med" len="med"/>
+                      <a:tailEnd type="none" w="med" len="med"/>
+                    </a:lnB>
+                    <a:noFill/>
+                  </a:tcPr>
+                </a:tc>
+                <a:extLst>
+                  <a:ext uri="{0D108BD9-81ED-4DB2-BD59-A6C34878D82A}">
+                    <a16:rowId xmlns:a16="http://schemas.microsoft.com/office/drawing/2014/main" val="1372649246"/>
+                  </a:ext>
+                </a:extLst>
+              </a:tr>
+              <a:tr h="370840">
+                <a:tc>
+                  <a:txBody>
+                    <a:bodyPr/>
+                    <a:lstStyle/>
+                    <a:p>
+                      <a:pPr latinLnBrk="1"/>
+                      <a:endParaRPr lang="ko-KR" altLang="en-US" sz="2200" dirty="0">
+                        <a:ea typeface="G마켓 산스 Medium" panose="02000000000000000000"/>
+                      </a:endParaRPr>
+                    </a:p>
+                  </a:txBody>
+                  <a:tcPr>
+                    <a:lnL w="12700" cap="flat" cmpd="sng" algn="ctr">
+                      <a:solidFill>
+                        <a:schemeClr val="tx1"/>
+                      </a:solidFill>
+                      <a:prstDash val="solid"/>
+                      <a:round/>
+                      <a:headEnd type="none" w="med" len="med"/>
+                      <a:tailEnd type="none" w="med" len="med"/>
+                    </a:lnL>
+                    <a:lnR w="12700" cap="flat" cmpd="sng" algn="ctr">
+                      <a:solidFill>
+                        <a:schemeClr val="tx1"/>
+                      </a:solidFill>
+                      <a:prstDash val="solid"/>
+                      <a:round/>
+                      <a:headEnd type="none" w="med" len="med"/>
+                      <a:tailEnd type="none" w="med" len="med"/>
+                    </a:lnR>
+                    <a:lnT w="12700" cap="flat" cmpd="sng" algn="ctr">
+                      <a:solidFill>
+                        <a:schemeClr val="tx1"/>
+                      </a:solidFill>
+                      <a:prstDash val="solid"/>
+                      <a:round/>
+                      <a:headEnd type="none" w="med" len="med"/>
+                      <a:tailEnd type="none" w="med" len="med"/>
+                    </a:lnT>
+                    <a:lnB w="12700" cap="flat" cmpd="sng" algn="ctr">
+                      <a:solidFill>
+                        <a:schemeClr val="tx1"/>
+                      </a:solidFill>
+                      <a:prstDash val="solid"/>
+                      <a:round/>
+                      <a:headEnd type="none" w="med" len="med"/>
+                      <a:tailEnd type="none" w="med" len="med"/>
+                    </a:lnB>
+                    <a:noFill/>
+                  </a:tcPr>
+                </a:tc>
+                <a:tc>
+                  <a:txBody>
+                    <a:bodyPr/>
+                    <a:lstStyle/>
+                    <a:p>
+                      <a:pPr latinLnBrk="1"/>
+                      <a:r>
+                        <a:rPr lang="en-US" altLang="ko-KR" sz="2200" dirty="0" err="1">
+                          <a:ea typeface="G마켓 산스 Medium" panose="02000000000000000000"/>
+                        </a:rPr>
+                        <a:t>armorUp</a:t>
+                      </a:r>
+                      <a:r>
+                        <a:rPr lang="en-US" altLang="ko-KR" sz="2200" dirty="0">
+                          <a:ea typeface="G마켓 산스 Medium" panose="02000000000000000000"/>
+                        </a:rPr>
+                        <a:t>()</a:t>
+                      </a:r>
+                      <a:endParaRPr lang="ko-KR" altLang="en-US" sz="2200" dirty="0">
+                        <a:ea typeface="G마켓 산스 Medium" panose="02000000000000000000"/>
+                      </a:endParaRPr>
+                    </a:p>
+                  </a:txBody>
+                  <a:tcPr>
+                    <a:lnL w="12700" cap="flat" cmpd="sng" algn="ctr">
+                      <a:solidFill>
+                        <a:schemeClr val="tx1"/>
+                      </a:solidFill>
+                      <a:prstDash val="solid"/>
+                      <a:round/>
+                      <a:headEnd type="none" w="med" len="med"/>
+                      <a:tailEnd type="none" w="med" len="med"/>
+                    </a:lnL>
+                    <a:lnR w="12700" cap="flat" cmpd="sng" algn="ctr">
+                      <a:solidFill>
+                        <a:schemeClr val="tx1"/>
+                      </a:solidFill>
+                      <a:prstDash val="solid"/>
+                      <a:round/>
+                      <a:headEnd type="none" w="med" len="med"/>
+                      <a:tailEnd type="none" w="med" len="med"/>
+                    </a:lnR>
+                    <a:lnT w="12700" cap="flat" cmpd="sng" algn="ctr">
+                      <a:solidFill>
+                        <a:schemeClr val="tx1"/>
+                      </a:solidFill>
+                      <a:prstDash val="solid"/>
+                      <a:round/>
+                      <a:headEnd type="none" w="med" len="med"/>
+                      <a:tailEnd type="none" w="med" len="med"/>
+                    </a:lnT>
+                    <a:lnB w="12700" cap="flat" cmpd="sng" algn="ctr">
+                      <a:solidFill>
+                        <a:schemeClr val="tx1"/>
+                      </a:solidFill>
+                      <a:prstDash val="solid"/>
+                      <a:round/>
+                      <a:headEnd type="none" w="med" len="med"/>
+                      <a:tailEnd type="none" w="med" len="med"/>
+                    </a:lnB>
+                    <a:noFill/>
+                  </a:tcPr>
+                </a:tc>
+                <a:tc>
+                  <a:txBody>
+                    <a:bodyPr/>
+                    <a:lstStyle/>
+                    <a:p>
+                      <a:pPr latinLnBrk="1"/>
+                      <a:r>
+                        <a:rPr lang="ko-KR" altLang="en-US" sz="2000" dirty="0">
+                          <a:ea typeface="G마켓 산스 Medium" panose="02000000000000000000"/>
+                        </a:rPr>
+                        <a:t>매개변수</a:t>
+                      </a:r>
+                      <a:r>
+                        <a:rPr lang="en-US" altLang="ko-KR" sz="2000" dirty="0">
+                          <a:ea typeface="G마켓 산스 Medium" panose="02000000000000000000"/>
+                        </a:rPr>
+                        <a:t>:</a:t>
+                      </a:r>
+                      <a:r>
+                        <a:rPr lang="ko-KR" altLang="en-US" sz="2000" dirty="0">
+                          <a:ea typeface="G마켓 산스 Medium" panose="02000000000000000000"/>
+                        </a:rPr>
+                        <a:t>없음</a:t>
+                      </a:r>
+                      <a:endParaRPr lang="en-US" altLang="ko-KR" sz="2000" dirty="0">
+                        <a:ea typeface="G마켓 산스 Medium" panose="02000000000000000000"/>
+                      </a:endParaRPr>
+                    </a:p>
+                    <a:p>
+                      <a:pPr latinLnBrk="1"/>
+                      <a:r>
+                        <a:rPr lang="ko-KR" altLang="en-US" sz="2000" dirty="0">
+                          <a:ea typeface="G마켓 산스 Medium" panose="02000000000000000000"/>
+                        </a:rPr>
+                        <a:t>내용</a:t>
+                      </a:r>
+                      <a:r>
+                        <a:rPr lang="en-US" altLang="ko-KR" sz="2000" dirty="0">
+                          <a:ea typeface="G마켓 산스 Medium" panose="02000000000000000000"/>
+                        </a:rPr>
+                        <a:t>: </a:t>
+                      </a:r>
+                      <a:r>
+                        <a:rPr lang="ko-KR" altLang="en-US" sz="2000" dirty="0">
+                          <a:ea typeface="G마켓 산스 Medium" panose="02000000000000000000"/>
+                        </a:rPr>
+                        <a:t>모든 유닛의</a:t>
+                      </a:r>
+                      <a:r>
+                        <a:rPr lang="en-US" altLang="ko-KR" sz="2000" dirty="0">
+                          <a:ea typeface="G마켓 산스 Medium" panose="02000000000000000000"/>
+                        </a:rPr>
+                        <a:t>armor</a:t>
+                      </a:r>
+                      <a:r>
+                        <a:rPr lang="ko-KR" altLang="en-US" sz="2000" dirty="0">
+                          <a:ea typeface="G마켓 산스 Medium" panose="02000000000000000000"/>
+                        </a:rPr>
+                        <a:t>를 </a:t>
+                      </a:r>
+                      <a:r>
+                        <a:rPr lang="en-US" altLang="ko-KR" sz="2000" dirty="0">
+                          <a:ea typeface="G마켓 산스 Medium" panose="02000000000000000000"/>
+                        </a:rPr>
+                        <a:t>1</a:t>
+                      </a:r>
+                      <a:r>
+                        <a:rPr lang="ko-KR" altLang="en-US" sz="2000" dirty="0">
+                          <a:ea typeface="G마켓 산스 Medium" panose="02000000000000000000"/>
+                        </a:rPr>
+                        <a:t>증가 시킨다</a:t>
+                      </a:r>
+                      <a:r>
+                        <a:rPr lang="en-US" altLang="ko-KR" sz="2000" dirty="0">
+                          <a:ea typeface="G마켓 산스 Medium" panose="02000000000000000000"/>
+                        </a:rPr>
+                        <a:t>.</a:t>
+                      </a:r>
+                    </a:p>
+                    <a:p>
+                      <a:pPr latinLnBrk="1"/>
+                      <a:r>
+                        <a:rPr lang="ko-KR" altLang="en-US" sz="2000" dirty="0">
+                          <a:ea typeface="G마켓 산스 Medium" panose="02000000000000000000"/>
+                        </a:rPr>
+                        <a:t>리턴</a:t>
+                      </a:r>
+                      <a:r>
+                        <a:rPr lang="en-US" altLang="ko-KR" sz="2000" dirty="0">
+                          <a:ea typeface="G마켓 산스 Medium" panose="02000000000000000000"/>
+                        </a:rPr>
+                        <a:t>:</a:t>
+                      </a:r>
+                      <a:r>
+                        <a:rPr lang="ko-KR" altLang="en-US" sz="2000" dirty="0">
+                          <a:ea typeface="G마켓 산스 Medium" panose="02000000000000000000"/>
+                        </a:rPr>
+                        <a:t>없음</a:t>
+                      </a:r>
+                    </a:p>
+                  </a:txBody>
+                  <a:tcPr>
+                    <a:lnL w="12700" cap="flat" cmpd="sng" algn="ctr">
+                      <a:solidFill>
+                        <a:schemeClr val="tx1"/>
+                      </a:solidFill>
+                      <a:prstDash val="solid"/>
+                      <a:round/>
+                      <a:headEnd type="none" w="med" len="med"/>
+                      <a:tailEnd type="none" w="med" len="med"/>
+                    </a:lnL>
+                    <a:lnR w="12700" cap="flat" cmpd="sng" algn="ctr">
+                      <a:solidFill>
+                        <a:schemeClr val="tx1"/>
+                      </a:solidFill>
+                      <a:prstDash val="solid"/>
+                      <a:round/>
+                      <a:headEnd type="none" w="med" len="med"/>
+                      <a:tailEnd type="none" w="med" len="med"/>
+                    </a:lnR>
+                    <a:lnT w="12700" cap="flat" cmpd="sng" algn="ctr">
+                      <a:solidFill>
+                        <a:schemeClr val="tx1"/>
+                      </a:solidFill>
+                      <a:prstDash val="solid"/>
+                      <a:round/>
+                      <a:headEnd type="none" w="med" len="med"/>
+                      <a:tailEnd type="none" w="med" len="med"/>
+                    </a:lnT>
+                    <a:lnB w="12700" cap="flat" cmpd="sng" algn="ctr">
+                      <a:solidFill>
+                        <a:schemeClr val="tx1"/>
+                      </a:solidFill>
+                      <a:prstDash val="solid"/>
+                      <a:round/>
+                      <a:headEnd type="none" w="med" len="med"/>
+                      <a:tailEnd type="none" w="med" len="med"/>
+                    </a:lnB>
+                    <a:noFill/>
+                  </a:tcPr>
+                </a:tc>
+                <a:extLst>
+                  <a:ext uri="{0D108BD9-81ED-4DB2-BD59-A6C34878D82A}">
+                    <a16:rowId xmlns:a16="http://schemas.microsoft.com/office/drawing/2014/main" val="3494203728"/>
+                  </a:ext>
+                </a:extLst>
+              </a:tr>
+            </a:tbl>
+          </a:graphicData>
+        </a:graphic>
+      </p:graphicFrame>
+      <p:sp>
+        <p:nvSpPr>
+          <p:cNvPr id="6" name="TextBox 5">
+            <a:extLst>
+              <a:ext uri="{FF2B5EF4-FFF2-40B4-BE49-F238E27FC236}">
+                <a16:creationId xmlns:a16="http://schemas.microsoft.com/office/drawing/2014/main" id="{98CF411D-9E2D-663E-FC78-EED7A746FB58}"/>
+              </a:ext>
+            </a:extLst>
+          </p:cNvPr>
+          <p:cNvSpPr txBox="1"/>
+          <p:nvPr/>
+        </p:nvSpPr>
+        <p:spPr>
+          <a:xfrm>
+            <a:off x="192314" y="4853940"/>
+            <a:ext cx="11517087" cy="2554545"/>
+          </a:xfrm>
+          <a:prstGeom prst="rect">
+            <a:avLst/>
+          </a:prstGeom>
+          <a:noFill/>
+        </p:spPr>
+        <p:txBody>
+          <a:bodyPr wrap="square" rtlCol="0">
+            <a:spAutoFit/>
+          </a:bodyPr>
+          <a:lstStyle/>
+          <a:p>
+            <a:r>
+              <a:rPr lang="en-US" altLang="ko-KR" sz="4000" dirty="0">
+                <a:solidFill>
+                  <a:schemeClr val="tx1">
+                    <a:lumMod val="50000"/>
+                    <a:lumOff val="50000"/>
+                  </a:schemeClr>
+                </a:solidFill>
+                <a:latin typeface="G마켓 산스 Medium" panose="02000000000000000000" pitchFamily="50" charset="-127"/>
+                <a:ea typeface="G마켓 산스 Medium" panose="02000000000000000000" pitchFamily="50" charset="-127"/>
+              </a:rPr>
+              <a:t>2. Marine </a:t>
+            </a:r>
+            <a:r>
+              <a:rPr lang="ko-KR" altLang="en-US" sz="4000" dirty="0">
+                <a:solidFill>
+                  <a:schemeClr val="tx1">
+                    <a:lumMod val="50000"/>
+                    <a:lumOff val="50000"/>
+                  </a:schemeClr>
+                </a:solidFill>
+                <a:latin typeface="G마켓 산스 Medium" panose="02000000000000000000" pitchFamily="50" charset="-127"/>
+                <a:ea typeface="G마켓 산스 Medium" panose="02000000000000000000" pitchFamily="50" charset="-127"/>
+              </a:rPr>
+              <a:t>클래스에 </a:t>
+            </a:r>
+            <a:r>
+              <a:rPr lang="en-US" altLang="ko-KR" sz="4000" dirty="0">
+                <a:solidFill>
+                  <a:schemeClr val="tx1">
+                    <a:lumMod val="50000"/>
+                    <a:lumOff val="50000"/>
+                  </a:schemeClr>
+                </a:solidFill>
+                <a:latin typeface="G마켓 산스 Medium" panose="02000000000000000000" pitchFamily="50" charset="-127"/>
+                <a:ea typeface="G마켓 산스 Medium" panose="02000000000000000000" pitchFamily="50" charset="-127"/>
+              </a:rPr>
+              <a:t>attack </a:t>
+            </a:r>
+            <a:r>
+              <a:rPr lang="ko-KR" altLang="en-US" sz="4000" dirty="0">
+                <a:solidFill>
+                  <a:schemeClr val="tx1">
+                    <a:lumMod val="50000"/>
+                    <a:lumOff val="50000"/>
+                  </a:schemeClr>
+                </a:solidFill>
+                <a:latin typeface="G마켓 산스 Medium" panose="02000000000000000000" pitchFamily="50" charset="-127"/>
+                <a:ea typeface="G마켓 산스 Medium" panose="02000000000000000000" pitchFamily="50" charset="-127"/>
+              </a:rPr>
+              <a:t>메서드를 구현하자 </a:t>
+            </a:r>
+            <a:r>
+              <a:rPr lang="ko-KR" altLang="en-US" sz="4000" dirty="0">
+                <a:solidFill>
+                  <a:schemeClr val="tx1">
+                    <a:lumMod val="50000"/>
+                    <a:lumOff val="50000"/>
+                  </a:schemeClr>
+                </a:solidFill>
+                <a:latin typeface="G마켓 산스 Light"/>
+                <a:ea typeface="G마켓 산스 Medium" panose="02000000000000000000"/>
+              </a:rPr>
+              <a:t>매개변수로 받은 </a:t>
+            </a:r>
+            <a:r>
+              <a:rPr lang="en-US" altLang="ko-KR" sz="4000" dirty="0">
+                <a:solidFill>
+                  <a:schemeClr val="tx1">
+                    <a:lumMod val="50000"/>
+                    <a:lumOff val="50000"/>
+                  </a:schemeClr>
+                </a:solidFill>
+                <a:latin typeface="G마켓 산스 Light"/>
+                <a:ea typeface="G마켓 산스 Medium" panose="02000000000000000000"/>
+              </a:rPr>
+              <a:t>Marine </a:t>
+            </a:r>
+            <a:r>
+              <a:rPr lang="ko-KR" altLang="en-US" sz="4000" dirty="0">
+                <a:solidFill>
+                  <a:schemeClr val="tx1">
+                    <a:lumMod val="50000"/>
+                    <a:lumOff val="50000"/>
+                  </a:schemeClr>
+                </a:solidFill>
+                <a:latin typeface="G마켓 산스 Light"/>
+                <a:ea typeface="G마켓 산스 Medium" panose="02000000000000000000"/>
+              </a:rPr>
+              <a:t>객체의 체력을 감소시킨다</a:t>
+            </a:r>
+            <a:r>
+              <a:rPr lang="en-US" altLang="ko-KR" sz="4000" dirty="0">
+                <a:solidFill>
+                  <a:schemeClr val="tx1">
+                    <a:lumMod val="50000"/>
+                    <a:lumOff val="50000"/>
+                  </a:schemeClr>
+                </a:solidFill>
+                <a:latin typeface="G마켓 산스 Light"/>
+                <a:ea typeface="G마켓 산스 Medium" panose="02000000000000000000"/>
+              </a:rPr>
+              <a:t>.</a:t>
+            </a:r>
+          </a:p>
+          <a:p>
+            <a:r>
+              <a:rPr lang="ko-KR" altLang="en-US" sz="4000" dirty="0">
+                <a:solidFill>
+                  <a:schemeClr val="tx1">
+                    <a:lumMod val="50000"/>
+                    <a:lumOff val="50000"/>
+                  </a:schemeClr>
+                </a:solidFill>
+                <a:latin typeface="G마켓 산스 Light"/>
+                <a:ea typeface="G마켓 산스 Medium" panose="02000000000000000000"/>
+              </a:rPr>
+              <a:t>공격력은 상대의 방어력 만큼 감소된다</a:t>
+            </a:r>
+            <a:r>
+              <a:rPr lang="en-US" altLang="ko-KR" sz="4000" dirty="0">
+                <a:solidFill>
+                  <a:schemeClr val="tx1">
+                    <a:lumMod val="50000"/>
+                    <a:lumOff val="50000"/>
+                  </a:schemeClr>
+                </a:solidFill>
+                <a:latin typeface="G마켓 산스 Light"/>
+                <a:ea typeface="G마켓 산스 Medium" panose="02000000000000000000"/>
+              </a:rPr>
+              <a:t>.</a:t>
+            </a:r>
+          </a:p>
+          <a:p>
+            <a:endParaRPr lang="en-US" altLang="ko-KR" sz="4000" dirty="0">
               <a:solidFill>
-                <a:srgbClr val="4C50BC"/>
+                <a:schemeClr val="tx1">
+                  <a:lumMod val="50000"/>
+                  <a:lumOff val="50000"/>
+                </a:schemeClr>
               </a:solidFill>
               <a:latin typeface="G마켓 산스 Medium" panose="02000000000000000000" pitchFamily="50" charset="-127"/>
               <a:ea typeface="G마켓 산스 Medium" panose="02000000000000000000" pitchFamily="50" charset="-127"/>
@@ -11645,6 +15690,597 @@
           </a:p>
         </p:txBody>
       </p:sp>
+      <p:graphicFrame>
+        <p:nvGraphicFramePr>
+          <p:cNvPr id="7" name="표 6">
+            <a:extLst>
+              <a:ext uri="{FF2B5EF4-FFF2-40B4-BE49-F238E27FC236}">
+                <a16:creationId xmlns:a16="http://schemas.microsoft.com/office/drawing/2014/main" id="{57A9E81B-78FE-C5EE-995B-AE19434FCE6C}"/>
+              </a:ext>
+            </a:extLst>
+          </p:cNvPr>
+          <p:cNvGraphicFramePr>
+            <a:graphicFrameLocks noGrp="1"/>
+          </p:cNvGraphicFramePr>
+          <p:nvPr>
+            <p:extLst>
+              <p:ext uri="{D42A27DB-BD31-4B8C-83A1-F6EECF244321}">
+                <p14:modId xmlns:p14="http://schemas.microsoft.com/office/powerpoint/2010/main" val="3225354024"/>
+              </p:ext>
+            </p:extLst>
+          </p:nvPr>
+        </p:nvGraphicFramePr>
+        <p:xfrm>
+          <a:off x="11843656" y="4930140"/>
+          <a:ext cx="6215744" cy="1127760"/>
+        </p:xfrm>
+        <a:graphic>
+          <a:graphicData uri="http://schemas.openxmlformats.org/drawingml/2006/table">
+            <a:tbl>
+              <a:tblPr firstRow="1" bandRow="1">
+                <a:tableStyleId>{5C22544A-7EE6-4342-B048-85BDC9FD1C3A}</a:tableStyleId>
+              </a:tblPr>
+              <a:tblGrid>
+                <a:gridCol w="1731833">
+                  <a:extLst>
+                    <a:ext uri="{9D8B030D-6E8A-4147-A177-3AD203B41FA5}">
+                      <a16:colId xmlns:a16="http://schemas.microsoft.com/office/drawing/2014/main" val="4032330398"/>
+                    </a:ext>
+                  </a:extLst>
+                </a:gridCol>
+                <a:gridCol w="1752960">
+                  <a:extLst>
+                    <a:ext uri="{9D8B030D-6E8A-4147-A177-3AD203B41FA5}">
+                      <a16:colId xmlns:a16="http://schemas.microsoft.com/office/drawing/2014/main" val="2529553061"/>
+                    </a:ext>
+                  </a:extLst>
+                </a:gridCol>
+                <a:gridCol w="2730951">
+                  <a:extLst>
+                    <a:ext uri="{9D8B030D-6E8A-4147-A177-3AD203B41FA5}">
+                      <a16:colId xmlns:a16="http://schemas.microsoft.com/office/drawing/2014/main" val="2764036319"/>
+                    </a:ext>
+                  </a:extLst>
+                </a:gridCol>
+              </a:tblGrid>
+              <a:tr h="370840">
+                <a:tc>
+                  <a:txBody>
+                    <a:bodyPr/>
+                    <a:lstStyle/>
+                    <a:p>
+                      <a:pPr latinLnBrk="1"/>
+                      <a:r>
+                        <a:rPr lang="ko-KR" altLang="en-US" sz="2200" dirty="0">
+                          <a:solidFill>
+                            <a:schemeClr val="bg1"/>
+                          </a:solidFill>
+                          <a:ea typeface="G마켓 산스 Medium" panose="02000000000000000000"/>
+                        </a:rPr>
+                        <a:t>클래스명</a:t>
+                      </a:r>
+                    </a:p>
+                  </a:txBody>
+                  <a:tcPr>
+                    <a:lnL w="12700" cap="flat" cmpd="sng" algn="ctr">
+                      <a:solidFill>
+                        <a:schemeClr val="tx1"/>
+                      </a:solidFill>
+                      <a:prstDash val="solid"/>
+                      <a:round/>
+                      <a:headEnd type="none" w="med" len="med"/>
+                      <a:tailEnd type="none" w="med" len="med"/>
+                    </a:lnL>
+                    <a:lnR w="12700" cap="flat" cmpd="sng" algn="ctr">
+                      <a:solidFill>
+                        <a:schemeClr val="tx1"/>
+                      </a:solidFill>
+                      <a:prstDash val="solid"/>
+                      <a:round/>
+                      <a:headEnd type="none" w="med" len="med"/>
+                      <a:tailEnd type="none" w="med" len="med"/>
+                    </a:lnR>
+                    <a:lnT w="12700" cap="flat" cmpd="sng" algn="ctr">
+                      <a:solidFill>
+                        <a:schemeClr val="tx1"/>
+                      </a:solidFill>
+                      <a:prstDash val="solid"/>
+                      <a:round/>
+                      <a:headEnd type="none" w="med" len="med"/>
+                      <a:tailEnd type="none" w="med" len="med"/>
+                    </a:lnT>
+                    <a:lnB w="12700" cap="flat" cmpd="sng" algn="ctr">
+                      <a:solidFill>
+                        <a:schemeClr val="tx1"/>
+                      </a:solidFill>
+                      <a:prstDash val="solid"/>
+                      <a:round/>
+                      <a:headEnd type="none" w="med" len="med"/>
+                      <a:tailEnd type="none" w="med" len="med"/>
+                    </a:lnB>
+                    <a:solidFill>
+                      <a:srgbClr val="4C50BC"/>
+                    </a:solidFill>
+                  </a:tcPr>
+                </a:tc>
+                <a:tc>
+                  <a:txBody>
+                    <a:bodyPr/>
+                    <a:lstStyle/>
+                    <a:p>
+                      <a:pPr latinLnBrk="1"/>
+                      <a:r>
+                        <a:rPr lang="en-US" altLang="ko-KR" sz="2200" dirty="0">
+                          <a:solidFill>
+                            <a:schemeClr val="bg1"/>
+                          </a:solidFill>
+                          <a:ea typeface="G마켓 산스 Medium" panose="02000000000000000000"/>
+                        </a:rPr>
+                        <a:t>Marine</a:t>
+                      </a:r>
+                      <a:endParaRPr lang="ko-KR" altLang="en-US" sz="2200" dirty="0">
+                        <a:solidFill>
+                          <a:schemeClr val="bg1"/>
+                        </a:solidFill>
+                        <a:ea typeface="G마켓 산스 Medium" panose="02000000000000000000"/>
+                      </a:endParaRPr>
+                    </a:p>
+                  </a:txBody>
+                  <a:tcPr>
+                    <a:lnL w="12700" cap="flat" cmpd="sng" algn="ctr">
+                      <a:solidFill>
+                        <a:schemeClr val="tx1"/>
+                      </a:solidFill>
+                      <a:prstDash val="solid"/>
+                      <a:round/>
+                      <a:headEnd type="none" w="med" len="med"/>
+                      <a:tailEnd type="none" w="med" len="med"/>
+                    </a:lnL>
+                    <a:lnR w="12700" cap="flat" cmpd="sng" algn="ctr">
+                      <a:solidFill>
+                        <a:schemeClr val="tx1"/>
+                      </a:solidFill>
+                      <a:prstDash val="solid"/>
+                      <a:round/>
+                      <a:headEnd type="none" w="med" len="med"/>
+                      <a:tailEnd type="none" w="med" len="med"/>
+                    </a:lnR>
+                    <a:lnT w="12700" cap="flat" cmpd="sng" algn="ctr">
+                      <a:solidFill>
+                        <a:schemeClr val="tx1"/>
+                      </a:solidFill>
+                      <a:prstDash val="solid"/>
+                      <a:round/>
+                      <a:headEnd type="none" w="med" len="med"/>
+                      <a:tailEnd type="none" w="med" len="med"/>
+                    </a:lnT>
+                    <a:lnB w="12700" cap="flat" cmpd="sng" algn="ctr">
+                      <a:solidFill>
+                        <a:schemeClr val="tx1"/>
+                      </a:solidFill>
+                      <a:prstDash val="solid"/>
+                      <a:round/>
+                      <a:headEnd type="none" w="med" len="med"/>
+                      <a:tailEnd type="none" w="med" len="med"/>
+                    </a:lnB>
+                    <a:solidFill>
+                      <a:srgbClr val="4C50BC"/>
+                    </a:solidFill>
+                  </a:tcPr>
+                </a:tc>
+                <a:tc>
+                  <a:txBody>
+                    <a:bodyPr/>
+                    <a:lstStyle/>
+                    <a:p>
+                      <a:pPr latinLnBrk="1"/>
+                      <a:endParaRPr lang="ko-KR" altLang="en-US" sz="2000" dirty="0">
+                        <a:solidFill>
+                          <a:schemeClr val="bg1"/>
+                        </a:solidFill>
+                        <a:ea typeface="G마켓 산스 Medium" panose="02000000000000000000"/>
+                      </a:endParaRPr>
+                    </a:p>
+                  </a:txBody>
+                  <a:tcPr>
+                    <a:lnL w="12700" cap="flat" cmpd="sng" algn="ctr">
+                      <a:solidFill>
+                        <a:schemeClr val="tx1"/>
+                      </a:solidFill>
+                      <a:prstDash val="solid"/>
+                      <a:round/>
+                      <a:headEnd type="none" w="med" len="med"/>
+                      <a:tailEnd type="none" w="med" len="med"/>
+                    </a:lnL>
+                    <a:lnR w="12700" cap="flat" cmpd="sng" algn="ctr">
+                      <a:solidFill>
+                        <a:schemeClr val="tx1"/>
+                      </a:solidFill>
+                      <a:prstDash val="solid"/>
+                      <a:round/>
+                      <a:headEnd type="none" w="med" len="med"/>
+                      <a:tailEnd type="none" w="med" len="med"/>
+                    </a:lnR>
+                    <a:lnT w="12700" cap="flat" cmpd="sng" algn="ctr">
+                      <a:solidFill>
+                        <a:schemeClr val="tx1"/>
+                      </a:solidFill>
+                      <a:prstDash val="solid"/>
+                      <a:round/>
+                      <a:headEnd type="none" w="med" len="med"/>
+                      <a:tailEnd type="none" w="med" len="med"/>
+                    </a:lnT>
+                    <a:lnB w="12700" cap="flat" cmpd="sng" algn="ctr">
+                      <a:solidFill>
+                        <a:schemeClr val="tx1"/>
+                      </a:solidFill>
+                      <a:prstDash val="solid"/>
+                      <a:round/>
+                      <a:headEnd type="none" w="med" len="med"/>
+                      <a:tailEnd type="none" w="med" len="med"/>
+                    </a:lnB>
+                    <a:solidFill>
+                      <a:srgbClr val="4C50BC"/>
+                    </a:solidFill>
+                  </a:tcPr>
+                </a:tc>
+                <a:extLst>
+                  <a:ext uri="{0D108BD9-81ED-4DB2-BD59-A6C34878D82A}">
+                    <a16:rowId xmlns:a16="http://schemas.microsoft.com/office/drawing/2014/main" val="2120154440"/>
+                  </a:ext>
+                </a:extLst>
+              </a:tr>
+              <a:tr h="370840">
+                <a:tc>
+                  <a:txBody>
+                    <a:bodyPr/>
+                    <a:lstStyle/>
+                    <a:p>
+                      <a:pPr marL="0" marR="0" lvl="0" indent="0" algn="l" defTabSz="914400" rtl="0" eaLnBrk="1" fontAlgn="auto" latinLnBrk="1" hangingPunct="1">
+                        <a:lnSpc>
+                          <a:spcPct val="100000"/>
+                        </a:lnSpc>
+                        <a:spcBef>
+                          <a:spcPts val="0"/>
+                        </a:spcBef>
+                        <a:spcAft>
+                          <a:spcPts val="0"/>
+                        </a:spcAft>
+                        <a:buClrTx/>
+                        <a:buSzTx/>
+                        <a:buFontTx/>
+                        <a:buNone/>
+                        <a:tabLst/>
+                        <a:defRPr/>
+                      </a:pPr>
+                      <a:r>
+                        <a:rPr lang="ko-KR" altLang="en-US" sz="2200" dirty="0">
+                          <a:ea typeface="G마켓 산스 Medium" panose="02000000000000000000"/>
+                        </a:rPr>
+                        <a:t>메서드</a:t>
+                      </a:r>
+                    </a:p>
+                  </a:txBody>
+                  <a:tcPr>
+                    <a:lnL w="12700" cap="flat" cmpd="sng" algn="ctr">
+                      <a:solidFill>
+                        <a:schemeClr val="tx1"/>
+                      </a:solidFill>
+                      <a:prstDash val="solid"/>
+                      <a:round/>
+                      <a:headEnd type="none" w="med" len="med"/>
+                      <a:tailEnd type="none" w="med" len="med"/>
+                    </a:lnL>
+                    <a:lnR w="12700" cap="flat" cmpd="sng" algn="ctr">
+                      <a:solidFill>
+                        <a:schemeClr val="tx1"/>
+                      </a:solidFill>
+                      <a:prstDash val="solid"/>
+                      <a:round/>
+                      <a:headEnd type="none" w="med" len="med"/>
+                      <a:tailEnd type="none" w="med" len="med"/>
+                    </a:lnR>
+                    <a:lnT w="12700" cap="flat" cmpd="sng" algn="ctr">
+                      <a:solidFill>
+                        <a:schemeClr val="tx1"/>
+                      </a:solidFill>
+                      <a:prstDash val="solid"/>
+                      <a:round/>
+                      <a:headEnd type="none" w="med" len="med"/>
+                      <a:tailEnd type="none" w="med" len="med"/>
+                    </a:lnT>
+                    <a:lnB w="12700" cap="flat" cmpd="sng" algn="ctr">
+                      <a:solidFill>
+                        <a:schemeClr val="tx1"/>
+                      </a:solidFill>
+                      <a:prstDash val="solid"/>
+                      <a:round/>
+                      <a:headEnd type="none" w="med" len="med"/>
+                      <a:tailEnd type="none" w="med" len="med"/>
+                    </a:lnB>
+                    <a:noFill/>
+                  </a:tcPr>
+                </a:tc>
+                <a:tc>
+                  <a:txBody>
+                    <a:bodyPr/>
+                    <a:lstStyle/>
+                    <a:p>
+                      <a:pPr latinLnBrk="1"/>
+                      <a:r>
+                        <a:rPr lang="en-US" altLang="ko-KR" sz="2200" dirty="0">
+                          <a:ea typeface="G마켓 산스 Medium" panose="02000000000000000000"/>
+                        </a:rPr>
+                        <a:t>attack()</a:t>
+                      </a:r>
+                      <a:endParaRPr lang="ko-KR" altLang="en-US" sz="2200" dirty="0">
+                        <a:ea typeface="G마켓 산스 Medium" panose="02000000000000000000"/>
+                      </a:endParaRPr>
+                    </a:p>
+                  </a:txBody>
+                  <a:tcPr>
+                    <a:lnL w="12700" cap="flat" cmpd="sng" algn="ctr">
+                      <a:solidFill>
+                        <a:schemeClr val="tx1"/>
+                      </a:solidFill>
+                      <a:prstDash val="solid"/>
+                      <a:round/>
+                      <a:headEnd type="none" w="med" len="med"/>
+                      <a:tailEnd type="none" w="med" len="med"/>
+                    </a:lnL>
+                    <a:lnR w="12700" cap="flat" cmpd="sng" algn="ctr">
+                      <a:solidFill>
+                        <a:schemeClr val="tx1"/>
+                      </a:solidFill>
+                      <a:prstDash val="solid"/>
+                      <a:round/>
+                      <a:headEnd type="none" w="med" len="med"/>
+                      <a:tailEnd type="none" w="med" len="med"/>
+                    </a:lnR>
+                    <a:lnT w="12700" cap="flat" cmpd="sng" algn="ctr">
+                      <a:solidFill>
+                        <a:schemeClr val="tx1"/>
+                      </a:solidFill>
+                      <a:prstDash val="solid"/>
+                      <a:round/>
+                      <a:headEnd type="none" w="med" len="med"/>
+                      <a:tailEnd type="none" w="med" len="med"/>
+                    </a:lnT>
+                    <a:lnB w="12700" cap="flat" cmpd="sng" algn="ctr">
+                      <a:solidFill>
+                        <a:schemeClr val="tx1"/>
+                      </a:solidFill>
+                      <a:prstDash val="solid"/>
+                      <a:round/>
+                      <a:headEnd type="none" w="med" len="med"/>
+                      <a:tailEnd type="none" w="med" len="med"/>
+                    </a:lnB>
+                    <a:noFill/>
+                  </a:tcPr>
+                </a:tc>
+                <a:tc>
+                  <a:txBody>
+                    <a:bodyPr/>
+                    <a:lstStyle/>
+                    <a:p>
+                      <a:pPr latinLnBrk="1"/>
+                      <a:r>
+                        <a:rPr lang="ko-KR" altLang="en-US" sz="2000" dirty="0">
+                          <a:ea typeface="G마켓 산스 Medium" panose="02000000000000000000"/>
+                        </a:rPr>
+                        <a:t>매개변수</a:t>
+                      </a:r>
+                      <a:r>
+                        <a:rPr lang="en-US" altLang="ko-KR" sz="2000" dirty="0">
+                          <a:ea typeface="G마켓 산스 Medium" panose="02000000000000000000"/>
+                        </a:rPr>
+                        <a:t>:</a:t>
+                      </a:r>
+                      <a:r>
+                        <a:rPr lang="ko-KR" altLang="en-US" sz="2000" dirty="0">
+                          <a:ea typeface="G마켓 산스 Medium" panose="02000000000000000000"/>
+                        </a:rPr>
+                        <a:t> </a:t>
+                      </a:r>
+                      <a:r>
+                        <a:rPr lang="en-US" altLang="ko-KR" sz="2000" dirty="0">
+                          <a:ea typeface="G마켓 산스 Medium" panose="02000000000000000000"/>
+                        </a:rPr>
+                        <a:t>Marine</a:t>
+                      </a:r>
+                    </a:p>
+                    <a:p>
+                      <a:pPr latinLnBrk="1"/>
+                      <a:r>
+                        <a:rPr lang="ko-KR" altLang="en-US" sz="2000" dirty="0">
+                          <a:ea typeface="G마켓 산스 Medium" panose="02000000000000000000"/>
+                        </a:rPr>
+                        <a:t>리턴</a:t>
+                      </a:r>
+                      <a:r>
+                        <a:rPr lang="en-US" altLang="ko-KR" sz="2000" dirty="0">
+                          <a:ea typeface="G마켓 산스 Medium" panose="02000000000000000000"/>
+                        </a:rPr>
+                        <a:t>:</a:t>
+                      </a:r>
+                      <a:r>
+                        <a:rPr lang="ko-KR" altLang="en-US" sz="2000" dirty="0">
+                          <a:ea typeface="G마켓 산스 Medium" panose="02000000000000000000"/>
+                        </a:rPr>
+                        <a:t>없음</a:t>
+                      </a:r>
+                    </a:p>
+                  </a:txBody>
+                  <a:tcPr>
+                    <a:lnL w="12700" cap="flat" cmpd="sng" algn="ctr">
+                      <a:solidFill>
+                        <a:schemeClr val="tx1"/>
+                      </a:solidFill>
+                      <a:prstDash val="solid"/>
+                      <a:round/>
+                      <a:headEnd type="none" w="med" len="med"/>
+                      <a:tailEnd type="none" w="med" len="med"/>
+                    </a:lnL>
+                    <a:lnR w="12700" cap="flat" cmpd="sng" algn="ctr">
+                      <a:solidFill>
+                        <a:schemeClr val="tx1"/>
+                      </a:solidFill>
+                      <a:prstDash val="solid"/>
+                      <a:round/>
+                      <a:headEnd type="none" w="med" len="med"/>
+                      <a:tailEnd type="none" w="med" len="med"/>
+                    </a:lnR>
+                    <a:lnT w="12700" cap="flat" cmpd="sng" algn="ctr">
+                      <a:solidFill>
+                        <a:schemeClr val="tx1"/>
+                      </a:solidFill>
+                      <a:prstDash val="solid"/>
+                      <a:round/>
+                      <a:headEnd type="none" w="med" len="med"/>
+                      <a:tailEnd type="none" w="med" len="med"/>
+                    </a:lnT>
+                    <a:lnB w="12700" cap="flat" cmpd="sng" algn="ctr">
+                      <a:solidFill>
+                        <a:schemeClr val="tx1"/>
+                      </a:solidFill>
+                      <a:prstDash val="solid"/>
+                      <a:round/>
+                      <a:headEnd type="none" w="med" len="med"/>
+                      <a:tailEnd type="none" w="med" len="med"/>
+                    </a:lnB>
+                    <a:noFill/>
+                  </a:tcPr>
+                </a:tc>
+                <a:extLst>
+                  <a:ext uri="{0D108BD9-81ED-4DB2-BD59-A6C34878D82A}">
+                    <a16:rowId xmlns:a16="http://schemas.microsoft.com/office/drawing/2014/main" val="1372649246"/>
+                  </a:ext>
+                </a:extLst>
+              </a:tr>
+            </a:tbl>
+          </a:graphicData>
+        </a:graphic>
+      </p:graphicFrame>
+      <p:pic>
+        <p:nvPicPr>
+          <p:cNvPr id="9" name="그림 8">
+            <a:extLst>
+              <a:ext uri="{FF2B5EF4-FFF2-40B4-BE49-F238E27FC236}">
+                <a16:creationId xmlns:a16="http://schemas.microsoft.com/office/drawing/2014/main" id="{BDF1B617-4E7D-BB57-42FB-DDFB8BB3FBA6}"/>
+              </a:ext>
+            </a:extLst>
+          </p:cNvPr>
+          <p:cNvPicPr>
+            <a:picLocks noChangeAspect="1"/>
+          </p:cNvPicPr>
+          <p:nvPr/>
+        </p:nvPicPr>
+        <p:blipFill>
+          <a:blip r:embed="rId2"/>
+          <a:stretch>
+            <a:fillRect/>
+          </a:stretch>
+        </p:blipFill>
+        <p:spPr>
+          <a:xfrm>
+            <a:off x="551123" y="2820660"/>
+            <a:ext cx="3894040" cy="2033280"/>
+          </a:xfrm>
+          <a:prstGeom prst="rect">
+            <a:avLst/>
+          </a:prstGeom>
+        </p:spPr>
+      </p:pic>
+      <p:pic>
+        <p:nvPicPr>
+          <p:cNvPr id="11" name="그림 10">
+            <a:extLst>
+              <a:ext uri="{FF2B5EF4-FFF2-40B4-BE49-F238E27FC236}">
+                <a16:creationId xmlns:a16="http://schemas.microsoft.com/office/drawing/2014/main" id="{41D29328-9FA6-680E-0899-868784F9AC5B}"/>
+              </a:ext>
+            </a:extLst>
+          </p:cNvPr>
+          <p:cNvPicPr>
+            <a:picLocks noChangeAspect="1"/>
+          </p:cNvPicPr>
+          <p:nvPr/>
+        </p:nvPicPr>
+        <p:blipFill>
+          <a:blip r:embed="rId3"/>
+          <a:stretch>
+            <a:fillRect/>
+          </a:stretch>
+        </p:blipFill>
+        <p:spPr>
+          <a:xfrm>
+            <a:off x="4778574" y="2870418"/>
+            <a:ext cx="5960366" cy="1815882"/>
+          </a:xfrm>
+          <a:prstGeom prst="rect">
+            <a:avLst/>
+          </a:prstGeom>
+        </p:spPr>
+      </p:pic>
+      <p:pic>
+        <p:nvPicPr>
+          <p:cNvPr id="13" name="그림 12">
+            <a:extLst>
+              <a:ext uri="{FF2B5EF4-FFF2-40B4-BE49-F238E27FC236}">
+                <a16:creationId xmlns:a16="http://schemas.microsoft.com/office/drawing/2014/main" id="{5779F6B0-4E95-3623-F441-FDA7C6560C84}"/>
+              </a:ext>
+            </a:extLst>
+          </p:cNvPr>
+          <p:cNvPicPr>
+            <a:picLocks noChangeAspect="1"/>
+          </p:cNvPicPr>
+          <p:nvPr/>
+        </p:nvPicPr>
+        <p:blipFill>
+          <a:blip r:embed="rId4"/>
+          <a:stretch>
+            <a:fillRect/>
+          </a:stretch>
+        </p:blipFill>
+        <p:spPr>
+          <a:xfrm>
+            <a:off x="381000" y="7408484"/>
+            <a:ext cx="3657600" cy="2649415"/>
+          </a:xfrm>
+          <a:prstGeom prst="rect">
+            <a:avLst/>
+          </a:prstGeom>
+        </p:spPr>
+      </p:pic>
+      <p:pic>
+        <p:nvPicPr>
+          <p:cNvPr id="15" name="그림 14">
+            <a:extLst>
+              <a:ext uri="{FF2B5EF4-FFF2-40B4-BE49-F238E27FC236}">
+                <a16:creationId xmlns:a16="http://schemas.microsoft.com/office/drawing/2014/main" id="{27E05EAB-468B-59F1-A433-9D03E86F05E6}"/>
+              </a:ext>
+            </a:extLst>
+          </p:cNvPr>
+          <p:cNvPicPr>
+            <a:picLocks noChangeAspect="1"/>
+          </p:cNvPicPr>
+          <p:nvPr/>
+        </p:nvPicPr>
+        <p:blipFill>
+          <a:blip r:embed="rId5"/>
+          <a:stretch>
+            <a:fillRect/>
+          </a:stretch>
+        </p:blipFill>
+        <p:spPr>
+          <a:xfrm>
+            <a:off x="4734930" y="7584584"/>
+            <a:ext cx="6314070" cy="1902316"/>
+          </a:xfrm>
+          <a:prstGeom prst="rect">
+            <a:avLst/>
+          </a:prstGeom>
+        </p:spPr>
+      </p:pic>
     </p:spTree>
     <p:extLst>
       <p:ext uri="{BB962C8B-B14F-4D97-AF65-F5344CB8AC3E}">
@@ -11655,17 +16291,10 @@
   <p:clrMapOvr>
     <a:masterClrMapping/>
   </p:clrMapOvr>
-  <p:timing>
-    <p:tnLst>
-      <p:par>
-        <p:cTn id="1" dur="indefinite" restart="never" nodeType="tmRoot"/>
-      </p:par>
-    </p:tnLst>
-  </p:timing>
 </p:sld>
 </file>
 
-<file path=ppt/slides/slide27.xml><?xml version="1.0" encoding="utf-8"?>
+<file path=ppt/slides/slide28.xml><?xml version="1.0" encoding="utf-8"?>
 <p:sld xmlns:a="http://schemas.openxmlformats.org/drawingml/2006/main" xmlns:r="http://schemas.openxmlformats.org/officeDocument/2006/relationships" xmlns:p="http://schemas.openxmlformats.org/presentationml/2006/main">
   <p:cSld name="Slide 20">
     <p:bg>
@@ -11953,7 +16582,7 @@
           <p:cNvPr id="2" name="TextBox 1">
             <a:extLst>
               <a:ext uri="{FF2B5EF4-FFF2-40B4-BE49-F238E27FC236}">
-                <a16:creationId xmlns="" xmlns:a16="http://schemas.microsoft.com/office/drawing/2014/main" id="{715D88A2-BD52-978B-A00A-540446126E3D}"/>
+                <a16:creationId xmlns:a16="http://schemas.microsoft.com/office/drawing/2014/main" id="{715D88A2-BD52-978B-A00A-540446126E3D}"/>
               </a:ext>
             </a:extLst>
           </p:cNvPr>
@@ -12001,13 +16630,6 @@
   <p:clrMapOvr>
     <a:masterClrMapping/>
   </p:clrMapOvr>
-  <p:timing>
-    <p:tnLst>
-      <p:par>
-        <p:cTn id="1" dur="indefinite" restart="never" nodeType="tmRoot"/>
-      </p:par>
-    </p:tnLst>
-  </p:timing>
 </p:sld>
 </file>
 
@@ -12221,7 +16843,7 @@
           <p:cNvPr id="2" name="TextBox 1">
             <a:extLst>
               <a:ext uri="{FF2B5EF4-FFF2-40B4-BE49-F238E27FC236}">
-                <a16:creationId xmlns="" xmlns:a16="http://schemas.microsoft.com/office/drawing/2014/main" id="{8D19D88B-9541-32D7-90F1-0C45C993E21C}"/>
+                <a16:creationId xmlns:a16="http://schemas.microsoft.com/office/drawing/2014/main" id="{8D19D88B-9541-32D7-90F1-0C45C993E21C}"/>
               </a:ext>
             </a:extLst>
           </p:cNvPr>
@@ -12245,7 +16867,7 @@
           <a:lstStyle/>
           <a:p>
             <a:r>
-              <a:rPr lang="ko-KR" altLang="en-US" sz="6600" smtClean="0">
+              <a:rPr lang="ko-KR" altLang="en-US" sz="6600">
                 <a:solidFill>
                   <a:schemeClr val="bg1"/>
                 </a:solidFill>
@@ -12294,7 +16916,7 @@
           <p:cNvPr id="4" name="TextBox 3">
             <a:extLst>
               <a:ext uri="{FF2B5EF4-FFF2-40B4-BE49-F238E27FC236}">
-                <a16:creationId xmlns="" xmlns:a16="http://schemas.microsoft.com/office/drawing/2014/main" id="{DF7DDD33-9412-2802-339A-E55446AC2DA7}"/>
+                <a16:creationId xmlns:a16="http://schemas.microsoft.com/office/drawing/2014/main" id="{DF7DDD33-9412-2802-339A-E55446AC2DA7}"/>
               </a:ext>
             </a:extLst>
           </p:cNvPr>
@@ -12318,7 +16940,7 @@
           <a:lstStyle/>
           <a:p>
             <a:r>
-              <a:rPr lang="ko-KR" altLang="en-US" sz="5400" smtClean="0">
+              <a:rPr lang="ko-KR" altLang="en-US" sz="5400">
                 <a:solidFill>
                   <a:srgbClr val="4C50BC"/>
                 </a:solidFill>
@@ -12372,7 +16994,7 @@
           <p:cNvPr id="4" name="TextBox 3">
             <a:extLst>
               <a:ext uri="{FF2B5EF4-FFF2-40B4-BE49-F238E27FC236}">
-                <a16:creationId xmlns="" xmlns:a16="http://schemas.microsoft.com/office/drawing/2014/main" id="{DF7DDD33-9412-2802-339A-E55446AC2DA7}"/>
+                <a16:creationId xmlns:a16="http://schemas.microsoft.com/office/drawing/2014/main" id="{DF7DDD33-9412-2802-339A-E55446AC2DA7}"/>
               </a:ext>
             </a:extLst>
           </p:cNvPr>
@@ -12396,7 +17018,7 @@
           <a:lstStyle/>
           <a:p>
             <a:r>
-              <a:rPr lang="ko-KR" altLang="en-US" sz="6600" smtClean="0">
+              <a:rPr lang="ko-KR" altLang="en-US" sz="6600">
                 <a:solidFill>
                   <a:srgbClr val="4C50BC"/>
                 </a:solidFill>
@@ -12406,7 +17028,7 @@
               <a:t>모든 클래스는 패키지 하위에 들어간다</a:t>
             </a:r>
             <a:r>
-              <a:rPr lang="en-US" altLang="ko-KR" sz="6600" smtClean="0">
+              <a:rPr lang="en-US" altLang="ko-KR" sz="6600">
                 <a:solidFill>
                   <a:srgbClr val="4C50BC"/>
                 </a:solidFill>
@@ -12454,7 +17076,7 @@
           <p:cNvPr id="5" name="직선 화살표 연결선 4">
             <a:extLst>
               <a:ext uri="{FF2B5EF4-FFF2-40B4-BE49-F238E27FC236}">
-                <a16:creationId xmlns="" xmlns:a16="http://schemas.microsoft.com/office/drawing/2014/main" id="{299DF5EC-9DF4-5255-06AC-0A7CE4FF58C3}"/>
+                <a16:creationId xmlns:a16="http://schemas.microsoft.com/office/drawing/2014/main" id="{299DF5EC-9DF4-5255-06AC-0A7CE4FF58C3}"/>
               </a:ext>
             </a:extLst>
           </p:cNvPr>
@@ -12495,7 +17117,7 @@
           <p:cNvPr id="6" name="직사각형 5">
             <a:extLst>
               <a:ext uri="{FF2B5EF4-FFF2-40B4-BE49-F238E27FC236}">
-                <a16:creationId xmlns="" xmlns:a16="http://schemas.microsoft.com/office/drawing/2014/main" id="{FFF506F9-840A-0508-4CAF-3AC711D8D5CE}"/>
+                <a16:creationId xmlns:a16="http://schemas.microsoft.com/office/drawing/2014/main" id="{FFF506F9-840A-0508-4CAF-3AC711D8D5CE}"/>
               </a:ext>
             </a:extLst>
           </p:cNvPr>
@@ -12547,7 +17169,7 @@
           <p:cNvPr id="7" name="TextBox 6">
             <a:extLst>
               <a:ext uri="{FF2B5EF4-FFF2-40B4-BE49-F238E27FC236}">
-                <a16:creationId xmlns="" xmlns:a16="http://schemas.microsoft.com/office/drawing/2014/main" id="{C6D113C6-EA5C-788F-0C77-E7CE6EBB865F}"/>
+                <a16:creationId xmlns:a16="http://schemas.microsoft.com/office/drawing/2014/main" id="{C6D113C6-EA5C-788F-0C77-E7CE6EBB865F}"/>
               </a:ext>
             </a:extLst>
           </p:cNvPr>
@@ -12571,7 +17193,7 @@
           <a:lstStyle/>
           <a:p>
             <a:r>
-              <a:rPr lang="ko-KR" altLang="en-US" sz="4000" smtClean="0">
+              <a:rPr lang="ko-KR" altLang="en-US" sz="4000">
                 <a:solidFill>
                   <a:srgbClr val="FF0000"/>
                 </a:solidFill>
@@ -12673,7 +17295,7 @@
           <p:cNvPr id="7" name="직사각형 6">
             <a:extLst>
               <a:ext uri="{FF2B5EF4-FFF2-40B4-BE49-F238E27FC236}">
-                <a16:creationId xmlns="" xmlns:a16="http://schemas.microsoft.com/office/drawing/2014/main" id="{FFF506F9-840A-0508-4CAF-3AC711D8D5CE}"/>
+                <a16:creationId xmlns:a16="http://schemas.microsoft.com/office/drawing/2014/main" id="{FFF506F9-840A-0508-4CAF-3AC711D8D5CE}"/>
               </a:ext>
             </a:extLst>
           </p:cNvPr>
@@ -12725,7 +17347,7 @@
           <p:cNvPr id="8" name="직사각형 7">
             <a:extLst>
               <a:ext uri="{FF2B5EF4-FFF2-40B4-BE49-F238E27FC236}">
-                <a16:creationId xmlns="" xmlns:a16="http://schemas.microsoft.com/office/drawing/2014/main" id="{FFF506F9-840A-0508-4CAF-3AC711D8D5CE}"/>
+                <a16:creationId xmlns:a16="http://schemas.microsoft.com/office/drawing/2014/main" id="{FFF506F9-840A-0508-4CAF-3AC711D8D5CE}"/>
               </a:ext>
             </a:extLst>
           </p:cNvPr>
@@ -12801,7 +17423,7 @@
           <p:cNvPr id="10" name="직사각형 9">
             <a:extLst>
               <a:ext uri="{FF2B5EF4-FFF2-40B4-BE49-F238E27FC236}">
-                <a16:creationId xmlns="" xmlns:a16="http://schemas.microsoft.com/office/drawing/2014/main" id="{FFF506F9-840A-0508-4CAF-3AC711D8D5CE}"/>
+                <a16:creationId xmlns:a16="http://schemas.microsoft.com/office/drawing/2014/main" id="{FFF506F9-840A-0508-4CAF-3AC711D8D5CE}"/>
               </a:ext>
             </a:extLst>
           </p:cNvPr>
@@ -12853,7 +17475,7 @@
           <p:cNvPr id="11" name="직사각형 10">
             <a:extLst>
               <a:ext uri="{FF2B5EF4-FFF2-40B4-BE49-F238E27FC236}">
-                <a16:creationId xmlns="" xmlns:a16="http://schemas.microsoft.com/office/drawing/2014/main" id="{FFF506F9-840A-0508-4CAF-3AC711D8D5CE}"/>
+                <a16:creationId xmlns:a16="http://schemas.microsoft.com/office/drawing/2014/main" id="{FFF506F9-840A-0508-4CAF-3AC711D8D5CE}"/>
               </a:ext>
             </a:extLst>
           </p:cNvPr>
@@ -13123,7 +17745,7 @@
           <p:cNvPr id="2" name="TextBox 1">
             <a:extLst>
               <a:ext uri="{FF2B5EF4-FFF2-40B4-BE49-F238E27FC236}">
-                <a16:creationId xmlns="" xmlns:a16="http://schemas.microsoft.com/office/drawing/2014/main" id="{76F36AE5-79B5-0B9F-E510-1C27AAC4B649}"/>
+                <a16:creationId xmlns:a16="http://schemas.microsoft.com/office/drawing/2014/main" id="{76F36AE5-79B5-0B9F-E510-1C27AAC4B649}"/>
               </a:ext>
             </a:extLst>
           </p:cNvPr>
@@ -13147,7 +17769,7 @@
           <a:lstStyle/>
           <a:p>
             <a:r>
-              <a:rPr lang="ko-KR" altLang="en-US" sz="6600" smtClean="0">
+              <a:rPr lang="ko-KR" altLang="en-US" sz="6600">
                 <a:solidFill>
                   <a:schemeClr val="bg1"/>
                 </a:solidFill>
@@ -13157,7 +17779,7 @@
               <a:t>지역변수</a:t>
             </a:r>
             <a:r>
-              <a:rPr lang="en-US" altLang="ko-KR" sz="6600" smtClean="0">
+              <a:rPr lang="en-US" altLang="ko-KR" sz="6600">
                 <a:solidFill>
                   <a:schemeClr val="bg1"/>
                 </a:solidFill>
@@ -13167,7 +17789,7 @@
               <a:t>, </a:t>
             </a:r>
             <a:r>
-              <a:rPr lang="ko-KR" altLang="en-US" sz="6600" smtClean="0">
+              <a:rPr lang="ko-KR" altLang="en-US" sz="6600">
                 <a:solidFill>
                   <a:schemeClr val="bg1"/>
                 </a:solidFill>
@@ -13196,13 +17818,6 @@
   <p:clrMapOvr>
     <a:masterClrMapping/>
   </p:clrMapOvr>
-  <p:timing>
-    <p:tnLst>
-      <p:par>
-        <p:cTn id="1" dur="indefinite" restart="never" nodeType="tmRoot"/>
-      </p:par>
-    </p:tnLst>
-  </p:timing>
 </p:sld>
 </file>
 
@@ -13321,7 +17936,7 @@
           <p:cNvPr id="56" name="TextBox 55">
             <a:extLst>
               <a:ext uri="{FF2B5EF4-FFF2-40B4-BE49-F238E27FC236}">
-                <a16:creationId xmlns="" xmlns:a16="http://schemas.microsoft.com/office/drawing/2014/main" id="{A2AD056B-97A4-5BCC-4460-250160F3E171}"/>
+                <a16:creationId xmlns:a16="http://schemas.microsoft.com/office/drawing/2014/main" id="{A2AD056B-97A4-5BCC-4460-250160F3E171}"/>
               </a:ext>
             </a:extLst>
           </p:cNvPr>
@@ -13345,7 +17960,7 @@
           <a:lstStyle/>
           <a:p>
             <a:r>
-              <a:rPr lang="ko-KR" altLang="en-US" sz="4000" smtClean="0">
+              <a:rPr lang="ko-KR" altLang="en-US" sz="4000">
                 <a:solidFill>
                   <a:schemeClr val="tx1">
                     <a:lumMod val="50000"/>
@@ -13447,7 +18062,7 @@
           <p:cNvPr id="60" name="TextBox 59">
             <a:extLst>
               <a:ext uri="{FF2B5EF4-FFF2-40B4-BE49-F238E27FC236}">
-                <a16:creationId xmlns="" xmlns:a16="http://schemas.microsoft.com/office/drawing/2014/main" id="{5ADC00B6-990A-40DC-3CEA-505258F5E8DA}"/>
+                <a16:creationId xmlns:a16="http://schemas.microsoft.com/office/drawing/2014/main" id="{5ADC00B6-990A-40DC-3CEA-505258F5E8DA}"/>
               </a:ext>
             </a:extLst>
           </p:cNvPr>
@@ -13471,7 +18086,7 @@
           <a:lstStyle/>
           <a:p>
             <a:r>
-              <a:rPr lang="ko-KR" altLang="en-US" sz="4800" smtClean="0">
+              <a:rPr lang="ko-KR" altLang="en-US" sz="4800">
                 <a:solidFill>
                   <a:srgbClr val="4C50BC"/>
                 </a:solidFill>
@@ -13495,7 +18110,7 @@
           <p:cNvPr id="61" name="TextBox 60">
             <a:extLst>
               <a:ext uri="{FF2B5EF4-FFF2-40B4-BE49-F238E27FC236}">
-                <a16:creationId xmlns="" xmlns:a16="http://schemas.microsoft.com/office/drawing/2014/main" id="{5ADC00B6-990A-40DC-3CEA-505258F5E8DA}"/>
+                <a16:creationId xmlns:a16="http://schemas.microsoft.com/office/drawing/2014/main" id="{5ADC00B6-990A-40DC-3CEA-505258F5E8DA}"/>
               </a:ext>
             </a:extLst>
           </p:cNvPr>
@@ -13504,8 +18119,8 @@
         </p:nvSpPr>
         <p:spPr>
           <a:xfrm>
-            <a:off x="7696201" y="4954369"/>
-            <a:ext cx="2971800" cy="646331"/>
+            <a:off x="7696200" y="4954369"/>
+            <a:ext cx="3393621" cy="646331"/>
           </a:xfrm>
           <a:prstGeom prst="rect">
             <a:avLst/>
@@ -13519,7 +18134,7 @@
           <a:lstStyle/>
           <a:p>
             <a:r>
-              <a:rPr lang="ko-KR" altLang="en-US" sz="3600" smtClean="0">
+              <a:rPr lang="ko-KR" altLang="en-US" sz="3600" dirty="0">
                 <a:solidFill>
                   <a:srgbClr val="4C50BC"/>
                 </a:solidFill>
@@ -13543,7 +18158,7 @@
           <p:cNvPr id="62" name="TextBox 61">
             <a:extLst>
               <a:ext uri="{FF2B5EF4-FFF2-40B4-BE49-F238E27FC236}">
-                <a16:creationId xmlns="" xmlns:a16="http://schemas.microsoft.com/office/drawing/2014/main" id="{5ADC00B6-990A-40DC-3CEA-505258F5E8DA}"/>
+                <a16:creationId xmlns:a16="http://schemas.microsoft.com/office/drawing/2014/main" id="{5ADC00B6-990A-40DC-3CEA-505258F5E8DA}"/>
               </a:ext>
             </a:extLst>
           </p:cNvPr>
@@ -13567,7 +18182,7 @@
           <a:lstStyle/>
           <a:p>
             <a:r>
-              <a:rPr lang="ko-KR" altLang="en-US" sz="3600" smtClean="0">
+              <a:rPr lang="ko-KR" altLang="en-US" sz="3600">
                 <a:solidFill>
                   <a:srgbClr val="4C50BC"/>
                 </a:solidFill>
@@ -13596,13 +18211,6 @@
   <p:clrMapOvr>
     <a:masterClrMapping/>
   </p:clrMapOvr>
-  <p:timing>
-    <p:tnLst>
-      <p:par>
-        <p:cTn id="1" dur="indefinite" restart="never" nodeType="tmRoot"/>
-      </p:par>
-    </p:tnLst>
-  </p:timing>
 </p:sld>
 </file>
 
@@ -13628,7 +18236,7 @@
           <p:cNvPr id="4" name="TextBox 3">
             <a:extLst>
               <a:ext uri="{FF2B5EF4-FFF2-40B4-BE49-F238E27FC236}">
-                <a16:creationId xmlns="" xmlns:a16="http://schemas.microsoft.com/office/drawing/2014/main" id="{5ADC00B6-990A-40DC-3CEA-505258F5E8DA}"/>
+                <a16:creationId xmlns:a16="http://schemas.microsoft.com/office/drawing/2014/main" id="{5ADC00B6-990A-40DC-3CEA-505258F5E8DA}"/>
               </a:ext>
             </a:extLst>
           </p:cNvPr>
@@ -13652,7 +18260,7 @@
           <a:lstStyle/>
           <a:p>
             <a:r>
-              <a:rPr lang="ko-KR" altLang="en-US" sz="4800" smtClean="0">
+              <a:rPr lang="ko-KR" altLang="en-US" sz="4800">
                 <a:solidFill>
                   <a:srgbClr val="4C50BC"/>
                 </a:solidFill>
@@ -13676,7 +18284,7 @@
           <p:cNvPr id="5" name="TextBox 4">
             <a:extLst>
               <a:ext uri="{FF2B5EF4-FFF2-40B4-BE49-F238E27FC236}">
-                <a16:creationId xmlns="" xmlns:a16="http://schemas.microsoft.com/office/drawing/2014/main" id="{A2AD056B-97A4-5BCC-4460-250160F3E171}"/>
+                <a16:creationId xmlns:a16="http://schemas.microsoft.com/office/drawing/2014/main" id="{A2AD056B-97A4-5BCC-4460-250160F3E171}"/>
               </a:ext>
             </a:extLst>
           </p:cNvPr>
@@ -13700,7 +18308,7 @@
           <a:lstStyle/>
           <a:p>
             <a:r>
-              <a:rPr lang="ko-KR" altLang="en-US" sz="4000" smtClean="0">
+              <a:rPr lang="ko-KR" altLang="en-US" sz="4000">
                 <a:solidFill>
                   <a:schemeClr val="tx1">
                     <a:lumMod val="50000"/>
@@ -13713,7 +18321,7 @@
               <a:t>특정 범위에서만 유지된다</a:t>
             </a:r>
             <a:r>
-              <a:rPr lang="en-US" altLang="ko-KR" sz="4000" smtClean="0">
+              <a:rPr lang="en-US" altLang="ko-KR" sz="4000">
                 <a:solidFill>
                   <a:schemeClr val="tx1">
                     <a:lumMod val="50000"/>
@@ -13767,7 +18375,7 @@
           <p:cNvPr id="8" name="직선 화살표 연결선 7">
             <a:extLst>
               <a:ext uri="{FF2B5EF4-FFF2-40B4-BE49-F238E27FC236}">
-                <a16:creationId xmlns="" xmlns:a16="http://schemas.microsoft.com/office/drawing/2014/main" id="{299DF5EC-9DF4-5255-06AC-0A7CE4FF58C3}"/>
+                <a16:creationId xmlns:a16="http://schemas.microsoft.com/office/drawing/2014/main" id="{299DF5EC-9DF4-5255-06AC-0A7CE4FF58C3}"/>
               </a:ext>
             </a:extLst>
           </p:cNvPr>
@@ -13808,7 +18416,7 @@
           <p:cNvPr id="9" name="직사각형 8">
             <a:extLst>
               <a:ext uri="{FF2B5EF4-FFF2-40B4-BE49-F238E27FC236}">
-                <a16:creationId xmlns="" xmlns:a16="http://schemas.microsoft.com/office/drawing/2014/main" id="{FFF506F9-840A-0508-4CAF-3AC711D8D5CE}"/>
+                <a16:creationId xmlns:a16="http://schemas.microsoft.com/office/drawing/2014/main" id="{FFF506F9-840A-0508-4CAF-3AC711D8D5CE}"/>
               </a:ext>
             </a:extLst>
           </p:cNvPr>
@@ -13860,7 +18468,7 @@
           <p:cNvPr id="10" name="TextBox 9">
             <a:extLst>
               <a:ext uri="{FF2B5EF4-FFF2-40B4-BE49-F238E27FC236}">
-                <a16:creationId xmlns="" xmlns:a16="http://schemas.microsoft.com/office/drawing/2014/main" id="{C6D113C6-EA5C-788F-0C77-E7CE6EBB865F}"/>
+                <a16:creationId xmlns:a16="http://schemas.microsoft.com/office/drawing/2014/main" id="{C6D113C6-EA5C-788F-0C77-E7CE6EBB865F}"/>
               </a:ext>
             </a:extLst>
           </p:cNvPr>
@@ -13884,7 +18492,7 @@
           <a:lstStyle/>
           <a:p>
             <a:r>
-              <a:rPr lang="ko-KR" altLang="en-US" sz="4000" smtClean="0">
+              <a:rPr lang="ko-KR" altLang="en-US" sz="4000">
                 <a:solidFill>
                   <a:srgbClr val="FF0000"/>
                 </a:solidFill>
@@ -13894,7 +18502,7 @@
               <a:t>지역변수 범위를 벗어나 소멸되었다</a:t>
             </a:r>
             <a:r>
-              <a:rPr lang="en-US" altLang="ko-KR" sz="4000" smtClean="0">
+              <a:rPr lang="en-US" altLang="ko-KR" sz="4000">
                 <a:solidFill>
                   <a:srgbClr val="FF0000"/>
                 </a:solidFill>
@@ -13942,7 +18550,7 @@
           <p:cNvPr id="12" name="직선 화살표 연결선 11">
             <a:extLst>
               <a:ext uri="{FF2B5EF4-FFF2-40B4-BE49-F238E27FC236}">
-                <a16:creationId xmlns="" xmlns:a16="http://schemas.microsoft.com/office/drawing/2014/main" id="{299DF5EC-9DF4-5255-06AC-0A7CE4FF58C3}"/>
+                <a16:creationId xmlns:a16="http://schemas.microsoft.com/office/drawing/2014/main" id="{299DF5EC-9DF4-5255-06AC-0A7CE4FF58C3}"/>
               </a:ext>
             </a:extLst>
           </p:cNvPr>
@@ -13983,7 +18591,7 @@
           <p:cNvPr id="13" name="직사각형 12">
             <a:extLst>
               <a:ext uri="{FF2B5EF4-FFF2-40B4-BE49-F238E27FC236}">
-                <a16:creationId xmlns="" xmlns:a16="http://schemas.microsoft.com/office/drawing/2014/main" id="{FFF506F9-840A-0508-4CAF-3AC711D8D5CE}"/>
+                <a16:creationId xmlns:a16="http://schemas.microsoft.com/office/drawing/2014/main" id="{FFF506F9-840A-0508-4CAF-3AC711D8D5CE}"/>
               </a:ext>
             </a:extLst>
           </p:cNvPr>
@@ -14035,7 +18643,7 @@
           <p:cNvPr id="14" name="TextBox 13">
             <a:extLst>
               <a:ext uri="{FF2B5EF4-FFF2-40B4-BE49-F238E27FC236}">
-                <a16:creationId xmlns="" xmlns:a16="http://schemas.microsoft.com/office/drawing/2014/main" id="{C6D113C6-EA5C-788F-0C77-E7CE6EBB865F}"/>
+                <a16:creationId xmlns:a16="http://schemas.microsoft.com/office/drawing/2014/main" id="{C6D113C6-EA5C-788F-0C77-E7CE6EBB865F}"/>
               </a:ext>
             </a:extLst>
           </p:cNvPr>
@@ -14059,7 +18667,7 @@
           <a:lstStyle/>
           <a:p>
             <a:r>
-              <a:rPr lang="en-US" altLang="ko-KR" sz="4000" smtClean="0">
+              <a:rPr lang="en-US" altLang="ko-KR" sz="4000">
                 <a:solidFill>
                   <a:srgbClr val="FF0000"/>
                 </a:solidFill>
@@ -14069,7 +18677,7 @@
               <a:t>main </a:t>
             </a:r>
             <a:r>
-              <a:rPr lang="ko-KR" altLang="en-US" sz="4000" smtClean="0">
+              <a:rPr lang="ko-KR" altLang="en-US" sz="4000">
                 <a:solidFill>
                   <a:srgbClr val="FF0000"/>
                 </a:solidFill>

--- a/JavaLecture/LectureFile/java 7강.pptx
+++ b/JavaLecture/LectureFile/java 7강.pptx
@@ -235,7 +235,7 @@
           <a:p>
             <a:fld id="{D79F2C30-10E1-4C46-91DC-BBDB9629E720}" type="datetimeFigureOut">
               <a:rPr lang="ko-KR" altLang="en-US" smtClean="0"/>
-              <a:t>2023-02-04 Saturday</a:t>
+              <a:t>2023-02-04</a:t>
             </a:fld>
             <a:endParaRPr lang="ko-KR" altLang="en-US"/>
           </a:p>
@@ -3697,7 +3697,7 @@
           <p:cNvPr id="2" name="TextBox 1">
             <a:extLst>
               <a:ext uri="{FF2B5EF4-FFF2-40B4-BE49-F238E27FC236}">
-                <a16:creationId xmlns:a16="http://schemas.microsoft.com/office/drawing/2014/main" id="{E9A453A8-9968-67AB-7B4A-83EEB4662AA6}"/>
+                <a16:creationId xmlns:a16="http://schemas.microsoft.com/office/drawing/2014/main" xmlns="" id="{E9A453A8-9968-67AB-7B4A-83EEB4662AA6}"/>
               </a:ext>
             </a:extLst>
           </p:cNvPr>
@@ -3745,7 +3745,7 @@
           <p:cNvPr id="4" name="TextBox 3">
             <a:extLst>
               <a:ext uri="{FF2B5EF4-FFF2-40B4-BE49-F238E27FC236}">
-                <a16:creationId xmlns:a16="http://schemas.microsoft.com/office/drawing/2014/main" id="{F4B7A35A-8AAC-4622-64BC-CAD1472D4115}"/>
+                <a16:creationId xmlns:a16="http://schemas.microsoft.com/office/drawing/2014/main" xmlns="" id="{F4B7A35A-8AAC-4622-64BC-CAD1472D4115}"/>
               </a:ext>
             </a:extLst>
           </p:cNvPr>
@@ -3817,7 +3817,7 @@
           <p:cNvPr id="7" name="TextBox 6">
             <a:extLst>
               <a:ext uri="{FF2B5EF4-FFF2-40B4-BE49-F238E27FC236}">
-                <a16:creationId xmlns:a16="http://schemas.microsoft.com/office/drawing/2014/main" id="{3ACE900A-D779-4343-6623-8588B376F0A1}"/>
+                <a16:creationId xmlns:a16="http://schemas.microsoft.com/office/drawing/2014/main" xmlns="" id="{3ACE900A-D779-4343-6623-8588B376F0A1}"/>
               </a:ext>
             </a:extLst>
           </p:cNvPr>
@@ -3905,7 +3905,7 @@
           <p:cNvPr id="5" name="직사각형 4">
             <a:extLst>
               <a:ext uri="{FF2B5EF4-FFF2-40B4-BE49-F238E27FC236}">
-                <a16:creationId xmlns:a16="http://schemas.microsoft.com/office/drawing/2014/main" id="{FFF506F9-840A-0508-4CAF-3AC711D8D5CE}"/>
+                <a16:creationId xmlns:a16="http://schemas.microsoft.com/office/drawing/2014/main" xmlns="" id="{FFF506F9-840A-0508-4CAF-3AC711D8D5CE}"/>
               </a:ext>
             </a:extLst>
           </p:cNvPr>
@@ -3962,6 +3962,13 @@
   <p:clrMapOvr>
     <a:masterClrMapping/>
   </p:clrMapOvr>
+  <p:timing>
+    <p:tnLst>
+      <p:par>
+        <p:cTn id="1" dur="indefinite" restart="never" nodeType="tmRoot"/>
+      </p:par>
+    </p:tnLst>
+  </p:timing>
 </p:sld>
 </file>
 
@@ -3987,7 +3994,7 @@
           <p:cNvPr id="4" name="TextBox 3">
             <a:extLst>
               <a:ext uri="{FF2B5EF4-FFF2-40B4-BE49-F238E27FC236}">
-                <a16:creationId xmlns:a16="http://schemas.microsoft.com/office/drawing/2014/main" id="{5ADC00B6-990A-40DC-3CEA-505258F5E8DA}"/>
+                <a16:creationId xmlns:a16="http://schemas.microsoft.com/office/drawing/2014/main" xmlns="" id="{5ADC00B6-990A-40DC-3CEA-505258F5E8DA}"/>
               </a:ext>
             </a:extLst>
           </p:cNvPr>
@@ -4089,7 +4096,7 @@
           <p:cNvPr id="6" name="직사각형 5">
             <a:extLst>
               <a:ext uri="{FF2B5EF4-FFF2-40B4-BE49-F238E27FC236}">
-                <a16:creationId xmlns:a16="http://schemas.microsoft.com/office/drawing/2014/main" id="{FFF506F9-840A-0508-4CAF-3AC711D8D5CE}"/>
+                <a16:creationId xmlns:a16="http://schemas.microsoft.com/office/drawing/2014/main" xmlns="" id="{FFF506F9-840A-0508-4CAF-3AC711D8D5CE}"/>
               </a:ext>
             </a:extLst>
           </p:cNvPr>
@@ -4141,7 +4148,7 @@
           <p:cNvPr id="7" name="직사각형 6">
             <a:extLst>
               <a:ext uri="{FF2B5EF4-FFF2-40B4-BE49-F238E27FC236}">
-                <a16:creationId xmlns:a16="http://schemas.microsoft.com/office/drawing/2014/main" id="{FFF506F9-840A-0508-4CAF-3AC711D8D5CE}"/>
+                <a16:creationId xmlns:a16="http://schemas.microsoft.com/office/drawing/2014/main" xmlns="" id="{FFF506F9-840A-0508-4CAF-3AC711D8D5CE}"/>
               </a:ext>
             </a:extLst>
           </p:cNvPr>
@@ -4193,7 +4200,7 @@
           <p:cNvPr id="8" name="직사각형 7">
             <a:extLst>
               <a:ext uri="{FF2B5EF4-FFF2-40B4-BE49-F238E27FC236}">
-                <a16:creationId xmlns:a16="http://schemas.microsoft.com/office/drawing/2014/main" id="{FFF506F9-840A-0508-4CAF-3AC711D8D5CE}"/>
+                <a16:creationId xmlns:a16="http://schemas.microsoft.com/office/drawing/2014/main" xmlns="" id="{FFF506F9-840A-0508-4CAF-3AC711D8D5CE}"/>
               </a:ext>
             </a:extLst>
           </p:cNvPr>
@@ -4245,7 +4252,7 @@
           <p:cNvPr id="9" name="직선 화살표 연결선 8">
             <a:extLst>
               <a:ext uri="{FF2B5EF4-FFF2-40B4-BE49-F238E27FC236}">
-                <a16:creationId xmlns:a16="http://schemas.microsoft.com/office/drawing/2014/main" id="{299DF5EC-9DF4-5255-06AC-0A7CE4FF58C3}"/>
+                <a16:creationId xmlns:a16="http://schemas.microsoft.com/office/drawing/2014/main" xmlns="" id="{299DF5EC-9DF4-5255-06AC-0A7CE4FF58C3}"/>
               </a:ext>
             </a:extLst>
           </p:cNvPr>
@@ -4286,7 +4293,7 @@
           <p:cNvPr id="10" name="TextBox 9">
             <a:extLst>
               <a:ext uri="{FF2B5EF4-FFF2-40B4-BE49-F238E27FC236}">
-                <a16:creationId xmlns:a16="http://schemas.microsoft.com/office/drawing/2014/main" id="{C6D113C6-EA5C-788F-0C77-E7CE6EBB865F}"/>
+                <a16:creationId xmlns:a16="http://schemas.microsoft.com/office/drawing/2014/main" xmlns="" id="{C6D113C6-EA5C-788F-0C77-E7CE6EBB865F}"/>
               </a:ext>
             </a:extLst>
           </p:cNvPr>
@@ -4339,6 +4346,13 @@
   <p:clrMapOvr>
     <a:masterClrMapping/>
   </p:clrMapOvr>
+  <p:timing>
+    <p:tnLst>
+      <p:par>
+        <p:cTn id="1" dur="indefinite" restart="never" nodeType="tmRoot"/>
+      </p:par>
+    </p:tnLst>
+  </p:timing>
 </p:sld>
 </file>
 
@@ -4361,7 +4375,7 @@
       </p:grpSpPr>
       <p:pic>
         <p:nvPicPr>
-          <p:cNvPr id="4" name="그림 3"/>
+          <p:cNvPr id="2" name="그림 1"/>
           <p:cNvPicPr>
             <a:picLocks noChangeAspect="1"/>
           </p:cNvPicPr>
@@ -4375,8 +4389,8 @@
         </p:blipFill>
         <p:spPr>
           <a:xfrm>
-            <a:off x="1059766" y="1409700"/>
-            <a:ext cx="6477000" cy="8013212"/>
+            <a:off x="578369" y="1244853"/>
+            <a:ext cx="8565631" cy="8546847"/>
           </a:xfrm>
           <a:prstGeom prst="rect">
             <a:avLst/>
@@ -4388,7 +4402,7 @@
           <p:cNvPr id="5" name="TextBox 4">
             <a:extLst>
               <a:ext uri="{FF2B5EF4-FFF2-40B4-BE49-F238E27FC236}">
-                <a16:creationId xmlns:a16="http://schemas.microsoft.com/office/drawing/2014/main" id="{5ADC00B6-990A-40DC-3CEA-505258F5E8DA}"/>
+                <a16:creationId xmlns:a16="http://schemas.microsoft.com/office/drawing/2014/main" xmlns="" id="{5ADC00B6-990A-40DC-3CEA-505258F5E8DA}"/>
               </a:ext>
             </a:extLst>
           </p:cNvPr>
@@ -4446,7 +4460,7 @@
           <p:cNvPr id="6" name="직사각형 5">
             <a:extLst>
               <a:ext uri="{FF2B5EF4-FFF2-40B4-BE49-F238E27FC236}">
-                <a16:creationId xmlns:a16="http://schemas.microsoft.com/office/drawing/2014/main" id="{FFF506F9-840A-0508-4CAF-3AC711D8D5CE}"/>
+                <a16:creationId xmlns:a16="http://schemas.microsoft.com/office/drawing/2014/main" xmlns="" id="{FFF506F9-840A-0508-4CAF-3AC711D8D5CE}"/>
               </a:ext>
             </a:extLst>
           </p:cNvPr>
@@ -4498,7 +4512,7 @@
           <p:cNvPr id="7" name="직선 화살표 연결선 6">
             <a:extLst>
               <a:ext uri="{FF2B5EF4-FFF2-40B4-BE49-F238E27FC236}">
-                <a16:creationId xmlns:a16="http://schemas.microsoft.com/office/drawing/2014/main" id="{299DF5EC-9DF4-5255-06AC-0A7CE4FF58C3}"/>
+                <a16:creationId xmlns:a16="http://schemas.microsoft.com/office/drawing/2014/main" xmlns="" id="{299DF5EC-9DF4-5255-06AC-0A7CE4FF58C3}"/>
               </a:ext>
             </a:extLst>
           </p:cNvPr>
@@ -4539,7 +4553,7 @@
           <p:cNvPr id="8" name="TextBox 7">
             <a:extLst>
               <a:ext uri="{FF2B5EF4-FFF2-40B4-BE49-F238E27FC236}">
-                <a16:creationId xmlns:a16="http://schemas.microsoft.com/office/drawing/2014/main" id="{C6D113C6-EA5C-788F-0C77-E7CE6EBB865F}"/>
+                <a16:creationId xmlns:a16="http://schemas.microsoft.com/office/drawing/2014/main" xmlns="" id="{C6D113C6-EA5C-788F-0C77-E7CE6EBB865F}"/>
               </a:ext>
             </a:extLst>
           </p:cNvPr>
@@ -4587,7 +4601,7 @@
           <p:cNvPr id="9" name="직사각형 8">
             <a:extLst>
               <a:ext uri="{FF2B5EF4-FFF2-40B4-BE49-F238E27FC236}">
-                <a16:creationId xmlns:a16="http://schemas.microsoft.com/office/drawing/2014/main" id="{FFF506F9-840A-0508-4CAF-3AC711D8D5CE}"/>
+                <a16:creationId xmlns:a16="http://schemas.microsoft.com/office/drawing/2014/main" xmlns="" id="{FFF506F9-840A-0508-4CAF-3AC711D8D5CE}"/>
               </a:ext>
             </a:extLst>
           </p:cNvPr>
@@ -4639,7 +4653,7 @@
           <p:cNvPr id="10" name="직선 화살표 연결선 9">
             <a:extLst>
               <a:ext uri="{FF2B5EF4-FFF2-40B4-BE49-F238E27FC236}">
-                <a16:creationId xmlns:a16="http://schemas.microsoft.com/office/drawing/2014/main" id="{299DF5EC-9DF4-5255-06AC-0A7CE4FF58C3}"/>
+                <a16:creationId xmlns:a16="http://schemas.microsoft.com/office/drawing/2014/main" xmlns="" id="{299DF5EC-9DF4-5255-06AC-0A7CE4FF58C3}"/>
               </a:ext>
             </a:extLst>
           </p:cNvPr>
@@ -4680,7 +4694,7 @@
           <p:cNvPr id="11" name="TextBox 10">
             <a:extLst>
               <a:ext uri="{FF2B5EF4-FFF2-40B4-BE49-F238E27FC236}">
-                <a16:creationId xmlns:a16="http://schemas.microsoft.com/office/drawing/2014/main" id="{C6D113C6-EA5C-788F-0C77-E7CE6EBB865F}"/>
+                <a16:creationId xmlns:a16="http://schemas.microsoft.com/office/drawing/2014/main" xmlns="" id="{C6D113C6-EA5C-788F-0C77-E7CE6EBB865F}"/>
               </a:ext>
             </a:extLst>
           </p:cNvPr>
@@ -4739,7 +4753,7 @@
         </p:blipFill>
         <p:spPr>
           <a:xfrm>
-            <a:off x="7780313" y="2892014"/>
+            <a:off x="10058400" y="2171700"/>
             <a:ext cx="1744687" cy="1508918"/>
           </a:xfrm>
           <a:prstGeom prst="rect">
@@ -4757,6 +4771,81 @@
   <p:clrMapOvr>
     <a:masterClrMapping/>
   </p:clrMapOvr>
+  <p:timing>
+    <p:tnLst>
+      <p:par>
+        <p:cTn id="1" dur="indefinite" restart="never" nodeType="tmRoot">
+          <p:childTnLst>
+            <p:seq concurrent="1" nextAc="seek">
+              <p:cTn id="2" dur="indefinite" nodeType="mainSeq">
+                <p:childTnLst>
+                  <p:par>
+                    <p:cTn id="3" fill="hold">
+                      <p:stCondLst>
+                        <p:cond delay="indefinite"/>
+                      </p:stCondLst>
+                      <p:childTnLst>
+                        <p:par>
+                          <p:cTn id="4" fill="hold">
+                            <p:stCondLst>
+                              <p:cond delay="0"/>
+                            </p:stCondLst>
+                            <p:childTnLst>
+                              <p:par>
+                                <p:cTn id="5" presetID="1" presetClass="entr" presetSubtype="0" fill="hold" nodeType="clickEffect">
+                                  <p:stCondLst>
+                                    <p:cond delay="0"/>
+                                  </p:stCondLst>
+                                  <p:childTnLst>
+                                    <p:set>
+                                      <p:cBhvr>
+                                        <p:cTn id="6" dur="1" fill="hold">
+                                          <p:stCondLst>
+                                            <p:cond delay="0"/>
+                                          </p:stCondLst>
+                                        </p:cTn>
+                                        <p:tgtEl>
+                                          <p:spTgt spid="12"/>
+                                        </p:tgtEl>
+                                        <p:attrNameLst>
+                                          <p:attrName>style.visibility</p:attrName>
+                                        </p:attrNameLst>
+                                      </p:cBhvr>
+                                      <p:to>
+                                        <p:strVal val="visible"/>
+                                      </p:to>
+                                    </p:set>
+                                  </p:childTnLst>
+                                </p:cTn>
+                              </p:par>
+                            </p:childTnLst>
+                          </p:cTn>
+                        </p:par>
+                      </p:childTnLst>
+                    </p:cTn>
+                  </p:par>
+                </p:childTnLst>
+              </p:cTn>
+              <p:prevCondLst>
+                <p:cond evt="onPrev" delay="0">
+                  <p:tgtEl>
+                    <p:sldTgt/>
+                  </p:tgtEl>
+                </p:cond>
+              </p:prevCondLst>
+              <p:nextCondLst>
+                <p:cond evt="onNext" delay="0">
+                  <p:tgtEl>
+                    <p:sldTgt/>
+                  </p:tgtEl>
+                </p:cond>
+              </p:nextCondLst>
+            </p:seq>
+          </p:childTnLst>
+        </p:cTn>
+      </p:par>
+    </p:tnLst>
+  </p:timing>
 </p:sld>
 </file>
 
@@ -4782,7 +4871,7 @@
           <p:cNvPr id="4" name="TextBox 3">
             <a:extLst>
               <a:ext uri="{FF2B5EF4-FFF2-40B4-BE49-F238E27FC236}">
-                <a16:creationId xmlns:a16="http://schemas.microsoft.com/office/drawing/2014/main" id="{5ADC00B6-990A-40DC-3CEA-505258F5E8DA}"/>
+                <a16:creationId xmlns:a16="http://schemas.microsoft.com/office/drawing/2014/main" xmlns="" id="{5ADC00B6-990A-40DC-3CEA-505258F5E8DA}"/>
               </a:ext>
             </a:extLst>
           </p:cNvPr>
@@ -4884,7 +4973,7 @@
           <p:cNvPr id="6" name="직사각형 5">
             <a:extLst>
               <a:ext uri="{FF2B5EF4-FFF2-40B4-BE49-F238E27FC236}">
-                <a16:creationId xmlns:a16="http://schemas.microsoft.com/office/drawing/2014/main" id="{FFF506F9-840A-0508-4CAF-3AC711D8D5CE}"/>
+                <a16:creationId xmlns:a16="http://schemas.microsoft.com/office/drawing/2014/main" xmlns="" id="{FFF506F9-840A-0508-4CAF-3AC711D8D5CE}"/>
               </a:ext>
             </a:extLst>
           </p:cNvPr>
@@ -4941,6 +5030,13 @@
   <p:clrMapOvr>
     <a:masterClrMapping/>
   </p:clrMapOvr>
+  <p:timing>
+    <p:tnLst>
+      <p:par>
+        <p:cTn id="1" dur="indefinite" restart="never" nodeType="tmRoot"/>
+      </p:par>
+    </p:tnLst>
+  </p:timing>
 </p:sld>
 </file>
 
@@ -4966,7 +5062,7 @@
           <p:cNvPr id="4" name="TextBox 3">
             <a:extLst>
               <a:ext uri="{FF2B5EF4-FFF2-40B4-BE49-F238E27FC236}">
-                <a16:creationId xmlns:a16="http://schemas.microsoft.com/office/drawing/2014/main" id="{5ADC00B6-990A-40DC-3CEA-505258F5E8DA}"/>
+                <a16:creationId xmlns:a16="http://schemas.microsoft.com/office/drawing/2014/main" xmlns="" id="{5ADC00B6-990A-40DC-3CEA-505258F5E8DA}"/>
               </a:ext>
             </a:extLst>
           </p:cNvPr>
@@ -5039,6 +5135,13 @@
   <p:clrMapOvr>
     <a:masterClrMapping/>
   </p:clrMapOvr>
+  <p:timing>
+    <p:tnLst>
+      <p:par>
+        <p:cTn id="1" dur="indefinite" restart="never" nodeType="tmRoot"/>
+      </p:par>
+    </p:tnLst>
+  </p:timing>
 </p:sld>
 </file>
 
@@ -5072,7 +5175,7 @@
           <p:cNvPr id="4" name="Object 1">
             <a:extLst>
               <a:ext uri="{FF2B5EF4-FFF2-40B4-BE49-F238E27FC236}">
-                <a16:creationId xmlns:a16="http://schemas.microsoft.com/office/drawing/2014/main" id="{B0329035-BE76-33A8-0F2E-44624FCC1DED}"/>
+                <a16:creationId xmlns:a16="http://schemas.microsoft.com/office/drawing/2014/main" xmlns="" id="{B0329035-BE76-33A8-0F2E-44624FCC1DED}"/>
               </a:ext>
             </a:extLst>
           </p:cNvPr>
@@ -5102,7 +5205,7 @@
           <p:cNvPr id="7" name="그룹 1001">
             <a:extLst>
               <a:ext uri="{FF2B5EF4-FFF2-40B4-BE49-F238E27FC236}">
-                <a16:creationId xmlns:a16="http://schemas.microsoft.com/office/drawing/2014/main" id="{CD24CE9D-AC18-B6CD-F397-7E8E03D6FE26}"/>
+                <a16:creationId xmlns:a16="http://schemas.microsoft.com/office/drawing/2014/main" xmlns="" id="{CD24CE9D-AC18-B6CD-F397-7E8E03D6FE26}"/>
               </a:ext>
             </a:extLst>
           </p:cNvPr>
@@ -5122,7 +5225,7 @@
             <p:cNvPr id="8" name="Object 5">
               <a:extLst>
                 <a:ext uri="{FF2B5EF4-FFF2-40B4-BE49-F238E27FC236}">
-                  <a16:creationId xmlns:a16="http://schemas.microsoft.com/office/drawing/2014/main" id="{0EEF25E8-3BA8-EBAA-6DC2-66D70C3F9F4D}"/>
+                  <a16:creationId xmlns:a16="http://schemas.microsoft.com/office/drawing/2014/main" xmlns="" id="{0EEF25E8-3BA8-EBAA-6DC2-66D70C3F9F4D}"/>
                 </a:ext>
               </a:extLst>
             </p:cNvPr>
@@ -5153,7 +5256,7 @@
           <p:cNvPr id="9" name="그룹 1002">
             <a:extLst>
               <a:ext uri="{FF2B5EF4-FFF2-40B4-BE49-F238E27FC236}">
-                <a16:creationId xmlns:a16="http://schemas.microsoft.com/office/drawing/2014/main" id="{0F281BC9-DE1F-D1FE-E64C-C4640398F00C}"/>
+                <a16:creationId xmlns:a16="http://schemas.microsoft.com/office/drawing/2014/main" xmlns="" id="{0F281BC9-DE1F-D1FE-E64C-C4640398F00C}"/>
               </a:ext>
             </a:extLst>
           </p:cNvPr>
@@ -5173,7 +5276,7 @@
             <p:cNvPr id="10" name="Object 8">
               <a:extLst>
                 <a:ext uri="{FF2B5EF4-FFF2-40B4-BE49-F238E27FC236}">
-                  <a16:creationId xmlns:a16="http://schemas.microsoft.com/office/drawing/2014/main" id="{F669DCEF-04BB-7046-3F7F-5B513213556E}"/>
+                  <a16:creationId xmlns:a16="http://schemas.microsoft.com/office/drawing/2014/main" xmlns="" id="{F669DCEF-04BB-7046-3F7F-5B513213556E}"/>
                 </a:ext>
               </a:extLst>
             </p:cNvPr>
@@ -5204,7 +5307,7 @@
           <p:cNvPr id="11" name="그룹 1003">
             <a:extLst>
               <a:ext uri="{FF2B5EF4-FFF2-40B4-BE49-F238E27FC236}">
-                <a16:creationId xmlns:a16="http://schemas.microsoft.com/office/drawing/2014/main" id="{1F91EEF9-13EA-BB7F-B056-D35E7DB989AC}"/>
+                <a16:creationId xmlns:a16="http://schemas.microsoft.com/office/drawing/2014/main" xmlns="" id="{1F91EEF9-13EA-BB7F-B056-D35E7DB989AC}"/>
               </a:ext>
             </a:extLst>
           </p:cNvPr>
@@ -5224,7 +5327,7 @@
             <p:cNvPr id="12" name="Object 11">
               <a:extLst>
                 <a:ext uri="{FF2B5EF4-FFF2-40B4-BE49-F238E27FC236}">
-                  <a16:creationId xmlns:a16="http://schemas.microsoft.com/office/drawing/2014/main" id="{2CFFB217-AEFB-2C9E-5F86-6EE19510FFC6}"/>
+                  <a16:creationId xmlns:a16="http://schemas.microsoft.com/office/drawing/2014/main" xmlns="" id="{2CFFB217-AEFB-2C9E-5F86-6EE19510FFC6}"/>
                 </a:ext>
               </a:extLst>
             </p:cNvPr>
@@ -5255,7 +5358,7 @@
           <p:cNvPr id="13" name="그룹 1004">
             <a:extLst>
               <a:ext uri="{FF2B5EF4-FFF2-40B4-BE49-F238E27FC236}">
-                <a16:creationId xmlns:a16="http://schemas.microsoft.com/office/drawing/2014/main" id="{123B9C7E-94E8-E7E1-81BE-D59EA0299187}"/>
+                <a16:creationId xmlns:a16="http://schemas.microsoft.com/office/drawing/2014/main" xmlns="" id="{123B9C7E-94E8-E7E1-81BE-D59EA0299187}"/>
               </a:ext>
             </a:extLst>
           </p:cNvPr>
@@ -5275,7 +5378,7 @@
             <p:cNvPr id="14" name="Object 14">
               <a:extLst>
                 <a:ext uri="{FF2B5EF4-FFF2-40B4-BE49-F238E27FC236}">
-                  <a16:creationId xmlns:a16="http://schemas.microsoft.com/office/drawing/2014/main" id="{B6291552-2D89-A79F-7ACD-EA0EF9A4C389}"/>
+                  <a16:creationId xmlns:a16="http://schemas.microsoft.com/office/drawing/2014/main" xmlns="" id="{B6291552-2D89-A79F-7ACD-EA0EF9A4C389}"/>
                 </a:ext>
               </a:extLst>
             </p:cNvPr>
@@ -5306,7 +5409,7 @@
           <p:cNvPr id="15" name="TextBox 14">
             <a:extLst>
               <a:ext uri="{FF2B5EF4-FFF2-40B4-BE49-F238E27FC236}">
-                <a16:creationId xmlns:a16="http://schemas.microsoft.com/office/drawing/2014/main" id="{7D99763A-FC24-23F5-5BA9-D7B042E0F323}"/>
+                <a16:creationId xmlns:a16="http://schemas.microsoft.com/office/drawing/2014/main" xmlns="" id="{7D99763A-FC24-23F5-5BA9-D7B042E0F323}"/>
               </a:ext>
             </a:extLst>
           </p:cNvPr>
@@ -5384,7 +5487,7 @@
           <p:cNvPr id="4" name="TextBox 3">
             <a:extLst>
               <a:ext uri="{FF2B5EF4-FFF2-40B4-BE49-F238E27FC236}">
-                <a16:creationId xmlns:a16="http://schemas.microsoft.com/office/drawing/2014/main" id="{5ADC00B6-990A-40DC-3CEA-505258F5E8DA}"/>
+                <a16:creationId xmlns:a16="http://schemas.microsoft.com/office/drawing/2014/main" xmlns="" id="{5ADC00B6-990A-40DC-3CEA-505258F5E8DA}"/>
               </a:ext>
             </a:extLst>
           </p:cNvPr>
@@ -5465,14 +5568,14 @@
                 <a:gridCol w="1981200">
                   <a:extLst>
                     <a:ext uri="{9D8B030D-6E8A-4147-A177-3AD203B41FA5}">
-                      <a16:colId xmlns:a16="http://schemas.microsoft.com/office/drawing/2014/main" val="20000"/>
+                      <a16:colId xmlns:a16="http://schemas.microsoft.com/office/drawing/2014/main" xmlns="" val="20000"/>
                     </a:ext>
                   </a:extLst>
                 </a:gridCol>
                 <a:gridCol w="6019801">
                   <a:extLst>
                     <a:ext uri="{9D8B030D-6E8A-4147-A177-3AD203B41FA5}">
-                      <a16:colId xmlns:a16="http://schemas.microsoft.com/office/drawing/2014/main" val="20001"/>
+                      <a16:colId xmlns:a16="http://schemas.microsoft.com/office/drawing/2014/main" xmlns="" val="20001"/>
                     </a:ext>
                   </a:extLst>
                 </a:gridCol>
@@ -5610,7 +5713,7 @@
                 </a:tc>
                 <a:extLst>
                   <a:ext uri="{0D108BD9-81ED-4DB2-BD59-A6C34878D82A}">
-                    <a16:rowId xmlns:a16="http://schemas.microsoft.com/office/drawing/2014/main" val="10000"/>
+                    <a16:rowId xmlns:a16="http://schemas.microsoft.com/office/drawing/2014/main" xmlns="" val="10000"/>
                   </a:ext>
                 </a:extLst>
               </a:tr>
@@ -5771,7 +5874,7 @@
                 </a:tc>
                 <a:extLst>
                   <a:ext uri="{0D108BD9-81ED-4DB2-BD59-A6C34878D82A}">
-                    <a16:rowId xmlns:a16="http://schemas.microsoft.com/office/drawing/2014/main" val="10001"/>
+                    <a16:rowId xmlns:a16="http://schemas.microsoft.com/office/drawing/2014/main" xmlns="" val="10001"/>
                   </a:ext>
                 </a:extLst>
               </a:tr>
@@ -5911,7 +6014,7 @@
                 </a:tc>
                 <a:extLst>
                   <a:ext uri="{0D108BD9-81ED-4DB2-BD59-A6C34878D82A}">
-                    <a16:rowId xmlns:a16="http://schemas.microsoft.com/office/drawing/2014/main" val="10002"/>
+                    <a16:rowId xmlns:a16="http://schemas.microsoft.com/office/drawing/2014/main" xmlns="" val="10002"/>
                   </a:ext>
                 </a:extLst>
               </a:tr>
@@ -5977,14 +6080,14 @@
                 <a:gridCol w="2898913">
                   <a:extLst>
                     <a:ext uri="{9D8B030D-6E8A-4147-A177-3AD203B41FA5}">
-                      <a16:colId xmlns:a16="http://schemas.microsoft.com/office/drawing/2014/main" val="20000"/>
+                      <a16:colId xmlns:a16="http://schemas.microsoft.com/office/drawing/2014/main" xmlns="" val="20000"/>
                     </a:ext>
                   </a:extLst>
                 </a:gridCol>
                 <a:gridCol w="5102088">
                   <a:extLst>
                     <a:ext uri="{9D8B030D-6E8A-4147-A177-3AD203B41FA5}">
-                      <a16:colId xmlns:a16="http://schemas.microsoft.com/office/drawing/2014/main" val="20001"/>
+                      <a16:colId xmlns:a16="http://schemas.microsoft.com/office/drawing/2014/main" xmlns="" val="20001"/>
                     </a:ext>
                   </a:extLst>
                 </a:gridCol>
@@ -6114,7 +6217,7 @@
                 </a:tc>
                 <a:extLst>
                   <a:ext uri="{0D108BD9-81ED-4DB2-BD59-A6C34878D82A}">
-                    <a16:rowId xmlns:a16="http://schemas.microsoft.com/office/drawing/2014/main" val="10000"/>
+                    <a16:rowId xmlns:a16="http://schemas.microsoft.com/office/drawing/2014/main" xmlns="" val="10000"/>
                   </a:ext>
                 </a:extLst>
               </a:tr>
@@ -6251,7 +6354,7 @@
                 </a:tc>
                 <a:extLst>
                   <a:ext uri="{0D108BD9-81ED-4DB2-BD59-A6C34878D82A}">
-                    <a16:rowId xmlns:a16="http://schemas.microsoft.com/office/drawing/2014/main" val="10001"/>
+                    <a16:rowId xmlns:a16="http://schemas.microsoft.com/office/drawing/2014/main" xmlns="" val="10001"/>
                   </a:ext>
                 </a:extLst>
               </a:tr>
@@ -6380,7 +6483,7 @@
                 </a:tc>
                 <a:extLst>
                   <a:ext uri="{0D108BD9-81ED-4DB2-BD59-A6C34878D82A}">
-                    <a16:rowId xmlns:a16="http://schemas.microsoft.com/office/drawing/2014/main" val="10002"/>
+                    <a16:rowId xmlns:a16="http://schemas.microsoft.com/office/drawing/2014/main" xmlns="" val="10002"/>
                   </a:ext>
                 </a:extLst>
               </a:tr>
@@ -6417,7 +6520,7 @@
           <p:cNvPr id="8" name="직선 화살표 연결선 7">
             <a:extLst>
               <a:ext uri="{FF2B5EF4-FFF2-40B4-BE49-F238E27FC236}">
-                <a16:creationId xmlns:a16="http://schemas.microsoft.com/office/drawing/2014/main" id="{299DF5EC-9DF4-5255-06AC-0A7CE4FF58C3}"/>
+                <a16:creationId xmlns:a16="http://schemas.microsoft.com/office/drawing/2014/main" xmlns="" id="{299DF5EC-9DF4-5255-06AC-0A7CE4FF58C3}"/>
               </a:ext>
             </a:extLst>
           </p:cNvPr>
@@ -6458,7 +6561,7 @@
           <p:cNvPr id="10" name="직선 화살표 연결선 9">
             <a:extLst>
               <a:ext uri="{FF2B5EF4-FFF2-40B4-BE49-F238E27FC236}">
-                <a16:creationId xmlns:a16="http://schemas.microsoft.com/office/drawing/2014/main" id="{299DF5EC-9DF4-5255-06AC-0A7CE4FF58C3}"/>
+                <a16:creationId xmlns:a16="http://schemas.microsoft.com/office/drawing/2014/main" xmlns="" id="{299DF5EC-9DF4-5255-06AC-0A7CE4FF58C3}"/>
               </a:ext>
             </a:extLst>
           </p:cNvPr>
@@ -6499,7 +6602,7 @@
           <p:cNvPr id="12" name="직선 화살표 연결선 11">
             <a:extLst>
               <a:ext uri="{FF2B5EF4-FFF2-40B4-BE49-F238E27FC236}">
-                <a16:creationId xmlns:a16="http://schemas.microsoft.com/office/drawing/2014/main" id="{299DF5EC-9DF4-5255-06AC-0A7CE4FF58C3}"/>
+                <a16:creationId xmlns:a16="http://schemas.microsoft.com/office/drawing/2014/main" xmlns="" id="{299DF5EC-9DF4-5255-06AC-0A7CE4FF58C3}"/>
               </a:ext>
             </a:extLst>
           </p:cNvPr>
@@ -6540,7 +6643,7 @@
           <p:cNvPr id="3" name="그림 2">
             <a:extLst>
               <a:ext uri="{FF2B5EF4-FFF2-40B4-BE49-F238E27FC236}">
-                <a16:creationId xmlns:a16="http://schemas.microsoft.com/office/drawing/2014/main" id="{421B7850-86E6-2E37-A077-8E29CE8A7ABE}"/>
+                <a16:creationId xmlns:a16="http://schemas.microsoft.com/office/drawing/2014/main" xmlns="" id="{421B7850-86E6-2E37-A077-8E29CE8A7ABE}"/>
               </a:ext>
             </a:extLst>
           </p:cNvPr>
@@ -6570,7 +6673,7 @@
           <p:cNvPr id="11" name="그림 10">
             <a:extLst>
               <a:ext uri="{FF2B5EF4-FFF2-40B4-BE49-F238E27FC236}">
-                <a16:creationId xmlns:a16="http://schemas.microsoft.com/office/drawing/2014/main" id="{4E016463-6B92-6D08-CD48-A6E5194D6001}"/>
+                <a16:creationId xmlns:a16="http://schemas.microsoft.com/office/drawing/2014/main" xmlns="" id="{4E016463-6B92-6D08-CD48-A6E5194D6001}"/>
               </a:ext>
             </a:extLst>
           </p:cNvPr>
@@ -6786,7 +6889,7 @@
           <p:cNvPr id="4" name="TextBox 3">
             <a:extLst>
               <a:ext uri="{FF2B5EF4-FFF2-40B4-BE49-F238E27FC236}">
-                <a16:creationId xmlns:a16="http://schemas.microsoft.com/office/drawing/2014/main" id="{5ADC00B6-990A-40DC-3CEA-505258F5E8DA}"/>
+                <a16:creationId xmlns:a16="http://schemas.microsoft.com/office/drawing/2014/main" xmlns="" id="{5ADC00B6-990A-40DC-3CEA-505258F5E8DA}"/>
               </a:ext>
             </a:extLst>
           </p:cNvPr>
@@ -6857,21 +6960,21 @@
                 <a:gridCol w="2187001">
                   <a:extLst>
                     <a:ext uri="{9D8B030D-6E8A-4147-A177-3AD203B41FA5}">
-                      <a16:colId xmlns:a16="http://schemas.microsoft.com/office/drawing/2014/main" val="20000"/>
+                      <a16:colId xmlns:a16="http://schemas.microsoft.com/office/drawing/2014/main" xmlns="" val="20000"/>
                     </a:ext>
                   </a:extLst>
                 </a:gridCol>
                 <a:gridCol w="3580299">
                   <a:extLst>
                     <a:ext uri="{9D8B030D-6E8A-4147-A177-3AD203B41FA5}">
-                      <a16:colId xmlns:a16="http://schemas.microsoft.com/office/drawing/2014/main" val="20001"/>
+                      <a16:colId xmlns:a16="http://schemas.microsoft.com/office/drawing/2014/main" xmlns="" val="20001"/>
                     </a:ext>
                   </a:extLst>
                 </a:gridCol>
                 <a:gridCol w="4519700">
                   <a:extLst>
                     <a:ext uri="{9D8B030D-6E8A-4147-A177-3AD203B41FA5}">
-                      <a16:colId xmlns:a16="http://schemas.microsoft.com/office/drawing/2014/main" val="20002"/>
+                      <a16:colId xmlns:a16="http://schemas.microsoft.com/office/drawing/2014/main" xmlns="" val="20002"/>
                     </a:ext>
                   </a:extLst>
                 </a:gridCol>
@@ -7074,7 +7177,7 @@
                 </a:tc>
                 <a:extLst>
                   <a:ext uri="{0D108BD9-81ED-4DB2-BD59-A6C34878D82A}">
-                    <a16:rowId xmlns:a16="http://schemas.microsoft.com/office/drawing/2014/main" val="10000"/>
+                    <a16:rowId xmlns:a16="http://schemas.microsoft.com/office/drawing/2014/main" xmlns="" val="10000"/>
                   </a:ext>
                 </a:extLst>
               </a:tr>
@@ -7333,7 +7436,7 @@
                 </a:tc>
                 <a:extLst>
                   <a:ext uri="{0D108BD9-81ED-4DB2-BD59-A6C34878D82A}">
-                    <a16:rowId xmlns:a16="http://schemas.microsoft.com/office/drawing/2014/main" val="10001"/>
+                    <a16:rowId xmlns:a16="http://schemas.microsoft.com/office/drawing/2014/main" xmlns="" val="10001"/>
                   </a:ext>
                 </a:extLst>
               </a:tr>
@@ -7559,7 +7662,7 @@
                 </a:tc>
                 <a:extLst>
                   <a:ext uri="{0D108BD9-81ED-4DB2-BD59-A6C34878D82A}">
-                    <a16:rowId xmlns:a16="http://schemas.microsoft.com/office/drawing/2014/main" val="10002"/>
+                    <a16:rowId xmlns:a16="http://schemas.microsoft.com/office/drawing/2014/main" xmlns="" val="10002"/>
                   </a:ext>
                 </a:extLst>
               </a:tr>
@@ -7794,7 +7897,7 @@
                 </a:tc>
                 <a:extLst>
                   <a:ext uri="{0D108BD9-81ED-4DB2-BD59-A6C34878D82A}">
-                    <a16:rowId xmlns:a16="http://schemas.microsoft.com/office/drawing/2014/main" val="10003"/>
+                    <a16:rowId xmlns:a16="http://schemas.microsoft.com/office/drawing/2014/main" xmlns="" val="10003"/>
                   </a:ext>
                 </a:extLst>
               </a:tr>
@@ -7807,7 +7910,7 @@
           <p:cNvPr id="2" name="그림 1">
             <a:extLst>
               <a:ext uri="{FF2B5EF4-FFF2-40B4-BE49-F238E27FC236}">
-                <a16:creationId xmlns:a16="http://schemas.microsoft.com/office/drawing/2014/main" id="{F1EF1BC2-A2D0-61E2-10CD-8EDFACAEC478}"/>
+                <a16:creationId xmlns:a16="http://schemas.microsoft.com/office/drawing/2014/main" xmlns="" id="{F1EF1BC2-A2D0-61E2-10CD-8EDFACAEC478}"/>
               </a:ext>
             </a:extLst>
           </p:cNvPr>
@@ -7891,7 +7994,7 @@
           <p:cNvPr id="5" name="직선 화살표 연결선 4">
             <a:extLst>
               <a:ext uri="{FF2B5EF4-FFF2-40B4-BE49-F238E27FC236}">
-                <a16:creationId xmlns:a16="http://schemas.microsoft.com/office/drawing/2014/main" id="{299DF5EC-9DF4-5255-06AC-0A7CE4FF58C3}"/>
+                <a16:creationId xmlns:a16="http://schemas.microsoft.com/office/drawing/2014/main" xmlns="" id="{299DF5EC-9DF4-5255-06AC-0A7CE4FF58C3}"/>
               </a:ext>
             </a:extLst>
           </p:cNvPr>
@@ -7932,7 +8035,7 @@
           <p:cNvPr id="6" name="직사각형 5">
             <a:extLst>
               <a:ext uri="{FF2B5EF4-FFF2-40B4-BE49-F238E27FC236}">
-                <a16:creationId xmlns:a16="http://schemas.microsoft.com/office/drawing/2014/main" id="{FFF506F9-840A-0508-4CAF-3AC711D8D5CE}"/>
+                <a16:creationId xmlns:a16="http://schemas.microsoft.com/office/drawing/2014/main" xmlns="" id="{FFF506F9-840A-0508-4CAF-3AC711D8D5CE}"/>
               </a:ext>
             </a:extLst>
           </p:cNvPr>
@@ -7984,7 +8087,7 @@
           <p:cNvPr id="7" name="TextBox 6">
             <a:extLst>
               <a:ext uri="{FF2B5EF4-FFF2-40B4-BE49-F238E27FC236}">
-                <a16:creationId xmlns:a16="http://schemas.microsoft.com/office/drawing/2014/main" id="{C6D113C6-EA5C-788F-0C77-E7CE6EBB865F}"/>
+                <a16:creationId xmlns:a16="http://schemas.microsoft.com/office/drawing/2014/main" xmlns="" id="{C6D113C6-EA5C-788F-0C77-E7CE6EBB865F}"/>
               </a:ext>
             </a:extLst>
           </p:cNvPr>
@@ -8442,7 +8545,7 @@
           <p:cNvPr id="11" name="TextBox 10">
             <a:extLst>
               <a:ext uri="{FF2B5EF4-FFF2-40B4-BE49-F238E27FC236}">
-                <a16:creationId xmlns:a16="http://schemas.microsoft.com/office/drawing/2014/main" id="{9F88F580-08BE-88C2-D640-13F0026591CB}"/>
+                <a16:creationId xmlns:a16="http://schemas.microsoft.com/office/drawing/2014/main" xmlns="" id="{9F88F580-08BE-88C2-D640-13F0026591CB}"/>
               </a:ext>
             </a:extLst>
           </p:cNvPr>
@@ -8500,7 +8603,7 @@
           <p:cNvPr id="13" name="TextBox 12">
             <a:extLst>
               <a:ext uri="{FF2B5EF4-FFF2-40B4-BE49-F238E27FC236}">
-                <a16:creationId xmlns:a16="http://schemas.microsoft.com/office/drawing/2014/main" id="{72769C28-9BB6-DE9C-7B6F-264B77B8DD0E}"/>
+                <a16:creationId xmlns:a16="http://schemas.microsoft.com/office/drawing/2014/main" xmlns="" id="{72769C28-9BB6-DE9C-7B6F-264B77B8DD0E}"/>
               </a:ext>
             </a:extLst>
           </p:cNvPr>
@@ -8548,7 +8651,7 @@
           <p:cNvPr id="14" name="TextBox 13">
             <a:extLst>
               <a:ext uri="{FF2B5EF4-FFF2-40B4-BE49-F238E27FC236}">
-                <a16:creationId xmlns:a16="http://schemas.microsoft.com/office/drawing/2014/main" id="{270FBB6A-01CE-5637-78DA-58F0C974145C}"/>
+                <a16:creationId xmlns:a16="http://schemas.microsoft.com/office/drawing/2014/main" xmlns="" id="{270FBB6A-01CE-5637-78DA-58F0C974145C}"/>
               </a:ext>
             </a:extLst>
           </p:cNvPr>
@@ -8616,7 +8719,7 @@
           <p:cNvPr id="2" name="Object 17">
             <a:extLst>
               <a:ext uri="{FF2B5EF4-FFF2-40B4-BE49-F238E27FC236}">
-                <a16:creationId xmlns:a16="http://schemas.microsoft.com/office/drawing/2014/main" id="{140B283D-FE58-FA6F-6F7C-E0F1DBB62A65}"/>
+                <a16:creationId xmlns:a16="http://schemas.microsoft.com/office/drawing/2014/main" xmlns="" id="{140B283D-FE58-FA6F-6F7C-E0F1DBB62A65}"/>
               </a:ext>
             </a:extLst>
           </p:cNvPr>
@@ -8646,7 +8749,7 @@
           <p:cNvPr id="4" name="TextBox 3">
             <a:extLst>
               <a:ext uri="{FF2B5EF4-FFF2-40B4-BE49-F238E27FC236}">
-                <a16:creationId xmlns:a16="http://schemas.microsoft.com/office/drawing/2014/main" id="{2C8D0998-79BC-6FD2-59D9-8052B4A25F65}"/>
+                <a16:creationId xmlns:a16="http://schemas.microsoft.com/office/drawing/2014/main" xmlns="" id="{2C8D0998-79BC-6FD2-59D9-8052B4A25F65}"/>
               </a:ext>
             </a:extLst>
           </p:cNvPr>
@@ -8694,7 +8797,7 @@
           <p:cNvPr id="5" name="Object 18">
             <a:extLst>
               <a:ext uri="{FF2B5EF4-FFF2-40B4-BE49-F238E27FC236}">
-                <a16:creationId xmlns:a16="http://schemas.microsoft.com/office/drawing/2014/main" id="{3F58EA3E-1018-64D3-FAB2-4F6B9618FA56}"/>
+                <a16:creationId xmlns:a16="http://schemas.microsoft.com/office/drawing/2014/main" xmlns="" id="{3F58EA3E-1018-64D3-FAB2-4F6B9618FA56}"/>
               </a:ext>
             </a:extLst>
           </p:cNvPr>
@@ -8724,7 +8827,7 @@
           <p:cNvPr id="8" name="TextBox 7">
             <a:extLst>
               <a:ext uri="{FF2B5EF4-FFF2-40B4-BE49-F238E27FC236}">
-                <a16:creationId xmlns:a16="http://schemas.microsoft.com/office/drawing/2014/main" id="{681D3F16-7DCF-41AD-F5F1-0558C78C0E4D}"/>
+                <a16:creationId xmlns:a16="http://schemas.microsoft.com/office/drawing/2014/main" xmlns="" id="{681D3F16-7DCF-41AD-F5F1-0558C78C0E4D}"/>
               </a:ext>
             </a:extLst>
           </p:cNvPr>
@@ -8797,7 +8900,7 @@
           <p:cNvPr id="4" name="TextBox 3">
             <a:extLst>
               <a:ext uri="{FF2B5EF4-FFF2-40B4-BE49-F238E27FC236}">
-                <a16:creationId xmlns:a16="http://schemas.microsoft.com/office/drawing/2014/main" id="{5ADC00B6-990A-40DC-3CEA-505258F5E8DA}"/>
+                <a16:creationId xmlns:a16="http://schemas.microsoft.com/office/drawing/2014/main" xmlns="" id="{5ADC00B6-990A-40DC-3CEA-505258F5E8DA}"/>
               </a:ext>
             </a:extLst>
           </p:cNvPr>
@@ -8869,7 +8972,7 @@
           <p:cNvPr id="6" name="직사각형 5">
             <a:extLst>
               <a:ext uri="{FF2B5EF4-FFF2-40B4-BE49-F238E27FC236}">
-                <a16:creationId xmlns:a16="http://schemas.microsoft.com/office/drawing/2014/main" id="{FFF506F9-840A-0508-4CAF-3AC711D8D5CE}"/>
+                <a16:creationId xmlns:a16="http://schemas.microsoft.com/office/drawing/2014/main" xmlns="" id="{FFF506F9-840A-0508-4CAF-3AC711D8D5CE}"/>
               </a:ext>
             </a:extLst>
           </p:cNvPr>
@@ -9217,7 +9320,7 @@
           <p:cNvPr id="4" name="TextBox 3">
             <a:extLst>
               <a:ext uri="{FF2B5EF4-FFF2-40B4-BE49-F238E27FC236}">
-                <a16:creationId xmlns:a16="http://schemas.microsoft.com/office/drawing/2014/main" id="{5ADC00B6-990A-40DC-3CEA-505258F5E8DA}"/>
+                <a16:creationId xmlns:a16="http://schemas.microsoft.com/office/drawing/2014/main" xmlns="" id="{5ADC00B6-990A-40DC-3CEA-505258F5E8DA}"/>
               </a:ext>
             </a:extLst>
           </p:cNvPr>
@@ -9290,6 +9393,13 @@
   <p:clrMapOvr>
     <a:masterClrMapping/>
   </p:clrMapOvr>
+  <p:timing>
+    <p:tnLst>
+      <p:par>
+        <p:cTn id="1" dur="indefinite" restart="never" nodeType="tmRoot"/>
+      </p:par>
+    </p:tnLst>
+  </p:timing>
 </p:sld>
 </file>
 
@@ -9729,7 +9839,7 @@
           <p:cNvPr id="81" name="TextBox 80">
             <a:extLst>
               <a:ext uri="{FF2B5EF4-FFF2-40B4-BE49-F238E27FC236}">
-                <a16:creationId xmlns:a16="http://schemas.microsoft.com/office/drawing/2014/main" id="{5ADC00B6-990A-40DC-3CEA-505258F5E8DA}"/>
+                <a16:creationId xmlns:a16="http://schemas.microsoft.com/office/drawing/2014/main" xmlns="" id="{5ADC00B6-990A-40DC-3CEA-505258F5E8DA}"/>
               </a:ext>
             </a:extLst>
           </p:cNvPr>
@@ -9777,7 +9887,7 @@
           <p:cNvPr id="82" name="TextBox 81">
             <a:extLst>
               <a:ext uri="{FF2B5EF4-FFF2-40B4-BE49-F238E27FC236}">
-                <a16:creationId xmlns:a16="http://schemas.microsoft.com/office/drawing/2014/main" id="{5ADC00B6-990A-40DC-3CEA-505258F5E8DA}"/>
+                <a16:creationId xmlns:a16="http://schemas.microsoft.com/office/drawing/2014/main" xmlns="" id="{5ADC00B6-990A-40DC-3CEA-505258F5E8DA}"/>
               </a:ext>
             </a:extLst>
           </p:cNvPr>
@@ -9825,7 +9935,7 @@
           <p:cNvPr id="83" name="TextBox 82">
             <a:extLst>
               <a:ext uri="{FF2B5EF4-FFF2-40B4-BE49-F238E27FC236}">
-                <a16:creationId xmlns:a16="http://schemas.microsoft.com/office/drawing/2014/main" id="{A2AD056B-97A4-5BCC-4460-250160F3E171}"/>
+                <a16:creationId xmlns:a16="http://schemas.microsoft.com/office/drawing/2014/main" xmlns="" id="{A2AD056B-97A4-5BCC-4460-250160F3E171}"/>
               </a:ext>
             </a:extLst>
           </p:cNvPr>
@@ -9879,7 +9989,7 @@
           <p:cNvPr id="84" name="TextBox 83">
             <a:extLst>
               <a:ext uri="{FF2B5EF4-FFF2-40B4-BE49-F238E27FC236}">
-                <a16:creationId xmlns:a16="http://schemas.microsoft.com/office/drawing/2014/main" id="{A2AD056B-97A4-5BCC-4460-250160F3E171}"/>
+                <a16:creationId xmlns:a16="http://schemas.microsoft.com/office/drawing/2014/main" xmlns="" id="{A2AD056B-97A4-5BCC-4460-250160F3E171}"/>
               </a:ext>
             </a:extLst>
           </p:cNvPr>
@@ -9933,7 +10043,7 @@
           <p:cNvPr id="85" name="TextBox 84">
             <a:extLst>
               <a:ext uri="{FF2B5EF4-FFF2-40B4-BE49-F238E27FC236}">
-                <a16:creationId xmlns:a16="http://schemas.microsoft.com/office/drawing/2014/main" id="{A2AD056B-97A4-5BCC-4460-250160F3E171}"/>
+                <a16:creationId xmlns:a16="http://schemas.microsoft.com/office/drawing/2014/main" xmlns="" id="{A2AD056B-97A4-5BCC-4460-250160F3E171}"/>
               </a:ext>
             </a:extLst>
           </p:cNvPr>
@@ -9987,7 +10097,7 @@
           <p:cNvPr id="86" name="TextBox 85">
             <a:extLst>
               <a:ext uri="{FF2B5EF4-FFF2-40B4-BE49-F238E27FC236}">
-                <a16:creationId xmlns:a16="http://schemas.microsoft.com/office/drawing/2014/main" id="{A2AD056B-97A4-5BCC-4460-250160F3E171}"/>
+                <a16:creationId xmlns:a16="http://schemas.microsoft.com/office/drawing/2014/main" xmlns="" id="{A2AD056B-97A4-5BCC-4460-250160F3E171}"/>
               </a:ext>
             </a:extLst>
           </p:cNvPr>
@@ -10117,7 +10227,7 @@
           <p:cNvPr id="89" name="TextBox 88">
             <a:extLst>
               <a:ext uri="{FF2B5EF4-FFF2-40B4-BE49-F238E27FC236}">
-                <a16:creationId xmlns:a16="http://schemas.microsoft.com/office/drawing/2014/main" id="{A2AD056B-97A4-5BCC-4460-250160F3E171}"/>
+                <a16:creationId xmlns:a16="http://schemas.microsoft.com/office/drawing/2014/main" xmlns="" id="{A2AD056B-97A4-5BCC-4460-250160F3E171}"/>
               </a:ext>
             </a:extLst>
           </p:cNvPr>
@@ -10171,7 +10281,7 @@
           <p:cNvPr id="90" name="TextBox 89">
             <a:extLst>
               <a:ext uri="{FF2B5EF4-FFF2-40B4-BE49-F238E27FC236}">
-                <a16:creationId xmlns:a16="http://schemas.microsoft.com/office/drawing/2014/main" id="{A2AD056B-97A4-5BCC-4460-250160F3E171}"/>
+                <a16:creationId xmlns:a16="http://schemas.microsoft.com/office/drawing/2014/main" xmlns="" id="{A2AD056B-97A4-5BCC-4460-250160F3E171}"/>
               </a:ext>
             </a:extLst>
           </p:cNvPr>
@@ -10256,6 +10366,13 @@
   <p:clrMapOvr>
     <a:masterClrMapping/>
   </p:clrMapOvr>
+  <p:timing>
+    <p:tnLst>
+      <p:par>
+        <p:cTn id="1" dur="indefinite" restart="never" nodeType="tmRoot"/>
+      </p:par>
+    </p:tnLst>
+  </p:timing>
 </p:sld>
 </file>
 
@@ -10281,7 +10398,7 @@
           <p:cNvPr id="5" name="그림 4">
             <a:extLst>
               <a:ext uri="{FF2B5EF4-FFF2-40B4-BE49-F238E27FC236}">
-                <a16:creationId xmlns:a16="http://schemas.microsoft.com/office/drawing/2014/main" id="{EC0A4325-90ED-7A33-4F8B-61318074387B}"/>
+                <a16:creationId xmlns:a16="http://schemas.microsoft.com/office/drawing/2014/main" xmlns="" id="{EC0A4325-90ED-7A33-4F8B-61318074387B}"/>
               </a:ext>
             </a:extLst>
           </p:cNvPr>
@@ -10311,7 +10428,7 @@
           <p:cNvPr id="7" name="그림 6">
             <a:extLst>
               <a:ext uri="{FF2B5EF4-FFF2-40B4-BE49-F238E27FC236}">
-                <a16:creationId xmlns:a16="http://schemas.microsoft.com/office/drawing/2014/main" id="{49B25AD3-5EFB-B896-2A86-7A159C7F0C4D}"/>
+                <a16:creationId xmlns:a16="http://schemas.microsoft.com/office/drawing/2014/main" xmlns="" id="{49B25AD3-5EFB-B896-2A86-7A159C7F0C4D}"/>
               </a:ext>
             </a:extLst>
           </p:cNvPr>
@@ -10341,7 +10458,7 @@
           <p:cNvPr id="8" name="TextBox 7">
             <a:extLst>
               <a:ext uri="{FF2B5EF4-FFF2-40B4-BE49-F238E27FC236}">
-                <a16:creationId xmlns:a16="http://schemas.microsoft.com/office/drawing/2014/main" id="{5AADAE1F-E5CF-4F19-A5B2-62AF9B9AF604}"/>
+                <a16:creationId xmlns:a16="http://schemas.microsoft.com/office/drawing/2014/main" xmlns="" id="{5AADAE1F-E5CF-4F19-A5B2-62AF9B9AF604}"/>
               </a:ext>
             </a:extLst>
           </p:cNvPr>
@@ -10558,6 +10675,13 @@
   <p:clrMapOvr>
     <a:masterClrMapping/>
   </p:clrMapOvr>
+  <p:timing>
+    <p:tnLst>
+      <p:par>
+        <p:cTn id="1" dur="indefinite" restart="never" nodeType="tmRoot"/>
+      </p:par>
+    </p:tnLst>
+  </p:timing>
 </p:sld>
 </file>
 
@@ -10583,7 +10707,7 @@
           <p:cNvPr id="4" name="TextBox 3">
             <a:extLst>
               <a:ext uri="{FF2B5EF4-FFF2-40B4-BE49-F238E27FC236}">
-                <a16:creationId xmlns:a16="http://schemas.microsoft.com/office/drawing/2014/main" id="{5ADC00B6-990A-40DC-3CEA-505258F5E8DA}"/>
+                <a16:creationId xmlns:a16="http://schemas.microsoft.com/office/drawing/2014/main" xmlns="" id="{5ADC00B6-990A-40DC-3CEA-505258F5E8DA}"/>
               </a:ext>
             </a:extLst>
           </p:cNvPr>
@@ -10654,7 +10778,7 @@
                 <a:gridCol w="3200400">
                   <a:extLst>
                     <a:ext uri="{9D8B030D-6E8A-4147-A177-3AD203B41FA5}">
-                      <a16:colId xmlns:a16="http://schemas.microsoft.com/office/drawing/2014/main" val="20000"/>
+                      <a16:colId xmlns:a16="http://schemas.microsoft.com/office/drawing/2014/main" xmlns="" val="20000"/>
                     </a:ext>
                   </a:extLst>
                 </a:gridCol>
@@ -10718,7 +10842,7 @@
                 </a:tc>
                 <a:extLst>
                   <a:ext uri="{0D108BD9-81ED-4DB2-BD59-A6C34878D82A}">
-                    <a16:rowId xmlns:a16="http://schemas.microsoft.com/office/drawing/2014/main" val="10000"/>
+                    <a16:rowId xmlns:a16="http://schemas.microsoft.com/office/drawing/2014/main" xmlns="" val="10000"/>
                   </a:ext>
                 </a:extLst>
               </a:tr>
@@ -10774,7 +10898,7 @@
                 </a:tc>
                 <a:extLst>
                   <a:ext uri="{0D108BD9-81ED-4DB2-BD59-A6C34878D82A}">
-                    <a16:rowId xmlns:a16="http://schemas.microsoft.com/office/drawing/2014/main" val="10001"/>
+                    <a16:rowId xmlns:a16="http://schemas.microsoft.com/office/drawing/2014/main" xmlns="" val="10001"/>
                   </a:ext>
                 </a:extLst>
               </a:tr>
@@ -10830,7 +10954,7 @@
                 </a:tc>
                 <a:extLst>
                   <a:ext uri="{0D108BD9-81ED-4DB2-BD59-A6C34878D82A}">
-                    <a16:rowId xmlns:a16="http://schemas.microsoft.com/office/drawing/2014/main" val="10002"/>
+                    <a16:rowId xmlns:a16="http://schemas.microsoft.com/office/drawing/2014/main" xmlns="" val="10002"/>
                   </a:ext>
                 </a:extLst>
               </a:tr>
@@ -10886,7 +11010,7 @@
                 </a:tc>
                 <a:extLst>
                   <a:ext uri="{0D108BD9-81ED-4DB2-BD59-A6C34878D82A}">
-                    <a16:rowId xmlns:a16="http://schemas.microsoft.com/office/drawing/2014/main" val="10003"/>
+                    <a16:rowId xmlns:a16="http://schemas.microsoft.com/office/drawing/2014/main" xmlns="" val="10003"/>
                   </a:ext>
                 </a:extLst>
               </a:tr>
@@ -10942,7 +11066,7 @@
                 </a:tc>
                 <a:extLst>
                   <a:ext uri="{0D108BD9-81ED-4DB2-BD59-A6C34878D82A}">
-                    <a16:rowId xmlns:a16="http://schemas.microsoft.com/office/drawing/2014/main" val="10004"/>
+                    <a16:rowId xmlns:a16="http://schemas.microsoft.com/office/drawing/2014/main" xmlns="" val="10004"/>
                   </a:ext>
                 </a:extLst>
               </a:tr>
@@ -10998,7 +11122,7 @@
                 </a:tc>
                 <a:extLst>
                   <a:ext uri="{0D108BD9-81ED-4DB2-BD59-A6C34878D82A}">
-                    <a16:rowId xmlns:a16="http://schemas.microsoft.com/office/drawing/2014/main" val="10005"/>
+                    <a16:rowId xmlns:a16="http://schemas.microsoft.com/office/drawing/2014/main" xmlns="" val="10005"/>
                   </a:ext>
                 </a:extLst>
               </a:tr>
@@ -11054,7 +11178,7 @@
                 </a:tc>
                 <a:extLst>
                   <a:ext uri="{0D108BD9-81ED-4DB2-BD59-A6C34878D82A}">
-                    <a16:rowId xmlns:a16="http://schemas.microsoft.com/office/drawing/2014/main" val="10006"/>
+                    <a16:rowId xmlns:a16="http://schemas.microsoft.com/office/drawing/2014/main" xmlns="" val="10006"/>
                   </a:ext>
                 </a:extLst>
               </a:tr>
@@ -11067,7 +11191,7 @@
           <p:cNvPr id="6" name="TextBox 5">
             <a:extLst>
               <a:ext uri="{FF2B5EF4-FFF2-40B4-BE49-F238E27FC236}">
-                <a16:creationId xmlns:a16="http://schemas.microsoft.com/office/drawing/2014/main" id="{5ADC00B6-990A-40DC-3CEA-505258F5E8DA}"/>
+                <a16:creationId xmlns:a16="http://schemas.microsoft.com/office/drawing/2014/main" xmlns="" id="{5ADC00B6-990A-40DC-3CEA-505258F5E8DA}"/>
               </a:ext>
             </a:extLst>
           </p:cNvPr>
@@ -11115,7 +11239,7 @@
           <p:cNvPr id="7" name="TextBox 6">
             <a:extLst>
               <a:ext uri="{FF2B5EF4-FFF2-40B4-BE49-F238E27FC236}">
-                <a16:creationId xmlns:a16="http://schemas.microsoft.com/office/drawing/2014/main" id="{5ADC00B6-990A-40DC-3CEA-505258F5E8DA}"/>
+                <a16:creationId xmlns:a16="http://schemas.microsoft.com/office/drawing/2014/main" xmlns="" id="{5ADC00B6-990A-40DC-3CEA-505258F5E8DA}"/>
               </a:ext>
             </a:extLst>
           </p:cNvPr>
@@ -11163,7 +11287,7 @@
           <p:cNvPr id="8" name="TextBox 7">
             <a:extLst>
               <a:ext uri="{FF2B5EF4-FFF2-40B4-BE49-F238E27FC236}">
-                <a16:creationId xmlns:a16="http://schemas.microsoft.com/office/drawing/2014/main" id="{5ADC00B6-990A-40DC-3CEA-505258F5E8DA}"/>
+                <a16:creationId xmlns:a16="http://schemas.microsoft.com/office/drawing/2014/main" xmlns="" id="{5ADC00B6-990A-40DC-3CEA-505258F5E8DA}"/>
               </a:ext>
             </a:extLst>
           </p:cNvPr>
@@ -11211,7 +11335,7 @@
           <p:cNvPr id="9" name="TextBox 8">
             <a:extLst>
               <a:ext uri="{FF2B5EF4-FFF2-40B4-BE49-F238E27FC236}">
-                <a16:creationId xmlns:a16="http://schemas.microsoft.com/office/drawing/2014/main" id="{5ADC00B6-990A-40DC-3CEA-505258F5E8DA}"/>
+                <a16:creationId xmlns:a16="http://schemas.microsoft.com/office/drawing/2014/main" xmlns="" id="{5ADC00B6-990A-40DC-3CEA-505258F5E8DA}"/>
               </a:ext>
             </a:extLst>
           </p:cNvPr>
@@ -11713,7 +11837,7 @@
           <p:cNvPr id="4" name="TextBox 3">
             <a:extLst>
               <a:ext uri="{FF2B5EF4-FFF2-40B4-BE49-F238E27FC236}">
-                <a16:creationId xmlns:a16="http://schemas.microsoft.com/office/drawing/2014/main" id="{5FDA0727-3416-90A8-CFD1-503F1A43584D}"/>
+                <a16:creationId xmlns:a16="http://schemas.microsoft.com/office/drawing/2014/main" xmlns="" id="{5FDA0727-3416-90A8-CFD1-503F1A43584D}"/>
               </a:ext>
             </a:extLst>
           </p:cNvPr>
@@ -11761,7 +11885,7 @@
           <p:cNvPr id="6" name="그림 5">
             <a:extLst>
               <a:ext uri="{FF2B5EF4-FFF2-40B4-BE49-F238E27FC236}">
-                <a16:creationId xmlns:a16="http://schemas.microsoft.com/office/drawing/2014/main" id="{CA4DBC7C-F3DD-2369-9B17-FFC82C613A75}"/>
+                <a16:creationId xmlns:a16="http://schemas.microsoft.com/office/drawing/2014/main" xmlns="" id="{CA4DBC7C-F3DD-2369-9B17-FFC82C613A75}"/>
               </a:ext>
             </a:extLst>
           </p:cNvPr>
@@ -11791,7 +11915,7 @@
           <p:cNvPr id="7" name="직사각형 6">
             <a:extLst>
               <a:ext uri="{FF2B5EF4-FFF2-40B4-BE49-F238E27FC236}">
-                <a16:creationId xmlns:a16="http://schemas.microsoft.com/office/drawing/2014/main" id="{074F1171-7AB6-ACDB-7D1C-9460BD827CDD}"/>
+                <a16:creationId xmlns:a16="http://schemas.microsoft.com/office/drawing/2014/main" xmlns="" id="{074F1171-7AB6-ACDB-7D1C-9460BD827CDD}"/>
               </a:ext>
             </a:extLst>
           </p:cNvPr>
@@ -11843,7 +11967,7 @@
           <p:cNvPr id="8" name="직선 화살표 연결선 7">
             <a:extLst>
               <a:ext uri="{FF2B5EF4-FFF2-40B4-BE49-F238E27FC236}">
-                <a16:creationId xmlns:a16="http://schemas.microsoft.com/office/drawing/2014/main" id="{D3A5A730-35DB-821C-D2FB-ECCC9DD140FC}"/>
+                <a16:creationId xmlns:a16="http://schemas.microsoft.com/office/drawing/2014/main" xmlns="" id="{D3A5A730-35DB-821C-D2FB-ECCC9DD140FC}"/>
               </a:ext>
             </a:extLst>
           </p:cNvPr>
@@ -11884,7 +12008,7 @@
           <p:cNvPr id="9" name="TextBox 8">
             <a:extLst>
               <a:ext uri="{FF2B5EF4-FFF2-40B4-BE49-F238E27FC236}">
-                <a16:creationId xmlns:a16="http://schemas.microsoft.com/office/drawing/2014/main" id="{4A6CCCA9-6EC0-4D95-14E0-C52B8BCB35CD}"/>
+                <a16:creationId xmlns:a16="http://schemas.microsoft.com/office/drawing/2014/main" xmlns="" id="{4A6CCCA9-6EC0-4D95-14E0-C52B8BCB35CD}"/>
               </a:ext>
             </a:extLst>
           </p:cNvPr>
@@ -11935,7 +12059,7 @@
           <p:cNvPr id="10" name="직사각형 9">
             <a:extLst>
               <a:ext uri="{FF2B5EF4-FFF2-40B4-BE49-F238E27FC236}">
-                <a16:creationId xmlns:a16="http://schemas.microsoft.com/office/drawing/2014/main" id="{062E7A12-CAAD-27E1-EECA-CAF1C640863E}"/>
+                <a16:creationId xmlns:a16="http://schemas.microsoft.com/office/drawing/2014/main" xmlns="" id="{062E7A12-CAAD-27E1-EECA-CAF1C640863E}"/>
               </a:ext>
             </a:extLst>
           </p:cNvPr>
@@ -11987,7 +12111,7 @@
           <p:cNvPr id="11" name="직선 화살표 연결선 10">
             <a:extLst>
               <a:ext uri="{FF2B5EF4-FFF2-40B4-BE49-F238E27FC236}">
-                <a16:creationId xmlns:a16="http://schemas.microsoft.com/office/drawing/2014/main" id="{73CB0C49-FC4B-3359-955B-AE204EE1E101}"/>
+                <a16:creationId xmlns:a16="http://schemas.microsoft.com/office/drawing/2014/main" xmlns="" id="{73CB0C49-FC4B-3359-955B-AE204EE1E101}"/>
               </a:ext>
             </a:extLst>
           </p:cNvPr>
@@ -12028,7 +12152,7 @@
           <p:cNvPr id="12" name="TextBox 11">
             <a:extLst>
               <a:ext uri="{FF2B5EF4-FFF2-40B4-BE49-F238E27FC236}">
-                <a16:creationId xmlns:a16="http://schemas.microsoft.com/office/drawing/2014/main" id="{F5C0A30E-DDBA-9F64-76A3-CF56A3C1944E}"/>
+                <a16:creationId xmlns:a16="http://schemas.microsoft.com/office/drawing/2014/main" xmlns="" id="{F5C0A30E-DDBA-9F64-76A3-CF56A3C1944E}"/>
               </a:ext>
             </a:extLst>
           </p:cNvPr>
@@ -12099,7 +12223,7 @@
           <p:cNvPr id="13" name="직선 화살표 연결선 12">
             <a:extLst>
               <a:ext uri="{FF2B5EF4-FFF2-40B4-BE49-F238E27FC236}">
-                <a16:creationId xmlns:a16="http://schemas.microsoft.com/office/drawing/2014/main" id="{65F0EDF6-1E41-CB51-AFB2-08A6F2144824}"/>
+                <a16:creationId xmlns:a16="http://schemas.microsoft.com/office/drawing/2014/main" xmlns="" id="{65F0EDF6-1E41-CB51-AFB2-08A6F2144824}"/>
               </a:ext>
             </a:extLst>
           </p:cNvPr>
@@ -12140,7 +12264,7 @@
           <p:cNvPr id="14" name="TextBox 13">
             <a:extLst>
               <a:ext uri="{FF2B5EF4-FFF2-40B4-BE49-F238E27FC236}">
-                <a16:creationId xmlns:a16="http://schemas.microsoft.com/office/drawing/2014/main" id="{48D7086E-3277-C9DD-BD08-4715F25C06FE}"/>
+                <a16:creationId xmlns:a16="http://schemas.microsoft.com/office/drawing/2014/main" xmlns="" id="{48D7086E-3277-C9DD-BD08-4715F25C06FE}"/>
               </a:ext>
             </a:extLst>
           </p:cNvPr>
@@ -12181,7 +12305,7 @@
           <p:cNvPr id="15" name="직선 화살표 연결선 14">
             <a:extLst>
               <a:ext uri="{FF2B5EF4-FFF2-40B4-BE49-F238E27FC236}">
-                <a16:creationId xmlns:a16="http://schemas.microsoft.com/office/drawing/2014/main" id="{65CC014E-083D-5A4B-3B0B-98DEC629CB0A}"/>
+                <a16:creationId xmlns:a16="http://schemas.microsoft.com/office/drawing/2014/main" xmlns="" id="{65CC014E-083D-5A4B-3B0B-98DEC629CB0A}"/>
               </a:ext>
             </a:extLst>
           </p:cNvPr>
@@ -12222,7 +12346,7 @@
           <p:cNvPr id="16" name="TextBox 15">
             <a:extLst>
               <a:ext uri="{FF2B5EF4-FFF2-40B4-BE49-F238E27FC236}">
-                <a16:creationId xmlns:a16="http://schemas.microsoft.com/office/drawing/2014/main" id="{33A626AE-FC68-649B-6162-121A7F57563E}"/>
+                <a16:creationId xmlns:a16="http://schemas.microsoft.com/office/drawing/2014/main" xmlns="" id="{33A626AE-FC68-649B-6162-121A7F57563E}"/>
               </a:ext>
             </a:extLst>
           </p:cNvPr>
@@ -12263,7 +12387,7 @@
           <p:cNvPr id="17" name="직선 화살표 연결선 16">
             <a:extLst>
               <a:ext uri="{FF2B5EF4-FFF2-40B4-BE49-F238E27FC236}">
-                <a16:creationId xmlns:a16="http://schemas.microsoft.com/office/drawing/2014/main" id="{8AE1C50C-C246-0522-431A-D207CA4DCE7E}"/>
+                <a16:creationId xmlns:a16="http://schemas.microsoft.com/office/drawing/2014/main" xmlns="" id="{8AE1C50C-C246-0522-431A-D207CA4DCE7E}"/>
               </a:ext>
             </a:extLst>
           </p:cNvPr>
@@ -12304,7 +12428,7 @@
           <p:cNvPr id="18" name="TextBox 17">
             <a:extLst>
               <a:ext uri="{FF2B5EF4-FFF2-40B4-BE49-F238E27FC236}">
-                <a16:creationId xmlns:a16="http://schemas.microsoft.com/office/drawing/2014/main" id="{EB0FB5BC-9C65-5D5F-2FD9-093216A64F5F}"/>
+                <a16:creationId xmlns:a16="http://schemas.microsoft.com/office/drawing/2014/main" xmlns="" id="{EB0FB5BC-9C65-5D5F-2FD9-093216A64F5F}"/>
               </a:ext>
             </a:extLst>
           </p:cNvPr>
@@ -12345,7 +12469,7 @@
           <p:cNvPr id="19" name="직선 화살표 연결선 18">
             <a:extLst>
               <a:ext uri="{FF2B5EF4-FFF2-40B4-BE49-F238E27FC236}">
-                <a16:creationId xmlns:a16="http://schemas.microsoft.com/office/drawing/2014/main" id="{D8A897A3-8F13-6ACA-4F2A-7EB45D9D2396}"/>
+                <a16:creationId xmlns:a16="http://schemas.microsoft.com/office/drawing/2014/main" xmlns="" id="{D8A897A3-8F13-6ACA-4F2A-7EB45D9D2396}"/>
               </a:ext>
             </a:extLst>
           </p:cNvPr>
@@ -12386,7 +12510,7 @@
           <p:cNvPr id="20" name="TextBox 19">
             <a:extLst>
               <a:ext uri="{FF2B5EF4-FFF2-40B4-BE49-F238E27FC236}">
-                <a16:creationId xmlns:a16="http://schemas.microsoft.com/office/drawing/2014/main" id="{0A21C7C3-4C50-4A69-5565-E89C2149F435}"/>
+                <a16:creationId xmlns:a16="http://schemas.microsoft.com/office/drawing/2014/main" xmlns="" id="{0A21C7C3-4C50-4A69-5565-E89C2149F435}"/>
               </a:ext>
             </a:extLst>
           </p:cNvPr>
@@ -12427,7 +12551,7 @@
           <p:cNvPr id="21" name="직선 화살표 연결선 20">
             <a:extLst>
               <a:ext uri="{FF2B5EF4-FFF2-40B4-BE49-F238E27FC236}">
-                <a16:creationId xmlns:a16="http://schemas.microsoft.com/office/drawing/2014/main" id="{23F93734-8BD6-64DE-46E6-E57EBDF30A72}"/>
+                <a16:creationId xmlns:a16="http://schemas.microsoft.com/office/drawing/2014/main" xmlns="" id="{23F93734-8BD6-64DE-46E6-E57EBDF30A72}"/>
               </a:ext>
             </a:extLst>
           </p:cNvPr>
@@ -12468,7 +12592,7 @@
           <p:cNvPr id="22" name="TextBox 21">
             <a:extLst>
               <a:ext uri="{FF2B5EF4-FFF2-40B4-BE49-F238E27FC236}">
-                <a16:creationId xmlns:a16="http://schemas.microsoft.com/office/drawing/2014/main" id="{4F425D1A-0C27-D876-7A56-0FE8EFA87EED}"/>
+                <a16:creationId xmlns:a16="http://schemas.microsoft.com/office/drawing/2014/main" xmlns="" id="{4F425D1A-0C27-D876-7A56-0FE8EFA87EED}"/>
               </a:ext>
             </a:extLst>
           </p:cNvPr>
@@ -12509,7 +12633,7 @@
           <p:cNvPr id="23" name="직선 화살표 연결선 22">
             <a:extLst>
               <a:ext uri="{FF2B5EF4-FFF2-40B4-BE49-F238E27FC236}">
-                <a16:creationId xmlns:a16="http://schemas.microsoft.com/office/drawing/2014/main" id="{330A9D0B-3C8F-402A-7BA7-2EC946DB89EE}"/>
+                <a16:creationId xmlns:a16="http://schemas.microsoft.com/office/drawing/2014/main" xmlns="" id="{330A9D0B-3C8F-402A-7BA7-2EC946DB89EE}"/>
               </a:ext>
             </a:extLst>
           </p:cNvPr>
@@ -12550,7 +12674,7 @@
           <p:cNvPr id="24" name="TextBox 23">
             <a:extLst>
               <a:ext uri="{FF2B5EF4-FFF2-40B4-BE49-F238E27FC236}">
-                <a16:creationId xmlns:a16="http://schemas.microsoft.com/office/drawing/2014/main" id="{A593069C-50D4-AB1E-0FDB-A518B3D76E09}"/>
+                <a16:creationId xmlns:a16="http://schemas.microsoft.com/office/drawing/2014/main" xmlns="" id="{A593069C-50D4-AB1E-0FDB-A518B3D76E09}"/>
               </a:ext>
             </a:extLst>
           </p:cNvPr>
@@ -12591,7 +12715,7 @@
           <p:cNvPr id="25" name="직선 화살표 연결선 24">
             <a:extLst>
               <a:ext uri="{FF2B5EF4-FFF2-40B4-BE49-F238E27FC236}">
-                <a16:creationId xmlns:a16="http://schemas.microsoft.com/office/drawing/2014/main" id="{BC062B0A-8437-0E4A-A6B3-E438A683CDFD}"/>
+                <a16:creationId xmlns:a16="http://schemas.microsoft.com/office/drawing/2014/main" xmlns="" id="{BC062B0A-8437-0E4A-A6B3-E438A683CDFD}"/>
               </a:ext>
             </a:extLst>
           </p:cNvPr>
@@ -12632,7 +12756,7 @@
           <p:cNvPr id="26" name="TextBox 25">
             <a:extLst>
               <a:ext uri="{FF2B5EF4-FFF2-40B4-BE49-F238E27FC236}">
-                <a16:creationId xmlns:a16="http://schemas.microsoft.com/office/drawing/2014/main" id="{711FC0EE-1C95-206E-C15B-D151481BE23D}"/>
+                <a16:creationId xmlns:a16="http://schemas.microsoft.com/office/drawing/2014/main" xmlns="" id="{711FC0EE-1C95-206E-C15B-D151481BE23D}"/>
               </a:ext>
             </a:extLst>
           </p:cNvPr>
@@ -12673,7 +12797,7 @@
           <p:cNvPr id="27" name="직선 화살표 연결선 26">
             <a:extLst>
               <a:ext uri="{FF2B5EF4-FFF2-40B4-BE49-F238E27FC236}">
-                <a16:creationId xmlns:a16="http://schemas.microsoft.com/office/drawing/2014/main" id="{A987C00D-7664-8877-9F04-6695E3776C86}"/>
+                <a16:creationId xmlns:a16="http://schemas.microsoft.com/office/drawing/2014/main" xmlns="" id="{A987C00D-7664-8877-9F04-6695E3776C86}"/>
               </a:ext>
             </a:extLst>
           </p:cNvPr>
@@ -12714,7 +12838,7 @@
           <p:cNvPr id="28" name="TextBox 27">
             <a:extLst>
               <a:ext uri="{FF2B5EF4-FFF2-40B4-BE49-F238E27FC236}">
-                <a16:creationId xmlns:a16="http://schemas.microsoft.com/office/drawing/2014/main" id="{41C50DFF-758F-2AB0-8E17-3183A8649935}"/>
+                <a16:creationId xmlns:a16="http://schemas.microsoft.com/office/drawing/2014/main" xmlns="" id="{41C50DFF-758F-2AB0-8E17-3183A8649935}"/>
               </a:ext>
             </a:extLst>
           </p:cNvPr>
@@ -13603,7 +13727,7 @@
           <p:cNvPr id="4" name="TextBox 3">
             <a:extLst>
               <a:ext uri="{FF2B5EF4-FFF2-40B4-BE49-F238E27FC236}">
-                <a16:creationId xmlns:a16="http://schemas.microsoft.com/office/drawing/2014/main" id="{5ADC00B6-990A-40DC-3CEA-505258F5E8DA}"/>
+                <a16:creationId xmlns:a16="http://schemas.microsoft.com/office/drawing/2014/main" xmlns="" id="{5ADC00B6-990A-40DC-3CEA-505258F5E8DA}"/>
               </a:ext>
             </a:extLst>
           </p:cNvPr>
@@ -13726,7 +13850,7 @@
           <p:cNvPr id="8" name="직선 화살표 연결선 7">
             <a:extLst>
               <a:ext uri="{FF2B5EF4-FFF2-40B4-BE49-F238E27FC236}">
-                <a16:creationId xmlns:a16="http://schemas.microsoft.com/office/drawing/2014/main" id="{299DF5EC-9DF4-5255-06AC-0A7CE4FF58C3}"/>
+                <a16:creationId xmlns:a16="http://schemas.microsoft.com/office/drawing/2014/main" xmlns="" id="{299DF5EC-9DF4-5255-06AC-0A7CE4FF58C3}"/>
               </a:ext>
             </a:extLst>
           </p:cNvPr>
@@ -13767,7 +13891,7 @@
           <p:cNvPr id="9" name="직선 화살표 연결선 8">
             <a:extLst>
               <a:ext uri="{FF2B5EF4-FFF2-40B4-BE49-F238E27FC236}">
-                <a16:creationId xmlns:a16="http://schemas.microsoft.com/office/drawing/2014/main" id="{299DF5EC-9DF4-5255-06AC-0A7CE4FF58C3}"/>
+                <a16:creationId xmlns:a16="http://schemas.microsoft.com/office/drawing/2014/main" xmlns="" id="{299DF5EC-9DF4-5255-06AC-0A7CE4FF58C3}"/>
               </a:ext>
             </a:extLst>
           </p:cNvPr>
@@ -13808,7 +13932,7 @@
           <p:cNvPr id="2" name="TextBox 1">
             <a:extLst>
               <a:ext uri="{FF2B5EF4-FFF2-40B4-BE49-F238E27FC236}">
-                <a16:creationId xmlns:a16="http://schemas.microsoft.com/office/drawing/2014/main" id="{DA0AA23B-8E9B-928B-3B9A-C98FAC47BA11}"/>
+                <a16:creationId xmlns:a16="http://schemas.microsoft.com/office/drawing/2014/main" xmlns="" id="{DA0AA23B-8E9B-928B-3B9A-C98FAC47BA11}"/>
               </a:ext>
             </a:extLst>
           </p:cNvPr>
@@ -13964,7 +14088,7 @@
           <p:cNvPr id="4" name="TextBox 3">
             <a:extLst>
               <a:ext uri="{FF2B5EF4-FFF2-40B4-BE49-F238E27FC236}">
-                <a16:creationId xmlns:a16="http://schemas.microsoft.com/office/drawing/2014/main" id="{5ADC00B6-990A-40DC-3CEA-505258F5E8DA}"/>
+                <a16:creationId xmlns:a16="http://schemas.microsoft.com/office/drawing/2014/main" xmlns="" id="{5ADC00B6-990A-40DC-3CEA-505258F5E8DA}"/>
               </a:ext>
             </a:extLst>
           </p:cNvPr>
@@ -14015,7 +14139,7 @@
           <p:cNvPr id="2" name="TextBox 1">
             <a:extLst>
               <a:ext uri="{FF2B5EF4-FFF2-40B4-BE49-F238E27FC236}">
-                <a16:creationId xmlns:a16="http://schemas.microsoft.com/office/drawing/2014/main" id="{30AEE48F-7A28-7E3D-4439-ED5287B35FBA}"/>
+                <a16:creationId xmlns:a16="http://schemas.microsoft.com/office/drawing/2014/main" xmlns="" id="{30AEE48F-7A28-7E3D-4439-ED5287B35FBA}"/>
               </a:ext>
             </a:extLst>
           </p:cNvPr>
@@ -14182,7 +14306,7 @@
           <p:cNvPr id="5" name="표 4">
             <a:extLst>
               <a:ext uri="{FF2B5EF4-FFF2-40B4-BE49-F238E27FC236}">
-                <a16:creationId xmlns:a16="http://schemas.microsoft.com/office/drawing/2014/main" id="{1B49E70D-ED3F-5AD0-12F8-196C680646A4}"/>
+                <a16:creationId xmlns:a16="http://schemas.microsoft.com/office/drawing/2014/main" xmlns="" id="{1B49E70D-ED3F-5AD0-12F8-196C680646A4}"/>
               </a:ext>
             </a:extLst>
           </p:cNvPr>
@@ -14211,21 +14335,21 @@
                 <a:gridCol w="1731833">
                   <a:extLst>
                     <a:ext uri="{9D8B030D-6E8A-4147-A177-3AD203B41FA5}">
-                      <a16:colId xmlns:a16="http://schemas.microsoft.com/office/drawing/2014/main" val="4032330398"/>
+                      <a16:colId xmlns:a16="http://schemas.microsoft.com/office/drawing/2014/main" xmlns="" val="4032330398"/>
                     </a:ext>
                   </a:extLst>
                 </a:gridCol>
                 <a:gridCol w="1752960">
                   <a:extLst>
                     <a:ext uri="{9D8B030D-6E8A-4147-A177-3AD203B41FA5}">
-                      <a16:colId xmlns:a16="http://schemas.microsoft.com/office/drawing/2014/main" val="2529553061"/>
+                      <a16:colId xmlns:a16="http://schemas.microsoft.com/office/drawing/2014/main" xmlns="" val="2529553061"/>
                     </a:ext>
                   </a:extLst>
                 </a:gridCol>
                 <a:gridCol w="2730951">
                   <a:extLst>
                     <a:ext uri="{9D8B030D-6E8A-4147-A177-3AD203B41FA5}">
-                      <a16:colId xmlns:a16="http://schemas.microsoft.com/office/drawing/2014/main" val="2764036319"/>
+                      <a16:colId xmlns:a16="http://schemas.microsoft.com/office/drawing/2014/main" xmlns="" val="2764036319"/>
                     </a:ext>
                   </a:extLst>
                 </a:gridCol>
@@ -14413,7 +14537,7 @@
                 </a:tc>
                 <a:extLst>
                   <a:ext uri="{0D108BD9-81ED-4DB2-BD59-A6C34878D82A}">
-                    <a16:rowId xmlns:a16="http://schemas.microsoft.com/office/drawing/2014/main" val="2120154440"/>
+                    <a16:rowId xmlns:a16="http://schemas.microsoft.com/office/drawing/2014/main" xmlns="" val="2120154440"/>
                   </a:ext>
                 </a:extLst>
               </a:tr>
@@ -14620,7 +14744,7 @@
                 </a:tc>
                 <a:extLst>
                   <a:ext uri="{0D108BD9-81ED-4DB2-BD59-A6C34878D82A}">
-                    <a16:rowId xmlns:a16="http://schemas.microsoft.com/office/drawing/2014/main" val="3252444122"/>
+                    <a16:rowId xmlns:a16="http://schemas.microsoft.com/office/drawing/2014/main" xmlns="" val="3252444122"/>
                   </a:ext>
                 </a:extLst>
               </a:tr>
@@ -14792,7 +14916,7 @@
                 </a:tc>
                 <a:extLst>
                   <a:ext uri="{0D108BD9-81ED-4DB2-BD59-A6C34878D82A}">
-                    <a16:rowId xmlns:a16="http://schemas.microsoft.com/office/drawing/2014/main" val="691410232"/>
+                    <a16:rowId xmlns:a16="http://schemas.microsoft.com/office/drawing/2014/main" xmlns="" val="691410232"/>
                   </a:ext>
                 </a:extLst>
               </a:tr>
@@ -14964,7 +15088,7 @@
                 </a:tc>
                 <a:extLst>
                   <a:ext uri="{0D108BD9-81ED-4DB2-BD59-A6C34878D82A}">
-                    <a16:rowId xmlns:a16="http://schemas.microsoft.com/office/drawing/2014/main" val="2938725613"/>
+                    <a16:rowId xmlns:a16="http://schemas.microsoft.com/office/drawing/2014/main" xmlns="" val="2938725613"/>
                   </a:ext>
                 </a:extLst>
               </a:tr>
@@ -15245,7 +15369,7 @@
                 </a:tc>
                 <a:extLst>
                   <a:ext uri="{0D108BD9-81ED-4DB2-BD59-A6C34878D82A}">
-                    <a16:rowId xmlns:a16="http://schemas.microsoft.com/office/drawing/2014/main" val="1372649246"/>
+                    <a16:rowId xmlns:a16="http://schemas.microsoft.com/office/drawing/2014/main" xmlns="" val="1372649246"/>
                   </a:ext>
                 </a:extLst>
               </a:tr>
@@ -15507,7 +15631,7 @@
                 </a:tc>
                 <a:extLst>
                   <a:ext uri="{0D108BD9-81ED-4DB2-BD59-A6C34878D82A}">
-                    <a16:rowId xmlns:a16="http://schemas.microsoft.com/office/drawing/2014/main" val="3494203728"/>
+                    <a16:rowId xmlns:a16="http://schemas.microsoft.com/office/drawing/2014/main" xmlns="" val="3494203728"/>
                   </a:ext>
                 </a:extLst>
               </a:tr>
@@ -15520,7 +15644,7 @@
           <p:cNvPr id="6" name="TextBox 5">
             <a:extLst>
               <a:ext uri="{FF2B5EF4-FFF2-40B4-BE49-F238E27FC236}">
-                <a16:creationId xmlns:a16="http://schemas.microsoft.com/office/drawing/2014/main" id="{98CF411D-9E2D-663E-FC78-EED7A746FB58}"/>
+                <a16:creationId xmlns:a16="http://schemas.microsoft.com/office/drawing/2014/main" xmlns="" id="{98CF411D-9E2D-663E-FC78-EED7A746FB58}"/>
               </a:ext>
             </a:extLst>
           </p:cNvPr>
@@ -15695,7 +15819,7 @@
           <p:cNvPr id="7" name="표 6">
             <a:extLst>
               <a:ext uri="{FF2B5EF4-FFF2-40B4-BE49-F238E27FC236}">
-                <a16:creationId xmlns:a16="http://schemas.microsoft.com/office/drawing/2014/main" id="{57A9E81B-78FE-C5EE-995B-AE19434FCE6C}"/>
+                <a16:creationId xmlns:a16="http://schemas.microsoft.com/office/drawing/2014/main" xmlns="" id="{57A9E81B-78FE-C5EE-995B-AE19434FCE6C}"/>
               </a:ext>
             </a:extLst>
           </p:cNvPr>
@@ -15724,21 +15848,21 @@
                 <a:gridCol w="1731833">
                   <a:extLst>
                     <a:ext uri="{9D8B030D-6E8A-4147-A177-3AD203B41FA5}">
-                      <a16:colId xmlns:a16="http://schemas.microsoft.com/office/drawing/2014/main" val="4032330398"/>
+                      <a16:colId xmlns:a16="http://schemas.microsoft.com/office/drawing/2014/main" xmlns="" val="4032330398"/>
                     </a:ext>
                   </a:extLst>
                 </a:gridCol>
                 <a:gridCol w="1752960">
                   <a:extLst>
                     <a:ext uri="{9D8B030D-6E8A-4147-A177-3AD203B41FA5}">
-                      <a16:colId xmlns:a16="http://schemas.microsoft.com/office/drawing/2014/main" val="2529553061"/>
+                      <a16:colId xmlns:a16="http://schemas.microsoft.com/office/drawing/2014/main" xmlns="" val="2529553061"/>
                     </a:ext>
                   </a:extLst>
                 </a:gridCol>
                 <a:gridCol w="2730951">
                   <a:extLst>
                     <a:ext uri="{9D8B030D-6E8A-4147-A177-3AD203B41FA5}">
-                      <a16:colId xmlns:a16="http://schemas.microsoft.com/office/drawing/2014/main" val="2764036319"/>
+                      <a16:colId xmlns:a16="http://schemas.microsoft.com/office/drawing/2014/main" xmlns="" val="2764036319"/>
                     </a:ext>
                   </a:extLst>
                 </a:gridCol>
@@ -15926,7 +16050,7 @@
                 </a:tc>
                 <a:extLst>
                   <a:ext uri="{0D108BD9-81ED-4DB2-BD59-A6C34878D82A}">
-                    <a16:rowId xmlns:a16="http://schemas.microsoft.com/office/drawing/2014/main" val="2120154440"/>
+                    <a16:rowId xmlns:a16="http://schemas.microsoft.com/office/drawing/2014/main" xmlns="" val="2120154440"/>
                   </a:ext>
                 </a:extLst>
               </a:tr>
@@ -16153,7 +16277,7 @@
                 </a:tc>
                 <a:extLst>
                   <a:ext uri="{0D108BD9-81ED-4DB2-BD59-A6C34878D82A}">
-                    <a16:rowId xmlns:a16="http://schemas.microsoft.com/office/drawing/2014/main" val="1372649246"/>
+                    <a16:rowId xmlns:a16="http://schemas.microsoft.com/office/drawing/2014/main" xmlns="" val="1372649246"/>
                   </a:ext>
                 </a:extLst>
               </a:tr>
@@ -16166,7 +16290,7 @@
           <p:cNvPr id="9" name="그림 8">
             <a:extLst>
               <a:ext uri="{FF2B5EF4-FFF2-40B4-BE49-F238E27FC236}">
-                <a16:creationId xmlns:a16="http://schemas.microsoft.com/office/drawing/2014/main" id="{BDF1B617-4E7D-BB57-42FB-DDFB8BB3FBA6}"/>
+                <a16:creationId xmlns:a16="http://schemas.microsoft.com/office/drawing/2014/main" xmlns="" id="{BDF1B617-4E7D-BB57-42FB-DDFB8BB3FBA6}"/>
               </a:ext>
             </a:extLst>
           </p:cNvPr>
@@ -16196,7 +16320,7 @@
           <p:cNvPr id="11" name="그림 10">
             <a:extLst>
               <a:ext uri="{FF2B5EF4-FFF2-40B4-BE49-F238E27FC236}">
-                <a16:creationId xmlns:a16="http://schemas.microsoft.com/office/drawing/2014/main" id="{41D29328-9FA6-680E-0899-868784F9AC5B}"/>
+                <a16:creationId xmlns:a16="http://schemas.microsoft.com/office/drawing/2014/main" xmlns="" id="{41D29328-9FA6-680E-0899-868784F9AC5B}"/>
               </a:ext>
             </a:extLst>
           </p:cNvPr>
@@ -16226,7 +16350,7 @@
           <p:cNvPr id="13" name="그림 12">
             <a:extLst>
               <a:ext uri="{FF2B5EF4-FFF2-40B4-BE49-F238E27FC236}">
-                <a16:creationId xmlns:a16="http://schemas.microsoft.com/office/drawing/2014/main" id="{5779F6B0-4E95-3623-F441-FDA7C6560C84}"/>
+                <a16:creationId xmlns:a16="http://schemas.microsoft.com/office/drawing/2014/main" xmlns="" id="{5779F6B0-4E95-3623-F441-FDA7C6560C84}"/>
               </a:ext>
             </a:extLst>
           </p:cNvPr>
@@ -16256,7 +16380,7 @@
           <p:cNvPr id="15" name="그림 14">
             <a:extLst>
               <a:ext uri="{FF2B5EF4-FFF2-40B4-BE49-F238E27FC236}">
-                <a16:creationId xmlns:a16="http://schemas.microsoft.com/office/drawing/2014/main" id="{27E05EAB-468B-59F1-A433-9D03E86F05E6}"/>
+                <a16:creationId xmlns:a16="http://schemas.microsoft.com/office/drawing/2014/main" xmlns="" id="{27E05EAB-468B-59F1-A433-9D03E86F05E6}"/>
               </a:ext>
             </a:extLst>
           </p:cNvPr>
@@ -16582,7 +16706,7 @@
           <p:cNvPr id="2" name="TextBox 1">
             <a:extLst>
               <a:ext uri="{FF2B5EF4-FFF2-40B4-BE49-F238E27FC236}">
-                <a16:creationId xmlns:a16="http://schemas.microsoft.com/office/drawing/2014/main" id="{715D88A2-BD52-978B-A00A-540446126E3D}"/>
+                <a16:creationId xmlns:a16="http://schemas.microsoft.com/office/drawing/2014/main" xmlns="" id="{715D88A2-BD52-978B-A00A-540446126E3D}"/>
               </a:ext>
             </a:extLst>
           </p:cNvPr>
@@ -16843,7 +16967,7 @@
           <p:cNvPr id="2" name="TextBox 1">
             <a:extLst>
               <a:ext uri="{FF2B5EF4-FFF2-40B4-BE49-F238E27FC236}">
-                <a16:creationId xmlns:a16="http://schemas.microsoft.com/office/drawing/2014/main" id="{8D19D88B-9541-32D7-90F1-0C45C993E21C}"/>
+                <a16:creationId xmlns:a16="http://schemas.microsoft.com/office/drawing/2014/main" xmlns="" id="{8D19D88B-9541-32D7-90F1-0C45C993E21C}"/>
               </a:ext>
             </a:extLst>
           </p:cNvPr>
@@ -16916,7 +17040,7 @@
           <p:cNvPr id="4" name="TextBox 3">
             <a:extLst>
               <a:ext uri="{FF2B5EF4-FFF2-40B4-BE49-F238E27FC236}">
-                <a16:creationId xmlns:a16="http://schemas.microsoft.com/office/drawing/2014/main" id="{DF7DDD33-9412-2802-339A-E55446AC2DA7}"/>
+                <a16:creationId xmlns:a16="http://schemas.microsoft.com/office/drawing/2014/main" xmlns="" id="{DF7DDD33-9412-2802-339A-E55446AC2DA7}"/>
               </a:ext>
             </a:extLst>
           </p:cNvPr>
@@ -16994,7 +17118,7 @@
           <p:cNvPr id="4" name="TextBox 3">
             <a:extLst>
               <a:ext uri="{FF2B5EF4-FFF2-40B4-BE49-F238E27FC236}">
-                <a16:creationId xmlns:a16="http://schemas.microsoft.com/office/drawing/2014/main" id="{DF7DDD33-9412-2802-339A-E55446AC2DA7}"/>
+                <a16:creationId xmlns:a16="http://schemas.microsoft.com/office/drawing/2014/main" xmlns="" id="{DF7DDD33-9412-2802-339A-E55446AC2DA7}"/>
               </a:ext>
             </a:extLst>
           </p:cNvPr>
@@ -17076,7 +17200,7 @@
           <p:cNvPr id="5" name="직선 화살표 연결선 4">
             <a:extLst>
               <a:ext uri="{FF2B5EF4-FFF2-40B4-BE49-F238E27FC236}">
-                <a16:creationId xmlns:a16="http://schemas.microsoft.com/office/drawing/2014/main" id="{299DF5EC-9DF4-5255-06AC-0A7CE4FF58C3}"/>
+                <a16:creationId xmlns:a16="http://schemas.microsoft.com/office/drawing/2014/main" xmlns="" id="{299DF5EC-9DF4-5255-06AC-0A7CE4FF58C3}"/>
               </a:ext>
             </a:extLst>
           </p:cNvPr>
@@ -17117,7 +17241,7 @@
           <p:cNvPr id="6" name="직사각형 5">
             <a:extLst>
               <a:ext uri="{FF2B5EF4-FFF2-40B4-BE49-F238E27FC236}">
-                <a16:creationId xmlns:a16="http://schemas.microsoft.com/office/drawing/2014/main" id="{FFF506F9-840A-0508-4CAF-3AC711D8D5CE}"/>
+                <a16:creationId xmlns:a16="http://schemas.microsoft.com/office/drawing/2014/main" xmlns="" id="{FFF506F9-840A-0508-4CAF-3AC711D8D5CE}"/>
               </a:ext>
             </a:extLst>
           </p:cNvPr>
@@ -17169,7 +17293,7 @@
           <p:cNvPr id="7" name="TextBox 6">
             <a:extLst>
               <a:ext uri="{FF2B5EF4-FFF2-40B4-BE49-F238E27FC236}">
-                <a16:creationId xmlns:a16="http://schemas.microsoft.com/office/drawing/2014/main" id="{C6D113C6-EA5C-788F-0C77-E7CE6EBB865F}"/>
+                <a16:creationId xmlns:a16="http://schemas.microsoft.com/office/drawing/2014/main" xmlns="" id="{C6D113C6-EA5C-788F-0C77-E7CE6EBB865F}"/>
               </a:ext>
             </a:extLst>
           </p:cNvPr>
@@ -17295,7 +17419,7 @@
           <p:cNvPr id="7" name="직사각형 6">
             <a:extLst>
               <a:ext uri="{FF2B5EF4-FFF2-40B4-BE49-F238E27FC236}">
-                <a16:creationId xmlns:a16="http://schemas.microsoft.com/office/drawing/2014/main" id="{FFF506F9-840A-0508-4CAF-3AC711D8D5CE}"/>
+                <a16:creationId xmlns:a16="http://schemas.microsoft.com/office/drawing/2014/main" xmlns="" id="{FFF506F9-840A-0508-4CAF-3AC711D8D5CE}"/>
               </a:ext>
             </a:extLst>
           </p:cNvPr>
@@ -17347,7 +17471,7 @@
           <p:cNvPr id="8" name="직사각형 7">
             <a:extLst>
               <a:ext uri="{FF2B5EF4-FFF2-40B4-BE49-F238E27FC236}">
-                <a16:creationId xmlns:a16="http://schemas.microsoft.com/office/drawing/2014/main" id="{FFF506F9-840A-0508-4CAF-3AC711D8D5CE}"/>
+                <a16:creationId xmlns:a16="http://schemas.microsoft.com/office/drawing/2014/main" xmlns="" id="{FFF506F9-840A-0508-4CAF-3AC711D8D5CE}"/>
               </a:ext>
             </a:extLst>
           </p:cNvPr>
@@ -17423,7 +17547,7 @@
           <p:cNvPr id="10" name="직사각형 9">
             <a:extLst>
               <a:ext uri="{FF2B5EF4-FFF2-40B4-BE49-F238E27FC236}">
-                <a16:creationId xmlns:a16="http://schemas.microsoft.com/office/drawing/2014/main" id="{FFF506F9-840A-0508-4CAF-3AC711D8D5CE}"/>
+                <a16:creationId xmlns:a16="http://schemas.microsoft.com/office/drawing/2014/main" xmlns="" id="{FFF506F9-840A-0508-4CAF-3AC711D8D5CE}"/>
               </a:ext>
             </a:extLst>
           </p:cNvPr>
@@ -17475,7 +17599,7 @@
           <p:cNvPr id="11" name="직사각형 10">
             <a:extLst>
               <a:ext uri="{FF2B5EF4-FFF2-40B4-BE49-F238E27FC236}">
-                <a16:creationId xmlns:a16="http://schemas.microsoft.com/office/drawing/2014/main" id="{FFF506F9-840A-0508-4CAF-3AC711D8D5CE}"/>
+                <a16:creationId xmlns:a16="http://schemas.microsoft.com/office/drawing/2014/main" xmlns="" id="{FFF506F9-840A-0508-4CAF-3AC711D8D5CE}"/>
               </a:ext>
             </a:extLst>
           </p:cNvPr>
@@ -17745,7 +17869,7 @@
           <p:cNvPr id="2" name="TextBox 1">
             <a:extLst>
               <a:ext uri="{FF2B5EF4-FFF2-40B4-BE49-F238E27FC236}">
-                <a16:creationId xmlns:a16="http://schemas.microsoft.com/office/drawing/2014/main" id="{76F36AE5-79B5-0B9F-E510-1C27AAC4B649}"/>
+                <a16:creationId xmlns:a16="http://schemas.microsoft.com/office/drawing/2014/main" xmlns="" id="{76F36AE5-79B5-0B9F-E510-1C27AAC4B649}"/>
               </a:ext>
             </a:extLst>
           </p:cNvPr>
@@ -17936,7 +18060,7 @@
           <p:cNvPr id="56" name="TextBox 55">
             <a:extLst>
               <a:ext uri="{FF2B5EF4-FFF2-40B4-BE49-F238E27FC236}">
-                <a16:creationId xmlns:a16="http://schemas.microsoft.com/office/drawing/2014/main" id="{A2AD056B-97A4-5BCC-4460-250160F3E171}"/>
+                <a16:creationId xmlns:a16="http://schemas.microsoft.com/office/drawing/2014/main" xmlns="" id="{A2AD056B-97A4-5BCC-4460-250160F3E171}"/>
               </a:ext>
             </a:extLst>
           </p:cNvPr>
@@ -18062,7 +18186,7 @@
           <p:cNvPr id="60" name="TextBox 59">
             <a:extLst>
               <a:ext uri="{FF2B5EF4-FFF2-40B4-BE49-F238E27FC236}">
-                <a16:creationId xmlns:a16="http://schemas.microsoft.com/office/drawing/2014/main" id="{5ADC00B6-990A-40DC-3CEA-505258F5E8DA}"/>
+                <a16:creationId xmlns:a16="http://schemas.microsoft.com/office/drawing/2014/main" xmlns="" id="{5ADC00B6-990A-40DC-3CEA-505258F5E8DA}"/>
               </a:ext>
             </a:extLst>
           </p:cNvPr>
@@ -18110,7 +18234,7 @@
           <p:cNvPr id="61" name="TextBox 60">
             <a:extLst>
               <a:ext uri="{FF2B5EF4-FFF2-40B4-BE49-F238E27FC236}">
-                <a16:creationId xmlns:a16="http://schemas.microsoft.com/office/drawing/2014/main" id="{5ADC00B6-990A-40DC-3CEA-505258F5E8DA}"/>
+                <a16:creationId xmlns:a16="http://schemas.microsoft.com/office/drawing/2014/main" xmlns="" id="{5ADC00B6-990A-40DC-3CEA-505258F5E8DA}"/>
               </a:ext>
             </a:extLst>
           </p:cNvPr>
@@ -18158,7 +18282,7 @@
           <p:cNvPr id="62" name="TextBox 61">
             <a:extLst>
               <a:ext uri="{FF2B5EF4-FFF2-40B4-BE49-F238E27FC236}">
-                <a16:creationId xmlns:a16="http://schemas.microsoft.com/office/drawing/2014/main" id="{5ADC00B6-990A-40DC-3CEA-505258F5E8DA}"/>
+                <a16:creationId xmlns:a16="http://schemas.microsoft.com/office/drawing/2014/main" xmlns="" id="{5ADC00B6-990A-40DC-3CEA-505258F5E8DA}"/>
               </a:ext>
             </a:extLst>
           </p:cNvPr>
@@ -18236,7 +18360,7 @@
           <p:cNvPr id="4" name="TextBox 3">
             <a:extLst>
               <a:ext uri="{FF2B5EF4-FFF2-40B4-BE49-F238E27FC236}">
-                <a16:creationId xmlns:a16="http://schemas.microsoft.com/office/drawing/2014/main" id="{5ADC00B6-990A-40DC-3CEA-505258F5E8DA}"/>
+                <a16:creationId xmlns:a16="http://schemas.microsoft.com/office/drawing/2014/main" xmlns="" id="{5ADC00B6-990A-40DC-3CEA-505258F5E8DA}"/>
               </a:ext>
             </a:extLst>
           </p:cNvPr>
@@ -18284,7 +18408,7 @@
           <p:cNvPr id="5" name="TextBox 4">
             <a:extLst>
               <a:ext uri="{FF2B5EF4-FFF2-40B4-BE49-F238E27FC236}">
-                <a16:creationId xmlns:a16="http://schemas.microsoft.com/office/drawing/2014/main" id="{A2AD056B-97A4-5BCC-4460-250160F3E171}"/>
+                <a16:creationId xmlns:a16="http://schemas.microsoft.com/office/drawing/2014/main" xmlns="" id="{A2AD056B-97A4-5BCC-4460-250160F3E171}"/>
               </a:ext>
             </a:extLst>
           </p:cNvPr>
@@ -18375,7 +18499,7 @@
           <p:cNvPr id="8" name="직선 화살표 연결선 7">
             <a:extLst>
               <a:ext uri="{FF2B5EF4-FFF2-40B4-BE49-F238E27FC236}">
-                <a16:creationId xmlns:a16="http://schemas.microsoft.com/office/drawing/2014/main" id="{299DF5EC-9DF4-5255-06AC-0A7CE4FF58C3}"/>
+                <a16:creationId xmlns:a16="http://schemas.microsoft.com/office/drawing/2014/main" xmlns="" id="{299DF5EC-9DF4-5255-06AC-0A7CE4FF58C3}"/>
               </a:ext>
             </a:extLst>
           </p:cNvPr>
@@ -18416,7 +18540,7 @@
           <p:cNvPr id="9" name="직사각형 8">
             <a:extLst>
               <a:ext uri="{FF2B5EF4-FFF2-40B4-BE49-F238E27FC236}">
-                <a16:creationId xmlns:a16="http://schemas.microsoft.com/office/drawing/2014/main" id="{FFF506F9-840A-0508-4CAF-3AC711D8D5CE}"/>
+                <a16:creationId xmlns:a16="http://schemas.microsoft.com/office/drawing/2014/main" xmlns="" id="{FFF506F9-840A-0508-4CAF-3AC711D8D5CE}"/>
               </a:ext>
             </a:extLst>
           </p:cNvPr>
@@ -18468,7 +18592,7 @@
           <p:cNvPr id="10" name="TextBox 9">
             <a:extLst>
               <a:ext uri="{FF2B5EF4-FFF2-40B4-BE49-F238E27FC236}">
-                <a16:creationId xmlns:a16="http://schemas.microsoft.com/office/drawing/2014/main" id="{C6D113C6-EA5C-788F-0C77-E7CE6EBB865F}"/>
+                <a16:creationId xmlns:a16="http://schemas.microsoft.com/office/drawing/2014/main" xmlns="" id="{C6D113C6-EA5C-788F-0C77-E7CE6EBB865F}"/>
               </a:ext>
             </a:extLst>
           </p:cNvPr>
@@ -18550,7 +18674,7 @@
           <p:cNvPr id="12" name="직선 화살표 연결선 11">
             <a:extLst>
               <a:ext uri="{FF2B5EF4-FFF2-40B4-BE49-F238E27FC236}">
-                <a16:creationId xmlns:a16="http://schemas.microsoft.com/office/drawing/2014/main" id="{299DF5EC-9DF4-5255-06AC-0A7CE4FF58C3}"/>
+                <a16:creationId xmlns:a16="http://schemas.microsoft.com/office/drawing/2014/main" xmlns="" id="{299DF5EC-9DF4-5255-06AC-0A7CE4FF58C3}"/>
               </a:ext>
             </a:extLst>
           </p:cNvPr>
@@ -18591,7 +18715,7 @@
           <p:cNvPr id="13" name="직사각형 12">
             <a:extLst>
               <a:ext uri="{FF2B5EF4-FFF2-40B4-BE49-F238E27FC236}">
-                <a16:creationId xmlns:a16="http://schemas.microsoft.com/office/drawing/2014/main" id="{FFF506F9-840A-0508-4CAF-3AC711D8D5CE}"/>
+                <a16:creationId xmlns:a16="http://schemas.microsoft.com/office/drawing/2014/main" xmlns="" id="{FFF506F9-840A-0508-4CAF-3AC711D8D5CE}"/>
               </a:ext>
             </a:extLst>
           </p:cNvPr>
@@ -18643,7 +18767,7 @@
           <p:cNvPr id="14" name="TextBox 13">
             <a:extLst>
               <a:ext uri="{FF2B5EF4-FFF2-40B4-BE49-F238E27FC236}">
-                <a16:creationId xmlns:a16="http://schemas.microsoft.com/office/drawing/2014/main" id="{C6D113C6-EA5C-788F-0C77-E7CE6EBB865F}"/>
+                <a16:creationId xmlns:a16="http://schemas.microsoft.com/office/drawing/2014/main" xmlns="" id="{C6D113C6-EA5C-788F-0C77-E7CE6EBB865F}"/>
               </a:ext>
             </a:extLst>
           </p:cNvPr>

--- a/JavaLecture/LectureFile/java 7강.pptx
+++ b/JavaLecture/LectureFile/java 7강.pptx
@@ -235,7 +235,7 @@
           <a:p>
             <a:fld id="{D79F2C30-10E1-4C46-91DC-BBDB9629E720}" type="datetimeFigureOut">
               <a:rPr lang="ko-KR" altLang="en-US" smtClean="0"/>
-              <a:t>2023-02-04</a:t>
+              <a:t>2023-02-05</a:t>
             </a:fld>
             <a:endParaRPr lang="ko-KR" altLang="en-US"/>
           </a:p>
@@ -681,7 +681,7 @@
           <a:p>
             <a:fld id="{F8166F1F-CE9B-4651-A6AA-CD717754106B}" type="datetimeFigureOut">
               <a:rPr lang="en-US" smtClean="0"/>
-              <a:t>2/4/2023</a:t>
+              <a:t>2/5/2023</a:t>
             </a:fld>
             <a:endParaRPr lang="en-US"/>
           </a:p>
@@ -844,7 +844,7 @@
           <a:p>
             <a:fld id="{A76116CE-C4A3-4A05-B2D7-7C2E9A889C0F}" type="datetimeFigureOut">
               <a:rPr lang="en-US" smtClean="0"/>
-              <a:t>2/4/2023</a:t>
+              <a:t>2/5/2023</a:t>
             </a:fld>
             <a:endParaRPr lang="en-US"/>
           </a:p>
@@ -1017,7 +1017,7 @@
           <a:p>
             <a:fld id="{A76116CE-C4A3-4A05-B2D7-7C2E9A889C0F}" type="datetimeFigureOut">
               <a:rPr lang="en-US" smtClean="0"/>
-              <a:t>2/4/2023</a:t>
+              <a:t>2/5/2023</a:t>
             </a:fld>
             <a:endParaRPr lang="en-US"/>
           </a:p>
@@ -1182,7 +1182,7 @@
           <a:p>
             <a:fld id="{A76116CE-C4A3-4A05-B2D7-7C2E9A889C0F}" type="datetimeFigureOut">
               <a:rPr lang="en-US" smtClean="0"/>
-              <a:t>2/4/2023</a:t>
+              <a:t>2/5/2023</a:t>
             </a:fld>
             <a:endParaRPr lang="en-US"/>
           </a:p>
@@ -1422,7 +1422,7 @@
           <a:p>
             <a:fld id="{A76116CE-C4A3-4A05-B2D7-7C2E9A889C0F}" type="datetimeFigureOut">
               <a:rPr lang="en-US" smtClean="0"/>
-              <a:t>2/4/2023</a:t>
+              <a:t>2/5/2023</a:t>
             </a:fld>
             <a:endParaRPr lang="en-US"/>
           </a:p>
@@ -1702,7 +1702,7 @@
           <a:p>
             <a:fld id="{A76116CE-C4A3-4A05-B2D7-7C2E9A889C0F}" type="datetimeFigureOut">
               <a:rPr lang="en-US" smtClean="0"/>
-              <a:t>2/4/2023</a:t>
+              <a:t>2/5/2023</a:t>
             </a:fld>
             <a:endParaRPr lang="en-US"/>
           </a:p>
@@ -2116,7 +2116,7 @@
           <a:p>
             <a:fld id="{A76116CE-C4A3-4A05-B2D7-7C2E9A889C0F}" type="datetimeFigureOut">
               <a:rPr lang="en-US" smtClean="0"/>
-              <a:t>2/4/2023</a:t>
+              <a:t>2/5/2023</a:t>
             </a:fld>
             <a:endParaRPr lang="en-US"/>
           </a:p>
@@ -2228,7 +2228,7 @@
           <a:p>
             <a:fld id="{A76116CE-C4A3-4A05-B2D7-7C2E9A889C0F}" type="datetimeFigureOut">
               <a:rPr lang="en-US" smtClean="0"/>
-              <a:t>2/4/2023</a:t>
+              <a:t>2/5/2023</a:t>
             </a:fld>
             <a:endParaRPr lang="en-US"/>
           </a:p>
@@ -2318,7 +2318,7 @@
           <a:p>
             <a:fld id="{A76116CE-C4A3-4A05-B2D7-7C2E9A889C0F}" type="datetimeFigureOut">
               <a:rPr lang="en-US" smtClean="0"/>
-              <a:t>2/4/2023</a:t>
+              <a:t>2/5/2023</a:t>
             </a:fld>
             <a:endParaRPr lang="en-US"/>
           </a:p>
@@ -2588,7 +2588,7 @@
           <a:p>
             <a:fld id="{A76116CE-C4A3-4A05-B2D7-7C2E9A889C0F}" type="datetimeFigureOut">
               <a:rPr lang="en-US" smtClean="0"/>
-              <a:t>2/4/2023</a:t>
+              <a:t>2/5/2023</a:t>
             </a:fld>
             <a:endParaRPr lang="en-US"/>
           </a:p>
@@ -2835,7 +2835,7 @@
           <a:p>
             <a:fld id="{A76116CE-C4A3-4A05-B2D7-7C2E9A889C0F}" type="datetimeFigureOut">
               <a:rPr lang="en-US" smtClean="0"/>
-              <a:t>2/4/2023</a:t>
+              <a:t>2/5/2023</a:t>
             </a:fld>
             <a:endParaRPr lang="en-US"/>
           </a:p>
@@ -3041,7 +3041,7 @@
           <a:p>
             <a:fld id="{F8166F1F-CE9B-4651-A6AA-CD717754106B}" type="datetimeFigureOut">
               <a:rPr lang="en-US" smtClean="0"/>
-              <a:t>2/4/2023</a:t>
+              <a:t>2/5/2023</a:t>
             </a:fld>
             <a:endParaRPr lang="en-US"/>
           </a:p>
@@ -3697,7 +3697,7 @@
           <p:cNvPr id="2" name="TextBox 1">
             <a:extLst>
               <a:ext uri="{FF2B5EF4-FFF2-40B4-BE49-F238E27FC236}">
-                <a16:creationId xmlns:a16="http://schemas.microsoft.com/office/drawing/2014/main" xmlns="" id="{E9A453A8-9968-67AB-7B4A-83EEB4662AA6}"/>
+                <a16:creationId xmlns="" xmlns:a16="http://schemas.microsoft.com/office/drawing/2014/main" id="{E9A453A8-9968-67AB-7B4A-83EEB4662AA6}"/>
               </a:ext>
             </a:extLst>
           </p:cNvPr>
@@ -3745,7 +3745,7 @@
           <p:cNvPr id="4" name="TextBox 3">
             <a:extLst>
               <a:ext uri="{FF2B5EF4-FFF2-40B4-BE49-F238E27FC236}">
-                <a16:creationId xmlns:a16="http://schemas.microsoft.com/office/drawing/2014/main" xmlns="" id="{F4B7A35A-8AAC-4622-64BC-CAD1472D4115}"/>
+                <a16:creationId xmlns="" xmlns:a16="http://schemas.microsoft.com/office/drawing/2014/main" id="{F4B7A35A-8AAC-4622-64BC-CAD1472D4115}"/>
               </a:ext>
             </a:extLst>
           </p:cNvPr>
@@ -3817,7 +3817,7 @@
           <p:cNvPr id="7" name="TextBox 6">
             <a:extLst>
               <a:ext uri="{FF2B5EF4-FFF2-40B4-BE49-F238E27FC236}">
-                <a16:creationId xmlns:a16="http://schemas.microsoft.com/office/drawing/2014/main" xmlns="" id="{3ACE900A-D779-4343-6623-8588B376F0A1}"/>
+                <a16:creationId xmlns="" xmlns:a16="http://schemas.microsoft.com/office/drawing/2014/main" id="{3ACE900A-D779-4343-6623-8588B376F0A1}"/>
               </a:ext>
             </a:extLst>
           </p:cNvPr>
@@ -3905,7 +3905,7 @@
           <p:cNvPr id="5" name="직사각형 4">
             <a:extLst>
               <a:ext uri="{FF2B5EF4-FFF2-40B4-BE49-F238E27FC236}">
-                <a16:creationId xmlns:a16="http://schemas.microsoft.com/office/drawing/2014/main" xmlns="" id="{FFF506F9-840A-0508-4CAF-3AC711D8D5CE}"/>
+                <a16:creationId xmlns="" xmlns:a16="http://schemas.microsoft.com/office/drawing/2014/main" id="{FFF506F9-840A-0508-4CAF-3AC711D8D5CE}"/>
               </a:ext>
             </a:extLst>
           </p:cNvPr>
@@ -3994,7 +3994,7 @@
           <p:cNvPr id="4" name="TextBox 3">
             <a:extLst>
               <a:ext uri="{FF2B5EF4-FFF2-40B4-BE49-F238E27FC236}">
-                <a16:creationId xmlns:a16="http://schemas.microsoft.com/office/drawing/2014/main" xmlns="" id="{5ADC00B6-990A-40DC-3CEA-505258F5E8DA}"/>
+                <a16:creationId xmlns="" xmlns:a16="http://schemas.microsoft.com/office/drawing/2014/main" id="{5ADC00B6-990A-40DC-3CEA-505258F5E8DA}"/>
               </a:ext>
             </a:extLst>
           </p:cNvPr>
@@ -4096,7 +4096,7 @@
           <p:cNvPr id="6" name="직사각형 5">
             <a:extLst>
               <a:ext uri="{FF2B5EF4-FFF2-40B4-BE49-F238E27FC236}">
-                <a16:creationId xmlns:a16="http://schemas.microsoft.com/office/drawing/2014/main" xmlns="" id="{FFF506F9-840A-0508-4CAF-3AC711D8D5CE}"/>
+                <a16:creationId xmlns="" xmlns:a16="http://schemas.microsoft.com/office/drawing/2014/main" id="{FFF506F9-840A-0508-4CAF-3AC711D8D5CE}"/>
               </a:ext>
             </a:extLst>
           </p:cNvPr>
@@ -4148,7 +4148,7 @@
           <p:cNvPr id="7" name="직사각형 6">
             <a:extLst>
               <a:ext uri="{FF2B5EF4-FFF2-40B4-BE49-F238E27FC236}">
-                <a16:creationId xmlns:a16="http://schemas.microsoft.com/office/drawing/2014/main" xmlns="" id="{FFF506F9-840A-0508-4CAF-3AC711D8D5CE}"/>
+                <a16:creationId xmlns="" xmlns:a16="http://schemas.microsoft.com/office/drawing/2014/main" id="{FFF506F9-840A-0508-4CAF-3AC711D8D5CE}"/>
               </a:ext>
             </a:extLst>
           </p:cNvPr>
@@ -4200,7 +4200,7 @@
           <p:cNvPr id="8" name="직사각형 7">
             <a:extLst>
               <a:ext uri="{FF2B5EF4-FFF2-40B4-BE49-F238E27FC236}">
-                <a16:creationId xmlns:a16="http://schemas.microsoft.com/office/drawing/2014/main" xmlns="" id="{FFF506F9-840A-0508-4CAF-3AC711D8D5CE}"/>
+                <a16:creationId xmlns="" xmlns:a16="http://schemas.microsoft.com/office/drawing/2014/main" id="{FFF506F9-840A-0508-4CAF-3AC711D8D5CE}"/>
               </a:ext>
             </a:extLst>
           </p:cNvPr>
@@ -4252,7 +4252,7 @@
           <p:cNvPr id="9" name="직선 화살표 연결선 8">
             <a:extLst>
               <a:ext uri="{FF2B5EF4-FFF2-40B4-BE49-F238E27FC236}">
-                <a16:creationId xmlns:a16="http://schemas.microsoft.com/office/drawing/2014/main" xmlns="" id="{299DF5EC-9DF4-5255-06AC-0A7CE4FF58C3}"/>
+                <a16:creationId xmlns="" xmlns:a16="http://schemas.microsoft.com/office/drawing/2014/main" id="{299DF5EC-9DF4-5255-06AC-0A7CE4FF58C3}"/>
               </a:ext>
             </a:extLst>
           </p:cNvPr>
@@ -4293,7 +4293,7 @@
           <p:cNvPr id="10" name="TextBox 9">
             <a:extLst>
               <a:ext uri="{FF2B5EF4-FFF2-40B4-BE49-F238E27FC236}">
-                <a16:creationId xmlns:a16="http://schemas.microsoft.com/office/drawing/2014/main" xmlns="" id="{C6D113C6-EA5C-788F-0C77-E7CE6EBB865F}"/>
+                <a16:creationId xmlns="" xmlns:a16="http://schemas.microsoft.com/office/drawing/2014/main" id="{C6D113C6-EA5C-788F-0C77-E7CE6EBB865F}"/>
               </a:ext>
             </a:extLst>
           </p:cNvPr>
@@ -4402,7 +4402,7 @@
           <p:cNvPr id="5" name="TextBox 4">
             <a:extLst>
               <a:ext uri="{FF2B5EF4-FFF2-40B4-BE49-F238E27FC236}">
-                <a16:creationId xmlns:a16="http://schemas.microsoft.com/office/drawing/2014/main" xmlns="" id="{5ADC00B6-990A-40DC-3CEA-505258F5E8DA}"/>
+                <a16:creationId xmlns="" xmlns:a16="http://schemas.microsoft.com/office/drawing/2014/main" id="{5ADC00B6-990A-40DC-3CEA-505258F5E8DA}"/>
               </a:ext>
             </a:extLst>
           </p:cNvPr>
@@ -4460,7 +4460,7 @@
           <p:cNvPr id="6" name="직사각형 5">
             <a:extLst>
               <a:ext uri="{FF2B5EF4-FFF2-40B4-BE49-F238E27FC236}">
-                <a16:creationId xmlns:a16="http://schemas.microsoft.com/office/drawing/2014/main" xmlns="" id="{FFF506F9-840A-0508-4CAF-3AC711D8D5CE}"/>
+                <a16:creationId xmlns="" xmlns:a16="http://schemas.microsoft.com/office/drawing/2014/main" id="{FFF506F9-840A-0508-4CAF-3AC711D8D5CE}"/>
               </a:ext>
             </a:extLst>
           </p:cNvPr>
@@ -4512,7 +4512,7 @@
           <p:cNvPr id="7" name="직선 화살표 연결선 6">
             <a:extLst>
               <a:ext uri="{FF2B5EF4-FFF2-40B4-BE49-F238E27FC236}">
-                <a16:creationId xmlns:a16="http://schemas.microsoft.com/office/drawing/2014/main" xmlns="" id="{299DF5EC-9DF4-5255-06AC-0A7CE4FF58C3}"/>
+                <a16:creationId xmlns="" xmlns:a16="http://schemas.microsoft.com/office/drawing/2014/main" id="{299DF5EC-9DF4-5255-06AC-0A7CE4FF58C3}"/>
               </a:ext>
             </a:extLst>
           </p:cNvPr>
@@ -4553,7 +4553,7 @@
           <p:cNvPr id="8" name="TextBox 7">
             <a:extLst>
               <a:ext uri="{FF2B5EF4-FFF2-40B4-BE49-F238E27FC236}">
-                <a16:creationId xmlns:a16="http://schemas.microsoft.com/office/drawing/2014/main" xmlns="" id="{C6D113C6-EA5C-788F-0C77-E7CE6EBB865F}"/>
+                <a16:creationId xmlns="" xmlns:a16="http://schemas.microsoft.com/office/drawing/2014/main" id="{C6D113C6-EA5C-788F-0C77-E7CE6EBB865F}"/>
               </a:ext>
             </a:extLst>
           </p:cNvPr>
@@ -4601,7 +4601,7 @@
           <p:cNvPr id="9" name="직사각형 8">
             <a:extLst>
               <a:ext uri="{FF2B5EF4-FFF2-40B4-BE49-F238E27FC236}">
-                <a16:creationId xmlns:a16="http://schemas.microsoft.com/office/drawing/2014/main" xmlns="" id="{FFF506F9-840A-0508-4CAF-3AC711D8D5CE}"/>
+                <a16:creationId xmlns="" xmlns:a16="http://schemas.microsoft.com/office/drawing/2014/main" id="{FFF506F9-840A-0508-4CAF-3AC711D8D5CE}"/>
               </a:ext>
             </a:extLst>
           </p:cNvPr>
@@ -4653,7 +4653,7 @@
           <p:cNvPr id="10" name="직선 화살표 연결선 9">
             <a:extLst>
               <a:ext uri="{FF2B5EF4-FFF2-40B4-BE49-F238E27FC236}">
-                <a16:creationId xmlns:a16="http://schemas.microsoft.com/office/drawing/2014/main" xmlns="" id="{299DF5EC-9DF4-5255-06AC-0A7CE4FF58C3}"/>
+                <a16:creationId xmlns="" xmlns:a16="http://schemas.microsoft.com/office/drawing/2014/main" id="{299DF5EC-9DF4-5255-06AC-0A7CE4FF58C3}"/>
               </a:ext>
             </a:extLst>
           </p:cNvPr>
@@ -4694,7 +4694,7 @@
           <p:cNvPr id="11" name="TextBox 10">
             <a:extLst>
               <a:ext uri="{FF2B5EF4-FFF2-40B4-BE49-F238E27FC236}">
-                <a16:creationId xmlns:a16="http://schemas.microsoft.com/office/drawing/2014/main" xmlns="" id="{C6D113C6-EA5C-788F-0C77-E7CE6EBB865F}"/>
+                <a16:creationId xmlns="" xmlns:a16="http://schemas.microsoft.com/office/drawing/2014/main" id="{C6D113C6-EA5C-788F-0C77-E7CE6EBB865F}"/>
               </a:ext>
             </a:extLst>
           </p:cNvPr>
@@ -4871,7 +4871,7 @@
           <p:cNvPr id="4" name="TextBox 3">
             <a:extLst>
               <a:ext uri="{FF2B5EF4-FFF2-40B4-BE49-F238E27FC236}">
-                <a16:creationId xmlns:a16="http://schemas.microsoft.com/office/drawing/2014/main" xmlns="" id="{5ADC00B6-990A-40DC-3CEA-505258F5E8DA}"/>
+                <a16:creationId xmlns="" xmlns:a16="http://schemas.microsoft.com/office/drawing/2014/main" id="{5ADC00B6-990A-40DC-3CEA-505258F5E8DA}"/>
               </a:ext>
             </a:extLst>
           </p:cNvPr>
@@ -4973,7 +4973,7 @@
           <p:cNvPr id="6" name="직사각형 5">
             <a:extLst>
               <a:ext uri="{FF2B5EF4-FFF2-40B4-BE49-F238E27FC236}">
-                <a16:creationId xmlns:a16="http://schemas.microsoft.com/office/drawing/2014/main" xmlns="" id="{FFF506F9-840A-0508-4CAF-3AC711D8D5CE}"/>
+                <a16:creationId xmlns="" xmlns:a16="http://schemas.microsoft.com/office/drawing/2014/main" id="{FFF506F9-840A-0508-4CAF-3AC711D8D5CE}"/>
               </a:ext>
             </a:extLst>
           </p:cNvPr>
@@ -5062,7 +5062,7 @@
           <p:cNvPr id="4" name="TextBox 3">
             <a:extLst>
               <a:ext uri="{FF2B5EF4-FFF2-40B4-BE49-F238E27FC236}">
-                <a16:creationId xmlns:a16="http://schemas.microsoft.com/office/drawing/2014/main" xmlns="" id="{5ADC00B6-990A-40DC-3CEA-505258F5E8DA}"/>
+                <a16:creationId xmlns="" xmlns:a16="http://schemas.microsoft.com/office/drawing/2014/main" id="{5ADC00B6-990A-40DC-3CEA-505258F5E8DA}"/>
               </a:ext>
             </a:extLst>
           </p:cNvPr>
@@ -5175,7 +5175,7 @@
           <p:cNvPr id="4" name="Object 1">
             <a:extLst>
               <a:ext uri="{FF2B5EF4-FFF2-40B4-BE49-F238E27FC236}">
-                <a16:creationId xmlns:a16="http://schemas.microsoft.com/office/drawing/2014/main" xmlns="" id="{B0329035-BE76-33A8-0F2E-44624FCC1DED}"/>
+                <a16:creationId xmlns="" xmlns:a16="http://schemas.microsoft.com/office/drawing/2014/main" id="{B0329035-BE76-33A8-0F2E-44624FCC1DED}"/>
               </a:ext>
             </a:extLst>
           </p:cNvPr>
@@ -5205,7 +5205,7 @@
           <p:cNvPr id="7" name="그룹 1001">
             <a:extLst>
               <a:ext uri="{FF2B5EF4-FFF2-40B4-BE49-F238E27FC236}">
-                <a16:creationId xmlns:a16="http://schemas.microsoft.com/office/drawing/2014/main" xmlns="" id="{CD24CE9D-AC18-B6CD-F397-7E8E03D6FE26}"/>
+                <a16:creationId xmlns="" xmlns:a16="http://schemas.microsoft.com/office/drawing/2014/main" id="{CD24CE9D-AC18-B6CD-F397-7E8E03D6FE26}"/>
               </a:ext>
             </a:extLst>
           </p:cNvPr>
@@ -5225,7 +5225,7 @@
             <p:cNvPr id="8" name="Object 5">
               <a:extLst>
                 <a:ext uri="{FF2B5EF4-FFF2-40B4-BE49-F238E27FC236}">
-                  <a16:creationId xmlns:a16="http://schemas.microsoft.com/office/drawing/2014/main" xmlns="" id="{0EEF25E8-3BA8-EBAA-6DC2-66D70C3F9F4D}"/>
+                  <a16:creationId xmlns="" xmlns:a16="http://schemas.microsoft.com/office/drawing/2014/main" id="{0EEF25E8-3BA8-EBAA-6DC2-66D70C3F9F4D}"/>
                 </a:ext>
               </a:extLst>
             </p:cNvPr>
@@ -5256,7 +5256,7 @@
           <p:cNvPr id="9" name="그룹 1002">
             <a:extLst>
               <a:ext uri="{FF2B5EF4-FFF2-40B4-BE49-F238E27FC236}">
-                <a16:creationId xmlns:a16="http://schemas.microsoft.com/office/drawing/2014/main" xmlns="" id="{0F281BC9-DE1F-D1FE-E64C-C4640398F00C}"/>
+                <a16:creationId xmlns="" xmlns:a16="http://schemas.microsoft.com/office/drawing/2014/main" id="{0F281BC9-DE1F-D1FE-E64C-C4640398F00C}"/>
               </a:ext>
             </a:extLst>
           </p:cNvPr>
@@ -5276,7 +5276,7 @@
             <p:cNvPr id="10" name="Object 8">
               <a:extLst>
                 <a:ext uri="{FF2B5EF4-FFF2-40B4-BE49-F238E27FC236}">
-                  <a16:creationId xmlns:a16="http://schemas.microsoft.com/office/drawing/2014/main" xmlns="" id="{F669DCEF-04BB-7046-3F7F-5B513213556E}"/>
+                  <a16:creationId xmlns="" xmlns:a16="http://schemas.microsoft.com/office/drawing/2014/main" id="{F669DCEF-04BB-7046-3F7F-5B513213556E}"/>
                 </a:ext>
               </a:extLst>
             </p:cNvPr>
@@ -5307,7 +5307,7 @@
           <p:cNvPr id="11" name="그룹 1003">
             <a:extLst>
               <a:ext uri="{FF2B5EF4-FFF2-40B4-BE49-F238E27FC236}">
-                <a16:creationId xmlns:a16="http://schemas.microsoft.com/office/drawing/2014/main" xmlns="" id="{1F91EEF9-13EA-BB7F-B056-D35E7DB989AC}"/>
+                <a16:creationId xmlns="" xmlns:a16="http://schemas.microsoft.com/office/drawing/2014/main" id="{1F91EEF9-13EA-BB7F-B056-D35E7DB989AC}"/>
               </a:ext>
             </a:extLst>
           </p:cNvPr>
@@ -5327,7 +5327,7 @@
             <p:cNvPr id="12" name="Object 11">
               <a:extLst>
                 <a:ext uri="{FF2B5EF4-FFF2-40B4-BE49-F238E27FC236}">
-                  <a16:creationId xmlns:a16="http://schemas.microsoft.com/office/drawing/2014/main" xmlns="" id="{2CFFB217-AEFB-2C9E-5F86-6EE19510FFC6}"/>
+                  <a16:creationId xmlns="" xmlns:a16="http://schemas.microsoft.com/office/drawing/2014/main" id="{2CFFB217-AEFB-2C9E-5F86-6EE19510FFC6}"/>
                 </a:ext>
               </a:extLst>
             </p:cNvPr>
@@ -5358,7 +5358,7 @@
           <p:cNvPr id="13" name="그룹 1004">
             <a:extLst>
               <a:ext uri="{FF2B5EF4-FFF2-40B4-BE49-F238E27FC236}">
-                <a16:creationId xmlns:a16="http://schemas.microsoft.com/office/drawing/2014/main" xmlns="" id="{123B9C7E-94E8-E7E1-81BE-D59EA0299187}"/>
+                <a16:creationId xmlns="" xmlns:a16="http://schemas.microsoft.com/office/drawing/2014/main" id="{123B9C7E-94E8-E7E1-81BE-D59EA0299187}"/>
               </a:ext>
             </a:extLst>
           </p:cNvPr>
@@ -5378,7 +5378,7 @@
             <p:cNvPr id="14" name="Object 14">
               <a:extLst>
                 <a:ext uri="{FF2B5EF4-FFF2-40B4-BE49-F238E27FC236}">
-                  <a16:creationId xmlns:a16="http://schemas.microsoft.com/office/drawing/2014/main" xmlns="" id="{B6291552-2D89-A79F-7ACD-EA0EF9A4C389}"/>
+                  <a16:creationId xmlns="" xmlns:a16="http://schemas.microsoft.com/office/drawing/2014/main" id="{B6291552-2D89-A79F-7ACD-EA0EF9A4C389}"/>
                 </a:ext>
               </a:extLst>
             </p:cNvPr>
@@ -5409,7 +5409,7 @@
           <p:cNvPr id="15" name="TextBox 14">
             <a:extLst>
               <a:ext uri="{FF2B5EF4-FFF2-40B4-BE49-F238E27FC236}">
-                <a16:creationId xmlns:a16="http://schemas.microsoft.com/office/drawing/2014/main" xmlns="" id="{7D99763A-FC24-23F5-5BA9-D7B042E0F323}"/>
+                <a16:creationId xmlns="" xmlns:a16="http://schemas.microsoft.com/office/drawing/2014/main" id="{7D99763A-FC24-23F5-5BA9-D7B042E0F323}"/>
               </a:ext>
             </a:extLst>
           </p:cNvPr>
@@ -5487,7 +5487,7 @@
           <p:cNvPr id="4" name="TextBox 3">
             <a:extLst>
               <a:ext uri="{FF2B5EF4-FFF2-40B4-BE49-F238E27FC236}">
-                <a16:creationId xmlns:a16="http://schemas.microsoft.com/office/drawing/2014/main" xmlns="" id="{5ADC00B6-990A-40DC-3CEA-505258F5E8DA}"/>
+                <a16:creationId xmlns="" xmlns:a16="http://schemas.microsoft.com/office/drawing/2014/main" id="{5ADC00B6-990A-40DC-3CEA-505258F5E8DA}"/>
               </a:ext>
             </a:extLst>
           </p:cNvPr>
@@ -5568,14 +5568,14 @@
                 <a:gridCol w="1981200">
                   <a:extLst>
                     <a:ext uri="{9D8B030D-6E8A-4147-A177-3AD203B41FA5}">
-                      <a16:colId xmlns:a16="http://schemas.microsoft.com/office/drawing/2014/main" xmlns="" val="20000"/>
+                      <a16:colId xmlns="" xmlns:a16="http://schemas.microsoft.com/office/drawing/2014/main" val="20000"/>
                     </a:ext>
                   </a:extLst>
                 </a:gridCol>
                 <a:gridCol w="6019801">
                   <a:extLst>
                     <a:ext uri="{9D8B030D-6E8A-4147-A177-3AD203B41FA5}">
-                      <a16:colId xmlns:a16="http://schemas.microsoft.com/office/drawing/2014/main" xmlns="" val="20001"/>
+                      <a16:colId xmlns="" xmlns:a16="http://schemas.microsoft.com/office/drawing/2014/main" val="20001"/>
                     </a:ext>
                   </a:extLst>
                 </a:gridCol>
@@ -5713,7 +5713,7 @@
                 </a:tc>
                 <a:extLst>
                   <a:ext uri="{0D108BD9-81ED-4DB2-BD59-A6C34878D82A}">
-                    <a16:rowId xmlns:a16="http://schemas.microsoft.com/office/drawing/2014/main" xmlns="" val="10000"/>
+                    <a16:rowId xmlns="" xmlns:a16="http://schemas.microsoft.com/office/drawing/2014/main" val="10000"/>
                   </a:ext>
                 </a:extLst>
               </a:tr>
@@ -5874,7 +5874,7 @@
                 </a:tc>
                 <a:extLst>
                   <a:ext uri="{0D108BD9-81ED-4DB2-BD59-A6C34878D82A}">
-                    <a16:rowId xmlns:a16="http://schemas.microsoft.com/office/drawing/2014/main" xmlns="" val="10001"/>
+                    <a16:rowId xmlns="" xmlns:a16="http://schemas.microsoft.com/office/drawing/2014/main" val="10001"/>
                   </a:ext>
                 </a:extLst>
               </a:tr>
@@ -6014,7 +6014,7 @@
                 </a:tc>
                 <a:extLst>
                   <a:ext uri="{0D108BD9-81ED-4DB2-BD59-A6C34878D82A}">
-                    <a16:rowId xmlns:a16="http://schemas.microsoft.com/office/drawing/2014/main" xmlns="" val="10002"/>
+                    <a16:rowId xmlns="" xmlns:a16="http://schemas.microsoft.com/office/drawing/2014/main" val="10002"/>
                   </a:ext>
                 </a:extLst>
               </a:tr>
@@ -6080,14 +6080,14 @@
                 <a:gridCol w="2898913">
                   <a:extLst>
                     <a:ext uri="{9D8B030D-6E8A-4147-A177-3AD203B41FA5}">
-                      <a16:colId xmlns:a16="http://schemas.microsoft.com/office/drawing/2014/main" xmlns="" val="20000"/>
+                      <a16:colId xmlns="" xmlns:a16="http://schemas.microsoft.com/office/drawing/2014/main" val="20000"/>
                     </a:ext>
                   </a:extLst>
                 </a:gridCol>
                 <a:gridCol w="5102088">
                   <a:extLst>
                     <a:ext uri="{9D8B030D-6E8A-4147-A177-3AD203B41FA5}">
-                      <a16:colId xmlns:a16="http://schemas.microsoft.com/office/drawing/2014/main" xmlns="" val="20001"/>
+                      <a16:colId xmlns="" xmlns:a16="http://schemas.microsoft.com/office/drawing/2014/main" val="20001"/>
                     </a:ext>
                   </a:extLst>
                 </a:gridCol>
@@ -6217,7 +6217,7 @@
                 </a:tc>
                 <a:extLst>
                   <a:ext uri="{0D108BD9-81ED-4DB2-BD59-A6C34878D82A}">
-                    <a16:rowId xmlns:a16="http://schemas.microsoft.com/office/drawing/2014/main" xmlns="" val="10000"/>
+                    <a16:rowId xmlns="" xmlns:a16="http://schemas.microsoft.com/office/drawing/2014/main" val="10000"/>
                   </a:ext>
                 </a:extLst>
               </a:tr>
@@ -6354,7 +6354,7 @@
                 </a:tc>
                 <a:extLst>
                   <a:ext uri="{0D108BD9-81ED-4DB2-BD59-A6C34878D82A}">
-                    <a16:rowId xmlns:a16="http://schemas.microsoft.com/office/drawing/2014/main" xmlns="" val="10001"/>
+                    <a16:rowId xmlns="" xmlns:a16="http://schemas.microsoft.com/office/drawing/2014/main" val="10001"/>
                   </a:ext>
                 </a:extLst>
               </a:tr>
@@ -6483,7 +6483,7 @@
                 </a:tc>
                 <a:extLst>
                   <a:ext uri="{0D108BD9-81ED-4DB2-BD59-A6C34878D82A}">
-                    <a16:rowId xmlns:a16="http://schemas.microsoft.com/office/drawing/2014/main" xmlns="" val="10002"/>
+                    <a16:rowId xmlns="" xmlns:a16="http://schemas.microsoft.com/office/drawing/2014/main" val="10002"/>
                   </a:ext>
                 </a:extLst>
               </a:tr>
@@ -6520,7 +6520,7 @@
           <p:cNvPr id="8" name="직선 화살표 연결선 7">
             <a:extLst>
               <a:ext uri="{FF2B5EF4-FFF2-40B4-BE49-F238E27FC236}">
-                <a16:creationId xmlns:a16="http://schemas.microsoft.com/office/drawing/2014/main" xmlns="" id="{299DF5EC-9DF4-5255-06AC-0A7CE4FF58C3}"/>
+                <a16:creationId xmlns="" xmlns:a16="http://schemas.microsoft.com/office/drawing/2014/main" id="{299DF5EC-9DF4-5255-06AC-0A7CE4FF58C3}"/>
               </a:ext>
             </a:extLst>
           </p:cNvPr>
@@ -6561,7 +6561,7 @@
           <p:cNvPr id="10" name="직선 화살표 연결선 9">
             <a:extLst>
               <a:ext uri="{FF2B5EF4-FFF2-40B4-BE49-F238E27FC236}">
-                <a16:creationId xmlns:a16="http://schemas.microsoft.com/office/drawing/2014/main" xmlns="" id="{299DF5EC-9DF4-5255-06AC-0A7CE4FF58C3}"/>
+                <a16:creationId xmlns="" xmlns:a16="http://schemas.microsoft.com/office/drawing/2014/main" id="{299DF5EC-9DF4-5255-06AC-0A7CE4FF58C3}"/>
               </a:ext>
             </a:extLst>
           </p:cNvPr>
@@ -6602,7 +6602,7 @@
           <p:cNvPr id="12" name="직선 화살표 연결선 11">
             <a:extLst>
               <a:ext uri="{FF2B5EF4-FFF2-40B4-BE49-F238E27FC236}">
-                <a16:creationId xmlns:a16="http://schemas.microsoft.com/office/drawing/2014/main" xmlns="" id="{299DF5EC-9DF4-5255-06AC-0A7CE4FF58C3}"/>
+                <a16:creationId xmlns="" xmlns:a16="http://schemas.microsoft.com/office/drawing/2014/main" id="{299DF5EC-9DF4-5255-06AC-0A7CE4FF58C3}"/>
               </a:ext>
             </a:extLst>
           </p:cNvPr>
@@ -6643,7 +6643,7 @@
           <p:cNvPr id="3" name="그림 2">
             <a:extLst>
               <a:ext uri="{FF2B5EF4-FFF2-40B4-BE49-F238E27FC236}">
-                <a16:creationId xmlns:a16="http://schemas.microsoft.com/office/drawing/2014/main" xmlns="" id="{421B7850-86E6-2E37-A077-8E29CE8A7ABE}"/>
+                <a16:creationId xmlns="" xmlns:a16="http://schemas.microsoft.com/office/drawing/2014/main" id="{421B7850-86E6-2E37-A077-8E29CE8A7ABE}"/>
               </a:ext>
             </a:extLst>
           </p:cNvPr>
@@ -6673,7 +6673,7 @@
           <p:cNvPr id="11" name="그림 10">
             <a:extLst>
               <a:ext uri="{FF2B5EF4-FFF2-40B4-BE49-F238E27FC236}">
-                <a16:creationId xmlns:a16="http://schemas.microsoft.com/office/drawing/2014/main" xmlns="" id="{4E016463-6B92-6D08-CD48-A6E5194D6001}"/>
+                <a16:creationId xmlns="" xmlns:a16="http://schemas.microsoft.com/office/drawing/2014/main" id="{4E016463-6B92-6D08-CD48-A6E5194D6001}"/>
               </a:ext>
             </a:extLst>
           </p:cNvPr>
@@ -6889,7 +6889,7 @@
           <p:cNvPr id="4" name="TextBox 3">
             <a:extLst>
               <a:ext uri="{FF2B5EF4-FFF2-40B4-BE49-F238E27FC236}">
-                <a16:creationId xmlns:a16="http://schemas.microsoft.com/office/drawing/2014/main" xmlns="" id="{5ADC00B6-990A-40DC-3CEA-505258F5E8DA}"/>
+                <a16:creationId xmlns="" xmlns:a16="http://schemas.microsoft.com/office/drawing/2014/main" id="{5ADC00B6-990A-40DC-3CEA-505258F5E8DA}"/>
               </a:ext>
             </a:extLst>
           </p:cNvPr>
@@ -6960,21 +6960,21 @@
                 <a:gridCol w="2187001">
                   <a:extLst>
                     <a:ext uri="{9D8B030D-6E8A-4147-A177-3AD203B41FA5}">
-                      <a16:colId xmlns:a16="http://schemas.microsoft.com/office/drawing/2014/main" xmlns="" val="20000"/>
+                      <a16:colId xmlns="" xmlns:a16="http://schemas.microsoft.com/office/drawing/2014/main" val="20000"/>
                     </a:ext>
                   </a:extLst>
                 </a:gridCol>
                 <a:gridCol w="3580299">
                   <a:extLst>
                     <a:ext uri="{9D8B030D-6E8A-4147-A177-3AD203B41FA5}">
-                      <a16:colId xmlns:a16="http://schemas.microsoft.com/office/drawing/2014/main" xmlns="" val="20001"/>
+                      <a16:colId xmlns="" xmlns:a16="http://schemas.microsoft.com/office/drawing/2014/main" val="20001"/>
                     </a:ext>
                   </a:extLst>
                 </a:gridCol>
                 <a:gridCol w="4519700">
                   <a:extLst>
                     <a:ext uri="{9D8B030D-6E8A-4147-A177-3AD203B41FA5}">
-                      <a16:colId xmlns:a16="http://schemas.microsoft.com/office/drawing/2014/main" xmlns="" val="20002"/>
+                      <a16:colId xmlns="" xmlns:a16="http://schemas.microsoft.com/office/drawing/2014/main" val="20002"/>
                     </a:ext>
                   </a:extLst>
                 </a:gridCol>
@@ -7177,7 +7177,7 @@
                 </a:tc>
                 <a:extLst>
                   <a:ext uri="{0D108BD9-81ED-4DB2-BD59-A6C34878D82A}">
-                    <a16:rowId xmlns:a16="http://schemas.microsoft.com/office/drawing/2014/main" xmlns="" val="10000"/>
+                    <a16:rowId xmlns="" xmlns:a16="http://schemas.microsoft.com/office/drawing/2014/main" val="10000"/>
                   </a:ext>
                 </a:extLst>
               </a:tr>
@@ -7436,7 +7436,7 @@
                 </a:tc>
                 <a:extLst>
                   <a:ext uri="{0D108BD9-81ED-4DB2-BD59-A6C34878D82A}">
-                    <a16:rowId xmlns:a16="http://schemas.microsoft.com/office/drawing/2014/main" xmlns="" val="10001"/>
+                    <a16:rowId xmlns="" xmlns:a16="http://schemas.microsoft.com/office/drawing/2014/main" val="10001"/>
                   </a:ext>
                 </a:extLst>
               </a:tr>
@@ -7662,7 +7662,7 @@
                 </a:tc>
                 <a:extLst>
                   <a:ext uri="{0D108BD9-81ED-4DB2-BD59-A6C34878D82A}">
-                    <a16:rowId xmlns:a16="http://schemas.microsoft.com/office/drawing/2014/main" xmlns="" val="10002"/>
+                    <a16:rowId xmlns="" xmlns:a16="http://schemas.microsoft.com/office/drawing/2014/main" val="10002"/>
                   </a:ext>
                 </a:extLst>
               </a:tr>
@@ -7897,7 +7897,7 @@
                 </a:tc>
                 <a:extLst>
                   <a:ext uri="{0D108BD9-81ED-4DB2-BD59-A6C34878D82A}">
-                    <a16:rowId xmlns:a16="http://schemas.microsoft.com/office/drawing/2014/main" xmlns="" val="10003"/>
+                    <a16:rowId xmlns="" xmlns:a16="http://schemas.microsoft.com/office/drawing/2014/main" val="10003"/>
                   </a:ext>
                 </a:extLst>
               </a:tr>
@@ -7907,13 +7907,7 @@
       </p:graphicFrame>
       <p:pic>
         <p:nvPicPr>
-          <p:cNvPr id="2" name="그림 1">
-            <a:extLst>
-              <a:ext uri="{FF2B5EF4-FFF2-40B4-BE49-F238E27FC236}">
-                <a16:creationId xmlns:a16="http://schemas.microsoft.com/office/drawing/2014/main" xmlns="" id="{F1EF1BC2-A2D0-61E2-10CD-8EDFACAEC478}"/>
-              </a:ext>
-            </a:extLst>
-          </p:cNvPr>
+          <p:cNvPr id="3" name="그림 2"/>
           <p:cNvPicPr>
             <a:picLocks noChangeAspect="1"/>
           </p:cNvPicPr>
@@ -7927,8 +7921,8 @@
         </p:blipFill>
         <p:spPr>
           <a:xfrm>
-            <a:off x="-1" y="1866900"/>
-            <a:ext cx="7620001" cy="6241916"/>
+            <a:off x="457200" y="1485899"/>
+            <a:ext cx="6781800" cy="8620597"/>
           </a:xfrm>
           <a:prstGeom prst="rect">
             <a:avLst/>
@@ -7945,6 +7939,13 @@
   <p:clrMapOvr>
     <a:masterClrMapping/>
   </p:clrMapOvr>
+  <p:timing>
+    <p:tnLst>
+      <p:par>
+        <p:cTn id="1" dur="indefinite" restart="never" nodeType="tmRoot"/>
+      </p:par>
+    </p:tnLst>
+  </p:timing>
 </p:sld>
 </file>
 
@@ -7994,7 +7995,7 @@
           <p:cNvPr id="5" name="직선 화살표 연결선 4">
             <a:extLst>
               <a:ext uri="{FF2B5EF4-FFF2-40B4-BE49-F238E27FC236}">
-                <a16:creationId xmlns:a16="http://schemas.microsoft.com/office/drawing/2014/main" xmlns="" id="{299DF5EC-9DF4-5255-06AC-0A7CE4FF58C3}"/>
+                <a16:creationId xmlns="" xmlns:a16="http://schemas.microsoft.com/office/drawing/2014/main" id="{299DF5EC-9DF4-5255-06AC-0A7CE4FF58C3}"/>
               </a:ext>
             </a:extLst>
           </p:cNvPr>
@@ -8035,7 +8036,7 @@
           <p:cNvPr id="6" name="직사각형 5">
             <a:extLst>
               <a:ext uri="{FF2B5EF4-FFF2-40B4-BE49-F238E27FC236}">
-                <a16:creationId xmlns:a16="http://schemas.microsoft.com/office/drawing/2014/main" xmlns="" id="{FFF506F9-840A-0508-4CAF-3AC711D8D5CE}"/>
+                <a16:creationId xmlns="" xmlns:a16="http://schemas.microsoft.com/office/drawing/2014/main" id="{FFF506F9-840A-0508-4CAF-3AC711D8D5CE}"/>
               </a:ext>
             </a:extLst>
           </p:cNvPr>
@@ -8087,7 +8088,7 @@
           <p:cNvPr id="7" name="TextBox 6">
             <a:extLst>
               <a:ext uri="{FF2B5EF4-FFF2-40B4-BE49-F238E27FC236}">
-                <a16:creationId xmlns:a16="http://schemas.microsoft.com/office/drawing/2014/main" xmlns="" id="{C6D113C6-EA5C-788F-0C77-E7CE6EBB865F}"/>
+                <a16:creationId xmlns="" xmlns:a16="http://schemas.microsoft.com/office/drawing/2014/main" id="{C6D113C6-EA5C-788F-0C77-E7CE6EBB865F}"/>
               </a:ext>
             </a:extLst>
           </p:cNvPr>
@@ -8545,7 +8546,7 @@
           <p:cNvPr id="11" name="TextBox 10">
             <a:extLst>
               <a:ext uri="{FF2B5EF4-FFF2-40B4-BE49-F238E27FC236}">
-                <a16:creationId xmlns:a16="http://schemas.microsoft.com/office/drawing/2014/main" xmlns="" id="{9F88F580-08BE-88C2-D640-13F0026591CB}"/>
+                <a16:creationId xmlns="" xmlns:a16="http://schemas.microsoft.com/office/drawing/2014/main" id="{9F88F580-08BE-88C2-D640-13F0026591CB}"/>
               </a:ext>
             </a:extLst>
           </p:cNvPr>
@@ -8603,7 +8604,7 @@
           <p:cNvPr id="13" name="TextBox 12">
             <a:extLst>
               <a:ext uri="{FF2B5EF4-FFF2-40B4-BE49-F238E27FC236}">
-                <a16:creationId xmlns:a16="http://schemas.microsoft.com/office/drawing/2014/main" xmlns="" id="{72769C28-9BB6-DE9C-7B6F-264B77B8DD0E}"/>
+                <a16:creationId xmlns="" xmlns:a16="http://schemas.microsoft.com/office/drawing/2014/main" id="{72769C28-9BB6-DE9C-7B6F-264B77B8DD0E}"/>
               </a:ext>
             </a:extLst>
           </p:cNvPr>
@@ -8651,7 +8652,7 @@
           <p:cNvPr id="14" name="TextBox 13">
             <a:extLst>
               <a:ext uri="{FF2B5EF4-FFF2-40B4-BE49-F238E27FC236}">
-                <a16:creationId xmlns:a16="http://schemas.microsoft.com/office/drawing/2014/main" xmlns="" id="{270FBB6A-01CE-5637-78DA-58F0C974145C}"/>
+                <a16:creationId xmlns="" xmlns:a16="http://schemas.microsoft.com/office/drawing/2014/main" id="{270FBB6A-01CE-5637-78DA-58F0C974145C}"/>
               </a:ext>
             </a:extLst>
           </p:cNvPr>
@@ -8719,7 +8720,7 @@
           <p:cNvPr id="2" name="Object 17">
             <a:extLst>
               <a:ext uri="{FF2B5EF4-FFF2-40B4-BE49-F238E27FC236}">
-                <a16:creationId xmlns:a16="http://schemas.microsoft.com/office/drawing/2014/main" xmlns="" id="{140B283D-FE58-FA6F-6F7C-E0F1DBB62A65}"/>
+                <a16:creationId xmlns="" xmlns:a16="http://schemas.microsoft.com/office/drawing/2014/main" id="{140B283D-FE58-FA6F-6F7C-E0F1DBB62A65}"/>
               </a:ext>
             </a:extLst>
           </p:cNvPr>
@@ -8749,7 +8750,7 @@
           <p:cNvPr id="4" name="TextBox 3">
             <a:extLst>
               <a:ext uri="{FF2B5EF4-FFF2-40B4-BE49-F238E27FC236}">
-                <a16:creationId xmlns:a16="http://schemas.microsoft.com/office/drawing/2014/main" xmlns="" id="{2C8D0998-79BC-6FD2-59D9-8052B4A25F65}"/>
+                <a16:creationId xmlns="" xmlns:a16="http://schemas.microsoft.com/office/drawing/2014/main" id="{2C8D0998-79BC-6FD2-59D9-8052B4A25F65}"/>
               </a:ext>
             </a:extLst>
           </p:cNvPr>
@@ -8797,7 +8798,7 @@
           <p:cNvPr id="5" name="Object 18">
             <a:extLst>
               <a:ext uri="{FF2B5EF4-FFF2-40B4-BE49-F238E27FC236}">
-                <a16:creationId xmlns:a16="http://schemas.microsoft.com/office/drawing/2014/main" xmlns="" id="{3F58EA3E-1018-64D3-FAB2-4F6B9618FA56}"/>
+                <a16:creationId xmlns="" xmlns:a16="http://schemas.microsoft.com/office/drawing/2014/main" id="{3F58EA3E-1018-64D3-FAB2-4F6B9618FA56}"/>
               </a:ext>
             </a:extLst>
           </p:cNvPr>
@@ -8827,7 +8828,7 @@
           <p:cNvPr id="8" name="TextBox 7">
             <a:extLst>
               <a:ext uri="{FF2B5EF4-FFF2-40B4-BE49-F238E27FC236}">
-                <a16:creationId xmlns:a16="http://schemas.microsoft.com/office/drawing/2014/main" xmlns="" id="{681D3F16-7DCF-41AD-F5F1-0558C78C0E4D}"/>
+                <a16:creationId xmlns="" xmlns:a16="http://schemas.microsoft.com/office/drawing/2014/main" id="{681D3F16-7DCF-41AD-F5F1-0558C78C0E4D}"/>
               </a:ext>
             </a:extLst>
           </p:cNvPr>
@@ -8900,7 +8901,7 @@
           <p:cNvPr id="4" name="TextBox 3">
             <a:extLst>
               <a:ext uri="{FF2B5EF4-FFF2-40B4-BE49-F238E27FC236}">
-                <a16:creationId xmlns:a16="http://schemas.microsoft.com/office/drawing/2014/main" xmlns="" id="{5ADC00B6-990A-40DC-3CEA-505258F5E8DA}"/>
+                <a16:creationId xmlns="" xmlns:a16="http://schemas.microsoft.com/office/drawing/2014/main" id="{5ADC00B6-990A-40DC-3CEA-505258F5E8DA}"/>
               </a:ext>
             </a:extLst>
           </p:cNvPr>
@@ -8972,7 +8973,7 @@
           <p:cNvPr id="6" name="직사각형 5">
             <a:extLst>
               <a:ext uri="{FF2B5EF4-FFF2-40B4-BE49-F238E27FC236}">
-                <a16:creationId xmlns:a16="http://schemas.microsoft.com/office/drawing/2014/main" xmlns="" id="{FFF506F9-840A-0508-4CAF-3AC711D8D5CE}"/>
+                <a16:creationId xmlns="" xmlns:a16="http://schemas.microsoft.com/office/drawing/2014/main" id="{FFF506F9-840A-0508-4CAF-3AC711D8D5CE}"/>
               </a:ext>
             </a:extLst>
           </p:cNvPr>
@@ -9320,7 +9321,7 @@
           <p:cNvPr id="4" name="TextBox 3">
             <a:extLst>
               <a:ext uri="{FF2B5EF4-FFF2-40B4-BE49-F238E27FC236}">
-                <a16:creationId xmlns:a16="http://schemas.microsoft.com/office/drawing/2014/main" xmlns="" id="{5ADC00B6-990A-40DC-3CEA-505258F5E8DA}"/>
+                <a16:creationId xmlns="" xmlns:a16="http://schemas.microsoft.com/office/drawing/2014/main" id="{5ADC00B6-990A-40DC-3CEA-505258F5E8DA}"/>
               </a:ext>
             </a:extLst>
           </p:cNvPr>
@@ -9839,7 +9840,7 @@
           <p:cNvPr id="81" name="TextBox 80">
             <a:extLst>
               <a:ext uri="{FF2B5EF4-FFF2-40B4-BE49-F238E27FC236}">
-                <a16:creationId xmlns:a16="http://schemas.microsoft.com/office/drawing/2014/main" xmlns="" id="{5ADC00B6-990A-40DC-3CEA-505258F5E8DA}"/>
+                <a16:creationId xmlns="" xmlns:a16="http://schemas.microsoft.com/office/drawing/2014/main" id="{5ADC00B6-990A-40DC-3CEA-505258F5E8DA}"/>
               </a:ext>
             </a:extLst>
           </p:cNvPr>
@@ -9887,7 +9888,7 @@
           <p:cNvPr id="82" name="TextBox 81">
             <a:extLst>
               <a:ext uri="{FF2B5EF4-FFF2-40B4-BE49-F238E27FC236}">
-                <a16:creationId xmlns:a16="http://schemas.microsoft.com/office/drawing/2014/main" xmlns="" id="{5ADC00B6-990A-40DC-3CEA-505258F5E8DA}"/>
+                <a16:creationId xmlns="" xmlns:a16="http://schemas.microsoft.com/office/drawing/2014/main" id="{5ADC00B6-990A-40DC-3CEA-505258F5E8DA}"/>
               </a:ext>
             </a:extLst>
           </p:cNvPr>
@@ -9935,7 +9936,7 @@
           <p:cNvPr id="83" name="TextBox 82">
             <a:extLst>
               <a:ext uri="{FF2B5EF4-FFF2-40B4-BE49-F238E27FC236}">
-                <a16:creationId xmlns:a16="http://schemas.microsoft.com/office/drawing/2014/main" xmlns="" id="{A2AD056B-97A4-5BCC-4460-250160F3E171}"/>
+                <a16:creationId xmlns="" xmlns:a16="http://schemas.microsoft.com/office/drawing/2014/main" id="{A2AD056B-97A4-5BCC-4460-250160F3E171}"/>
               </a:ext>
             </a:extLst>
           </p:cNvPr>
@@ -9989,7 +9990,7 @@
           <p:cNvPr id="84" name="TextBox 83">
             <a:extLst>
               <a:ext uri="{FF2B5EF4-FFF2-40B4-BE49-F238E27FC236}">
-                <a16:creationId xmlns:a16="http://schemas.microsoft.com/office/drawing/2014/main" xmlns="" id="{A2AD056B-97A4-5BCC-4460-250160F3E171}"/>
+                <a16:creationId xmlns="" xmlns:a16="http://schemas.microsoft.com/office/drawing/2014/main" id="{A2AD056B-97A4-5BCC-4460-250160F3E171}"/>
               </a:ext>
             </a:extLst>
           </p:cNvPr>
@@ -10043,7 +10044,7 @@
           <p:cNvPr id="85" name="TextBox 84">
             <a:extLst>
               <a:ext uri="{FF2B5EF4-FFF2-40B4-BE49-F238E27FC236}">
-                <a16:creationId xmlns:a16="http://schemas.microsoft.com/office/drawing/2014/main" xmlns="" id="{A2AD056B-97A4-5BCC-4460-250160F3E171}"/>
+                <a16:creationId xmlns="" xmlns:a16="http://schemas.microsoft.com/office/drawing/2014/main" id="{A2AD056B-97A4-5BCC-4460-250160F3E171}"/>
               </a:ext>
             </a:extLst>
           </p:cNvPr>
@@ -10097,7 +10098,7 @@
           <p:cNvPr id="86" name="TextBox 85">
             <a:extLst>
               <a:ext uri="{FF2B5EF4-FFF2-40B4-BE49-F238E27FC236}">
-                <a16:creationId xmlns:a16="http://schemas.microsoft.com/office/drawing/2014/main" xmlns="" id="{A2AD056B-97A4-5BCC-4460-250160F3E171}"/>
+                <a16:creationId xmlns="" xmlns:a16="http://schemas.microsoft.com/office/drawing/2014/main" id="{A2AD056B-97A4-5BCC-4460-250160F3E171}"/>
               </a:ext>
             </a:extLst>
           </p:cNvPr>
@@ -10227,7 +10228,7 @@
           <p:cNvPr id="89" name="TextBox 88">
             <a:extLst>
               <a:ext uri="{FF2B5EF4-FFF2-40B4-BE49-F238E27FC236}">
-                <a16:creationId xmlns:a16="http://schemas.microsoft.com/office/drawing/2014/main" xmlns="" id="{A2AD056B-97A4-5BCC-4460-250160F3E171}"/>
+                <a16:creationId xmlns="" xmlns:a16="http://schemas.microsoft.com/office/drawing/2014/main" id="{A2AD056B-97A4-5BCC-4460-250160F3E171}"/>
               </a:ext>
             </a:extLst>
           </p:cNvPr>
@@ -10281,7 +10282,7 @@
           <p:cNvPr id="90" name="TextBox 89">
             <a:extLst>
               <a:ext uri="{FF2B5EF4-FFF2-40B4-BE49-F238E27FC236}">
-                <a16:creationId xmlns:a16="http://schemas.microsoft.com/office/drawing/2014/main" xmlns="" id="{A2AD056B-97A4-5BCC-4460-250160F3E171}"/>
+                <a16:creationId xmlns="" xmlns:a16="http://schemas.microsoft.com/office/drawing/2014/main" id="{A2AD056B-97A4-5BCC-4460-250160F3E171}"/>
               </a:ext>
             </a:extLst>
           </p:cNvPr>
@@ -10398,7 +10399,7 @@
           <p:cNvPr id="5" name="그림 4">
             <a:extLst>
               <a:ext uri="{FF2B5EF4-FFF2-40B4-BE49-F238E27FC236}">
-                <a16:creationId xmlns:a16="http://schemas.microsoft.com/office/drawing/2014/main" xmlns="" id="{EC0A4325-90ED-7A33-4F8B-61318074387B}"/>
+                <a16:creationId xmlns="" xmlns:a16="http://schemas.microsoft.com/office/drawing/2014/main" id="{EC0A4325-90ED-7A33-4F8B-61318074387B}"/>
               </a:ext>
             </a:extLst>
           </p:cNvPr>
@@ -10428,7 +10429,7 @@
           <p:cNvPr id="7" name="그림 6">
             <a:extLst>
               <a:ext uri="{FF2B5EF4-FFF2-40B4-BE49-F238E27FC236}">
-                <a16:creationId xmlns:a16="http://schemas.microsoft.com/office/drawing/2014/main" xmlns="" id="{49B25AD3-5EFB-B896-2A86-7A159C7F0C4D}"/>
+                <a16:creationId xmlns="" xmlns:a16="http://schemas.microsoft.com/office/drawing/2014/main" id="{49B25AD3-5EFB-B896-2A86-7A159C7F0C4D}"/>
               </a:ext>
             </a:extLst>
           </p:cNvPr>
@@ -10458,7 +10459,7 @@
           <p:cNvPr id="8" name="TextBox 7">
             <a:extLst>
               <a:ext uri="{FF2B5EF4-FFF2-40B4-BE49-F238E27FC236}">
-                <a16:creationId xmlns:a16="http://schemas.microsoft.com/office/drawing/2014/main" xmlns="" id="{5AADAE1F-E5CF-4F19-A5B2-62AF9B9AF604}"/>
+                <a16:creationId xmlns="" xmlns:a16="http://schemas.microsoft.com/office/drawing/2014/main" id="{5AADAE1F-E5CF-4F19-A5B2-62AF9B9AF604}"/>
               </a:ext>
             </a:extLst>
           </p:cNvPr>
@@ -10707,7 +10708,7 @@
           <p:cNvPr id="4" name="TextBox 3">
             <a:extLst>
               <a:ext uri="{FF2B5EF4-FFF2-40B4-BE49-F238E27FC236}">
-                <a16:creationId xmlns:a16="http://schemas.microsoft.com/office/drawing/2014/main" xmlns="" id="{5ADC00B6-990A-40DC-3CEA-505258F5E8DA}"/>
+                <a16:creationId xmlns="" xmlns:a16="http://schemas.microsoft.com/office/drawing/2014/main" id="{5ADC00B6-990A-40DC-3CEA-505258F5E8DA}"/>
               </a:ext>
             </a:extLst>
           </p:cNvPr>
@@ -10778,7 +10779,7 @@
                 <a:gridCol w="3200400">
                   <a:extLst>
                     <a:ext uri="{9D8B030D-6E8A-4147-A177-3AD203B41FA5}">
-                      <a16:colId xmlns:a16="http://schemas.microsoft.com/office/drawing/2014/main" xmlns="" val="20000"/>
+                      <a16:colId xmlns="" xmlns:a16="http://schemas.microsoft.com/office/drawing/2014/main" val="20000"/>
                     </a:ext>
                   </a:extLst>
                 </a:gridCol>
@@ -10842,7 +10843,7 @@
                 </a:tc>
                 <a:extLst>
                   <a:ext uri="{0D108BD9-81ED-4DB2-BD59-A6C34878D82A}">
-                    <a16:rowId xmlns:a16="http://schemas.microsoft.com/office/drawing/2014/main" xmlns="" val="10000"/>
+                    <a16:rowId xmlns="" xmlns:a16="http://schemas.microsoft.com/office/drawing/2014/main" val="10000"/>
                   </a:ext>
                 </a:extLst>
               </a:tr>
@@ -10898,7 +10899,7 @@
                 </a:tc>
                 <a:extLst>
                   <a:ext uri="{0D108BD9-81ED-4DB2-BD59-A6C34878D82A}">
-                    <a16:rowId xmlns:a16="http://schemas.microsoft.com/office/drawing/2014/main" xmlns="" val="10001"/>
+                    <a16:rowId xmlns="" xmlns:a16="http://schemas.microsoft.com/office/drawing/2014/main" val="10001"/>
                   </a:ext>
                 </a:extLst>
               </a:tr>
@@ -10954,7 +10955,7 @@
                 </a:tc>
                 <a:extLst>
                   <a:ext uri="{0D108BD9-81ED-4DB2-BD59-A6C34878D82A}">
-                    <a16:rowId xmlns:a16="http://schemas.microsoft.com/office/drawing/2014/main" xmlns="" val="10002"/>
+                    <a16:rowId xmlns="" xmlns:a16="http://schemas.microsoft.com/office/drawing/2014/main" val="10002"/>
                   </a:ext>
                 </a:extLst>
               </a:tr>
@@ -11010,7 +11011,7 @@
                 </a:tc>
                 <a:extLst>
                   <a:ext uri="{0D108BD9-81ED-4DB2-BD59-A6C34878D82A}">
-                    <a16:rowId xmlns:a16="http://schemas.microsoft.com/office/drawing/2014/main" xmlns="" val="10003"/>
+                    <a16:rowId xmlns="" xmlns:a16="http://schemas.microsoft.com/office/drawing/2014/main" val="10003"/>
                   </a:ext>
                 </a:extLst>
               </a:tr>
@@ -11066,7 +11067,7 @@
                 </a:tc>
                 <a:extLst>
                   <a:ext uri="{0D108BD9-81ED-4DB2-BD59-A6C34878D82A}">
-                    <a16:rowId xmlns:a16="http://schemas.microsoft.com/office/drawing/2014/main" xmlns="" val="10004"/>
+                    <a16:rowId xmlns="" xmlns:a16="http://schemas.microsoft.com/office/drawing/2014/main" val="10004"/>
                   </a:ext>
                 </a:extLst>
               </a:tr>
@@ -11122,7 +11123,7 @@
                 </a:tc>
                 <a:extLst>
                   <a:ext uri="{0D108BD9-81ED-4DB2-BD59-A6C34878D82A}">
-                    <a16:rowId xmlns:a16="http://schemas.microsoft.com/office/drawing/2014/main" xmlns="" val="10005"/>
+                    <a16:rowId xmlns="" xmlns:a16="http://schemas.microsoft.com/office/drawing/2014/main" val="10005"/>
                   </a:ext>
                 </a:extLst>
               </a:tr>
@@ -11178,7 +11179,7 @@
                 </a:tc>
                 <a:extLst>
                   <a:ext uri="{0D108BD9-81ED-4DB2-BD59-A6C34878D82A}">
-                    <a16:rowId xmlns:a16="http://schemas.microsoft.com/office/drawing/2014/main" xmlns="" val="10006"/>
+                    <a16:rowId xmlns="" xmlns:a16="http://schemas.microsoft.com/office/drawing/2014/main" val="10006"/>
                   </a:ext>
                 </a:extLst>
               </a:tr>
@@ -11191,7 +11192,7 @@
           <p:cNvPr id="6" name="TextBox 5">
             <a:extLst>
               <a:ext uri="{FF2B5EF4-FFF2-40B4-BE49-F238E27FC236}">
-                <a16:creationId xmlns:a16="http://schemas.microsoft.com/office/drawing/2014/main" xmlns="" id="{5ADC00B6-990A-40DC-3CEA-505258F5E8DA}"/>
+                <a16:creationId xmlns="" xmlns:a16="http://schemas.microsoft.com/office/drawing/2014/main" id="{5ADC00B6-990A-40DC-3CEA-505258F5E8DA}"/>
               </a:ext>
             </a:extLst>
           </p:cNvPr>
@@ -11239,7 +11240,7 @@
           <p:cNvPr id="7" name="TextBox 6">
             <a:extLst>
               <a:ext uri="{FF2B5EF4-FFF2-40B4-BE49-F238E27FC236}">
-                <a16:creationId xmlns:a16="http://schemas.microsoft.com/office/drawing/2014/main" xmlns="" id="{5ADC00B6-990A-40DC-3CEA-505258F5E8DA}"/>
+                <a16:creationId xmlns="" xmlns:a16="http://schemas.microsoft.com/office/drawing/2014/main" id="{5ADC00B6-990A-40DC-3CEA-505258F5E8DA}"/>
               </a:ext>
             </a:extLst>
           </p:cNvPr>
@@ -11287,7 +11288,7 @@
           <p:cNvPr id="8" name="TextBox 7">
             <a:extLst>
               <a:ext uri="{FF2B5EF4-FFF2-40B4-BE49-F238E27FC236}">
-                <a16:creationId xmlns:a16="http://schemas.microsoft.com/office/drawing/2014/main" xmlns="" id="{5ADC00B6-990A-40DC-3CEA-505258F5E8DA}"/>
+                <a16:creationId xmlns="" xmlns:a16="http://schemas.microsoft.com/office/drawing/2014/main" id="{5ADC00B6-990A-40DC-3CEA-505258F5E8DA}"/>
               </a:ext>
             </a:extLst>
           </p:cNvPr>
@@ -11335,7 +11336,7 @@
           <p:cNvPr id="9" name="TextBox 8">
             <a:extLst>
               <a:ext uri="{FF2B5EF4-FFF2-40B4-BE49-F238E27FC236}">
-                <a16:creationId xmlns:a16="http://schemas.microsoft.com/office/drawing/2014/main" xmlns="" id="{5ADC00B6-990A-40DC-3CEA-505258F5E8DA}"/>
+                <a16:creationId xmlns="" xmlns:a16="http://schemas.microsoft.com/office/drawing/2014/main" id="{5ADC00B6-990A-40DC-3CEA-505258F5E8DA}"/>
               </a:ext>
             </a:extLst>
           </p:cNvPr>
@@ -11832,60 +11833,12 @@
           <a:chExt cx="0" cy="0"/>
         </a:xfrm>
       </p:grpSpPr>
-      <p:sp>
-        <p:nvSpPr>
-          <p:cNvPr id="4" name="TextBox 3">
-            <a:extLst>
-              <a:ext uri="{FF2B5EF4-FFF2-40B4-BE49-F238E27FC236}">
-                <a16:creationId xmlns:a16="http://schemas.microsoft.com/office/drawing/2014/main" xmlns="" id="{5FDA0727-3416-90A8-CFD1-503F1A43584D}"/>
-              </a:ext>
-            </a:extLst>
-          </p:cNvPr>
-          <p:cNvSpPr txBox="1"/>
-          <p:nvPr/>
-        </p:nvSpPr>
-        <p:spPr>
-          <a:xfrm>
-            <a:off x="609600" y="38100"/>
-            <a:ext cx="1981200" cy="830997"/>
-          </a:xfrm>
-          <a:prstGeom prst="rect">
-            <a:avLst/>
-          </a:prstGeom>
-          <a:noFill/>
-        </p:spPr>
-        <p:txBody>
-          <a:bodyPr wrap="square" rtlCol="0">
-            <a:spAutoFit/>
-          </a:bodyPr>
-          <a:lstStyle/>
-          <a:p>
-            <a:r>
-              <a:rPr lang="ko-KR" altLang="en-US" sz="4800" dirty="0">
-                <a:solidFill>
-                  <a:srgbClr val="4C50BC"/>
-                </a:solidFill>
-                <a:latin typeface="G마켓 산스 Medium" panose="02000000000000000000" pitchFamily="50" charset="-127"/>
-                <a:ea typeface="G마켓 산스 Medium" panose="02000000000000000000" pitchFamily="50" charset="-127"/>
-              </a:rPr>
-              <a:t>퀴즈</a:t>
-            </a:r>
-            <a:endParaRPr lang="en-US" altLang="ko-KR" sz="4800" dirty="0">
-              <a:solidFill>
-                <a:srgbClr val="4C50BC"/>
-              </a:solidFill>
-              <a:latin typeface="G마켓 산스 Medium" panose="02000000000000000000" pitchFamily="50" charset="-127"/>
-              <a:ea typeface="G마켓 산스 Medium" panose="02000000000000000000" pitchFamily="50" charset="-127"/>
-            </a:endParaRPr>
-          </a:p>
-        </p:txBody>
-      </p:sp>
       <p:pic>
         <p:nvPicPr>
           <p:cNvPr id="6" name="그림 5">
             <a:extLst>
               <a:ext uri="{FF2B5EF4-FFF2-40B4-BE49-F238E27FC236}">
-                <a16:creationId xmlns:a16="http://schemas.microsoft.com/office/drawing/2014/main" xmlns="" id="{CA4DBC7C-F3DD-2369-9B17-FFC82C613A75}"/>
+                <a16:creationId xmlns="" xmlns:a16="http://schemas.microsoft.com/office/drawing/2014/main" id="{CA4DBC7C-F3DD-2369-9B17-FFC82C613A75}"/>
               </a:ext>
             </a:extLst>
           </p:cNvPr>
@@ -11915,7 +11868,7 @@
           <p:cNvPr id="7" name="직사각형 6">
             <a:extLst>
               <a:ext uri="{FF2B5EF4-FFF2-40B4-BE49-F238E27FC236}">
-                <a16:creationId xmlns:a16="http://schemas.microsoft.com/office/drawing/2014/main" xmlns="" id="{074F1171-7AB6-ACDB-7D1C-9460BD827CDD}"/>
+                <a16:creationId xmlns="" xmlns:a16="http://schemas.microsoft.com/office/drawing/2014/main" id="{074F1171-7AB6-ACDB-7D1C-9460BD827CDD}"/>
               </a:ext>
             </a:extLst>
           </p:cNvPr>
@@ -11967,7 +11920,7 @@
           <p:cNvPr id="8" name="직선 화살표 연결선 7">
             <a:extLst>
               <a:ext uri="{FF2B5EF4-FFF2-40B4-BE49-F238E27FC236}">
-                <a16:creationId xmlns:a16="http://schemas.microsoft.com/office/drawing/2014/main" xmlns="" id="{D3A5A730-35DB-821C-D2FB-ECCC9DD140FC}"/>
+                <a16:creationId xmlns="" xmlns:a16="http://schemas.microsoft.com/office/drawing/2014/main" id="{D3A5A730-35DB-821C-D2FB-ECCC9DD140FC}"/>
               </a:ext>
             </a:extLst>
           </p:cNvPr>
@@ -12008,7 +11961,7 @@
           <p:cNvPr id="9" name="TextBox 8">
             <a:extLst>
               <a:ext uri="{FF2B5EF4-FFF2-40B4-BE49-F238E27FC236}">
-                <a16:creationId xmlns:a16="http://schemas.microsoft.com/office/drawing/2014/main" xmlns="" id="{4A6CCCA9-6EC0-4D95-14E0-C52B8BCB35CD}"/>
+                <a16:creationId xmlns="" xmlns:a16="http://schemas.microsoft.com/office/drawing/2014/main" id="{4A6CCCA9-6EC0-4D95-14E0-C52B8BCB35CD}"/>
               </a:ext>
             </a:extLst>
           </p:cNvPr>
@@ -12059,7 +12012,7 @@
           <p:cNvPr id="10" name="직사각형 9">
             <a:extLst>
               <a:ext uri="{FF2B5EF4-FFF2-40B4-BE49-F238E27FC236}">
-                <a16:creationId xmlns:a16="http://schemas.microsoft.com/office/drawing/2014/main" xmlns="" id="{062E7A12-CAAD-27E1-EECA-CAF1C640863E}"/>
+                <a16:creationId xmlns="" xmlns:a16="http://schemas.microsoft.com/office/drawing/2014/main" id="{062E7A12-CAAD-27E1-EECA-CAF1C640863E}"/>
               </a:ext>
             </a:extLst>
           </p:cNvPr>
@@ -12111,7 +12064,7 @@
           <p:cNvPr id="11" name="직선 화살표 연결선 10">
             <a:extLst>
               <a:ext uri="{FF2B5EF4-FFF2-40B4-BE49-F238E27FC236}">
-                <a16:creationId xmlns:a16="http://schemas.microsoft.com/office/drawing/2014/main" xmlns="" id="{73CB0C49-FC4B-3359-955B-AE204EE1E101}"/>
+                <a16:creationId xmlns="" xmlns:a16="http://schemas.microsoft.com/office/drawing/2014/main" id="{73CB0C49-FC4B-3359-955B-AE204EE1E101}"/>
               </a:ext>
             </a:extLst>
           </p:cNvPr>
@@ -12152,7 +12105,7 @@
           <p:cNvPr id="12" name="TextBox 11">
             <a:extLst>
               <a:ext uri="{FF2B5EF4-FFF2-40B4-BE49-F238E27FC236}">
-                <a16:creationId xmlns:a16="http://schemas.microsoft.com/office/drawing/2014/main" xmlns="" id="{F5C0A30E-DDBA-9F64-76A3-CF56A3C1944E}"/>
+                <a16:creationId xmlns="" xmlns:a16="http://schemas.microsoft.com/office/drawing/2014/main" id="{F5C0A30E-DDBA-9F64-76A3-CF56A3C1944E}"/>
               </a:ext>
             </a:extLst>
           </p:cNvPr>
@@ -12223,7 +12176,7 @@
           <p:cNvPr id="13" name="직선 화살표 연결선 12">
             <a:extLst>
               <a:ext uri="{FF2B5EF4-FFF2-40B4-BE49-F238E27FC236}">
-                <a16:creationId xmlns:a16="http://schemas.microsoft.com/office/drawing/2014/main" xmlns="" id="{65F0EDF6-1E41-CB51-AFB2-08A6F2144824}"/>
+                <a16:creationId xmlns="" xmlns:a16="http://schemas.microsoft.com/office/drawing/2014/main" id="{65F0EDF6-1E41-CB51-AFB2-08A6F2144824}"/>
               </a:ext>
             </a:extLst>
           </p:cNvPr>
@@ -12264,7 +12217,7 @@
           <p:cNvPr id="14" name="TextBox 13">
             <a:extLst>
               <a:ext uri="{FF2B5EF4-FFF2-40B4-BE49-F238E27FC236}">
-                <a16:creationId xmlns:a16="http://schemas.microsoft.com/office/drawing/2014/main" xmlns="" id="{48D7086E-3277-C9DD-BD08-4715F25C06FE}"/>
+                <a16:creationId xmlns="" xmlns:a16="http://schemas.microsoft.com/office/drawing/2014/main" id="{48D7086E-3277-C9DD-BD08-4715F25C06FE}"/>
               </a:ext>
             </a:extLst>
           </p:cNvPr>
@@ -12305,7 +12258,7 @@
           <p:cNvPr id="15" name="직선 화살표 연결선 14">
             <a:extLst>
               <a:ext uri="{FF2B5EF4-FFF2-40B4-BE49-F238E27FC236}">
-                <a16:creationId xmlns:a16="http://schemas.microsoft.com/office/drawing/2014/main" xmlns="" id="{65CC014E-083D-5A4B-3B0B-98DEC629CB0A}"/>
+                <a16:creationId xmlns="" xmlns:a16="http://schemas.microsoft.com/office/drawing/2014/main" id="{65CC014E-083D-5A4B-3B0B-98DEC629CB0A}"/>
               </a:ext>
             </a:extLst>
           </p:cNvPr>
@@ -12346,7 +12299,7 @@
           <p:cNvPr id="16" name="TextBox 15">
             <a:extLst>
               <a:ext uri="{FF2B5EF4-FFF2-40B4-BE49-F238E27FC236}">
-                <a16:creationId xmlns:a16="http://schemas.microsoft.com/office/drawing/2014/main" xmlns="" id="{33A626AE-FC68-649B-6162-121A7F57563E}"/>
+                <a16:creationId xmlns="" xmlns:a16="http://schemas.microsoft.com/office/drawing/2014/main" id="{33A626AE-FC68-649B-6162-121A7F57563E}"/>
               </a:ext>
             </a:extLst>
           </p:cNvPr>
@@ -12387,7 +12340,7 @@
           <p:cNvPr id="17" name="직선 화살표 연결선 16">
             <a:extLst>
               <a:ext uri="{FF2B5EF4-FFF2-40B4-BE49-F238E27FC236}">
-                <a16:creationId xmlns:a16="http://schemas.microsoft.com/office/drawing/2014/main" xmlns="" id="{8AE1C50C-C246-0522-431A-D207CA4DCE7E}"/>
+                <a16:creationId xmlns="" xmlns:a16="http://schemas.microsoft.com/office/drawing/2014/main" id="{8AE1C50C-C246-0522-431A-D207CA4DCE7E}"/>
               </a:ext>
             </a:extLst>
           </p:cNvPr>
@@ -12428,7 +12381,7 @@
           <p:cNvPr id="18" name="TextBox 17">
             <a:extLst>
               <a:ext uri="{FF2B5EF4-FFF2-40B4-BE49-F238E27FC236}">
-                <a16:creationId xmlns:a16="http://schemas.microsoft.com/office/drawing/2014/main" xmlns="" id="{EB0FB5BC-9C65-5D5F-2FD9-093216A64F5F}"/>
+                <a16:creationId xmlns="" xmlns:a16="http://schemas.microsoft.com/office/drawing/2014/main" id="{EB0FB5BC-9C65-5D5F-2FD9-093216A64F5F}"/>
               </a:ext>
             </a:extLst>
           </p:cNvPr>
@@ -12469,7 +12422,7 @@
           <p:cNvPr id="19" name="직선 화살표 연결선 18">
             <a:extLst>
               <a:ext uri="{FF2B5EF4-FFF2-40B4-BE49-F238E27FC236}">
-                <a16:creationId xmlns:a16="http://schemas.microsoft.com/office/drawing/2014/main" xmlns="" id="{D8A897A3-8F13-6ACA-4F2A-7EB45D9D2396}"/>
+                <a16:creationId xmlns="" xmlns:a16="http://schemas.microsoft.com/office/drawing/2014/main" id="{D8A897A3-8F13-6ACA-4F2A-7EB45D9D2396}"/>
               </a:ext>
             </a:extLst>
           </p:cNvPr>
@@ -12510,7 +12463,7 @@
           <p:cNvPr id="20" name="TextBox 19">
             <a:extLst>
               <a:ext uri="{FF2B5EF4-FFF2-40B4-BE49-F238E27FC236}">
-                <a16:creationId xmlns:a16="http://schemas.microsoft.com/office/drawing/2014/main" xmlns="" id="{0A21C7C3-4C50-4A69-5565-E89C2149F435}"/>
+                <a16:creationId xmlns="" xmlns:a16="http://schemas.microsoft.com/office/drawing/2014/main" id="{0A21C7C3-4C50-4A69-5565-E89C2149F435}"/>
               </a:ext>
             </a:extLst>
           </p:cNvPr>
@@ -12551,7 +12504,7 @@
           <p:cNvPr id="21" name="직선 화살표 연결선 20">
             <a:extLst>
               <a:ext uri="{FF2B5EF4-FFF2-40B4-BE49-F238E27FC236}">
-                <a16:creationId xmlns:a16="http://schemas.microsoft.com/office/drawing/2014/main" xmlns="" id="{23F93734-8BD6-64DE-46E6-E57EBDF30A72}"/>
+                <a16:creationId xmlns="" xmlns:a16="http://schemas.microsoft.com/office/drawing/2014/main" id="{23F93734-8BD6-64DE-46E6-E57EBDF30A72}"/>
               </a:ext>
             </a:extLst>
           </p:cNvPr>
@@ -12592,7 +12545,7 @@
           <p:cNvPr id="22" name="TextBox 21">
             <a:extLst>
               <a:ext uri="{FF2B5EF4-FFF2-40B4-BE49-F238E27FC236}">
-                <a16:creationId xmlns:a16="http://schemas.microsoft.com/office/drawing/2014/main" xmlns="" id="{4F425D1A-0C27-D876-7A56-0FE8EFA87EED}"/>
+                <a16:creationId xmlns="" xmlns:a16="http://schemas.microsoft.com/office/drawing/2014/main" id="{4F425D1A-0C27-D876-7A56-0FE8EFA87EED}"/>
               </a:ext>
             </a:extLst>
           </p:cNvPr>
@@ -12633,7 +12586,7 @@
           <p:cNvPr id="23" name="직선 화살표 연결선 22">
             <a:extLst>
               <a:ext uri="{FF2B5EF4-FFF2-40B4-BE49-F238E27FC236}">
-                <a16:creationId xmlns:a16="http://schemas.microsoft.com/office/drawing/2014/main" xmlns="" id="{330A9D0B-3C8F-402A-7BA7-2EC946DB89EE}"/>
+                <a16:creationId xmlns="" xmlns:a16="http://schemas.microsoft.com/office/drawing/2014/main" id="{330A9D0B-3C8F-402A-7BA7-2EC946DB89EE}"/>
               </a:ext>
             </a:extLst>
           </p:cNvPr>
@@ -12674,7 +12627,7 @@
           <p:cNvPr id="24" name="TextBox 23">
             <a:extLst>
               <a:ext uri="{FF2B5EF4-FFF2-40B4-BE49-F238E27FC236}">
-                <a16:creationId xmlns:a16="http://schemas.microsoft.com/office/drawing/2014/main" xmlns="" id="{A593069C-50D4-AB1E-0FDB-A518B3D76E09}"/>
+                <a16:creationId xmlns="" xmlns:a16="http://schemas.microsoft.com/office/drawing/2014/main" id="{A593069C-50D4-AB1E-0FDB-A518B3D76E09}"/>
               </a:ext>
             </a:extLst>
           </p:cNvPr>
@@ -12715,7 +12668,7 @@
           <p:cNvPr id="25" name="직선 화살표 연결선 24">
             <a:extLst>
               <a:ext uri="{FF2B5EF4-FFF2-40B4-BE49-F238E27FC236}">
-                <a16:creationId xmlns:a16="http://schemas.microsoft.com/office/drawing/2014/main" xmlns="" id="{BC062B0A-8437-0E4A-A6B3-E438A683CDFD}"/>
+                <a16:creationId xmlns="" xmlns:a16="http://schemas.microsoft.com/office/drawing/2014/main" id="{BC062B0A-8437-0E4A-A6B3-E438A683CDFD}"/>
               </a:ext>
             </a:extLst>
           </p:cNvPr>
@@ -12756,7 +12709,7 @@
           <p:cNvPr id="26" name="TextBox 25">
             <a:extLst>
               <a:ext uri="{FF2B5EF4-FFF2-40B4-BE49-F238E27FC236}">
-                <a16:creationId xmlns:a16="http://schemas.microsoft.com/office/drawing/2014/main" xmlns="" id="{711FC0EE-1C95-206E-C15B-D151481BE23D}"/>
+                <a16:creationId xmlns="" xmlns:a16="http://schemas.microsoft.com/office/drawing/2014/main" id="{711FC0EE-1C95-206E-C15B-D151481BE23D}"/>
               </a:ext>
             </a:extLst>
           </p:cNvPr>
@@ -12797,7 +12750,7 @@
           <p:cNvPr id="27" name="직선 화살표 연결선 26">
             <a:extLst>
               <a:ext uri="{FF2B5EF4-FFF2-40B4-BE49-F238E27FC236}">
-                <a16:creationId xmlns:a16="http://schemas.microsoft.com/office/drawing/2014/main" xmlns="" id="{A987C00D-7664-8877-9F04-6695E3776C86}"/>
+                <a16:creationId xmlns="" xmlns:a16="http://schemas.microsoft.com/office/drawing/2014/main" id="{A987C00D-7664-8877-9F04-6695E3776C86}"/>
               </a:ext>
             </a:extLst>
           </p:cNvPr>
@@ -12838,7 +12791,7 @@
           <p:cNvPr id="28" name="TextBox 27">
             <a:extLst>
               <a:ext uri="{FF2B5EF4-FFF2-40B4-BE49-F238E27FC236}">
-                <a16:creationId xmlns:a16="http://schemas.microsoft.com/office/drawing/2014/main" xmlns="" id="{41C50DFF-758F-2AB0-8E17-3183A8649935}"/>
+                <a16:creationId xmlns="" xmlns:a16="http://schemas.microsoft.com/office/drawing/2014/main" id="{41C50DFF-758F-2AB0-8E17-3183A8649935}"/>
               </a:ext>
             </a:extLst>
           </p:cNvPr>
@@ -13727,7 +13680,7 @@
           <p:cNvPr id="4" name="TextBox 3">
             <a:extLst>
               <a:ext uri="{FF2B5EF4-FFF2-40B4-BE49-F238E27FC236}">
-                <a16:creationId xmlns:a16="http://schemas.microsoft.com/office/drawing/2014/main" xmlns="" id="{5ADC00B6-990A-40DC-3CEA-505258F5E8DA}"/>
+                <a16:creationId xmlns="" xmlns:a16="http://schemas.microsoft.com/office/drawing/2014/main" id="{5ADC00B6-990A-40DC-3CEA-505258F5E8DA}"/>
               </a:ext>
             </a:extLst>
           </p:cNvPr>
@@ -13850,7 +13803,7 @@
           <p:cNvPr id="8" name="직선 화살표 연결선 7">
             <a:extLst>
               <a:ext uri="{FF2B5EF4-FFF2-40B4-BE49-F238E27FC236}">
-                <a16:creationId xmlns:a16="http://schemas.microsoft.com/office/drawing/2014/main" xmlns="" id="{299DF5EC-9DF4-5255-06AC-0A7CE4FF58C3}"/>
+                <a16:creationId xmlns="" xmlns:a16="http://schemas.microsoft.com/office/drawing/2014/main" id="{299DF5EC-9DF4-5255-06AC-0A7CE4FF58C3}"/>
               </a:ext>
             </a:extLst>
           </p:cNvPr>
@@ -13891,7 +13844,7 @@
           <p:cNvPr id="9" name="직선 화살표 연결선 8">
             <a:extLst>
               <a:ext uri="{FF2B5EF4-FFF2-40B4-BE49-F238E27FC236}">
-                <a16:creationId xmlns:a16="http://schemas.microsoft.com/office/drawing/2014/main" xmlns="" id="{299DF5EC-9DF4-5255-06AC-0A7CE4FF58C3}"/>
+                <a16:creationId xmlns="" xmlns:a16="http://schemas.microsoft.com/office/drawing/2014/main" id="{299DF5EC-9DF4-5255-06AC-0A7CE4FF58C3}"/>
               </a:ext>
             </a:extLst>
           </p:cNvPr>
@@ -13932,7 +13885,7 @@
           <p:cNvPr id="2" name="TextBox 1">
             <a:extLst>
               <a:ext uri="{FF2B5EF4-FFF2-40B4-BE49-F238E27FC236}">
-                <a16:creationId xmlns:a16="http://schemas.microsoft.com/office/drawing/2014/main" xmlns="" id="{DA0AA23B-8E9B-928B-3B9A-C98FAC47BA11}"/>
+                <a16:creationId xmlns="" xmlns:a16="http://schemas.microsoft.com/office/drawing/2014/main" id="{DA0AA23B-8E9B-928B-3B9A-C98FAC47BA11}"/>
               </a:ext>
             </a:extLst>
           </p:cNvPr>
@@ -14088,7 +14041,7 @@
           <p:cNvPr id="4" name="TextBox 3">
             <a:extLst>
               <a:ext uri="{FF2B5EF4-FFF2-40B4-BE49-F238E27FC236}">
-                <a16:creationId xmlns:a16="http://schemas.microsoft.com/office/drawing/2014/main" xmlns="" id="{5ADC00B6-990A-40DC-3CEA-505258F5E8DA}"/>
+                <a16:creationId xmlns="" xmlns:a16="http://schemas.microsoft.com/office/drawing/2014/main" id="{5ADC00B6-990A-40DC-3CEA-505258F5E8DA}"/>
               </a:ext>
             </a:extLst>
           </p:cNvPr>
@@ -14139,7 +14092,7 @@
           <p:cNvPr id="2" name="TextBox 1">
             <a:extLst>
               <a:ext uri="{FF2B5EF4-FFF2-40B4-BE49-F238E27FC236}">
-                <a16:creationId xmlns:a16="http://schemas.microsoft.com/office/drawing/2014/main" xmlns="" id="{30AEE48F-7A28-7E3D-4439-ED5287B35FBA}"/>
+                <a16:creationId xmlns="" xmlns:a16="http://schemas.microsoft.com/office/drawing/2014/main" id="{30AEE48F-7A28-7E3D-4439-ED5287B35FBA}"/>
               </a:ext>
             </a:extLst>
           </p:cNvPr>
@@ -14306,7 +14259,7 @@
           <p:cNvPr id="5" name="표 4">
             <a:extLst>
               <a:ext uri="{FF2B5EF4-FFF2-40B4-BE49-F238E27FC236}">
-                <a16:creationId xmlns:a16="http://schemas.microsoft.com/office/drawing/2014/main" xmlns="" id="{1B49E70D-ED3F-5AD0-12F8-196C680646A4}"/>
+                <a16:creationId xmlns="" xmlns:a16="http://schemas.microsoft.com/office/drawing/2014/main" id="{1B49E70D-ED3F-5AD0-12F8-196C680646A4}"/>
               </a:ext>
             </a:extLst>
           </p:cNvPr>
@@ -14335,21 +14288,21 @@
                 <a:gridCol w="1731833">
                   <a:extLst>
                     <a:ext uri="{9D8B030D-6E8A-4147-A177-3AD203B41FA5}">
-                      <a16:colId xmlns:a16="http://schemas.microsoft.com/office/drawing/2014/main" xmlns="" val="4032330398"/>
+                      <a16:colId xmlns="" xmlns:a16="http://schemas.microsoft.com/office/drawing/2014/main" val="4032330398"/>
                     </a:ext>
                   </a:extLst>
                 </a:gridCol>
                 <a:gridCol w="1752960">
                   <a:extLst>
                     <a:ext uri="{9D8B030D-6E8A-4147-A177-3AD203B41FA5}">
-                      <a16:colId xmlns:a16="http://schemas.microsoft.com/office/drawing/2014/main" xmlns="" val="2529553061"/>
+                      <a16:colId xmlns="" xmlns:a16="http://schemas.microsoft.com/office/drawing/2014/main" val="2529553061"/>
                     </a:ext>
                   </a:extLst>
                 </a:gridCol>
                 <a:gridCol w="2730951">
                   <a:extLst>
                     <a:ext uri="{9D8B030D-6E8A-4147-A177-3AD203B41FA5}">
-                      <a16:colId xmlns:a16="http://schemas.microsoft.com/office/drawing/2014/main" xmlns="" val="2764036319"/>
+                      <a16:colId xmlns="" xmlns:a16="http://schemas.microsoft.com/office/drawing/2014/main" val="2764036319"/>
                     </a:ext>
                   </a:extLst>
                 </a:gridCol>
@@ -14537,7 +14490,7 @@
                 </a:tc>
                 <a:extLst>
                   <a:ext uri="{0D108BD9-81ED-4DB2-BD59-A6C34878D82A}">
-                    <a16:rowId xmlns:a16="http://schemas.microsoft.com/office/drawing/2014/main" xmlns="" val="2120154440"/>
+                    <a16:rowId xmlns="" xmlns:a16="http://schemas.microsoft.com/office/drawing/2014/main" val="2120154440"/>
                   </a:ext>
                 </a:extLst>
               </a:tr>
@@ -14744,7 +14697,7 @@
                 </a:tc>
                 <a:extLst>
                   <a:ext uri="{0D108BD9-81ED-4DB2-BD59-A6C34878D82A}">
-                    <a16:rowId xmlns:a16="http://schemas.microsoft.com/office/drawing/2014/main" xmlns="" val="3252444122"/>
+                    <a16:rowId xmlns="" xmlns:a16="http://schemas.microsoft.com/office/drawing/2014/main" val="3252444122"/>
                   </a:ext>
                 </a:extLst>
               </a:tr>
@@ -14916,7 +14869,7 @@
                 </a:tc>
                 <a:extLst>
                   <a:ext uri="{0D108BD9-81ED-4DB2-BD59-A6C34878D82A}">
-                    <a16:rowId xmlns:a16="http://schemas.microsoft.com/office/drawing/2014/main" xmlns="" val="691410232"/>
+                    <a16:rowId xmlns="" xmlns:a16="http://schemas.microsoft.com/office/drawing/2014/main" val="691410232"/>
                   </a:ext>
                 </a:extLst>
               </a:tr>
@@ -15088,7 +15041,7 @@
                 </a:tc>
                 <a:extLst>
                   <a:ext uri="{0D108BD9-81ED-4DB2-BD59-A6C34878D82A}">
-                    <a16:rowId xmlns:a16="http://schemas.microsoft.com/office/drawing/2014/main" xmlns="" val="2938725613"/>
+                    <a16:rowId xmlns="" xmlns:a16="http://schemas.microsoft.com/office/drawing/2014/main" val="2938725613"/>
                   </a:ext>
                 </a:extLst>
               </a:tr>
@@ -15369,7 +15322,7 @@
                 </a:tc>
                 <a:extLst>
                   <a:ext uri="{0D108BD9-81ED-4DB2-BD59-A6C34878D82A}">
-                    <a16:rowId xmlns:a16="http://schemas.microsoft.com/office/drawing/2014/main" xmlns="" val="1372649246"/>
+                    <a16:rowId xmlns="" xmlns:a16="http://schemas.microsoft.com/office/drawing/2014/main" val="1372649246"/>
                   </a:ext>
                 </a:extLst>
               </a:tr>
@@ -15631,7 +15584,7 @@
                 </a:tc>
                 <a:extLst>
                   <a:ext uri="{0D108BD9-81ED-4DB2-BD59-A6C34878D82A}">
-                    <a16:rowId xmlns:a16="http://schemas.microsoft.com/office/drawing/2014/main" xmlns="" val="3494203728"/>
+                    <a16:rowId xmlns="" xmlns:a16="http://schemas.microsoft.com/office/drawing/2014/main" val="3494203728"/>
                   </a:ext>
                 </a:extLst>
               </a:tr>
@@ -15644,7 +15597,7 @@
           <p:cNvPr id="6" name="TextBox 5">
             <a:extLst>
               <a:ext uri="{FF2B5EF4-FFF2-40B4-BE49-F238E27FC236}">
-                <a16:creationId xmlns:a16="http://schemas.microsoft.com/office/drawing/2014/main" xmlns="" id="{98CF411D-9E2D-663E-FC78-EED7A746FB58}"/>
+                <a16:creationId xmlns="" xmlns:a16="http://schemas.microsoft.com/office/drawing/2014/main" id="{98CF411D-9E2D-663E-FC78-EED7A746FB58}"/>
               </a:ext>
             </a:extLst>
           </p:cNvPr>
@@ -15819,7 +15772,7 @@
           <p:cNvPr id="7" name="표 6">
             <a:extLst>
               <a:ext uri="{FF2B5EF4-FFF2-40B4-BE49-F238E27FC236}">
-                <a16:creationId xmlns:a16="http://schemas.microsoft.com/office/drawing/2014/main" xmlns="" id="{57A9E81B-78FE-C5EE-995B-AE19434FCE6C}"/>
+                <a16:creationId xmlns="" xmlns:a16="http://schemas.microsoft.com/office/drawing/2014/main" id="{57A9E81B-78FE-C5EE-995B-AE19434FCE6C}"/>
               </a:ext>
             </a:extLst>
           </p:cNvPr>
@@ -15848,21 +15801,21 @@
                 <a:gridCol w="1731833">
                   <a:extLst>
                     <a:ext uri="{9D8B030D-6E8A-4147-A177-3AD203B41FA5}">
-                      <a16:colId xmlns:a16="http://schemas.microsoft.com/office/drawing/2014/main" xmlns="" val="4032330398"/>
+                      <a16:colId xmlns="" xmlns:a16="http://schemas.microsoft.com/office/drawing/2014/main" val="4032330398"/>
                     </a:ext>
                   </a:extLst>
                 </a:gridCol>
                 <a:gridCol w="1752960">
                   <a:extLst>
                     <a:ext uri="{9D8B030D-6E8A-4147-A177-3AD203B41FA5}">
-                      <a16:colId xmlns:a16="http://schemas.microsoft.com/office/drawing/2014/main" xmlns="" val="2529553061"/>
+                      <a16:colId xmlns="" xmlns:a16="http://schemas.microsoft.com/office/drawing/2014/main" val="2529553061"/>
                     </a:ext>
                   </a:extLst>
                 </a:gridCol>
                 <a:gridCol w="2730951">
                   <a:extLst>
                     <a:ext uri="{9D8B030D-6E8A-4147-A177-3AD203B41FA5}">
-                      <a16:colId xmlns:a16="http://schemas.microsoft.com/office/drawing/2014/main" xmlns="" val="2764036319"/>
+                      <a16:colId xmlns="" xmlns:a16="http://schemas.microsoft.com/office/drawing/2014/main" val="2764036319"/>
                     </a:ext>
                   </a:extLst>
                 </a:gridCol>
@@ -16050,7 +16003,7 @@
                 </a:tc>
                 <a:extLst>
                   <a:ext uri="{0D108BD9-81ED-4DB2-BD59-A6C34878D82A}">
-                    <a16:rowId xmlns:a16="http://schemas.microsoft.com/office/drawing/2014/main" xmlns="" val="2120154440"/>
+                    <a16:rowId xmlns="" xmlns:a16="http://schemas.microsoft.com/office/drawing/2014/main" val="2120154440"/>
                   </a:ext>
                 </a:extLst>
               </a:tr>
@@ -16277,7 +16230,7 @@
                 </a:tc>
                 <a:extLst>
                   <a:ext uri="{0D108BD9-81ED-4DB2-BD59-A6C34878D82A}">
-                    <a16:rowId xmlns:a16="http://schemas.microsoft.com/office/drawing/2014/main" xmlns="" val="1372649246"/>
+                    <a16:rowId xmlns="" xmlns:a16="http://schemas.microsoft.com/office/drawing/2014/main" val="1372649246"/>
                   </a:ext>
                 </a:extLst>
               </a:tr>
@@ -16290,7 +16243,7 @@
           <p:cNvPr id="9" name="그림 8">
             <a:extLst>
               <a:ext uri="{FF2B5EF4-FFF2-40B4-BE49-F238E27FC236}">
-                <a16:creationId xmlns:a16="http://schemas.microsoft.com/office/drawing/2014/main" xmlns="" id="{BDF1B617-4E7D-BB57-42FB-DDFB8BB3FBA6}"/>
+                <a16:creationId xmlns="" xmlns:a16="http://schemas.microsoft.com/office/drawing/2014/main" id="{BDF1B617-4E7D-BB57-42FB-DDFB8BB3FBA6}"/>
               </a:ext>
             </a:extLst>
           </p:cNvPr>
@@ -16320,7 +16273,7 @@
           <p:cNvPr id="11" name="그림 10">
             <a:extLst>
               <a:ext uri="{FF2B5EF4-FFF2-40B4-BE49-F238E27FC236}">
-                <a16:creationId xmlns:a16="http://schemas.microsoft.com/office/drawing/2014/main" xmlns="" id="{41D29328-9FA6-680E-0899-868784F9AC5B}"/>
+                <a16:creationId xmlns="" xmlns:a16="http://schemas.microsoft.com/office/drawing/2014/main" id="{41D29328-9FA6-680E-0899-868784F9AC5B}"/>
               </a:ext>
             </a:extLst>
           </p:cNvPr>
@@ -16350,7 +16303,7 @@
           <p:cNvPr id="13" name="그림 12">
             <a:extLst>
               <a:ext uri="{FF2B5EF4-FFF2-40B4-BE49-F238E27FC236}">
-                <a16:creationId xmlns:a16="http://schemas.microsoft.com/office/drawing/2014/main" xmlns="" id="{5779F6B0-4E95-3623-F441-FDA7C6560C84}"/>
+                <a16:creationId xmlns="" xmlns:a16="http://schemas.microsoft.com/office/drawing/2014/main" id="{5779F6B0-4E95-3623-F441-FDA7C6560C84}"/>
               </a:ext>
             </a:extLst>
           </p:cNvPr>
@@ -16380,7 +16333,7 @@
           <p:cNvPr id="15" name="그림 14">
             <a:extLst>
               <a:ext uri="{FF2B5EF4-FFF2-40B4-BE49-F238E27FC236}">
-                <a16:creationId xmlns:a16="http://schemas.microsoft.com/office/drawing/2014/main" xmlns="" id="{27E05EAB-468B-59F1-A433-9D03E86F05E6}"/>
+                <a16:creationId xmlns="" xmlns:a16="http://schemas.microsoft.com/office/drawing/2014/main" id="{27E05EAB-468B-59F1-A433-9D03E86F05E6}"/>
               </a:ext>
             </a:extLst>
           </p:cNvPr>
@@ -16415,6 +16368,13 @@
   <p:clrMapOvr>
     <a:masterClrMapping/>
   </p:clrMapOvr>
+  <p:timing>
+    <p:tnLst>
+      <p:par>
+        <p:cTn id="1" dur="indefinite" restart="never" nodeType="tmRoot"/>
+      </p:par>
+    </p:tnLst>
+  </p:timing>
 </p:sld>
 </file>
 
@@ -16706,7 +16666,7 @@
           <p:cNvPr id="2" name="TextBox 1">
             <a:extLst>
               <a:ext uri="{FF2B5EF4-FFF2-40B4-BE49-F238E27FC236}">
-                <a16:creationId xmlns:a16="http://schemas.microsoft.com/office/drawing/2014/main" xmlns="" id="{715D88A2-BD52-978B-A00A-540446126E3D}"/>
+                <a16:creationId xmlns="" xmlns:a16="http://schemas.microsoft.com/office/drawing/2014/main" id="{715D88A2-BD52-978B-A00A-540446126E3D}"/>
               </a:ext>
             </a:extLst>
           </p:cNvPr>
@@ -16967,7 +16927,7 @@
           <p:cNvPr id="2" name="TextBox 1">
             <a:extLst>
               <a:ext uri="{FF2B5EF4-FFF2-40B4-BE49-F238E27FC236}">
-                <a16:creationId xmlns:a16="http://schemas.microsoft.com/office/drawing/2014/main" xmlns="" id="{8D19D88B-9541-32D7-90F1-0C45C993E21C}"/>
+                <a16:creationId xmlns="" xmlns:a16="http://schemas.microsoft.com/office/drawing/2014/main" id="{8D19D88B-9541-32D7-90F1-0C45C993E21C}"/>
               </a:ext>
             </a:extLst>
           </p:cNvPr>
@@ -17040,7 +17000,7 @@
           <p:cNvPr id="4" name="TextBox 3">
             <a:extLst>
               <a:ext uri="{FF2B5EF4-FFF2-40B4-BE49-F238E27FC236}">
-                <a16:creationId xmlns:a16="http://schemas.microsoft.com/office/drawing/2014/main" xmlns="" id="{DF7DDD33-9412-2802-339A-E55446AC2DA7}"/>
+                <a16:creationId xmlns="" xmlns:a16="http://schemas.microsoft.com/office/drawing/2014/main" id="{DF7DDD33-9412-2802-339A-E55446AC2DA7}"/>
               </a:ext>
             </a:extLst>
           </p:cNvPr>
@@ -17118,7 +17078,7 @@
           <p:cNvPr id="4" name="TextBox 3">
             <a:extLst>
               <a:ext uri="{FF2B5EF4-FFF2-40B4-BE49-F238E27FC236}">
-                <a16:creationId xmlns:a16="http://schemas.microsoft.com/office/drawing/2014/main" xmlns="" id="{DF7DDD33-9412-2802-339A-E55446AC2DA7}"/>
+                <a16:creationId xmlns="" xmlns:a16="http://schemas.microsoft.com/office/drawing/2014/main" id="{DF7DDD33-9412-2802-339A-E55446AC2DA7}"/>
               </a:ext>
             </a:extLst>
           </p:cNvPr>
@@ -17200,7 +17160,7 @@
           <p:cNvPr id="5" name="직선 화살표 연결선 4">
             <a:extLst>
               <a:ext uri="{FF2B5EF4-FFF2-40B4-BE49-F238E27FC236}">
-                <a16:creationId xmlns:a16="http://schemas.microsoft.com/office/drawing/2014/main" xmlns="" id="{299DF5EC-9DF4-5255-06AC-0A7CE4FF58C3}"/>
+                <a16:creationId xmlns="" xmlns:a16="http://schemas.microsoft.com/office/drawing/2014/main" id="{299DF5EC-9DF4-5255-06AC-0A7CE4FF58C3}"/>
               </a:ext>
             </a:extLst>
           </p:cNvPr>
@@ -17241,7 +17201,7 @@
           <p:cNvPr id="6" name="직사각형 5">
             <a:extLst>
               <a:ext uri="{FF2B5EF4-FFF2-40B4-BE49-F238E27FC236}">
-                <a16:creationId xmlns:a16="http://schemas.microsoft.com/office/drawing/2014/main" xmlns="" id="{FFF506F9-840A-0508-4CAF-3AC711D8D5CE}"/>
+                <a16:creationId xmlns="" xmlns:a16="http://schemas.microsoft.com/office/drawing/2014/main" id="{FFF506F9-840A-0508-4CAF-3AC711D8D5CE}"/>
               </a:ext>
             </a:extLst>
           </p:cNvPr>
@@ -17293,7 +17253,7 @@
           <p:cNvPr id="7" name="TextBox 6">
             <a:extLst>
               <a:ext uri="{FF2B5EF4-FFF2-40B4-BE49-F238E27FC236}">
-                <a16:creationId xmlns:a16="http://schemas.microsoft.com/office/drawing/2014/main" xmlns="" id="{C6D113C6-EA5C-788F-0C77-E7CE6EBB865F}"/>
+                <a16:creationId xmlns="" xmlns:a16="http://schemas.microsoft.com/office/drawing/2014/main" id="{C6D113C6-EA5C-788F-0C77-E7CE6EBB865F}"/>
               </a:ext>
             </a:extLst>
           </p:cNvPr>
@@ -17419,7 +17379,7 @@
           <p:cNvPr id="7" name="직사각형 6">
             <a:extLst>
               <a:ext uri="{FF2B5EF4-FFF2-40B4-BE49-F238E27FC236}">
-                <a16:creationId xmlns:a16="http://schemas.microsoft.com/office/drawing/2014/main" xmlns="" id="{FFF506F9-840A-0508-4CAF-3AC711D8D5CE}"/>
+                <a16:creationId xmlns="" xmlns:a16="http://schemas.microsoft.com/office/drawing/2014/main" id="{FFF506F9-840A-0508-4CAF-3AC711D8D5CE}"/>
               </a:ext>
             </a:extLst>
           </p:cNvPr>
@@ -17471,7 +17431,7 @@
           <p:cNvPr id="8" name="직사각형 7">
             <a:extLst>
               <a:ext uri="{FF2B5EF4-FFF2-40B4-BE49-F238E27FC236}">
-                <a16:creationId xmlns:a16="http://schemas.microsoft.com/office/drawing/2014/main" xmlns="" id="{FFF506F9-840A-0508-4CAF-3AC711D8D5CE}"/>
+                <a16:creationId xmlns="" xmlns:a16="http://schemas.microsoft.com/office/drawing/2014/main" id="{FFF506F9-840A-0508-4CAF-3AC711D8D5CE}"/>
               </a:ext>
             </a:extLst>
           </p:cNvPr>
@@ -17547,7 +17507,7 @@
           <p:cNvPr id="10" name="직사각형 9">
             <a:extLst>
               <a:ext uri="{FF2B5EF4-FFF2-40B4-BE49-F238E27FC236}">
-                <a16:creationId xmlns:a16="http://schemas.microsoft.com/office/drawing/2014/main" xmlns="" id="{FFF506F9-840A-0508-4CAF-3AC711D8D5CE}"/>
+                <a16:creationId xmlns="" xmlns:a16="http://schemas.microsoft.com/office/drawing/2014/main" id="{FFF506F9-840A-0508-4CAF-3AC711D8D5CE}"/>
               </a:ext>
             </a:extLst>
           </p:cNvPr>
@@ -17599,7 +17559,7 @@
           <p:cNvPr id="11" name="직사각형 10">
             <a:extLst>
               <a:ext uri="{FF2B5EF4-FFF2-40B4-BE49-F238E27FC236}">
-                <a16:creationId xmlns:a16="http://schemas.microsoft.com/office/drawing/2014/main" xmlns="" id="{FFF506F9-840A-0508-4CAF-3AC711D8D5CE}"/>
+                <a16:creationId xmlns="" xmlns:a16="http://schemas.microsoft.com/office/drawing/2014/main" id="{FFF506F9-840A-0508-4CAF-3AC711D8D5CE}"/>
               </a:ext>
             </a:extLst>
           </p:cNvPr>
@@ -17869,7 +17829,7 @@
           <p:cNvPr id="2" name="TextBox 1">
             <a:extLst>
               <a:ext uri="{FF2B5EF4-FFF2-40B4-BE49-F238E27FC236}">
-                <a16:creationId xmlns:a16="http://schemas.microsoft.com/office/drawing/2014/main" xmlns="" id="{76F36AE5-79B5-0B9F-E510-1C27AAC4B649}"/>
+                <a16:creationId xmlns="" xmlns:a16="http://schemas.microsoft.com/office/drawing/2014/main" id="{76F36AE5-79B5-0B9F-E510-1C27AAC4B649}"/>
               </a:ext>
             </a:extLst>
           </p:cNvPr>
@@ -18060,7 +18020,7 @@
           <p:cNvPr id="56" name="TextBox 55">
             <a:extLst>
               <a:ext uri="{FF2B5EF4-FFF2-40B4-BE49-F238E27FC236}">
-                <a16:creationId xmlns:a16="http://schemas.microsoft.com/office/drawing/2014/main" xmlns="" id="{A2AD056B-97A4-5BCC-4460-250160F3E171}"/>
+                <a16:creationId xmlns="" xmlns:a16="http://schemas.microsoft.com/office/drawing/2014/main" id="{A2AD056B-97A4-5BCC-4460-250160F3E171}"/>
               </a:ext>
             </a:extLst>
           </p:cNvPr>
@@ -18186,7 +18146,7 @@
           <p:cNvPr id="60" name="TextBox 59">
             <a:extLst>
               <a:ext uri="{FF2B5EF4-FFF2-40B4-BE49-F238E27FC236}">
-                <a16:creationId xmlns:a16="http://schemas.microsoft.com/office/drawing/2014/main" xmlns="" id="{5ADC00B6-990A-40DC-3CEA-505258F5E8DA}"/>
+                <a16:creationId xmlns="" xmlns:a16="http://schemas.microsoft.com/office/drawing/2014/main" id="{5ADC00B6-990A-40DC-3CEA-505258F5E8DA}"/>
               </a:ext>
             </a:extLst>
           </p:cNvPr>
@@ -18234,7 +18194,7 @@
           <p:cNvPr id="61" name="TextBox 60">
             <a:extLst>
               <a:ext uri="{FF2B5EF4-FFF2-40B4-BE49-F238E27FC236}">
-                <a16:creationId xmlns:a16="http://schemas.microsoft.com/office/drawing/2014/main" xmlns="" id="{5ADC00B6-990A-40DC-3CEA-505258F5E8DA}"/>
+                <a16:creationId xmlns="" xmlns:a16="http://schemas.microsoft.com/office/drawing/2014/main" id="{5ADC00B6-990A-40DC-3CEA-505258F5E8DA}"/>
               </a:ext>
             </a:extLst>
           </p:cNvPr>
@@ -18282,7 +18242,7 @@
           <p:cNvPr id="62" name="TextBox 61">
             <a:extLst>
               <a:ext uri="{FF2B5EF4-FFF2-40B4-BE49-F238E27FC236}">
-                <a16:creationId xmlns:a16="http://schemas.microsoft.com/office/drawing/2014/main" xmlns="" id="{5ADC00B6-990A-40DC-3CEA-505258F5E8DA}"/>
+                <a16:creationId xmlns="" xmlns:a16="http://schemas.microsoft.com/office/drawing/2014/main" id="{5ADC00B6-990A-40DC-3CEA-505258F5E8DA}"/>
               </a:ext>
             </a:extLst>
           </p:cNvPr>
@@ -18360,7 +18320,7 @@
           <p:cNvPr id="4" name="TextBox 3">
             <a:extLst>
               <a:ext uri="{FF2B5EF4-FFF2-40B4-BE49-F238E27FC236}">
-                <a16:creationId xmlns:a16="http://schemas.microsoft.com/office/drawing/2014/main" xmlns="" id="{5ADC00B6-990A-40DC-3CEA-505258F5E8DA}"/>
+                <a16:creationId xmlns="" xmlns:a16="http://schemas.microsoft.com/office/drawing/2014/main" id="{5ADC00B6-990A-40DC-3CEA-505258F5E8DA}"/>
               </a:ext>
             </a:extLst>
           </p:cNvPr>
@@ -18408,7 +18368,7 @@
           <p:cNvPr id="5" name="TextBox 4">
             <a:extLst>
               <a:ext uri="{FF2B5EF4-FFF2-40B4-BE49-F238E27FC236}">
-                <a16:creationId xmlns:a16="http://schemas.microsoft.com/office/drawing/2014/main" xmlns="" id="{A2AD056B-97A4-5BCC-4460-250160F3E171}"/>
+                <a16:creationId xmlns="" xmlns:a16="http://schemas.microsoft.com/office/drawing/2014/main" id="{A2AD056B-97A4-5BCC-4460-250160F3E171}"/>
               </a:ext>
             </a:extLst>
           </p:cNvPr>
@@ -18499,7 +18459,7 @@
           <p:cNvPr id="8" name="직선 화살표 연결선 7">
             <a:extLst>
               <a:ext uri="{FF2B5EF4-FFF2-40B4-BE49-F238E27FC236}">
-                <a16:creationId xmlns:a16="http://schemas.microsoft.com/office/drawing/2014/main" xmlns="" id="{299DF5EC-9DF4-5255-06AC-0A7CE4FF58C3}"/>
+                <a16:creationId xmlns="" xmlns:a16="http://schemas.microsoft.com/office/drawing/2014/main" id="{299DF5EC-9DF4-5255-06AC-0A7CE4FF58C3}"/>
               </a:ext>
             </a:extLst>
           </p:cNvPr>
@@ -18540,7 +18500,7 @@
           <p:cNvPr id="9" name="직사각형 8">
             <a:extLst>
               <a:ext uri="{FF2B5EF4-FFF2-40B4-BE49-F238E27FC236}">
-                <a16:creationId xmlns:a16="http://schemas.microsoft.com/office/drawing/2014/main" xmlns="" id="{FFF506F9-840A-0508-4CAF-3AC711D8D5CE}"/>
+                <a16:creationId xmlns="" xmlns:a16="http://schemas.microsoft.com/office/drawing/2014/main" id="{FFF506F9-840A-0508-4CAF-3AC711D8D5CE}"/>
               </a:ext>
             </a:extLst>
           </p:cNvPr>
@@ -18592,7 +18552,7 @@
           <p:cNvPr id="10" name="TextBox 9">
             <a:extLst>
               <a:ext uri="{FF2B5EF4-FFF2-40B4-BE49-F238E27FC236}">
-                <a16:creationId xmlns:a16="http://schemas.microsoft.com/office/drawing/2014/main" xmlns="" id="{C6D113C6-EA5C-788F-0C77-E7CE6EBB865F}"/>
+                <a16:creationId xmlns="" xmlns:a16="http://schemas.microsoft.com/office/drawing/2014/main" id="{C6D113C6-EA5C-788F-0C77-E7CE6EBB865F}"/>
               </a:ext>
             </a:extLst>
           </p:cNvPr>
@@ -18674,7 +18634,7 @@
           <p:cNvPr id="12" name="직선 화살표 연결선 11">
             <a:extLst>
               <a:ext uri="{FF2B5EF4-FFF2-40B4-BE49-F238E27FC236}">
-                <a16:creationId xmlns:a16="http://schemas.microsoft.com/office/drawing/2014/main" xmlns="" id="{299DF5EC-9DF4-5255-06AC-0A7CE4FF58C3}"/>
+                <a16:creationId xmlns="" xmlns:a16="http://schemas.microsoft.com/office/drawing/2014/main" id="{299DF5EC-9DF4-5255-06AC-0A7CE4FF58C3}"/>
               </a:ext>
             </a:extLst>
           </p:cNvPr>
@@ -18715,7 +18675,7 @@
           <p:cNvPr id="13" name="직사각형 12">
             <a:extLst>
               <a:ext uri="{FF2B5EF4-FFF2-40B4-BE49-F238E27FC236}">
-                <a16:creationId xmlns:a16="http://schemas.microsoft.com/office/drawing/2014/main" xmlns="" id="{FFF506F9-840A-0508-4CAF-3AC711D8D5CE}"/>
+                <a16:creationId xmlns="" xmlns:a16="http://schemas.microsoft.com/office/drawing/2014/main" id="{FFF506F9-840A-0508-4CAF-3AC711D8D5CE}"/>
               </a:ext>
             </a:extLst>
           </p:cNvPr>
@@ -18767,7 +18727,7 @@
           <p:cNvPr id="14" name="TextBox 13">
             <a:extLst>
               <a:ext uri="{FF2B5EF4-FFF2-40B4-BE49-F238E27FC236}">
-                <a16:creationId xmlns:a16="http://schemas.microsoft.com/office/drawing/2014/main" xmlns="" id="{C6D113C6-EA5C-788F-0C77-E7CE6EBB865F}"/>
+                <a16:creationId xmlns="" xmlns:a16="http://schemas.microsoft.com/office/drawing/2014/main" id="{C6D113C6-EA5C-788F-0C77-E7CE6EBB865F}"/>
               </a:ext>
             </a:extLst>
           </p:cNvPr>
